--- a/Final Project/presentation slides.pptx
+++ b/Final Project/presentation slides.pptx
@@ -7,7 +7,11 @@
   <p:sldIdLst>
     <p:sldId id="256" r:id="rId2"/>
     <p:sldId id="257" r:id="rId3"/>
-    <p:sldId id="258" r:id="rId4"/>
+    <p:sldId id="259" r:id="rId4"/>
+    <p:sldId id="260" r:id="rId5"/>
+    <p:sldId id="261" r:id="rId6"/>
+    <p:sldId id="262" r:id="rId7"/>
+    <p:sldId id="263" r:id="rId8"/>
   </p:sldIdLst>
   <p:sldSz cx="12192000" cy="6858000"/>
   <p:notesSz cx="6858000" cy="9144000"/>
@@ -106,6 +110,11 @@
       </a:defRPr>
     </a:lvl9pPr>
   </p:defaultTextStyle>
+  <p:extLst>
+    <p:ext uri="{EFAFB233-063F-42B5-8137-9DF3F51BA10A}">
+      <p15:sldGuideLst xmlns:p15="http://schemas.microsoft.com/office/powerpoint/2012/main"/>
+    </p:ext>
+  </p:extLst>
 </p:presentation>
 </file>
 
@@ -440,7 +449,7 @@
           <a:p>
             <a:fld id="{26D97B37-B455-4B73-AFB5-7DDD6ADA2FB5}" type="datetimeFigureOut">
               <a:rPr lang="zh-TW" altLang="en-US" smtClean="0"/>
-              <a:t>2022/1/16</a:t>
+              <a:t>2022/1/20</a:t>
             </a:fld>
             <a:endParaRPr lang="zh-TW" altLang="en-US"/>
           </a:p>
@@ -764,7 +773,7 @@
           <a:p>
             <a:fld id="{26D97B37-B455-4B73-AFB5-7DDD6ADA2FB5}" type="datetimeFigureOut">
               <a:rPr lang="zh-TW" altLang="en-US" smtClean="0"/>
-              <a:t>2022/1/16</a:t>
+              <a:t>2022/1/20</a:t>
             </a:fld>
             <a:endParaRPr lang="zh-TW" altLang="en-US"/>
           </a:p>
@@ -1012,7 +1021,7 @@
           <a:p>
             <a:fld id="{26D97B37-B455-4B73-AFB5-7DDD6ADA2FB5}" type="datetimeFigureOut">
               <a:rPr lang="zh-TW" altLang="en-US" smtClean="0"/>
-              <a:t>2022/1/16</a:t>
+              <a:t>2022/1/20</a:t>
             </a:fld>
             <a:endParaRPr lang="zh-TW" altLang="en-US"/>
           </a:p>
@@ -1351,7 +1360,7 @@
           <a:p>
             <a:fld id="{26D97B37-B455-4B73-AFB5-7DDD6ADA2FB5}" type="datetimeFigureOut">
               <a:rPr lang="zh-TW" altLang="en-US" smtClean="0"/>
-              <a:t>2022/1/16</a:t>
+              <a:t>2022/1/20</a:t>
             </a:fld>
             <a:endParaRPr lang="zh-TW" altLang="en-US"/>
           </a:p>
@@ -1698,7 +1707,7 @@
           <a:p>
             <a:fld id="{26D97B37-B455-4B73-AFB5-7DDD6ADA2FB5}" type="datetimeFigureOut">
               <a:rPr lang="zh-TW" altLang="en-US" smtClean="0"/>
-              <a:t>2022/1/16</a:t>
+              <a:t>2022/1/20</a:t>
             </a:fld>
             <a:endParaRPr lang="zh-TW" altLang="en-US"/>
           </a:p>
@@ -2072,7 +2081,7 @@
           <a:p>
             <a:fld id="{26D97B37-B455-4B73-AFB5-7DDD6ADA2FB5}" type="datetimeFigureOut">
               <a:rPr lang="zh-TW" altLang="en-US" smtClean="0"/>
-              <a:t>2022/1/16</a:t>
+              <a:t>2022/1/20</a:t>
             </a:fld>
             <a:endParaRPr lang="zh-TW" altLang="en-US"/>
           </a:p>
@@ -2542,7 +2551,7 @@
           <a:p>
             <a:fld id="{26D97B37-B455-4B73-AFB5-7DDD6ADA2FB5}" type="datetimeFigureOut">
               <a:rPr lang="zh-TW" altLang="en-US" smtClean="0"/>
-              <a:t>2022/1/16</a:t>
+              <a:t>2022/1/20</a:t>
             </a:fld>
             <a:endParaRPr lang="zh-TW" altLang="en-US"/>
           </a:p>
@@ -2747,7 +2756,7 @@
           <a:p>
             <a:fld id="{26D97B37-B455-4B73-AFB5-7DDD6ADA2FB5}" type="datetimeFigureOut">
               <a:rPr lang="zh-TW" altLang="en-US" smtClean="0"/>
-              <a:t>2022/1/16</a:t>
+              <a:t>2022/1/20</a:t>
             </a:fld>
             <a:endParaRPr lang="zh-TW" altLang="en-US"/>
           </a:p>
@@ -2958,7 +2967,7 @@
           <a:p>
             <a:fld id="{26D97B37-B455-4B73-AFB5-7DDD6ADA2FB5}" type="datetimeFigureOut">
               <a:rPr lang="zh-TW" altLang="en-US" smtClean="0"/>
-              <a:t>2022/1/16</a:t>
+              <a:t>2022/1/20</a:t>
             </a:fld>
             <a:endParaRPr lang="zh-TW" altLang="en-US"/>
           </a:p>
@@ -3190,7 +3199,7 @@
           <a:p>
             <a:fld id="{26D97B37-B455-4B73-AFB5-7DDD6ADA2FB5}" type="datetimeFigureOut">
               <a:rPr lang="zh-TW" altLang="en-US" smtClean="0"/>
-              <a:t>2022/1/16</a:t>
+              <a:t>2022/1/20</a:t>
             </a:fld>
             <a:endParaRPr lang="zh-TW" altLang="en-US"/>
           </a:p>
@@ -3438,7 +3447,7 @@
           <a:p>
             <a:fld id="{26D97B37-B455-4B73-AFB5-7DDD6ADA2FB5}" type="datetimeFigureOut">
               <a:rPr lang="zh-TW" altLang="en-US" smtClean="0"/>
-              <a:t>2022/1/16</a:t>
+              <a:t>2022/1/20</a:t>
             </a:fld>
             <a:endParaRPr lang="zh-TW" altLang="en-US"/>
           </a:p>
@@ -3736,7 +3745,7 @@
           <a:p>
             <a:fld id="{26D97B37-B455-4B73-AFB5-7DDD6ADA2FB5}" type="datetimeFigureOut">
               <a:rPr lang="zh-TW" altLang="en-US" smtClean="0"/>
-              <a:t>2022/1/16</a:t>
+              <a:t>2022/1/20</a:t>
             </a:fld>
             <a:endParaRPr lang="zh-TW" altLang="en-US"/>
           </a:p>
@@ -4130,7 +4139,7 @@
           <a:p>
             <a:fld id="{26D97B37-B455-4B73-AFB5-7DDD6ADA2FB5}" type="datetimeFigureOut">
               <a:rPr lang="zh-TW" altLang="en-US" smtClean="0"/>
-              <a:t>2022/1/16</a:t>
+              <a:t>2022/1/20</a:t>
             </a:fld>
             <a:endParaRPr lang="zh-TW" altLang="en-US"/>
           </a:p>
@@ -4279,7 +4288,7 @@
           <a:p>
             <a:fld id="{26D97B37-B455-4B73-AFB5-7DDD6ADA2FB5}" type="datetimeFigureOut">
               <a:rPr lang="zh-TW" altLang="en-US" smtClean="0"/>
-              <a:t>2022/1/16</a:t>
+              <a:t>2022/1/20</a:t>
             </a:fld>
             <a:endParaRPr lang="zh-TW" altLang="en-US"/>
           </a:p>
@@ -4405,7 +4414,7 @@
           <a:p>
             <a:fld id="{26D97B37-B455-4B73-AFB5-7DDD6ADA2FB5}" type="datetimeFigureOut">
               <a:rPr lang="zh-TW" altLang="en-US" smtClean="0"/>
-              <a:t>2022/1/16</a:t>
+              <a:t>2022/1/20</a:t>
             </a:fld>
             <a:endParaRPr lang="zh-TW" altLang="en-US"/>
           </a:p>
@@ -4660,7 +4669,7 @@
           <a:p>
             <a:fld id="{26D97B37-B455-4B73-AFB5-7DDD6ADA2FB5}" type="datetimeFigureOut">
               <a:rPr lang="zh-TW" altLang="en-US" smtClean="0"/>
-              <a:t>2022/1/16</a:t>
+              <a:t>2022/1/20</a:t>
             </a:fld>
             <a:endParaRPr lang="zh-TW" altLang="en-US"/>
           </a:p>
@@ -4975,7 +4984,7 @@
           <a:p>
             <a:fld id="{26D97B37-B455-4B73-AFB5-7DDD6ADA2FB5}" type="datetimeFigureOut">
               <a:rPr lang="zh-TW" altLang="en-US" smtClean="0"/>
-              <a:t>2022/1/16</a:t>
+              <a:t>2022/1/20</a:t>
             </a:fld>
             <a:endParaRPr lang="zh-TW" altLang="en-US"/>
           </a:p>
@@ -5326,7 +5335,7 @@
           <a:p>
             <a:fld id="{26D97B37-B455-4B73-AFB5-7DDD6ADA2FB5}" type="datetimeFigureOut">
               <a:rPr lang="zh-TW" altLang="en-US" smtClean="0"/>
-              <a:t>2022/1/16</a:t>
+              <a:t>2022/1/20</a:t>
             </a:fld>
             <a:endParaRPr lang="zh-TW" altLang="en-US"/>
           </a:p>
@@ -6082,14 +6091,14 @@
             <p:ph idx="1"/>
             <p:extLst>
               <p:ext uri="{D42A27DB-BD31-4B8C-83A1-F6EECF244321}">
-                <p14:modId xmlns:p14="http://schemas.microsoft.com/office/powerpoint/2010/main" val="2262767468"/>
+                <p14:modId xmlns:p14="http://schemas.microsoft.com/office/powerpoint/2010/main" val="3905068121"/>
               </p:ext>
             </p:extLst>
           </p:nvPr>
         </p:nvGraphicFramePr>
         <p:xfrm>
-          <a:off x="2163643" y="1640141"/>
-          <a:ext cx="7864713" cy="4568108"/>
+          <a:off x="627806" y="1784942"/>
+          <a:ext cx="6767293" cy="4284048"/>
         </p:xfrm>
         <a:graphic>
           <a:graphicData uri="http://schemas.openxmlformats.org/drawingml/2006/table">
@@ -6098,14 +6107,14 @@
                 <a:tableStyleId>{5C22544A-7EE6-4342-B048-85BDC9FD1C3A}</a:tableStyleId>
               </a:tblPr>
               <a:tblGrid>
-                <a:gridCol w="3618908">
+                <a:gridCol w="3113936">
                   <a:extLst>
                     <a:ext uri="{9D8B030D-6E8A-4147-A177-3AD203B41FA5}">
                       <a16:colId xmlns:a16="http://schemas.microsoft.com/office/drawing/2014/main" val="3913346359"/>
                     </a:ext>
                   </a:extLst>
                 </a:gridCol>
-                <a:gridCol w="4245805">
+                <a:gridCol w="3653357">
                   <a:extLst>
                     <a:ext uri="{9D8B030D-6E8A-4147-A177-3AD203B41FA5}">
                       <a16:colId xmlns:a16="http://schemas.microsoft.com/office/drawing/2014/main" val="2165009295"/>
@@ -6113,7 +6122,7 @@
                   </a:extLst>
                 </a:gridCol>
               </a:tblGrid>
-              <a:tr h="1471809">
+              <a:tr h="1359539">
                 <a:tc>
                   <a:txBody>
                     <a:bodyPr/>
@@ -6332,30 +6341,42 @@
                   </a:ext>
                 </a:extLst>
               </a:tr>
-              <a:tr h="812245">
+              <a:tr h="750286">
                 <a:tc>
                   <a:txBody>
                     <a:bodyPr/>
                     <a:lstStyle/>
                     <a:p>
                       <a:r>
-                        <a:rPr lang="en-US" sz="1400">
+                        <a:rPr lang="en-US" sz="1400" dirty="0">
                           <a:effectLst/>
                         </a:rPr>
-                        <a:t>Huang, Chen-En </a:t>
+                        <a:t>Huang, Chen-</a:t>
                       </a:r>
-                      <a:endParaRPr lang="zh-TW" sz="1400">
+                      <a:r>
+                        <a:rPr lang="en-US" sz="1400" dirty="0" err="1">
+                          <a:effectLst/>
+                        </a:rPr>
+                        <a:t>En</a:t>
+                      </a:r>
+                      <a:r>
+                        <a:rPr lang="en-US" sz="1400" dirty="0">
+                          <a:effectLst/>
+                        </a:rPr>
+                        <a:t> </a:t>
+                      </a:r>
+                      <a:endParaRPr lang="zh-TW" sz="1400" dirty="0">
                         <a:effectLst/>
                       </a:endParaRPr>
                     </a:p>
                     <a:p>
                       <a:r>
-                        <a:rPr lang="en-US" sz="1400">
+                        <a:rPr lang="en-US" sz="1400" dirty="0">
                           <a:effectLst/>
                         </a:rPr>
                         <a:t>(Developer)</a:t>
                       </a:r>
-                      <a:endParaRPr lang="zh-TW" sz="1400">
+                      <a:endParaRPr lang="zh-TW" sz="1400" dirty="0">
                         <a:effectLst/>
                         <a:latin typeface="Calibri" panose="020F0502020204030204" pitchFamily="34" charset="0"/>
                         <a:ea typeface="新細明體" panose="02020500000000000000" pitchFamily="18" charset="-120"/>
@@ -6459,41 +6480,65 @@
                   </a:ext>
                 </a:extLst>
               </a:tr>
-              <a:tr h="812245">
+              <a:tr h="750286">
                 <a:tc>
                   <a:txBody>
                     <a:bodyPr/>
                     <a:lstStyle/>
                     <a:p>
                       <a:r>
-                        <a:rPr lang="en-US" sz="1400">
+                        <a:rPr lang="en-US" sz="1400" dirty="0">
                           <a:effectLst/>
                         </a:rPr>
                         <a:t>Pu, Chi-Hao </a:t>
                       </a:r>
-                      <a:endParaRPr lang="zh-TW" sz="1400">
+                      <a:endParaRPr lang="zh-TW" sz="1400" dirty="0">
                         <a:effectLst/>
                       </a:endParaRPr>
                     </a:p>
                     <a:p>
                       <a:r>
-                        <a:rPr lang="en-US" sz="1400">
+                        <a:rPr lang="en-US" sz="1400" dirty="0">
                           <a:effectLst/>
                         </a:rPr>
-                        <a:t>(Art)</a:t>
+                        <a:t>(</a:t>
                       </a:r>
-                      <a:endParaRPr lang="zh-TW" sz="1400">
+                      <a:r>
+                        <a:rPr lang="en-US" altLang="zh-TW" sz="1400" dirty="0">
+                          <a:effectLst/>
+                        </a:rPr>
+                        <a:t>UI</a:t>
+                      </a:r>
+                      <a:r>
+                        <a:rPr lang="zh-TW" altLang="en-US" sz="1400" dirty="0">
+                          <a:effectLst/>
+                        </a:rPr>
+                        <a:t> </a:t>
+                      </a:r>
+                      <a:r>
+                        <a:rPr lang="en-US" altLang="zh-TW" sz="1400" dirty="0">
+                          <a:effectLst/>
+                        </a:rPr>
+                        <a:t>Design</a:t>
+                      </a:r>
+                      <a:r>
+                        <a:rPr lang="en-US" sz="1400" dirty="0">
+                          <a:effectLst/>
+                        </a:rPr>
+                        <a:t>)</a:t>
+                      </a:r>
+                      <a:endParaRPr lang="zh-TW" sz="1400" dirty="0">
                         <a:effectLst/>
                       </a:endParaRPr>
                     </a:p>
                     <a:p>
                       <a:r>
-                        <a:rPr lang="en-US" sz="1400">
+                        <a:rPr lang="en-US" sz="1400" dirty="0">
                           <a:effectLst/>
                         </a:rPr>
                         <a:t>(Developer)</a:t>
                       </a:r>
-                      <a:endParaRPr lang="zh-TW" sz="1400">
+                      <a:endParaRPr lang="zh-TW" sz="1400" dirty="0">
                         <a:effectLst/>
                         <a:latin typeface="Calibri" panose="020F0502020204030204" pitchFamily="34" charset="0"/>
                         <a:ea typeface="新細明體" panose="02020500000000000000" pitchFamily="18" charset="-120"/>
@@ -6606,41 +6651,41 @@
                   </a:ext>
                 </a:extLst>
               </a:tr>
-              <a:tr h="1471809">
+              <a:tr h="1359539">
                 <a:tc>
                   <a:txBody>
                     <a:bodyPr/>
                     <a:lstStyle/>
                     <a:p>
                       <a:r>
-                        <a:rPr lang="en-US" sz="1400">
+                        <a:rPr lang="en-US" sz="1400" dirty="0">
                           <a:effectLst/>
                         </a:rPr>
                         <a:t>Liao, Sheng-Hao </a:t>
                       </a:r>
-                      <a:endParaRPr lang="zh-TW" sz="1400">
+                      <a:endParaRPr lang="zh-TW" sz="1400" dirty="0">
                         <a:effectLst/>
                       </a:endParaRPr>
                     </a:p>
                     <a:p>
                       <a:r>
-                        <a:rPr lang="en-US" sz="1400">
+                        <a:rPr lang="en-US" sz="1400" dirty="0">
                           <a:effectLst/>
                         </a:rPr>
                         <a:t>(Program Manager)</a:t>
                       </a:r>
-                      <a:endParaRPr lang="zh-TW" sz="1400">
+                      <a:endParaRPr lang="zh-TW" sz="1400" dirty="0">
                         <a:effectLst/>
                       </a:endParaRPr>
                     </a:p>
                     <a:p>
                       <a:r>
-                        <a:rPr lang="en-US" sz="1400">
+                        <a:rPr lang="en-US" sz="1400" dirty="0">
                           <a:effectLst/>
                         </a:rPr>
                         <a:t>(Developer)</a:t>
                       </a:r>
-                      <a:endParaRPr lang="zh-TW" sz="1400">
+                      <a:endParaRPr lang="zh-TW" sz="1400" dirty="0">
                         <a:effectLst/>
                         <a:latin typeface="Calibri" panose="020F0502020204030204" pitchFamily="34" charset="0"/>
                         <a:ea typeface="新細明體" panose="02020500000000000000" pitchFamily="18" charset="-120"/>
@@ -7009,6 +7054,36 @@
           </a:p>
         </p:txBody>
       </p:sp>
+      <p:pic>
+        <p:nvPicPr>
+          <p:cNvPr id="6" name="圖片 5">
+            <a:extLst>
+              <a:ext uri="{FF2B5EF4-FFF2-40B4-BE49-F238E27FC236}">
+                <a16:creationId xmlns:a16="http://schemas.microsoft.com/office/drawing/2014/main" id="{07B87D5E-5225-4102-B15C-362953D76FE4}"/>
+              </a:ext>
+            </a:extLst>
+          </p:cNvPr>
+          <p:cNvPicPr>
+            <a:picLocks noChangeAspect="1"/>
+          </p:cNvPicPr>
+          <p:nvPr/>
+        </p:nvPicPr>
+        <p:blipFill>
+          <a:blip r:embed="rId2"/>
+          <a:stretch>
+            <a:fillRect/>
+          </a:stretch>
+        </p:blipFill>
+        <p:spPr>
+          <a:xfrm>
+            <a:off x="7499369" y="4364642"/>
+            <a:ext cx="3805601" cy="1416833"/>
+          </a:xfrm>
+          <a:prstGeom prst="rect">
+            <a:avLst/>
+          </a:prstGeom>
+        </p:spPr>
+      </p:pic>
     </p:spTree>
     <p:extLst>
       <p:ext uri="{BB962C8B-B14F-4D97-AF65-F5344CB8AC3E}">
@@ -7044,7 +7119,7 @@
           <p:cNvPr id="2" name="標題 1">
             <a:extLst>
               <a:ext uri="{FF2B5EF4-FFF2-40B4-BE49-F238E27FC236}">
-                <a16:creationId xmlns:a16="http://schemas.microsoft.com/office/drawing/2014/main" id="{A18C51AF-BB58-4136-B677-69696A79C23E}"/>
+                <a16:creationId xmlns:a16="http://schemas.microsoft.com/office/drawing/2014/main" id="{40B2B9F6-1F69-44FC-93C5-B4AFDB3B5EDA}"/>
               </a:ext>
             </a:extLst>
           </p:cNvPr>
@@ -7060,7 +7135,11 @@
           <a:bodyPr/>
           <a:lstStyle/>
           <a:p>
-            <a:endParaRPr lang="zh-TW" altLang="en-US"/>
+            <a:r>
+              <a:rPr lang="en-US" altLang="zh-TW" dirty="0"/>
+              <a:t>Features</a:t>
+            </a:r>
+            <a:endParaRPr lang="zh-TW" altLang="en-US" dirty="0"/>
           </a:p>
         </p:txBody>
       </p:sp>
@@ -7069,7 +7148,7 @@
           <p:cNvPr id="3" name="內容版面配置區 2">
             <a:extLst>
               <a:ext uri="{FF2B5EF4-FFF2-40B4-BE49-F238E27FC236}">
-                <a16:creationId xmlns:a16="http://schemas.microsoft.com/office/drawing/2014/main" id="{295F5040-5C78-44A9-ABC1-4CA1171DDAD3}"/>
+                <a16:creationId xmlns:a16="http://schemas.microsoft.com/office/drawing/2014/main" id="{301E3C50-4D62-4A14-B3ED-CFE48806A6E3}"/>
               </a:ext>
             </a:extLst>
           </p:cNvPr>
@@ -7082,17 +7161,782 @@
         </p:nvSpPr>
         <p:spPr/>
         <p:txBody>
-          <a:bodyPr/>
-          <a:lstStyle/>
-          <a:p>
-            <a:endParaRPr lang="zh-TW" altLang="en-US"/>
+          <a:bodyPr>
+            <a:normAutofit fontScale="70000" lnSpcReduction="20000"/>
+          </a:bodyPr>
+          <a:lstStyle/>
+          <a:p>
+            <a:r>
+              <a:rPr lang="en-US" altLang="zh-TW" dirty="0"/>
+              <a:t>Booking</a:t>
+            </a:r>
+          </a:p>
+          <a:p>
+            <a:pPr lvl="1"/>
+            <a:r>
+              <a:rPr lang="en-US" altLang="zh-TW" dirty="0"/>
+              <a:t>Choose room</a:t>
+            </a:r>
+          </a:p>
+          <a:p>
+            <a:pPr lvl="2"/>
+            <a:r>
+              <a:rPr lang="en-US" altLang="zh-TW" dirty="0"/>
+              <a:t>Choose date &amp; time</a:t>
+            </a:r>
+          </a:p>
+          <a:p>
+            <a:pPr lvl="2"/>
+            <a:r>
+              <a:rPr lang="en-US" altLang="zh-TW" dirty="0"/>
+              <a:t>Create meeting</a:t>
+            </a:r>
+          </a:p>
+          <a:p>
+            <a:pPr lvl="2"/>
+            <a:r>
+              <a:rPr lang="en-US" altLang="zh-TW" dirty="0"/>
+              <a:t>Modify meeting</a:t>
+            </a:r>
+          </a:p>
+          <a:p>
+            <a:pPr lvl="2"/>
+            <a:r>
+              <a:rPr lang="en-US" altLang="zh-TW" dirty="0"/>
+              <a:t>Delete meeting</a:t>
+            </a:r>
+          </a:p>
+          <a:p>
+            <a:r>
+              <a:rPr lang="en-US" altLang="zh-TW" dirty="0"/>
+              <a:t>My meeting</a:t>
+            </a:r>
+          </a:p>
+          <a:p>
+            <a:r>
+              <a:rPr lang="en-US" altLang="zh-TW" dirty="0"/>
+              <a:t>Manage room (Admin only)</a:t>
+            </a:r>
+          </a:p>
+          <a:p>
+            <a:pPr lvl="1"/>
+            <a:r>
+              <a:rPr lang="en-US" altLang="zh-TW" dirty="0"/>
+              <a:t>Add room</a:t>
+            </a:r>
+          </a:p>
+          <a:p>
+            <a:pPr lvl="1"/>
+            <a:r>
+              <a:rPr lang="en-US" altLang="zh-TW" dirty="0"/>
+              <a:t>Edit room</a:t>
+            </a:r>
+          </a:p>
+          <a:p>
+            <a:pPr lvl="1"/>
+            <a:r>
+              <a:rPr lang="en-US" altLang="zh-TW" dirty="0"/>
+              <a:t>Delete room</a:t>
+            </a:r>
           </a:p>
         </p:txBody>
       </p:sp>
     </p:spTree>
     <p:extLst>
       <p:ext uri="{BB962C8B-B14F-4D97-AF65-F5344CB8AC3E}">
-        <p14:creationId xmlns:p14="http://schemas.microsoft.com/office/powerpoint/2010/main" val="1897316723"/>
+        <p14:creationId xmlns:p14="http://schemas.microsoft.com/office/powerpoint/2010/main" val="1666400534"/>
+      </p:ext>
+    </p:extLst>
+  </p:cSld>
+  <p:clrMapOvr>
+    <a:masterClrMapping/>
+  </p:clrMapOvr>
+</p:sld>
+</file>
+
+<file path=ppt/slides/slide4.xml><?xml version="1.0" encoding="utf-8"?>
+<p:sld xmlns:a="http://schemas.openxmlformats.org/drawingml/2006/main" xmlns:r="http://schemas.openxmlformats.org/officeDocument/2006/relationships" xmlns:p="http://schemas.openxmlformats.org/presentationml/2006/main">
+  <p:cSld>
+    <p:spTree>
+      <p:nvGrpSpPr>
+        <p:cNvPr id="1" name=""/>
+        <p:cNvGrpSpPr/>
+        <p:nvPr/>
+      </p:nvGrpSpPr>
+      <p:grpSpPr>
+        <a:xfrm>
+          <a:off x="0" y="0"/>
+          <a:ext cx="0" cy="0"/>
+          <a:chOff x="0" y="0"/>
+          <a:chExt cx="0" cy="0"/>
+        </a:xfrm>
+      </p:grpSpPr>
+      <p:sp>
+        <p:nvSpPr>
+          <p:cNvPr id="2" name="標題 1">
+            <a:extLst>
+              <a:ext uri="{FF2B5EF4-FFF2-40B4-BE49-F238E27FC236}">
+                <a16:creationId xmlns:a16="http://schemas.microsoft.com/office/drawing/2014/main" id="{67FD610F-9BCC-466B-BB0A-07F5607EDDA8}"/>
+              </a:ext>
+            </a:extLst>
+          </p:cNvPr>
+          <p:cNvSpPr>
+            <a:spLocks noGrp="1"/>
+          </p:cNvSpPr>
+          <p:nvPr>
+            <p:ph type="title"/>
+          </p:nvPr>
+        </p:nvSpPr>
+        <p:spPr/>
+        <p:txBody>
+          <a:bodyPr/>
+          <a:lstStyle/>
+          <a:p>
+            <a:r>
+              <a:rPr lang="en-US" altLang="zh-TW" dirty="0"/>
+              <a:t>Limitation</a:t>
+            </a:r>
+            <a:endParaRPr lang="zh-TW" altLang="en-US" dirty="0"/>
+          </a:p>
+        </p:txBody>
+      </p:sp>
+      <p:sp>
+        <p:nvSpPr>
+          <p:cNvPr id="3" name="內容版面配置區 2">
+            <a:extLst>
+              <a:ext uri="{FF2B5EF4-FFF2-40B4-BE49-F238E27FC236}">
+                <a16:creationId xmlns:a16="http://schemas.microsoft.com/office/drawing/2014/main" id="{2C607F4A-630E-4FA9-B57C-73DAA03A46BD}"/>
+              </a:ext>
+            </a:extLst>
+          </p:cNvPr>
+          <p:cNvSpPr>
+            <a:spLocks noGrp="1"/>
+          </p:cNvSpPr>
+          <p:nvPr>
+            <p:ph idx="1"/>
+          </p:nvPr>
+        </p:nvSpPr>
+        <p:spPr/>
+        <p:txBody>
+          <a:bodyPr/>
+          <a:lstStyle/>
+          <a:p>
+            <a:r>
+              <a:rPr lang="en-US" altLang="zh-TW" dirty="0"/>
+              <a:t>The participant not allow two meeting at same time</a:t>
+            </a:r>
+          </a:p>
+          <a:p>
+            <a:r>
+              <a:rPr lang="en-US" altLang="zh-TW" dirty="0"/>
+              <a:t>The room not allow two meeting at same time</a:t>
+            </a:r>
+          </a:p>
+          <a:p>
+            <a:endParaRPr lang="zh-TW" altLang="en-US" dirty="0"/>
+          </a:p>
+        </p:txBody>
+      </p:sp>
+    </p:spTree>
+    <p:extLst>
+      <p:ext uri="{BB962C8B-B14F-4D97-AF65-F5344CB8AC3E}">
+        <p14:creationId xmlns:p14="http://schemas.microsoft.com/office/powerpoint/2010/main" val="382338284"/>
+      </p:ext>
+    </p:extLst>
+  </p:cSld>
+  <p:clrMapOvr>
+    <a:masterClrMapping/>
+  </p:clrMapOvr>
+</p:sld>
+</file>
+
+<file path=ppt/slides/slide5.xml><?xml version="1.0" encoding="utf-8"?>
+<p:sld xmlns:a="http://schemas.openxmlformats.org/drawingml/2006/main" xmlns:r="http://schemas.openxmlformats.org/officeDocument/2006/relationships" xmlns:p="http://schemas.openxmlformats.org/presentationml/2006/main">
+  <p:cSld>
+    <p:spTree>
+      <p:nvGrpSpPr>
+        <p:cNvPr id="1" name=""/>
+        <p:cNvGrpSpPr/>
+        <p:nvPr/>
+      </p:nvGrpSpPr>
+      <p:grpSpPr>
+        <a:xfrm>
+          <a:off x="0" y="0"/>
+          <a:ext cx="0" cy="0"/>
+          <a:chOff x="0" y="0"/>
+          <a:chExt cx="0" cy="0"/>
+        </a:xfrm>
+      </p:grpSpPr>
+      <p:sp>
+        <p:nvSpPr>
+          <p:cNvPr id="2" name="標題 1">
+            <a:extLst>
+              <a:ext uri="{FF2B5EF4-FFF2-40B4-BE49-F238E27FC236}">
+                <a16:creationId xmlns:a16="http://schemas.microsoft.com/office/drawing/2014/main" id="{2DB00714-1B56-4A68-BF83-CC48F46D67DE}"/>
+              </a:ext>
+            </a:extLst>
+          </p:cNvPr>
+          <p:cNvSpPr>
+            <a:spLocks noGrp="1"/>
+          </p:cNvSpPr>
+          <p:nvPr>
+            <p:ph type="title"/>
+          </p:nvPr>
+        </p:nvSpPr>
+        <p:spPr/>
+        <p:txBody>
+          <a:bodyPr/>
+          <a:lstStyle/>
+          <a:p>
+            <a:r>
+              <a:rPr lang="en-US" altLang="zh-TW" dirty="0"/>
+              <a:t>Functional requirements</a:t>
+            </a:r>
+            <a:r>
+              <a:rPr lang="zh-TW" altLang="en-US" dirty="0"/>
+              <a:t> </a:t>
+            </a:r>
+            <a:r>
+              <a:rPr lang="en-US" altLang="zh-TW" dirty="0"/>
+              <a:t>(1/2)</a:t>
+            </a:r>
+            <a:endParaRPr lang="zh-TW" altLang="en-US" dirty="0"/>
+          </a:p>
+        </p:txBody>
+      </p:sp>
+      <p:sp>
+        <p:nvSpPr>
+          <p:cNvPr id="7" name="內容版面配置區 6">
+            <a:extLst>
+              <a:ext uri="{FF2B5EF4-FFF2-40B4-BE49-F238E27FC236}">
+                <a16:creationId xmlns:a16="http://schemas.microsoft.com/office/drawing/2014/main" id="{D3E015DE-03F4-46E2-9DEE-53CC3D8B1EBA}"/>
+              </a:ext>
+            </a:extLst>
+          </p:cNvPr>
+          <p:cNvSpPr>
+            <a:spLocks noGrp="1"/>
+          </p:cNvSpPr>
+          <p:nvPr>
+            <p:ph idx="1"/>
+          </p:nvPr>
+        </p:nvSpPr>
+        <p:spPr/>
+        <p:txBody>
+          <a:bodyPr>
+            <a:normAutofit fontScale="92500" lnSpcReduction="10000"/>
+          </a:bodyPr>
+          <a:lstStyle/>
+          <a:p>
+            <a:r>
+              <a:rPr lang="en-US" altLang="zh-TW" dirty="0"/>
+              <a:t>Create meeting room</a:t>
+            </a:r>
+            <a:r>
+              <a:rPr lang="zh-TW" altLang="en-US" dirty="0"/>
+              <a:t>：</a:t>
+            </a:r>
+            <a:r>
+              <a:rPr lang="en-US" altLang="zh-TW" dirty="0"/>
+              <a:t>Create a meeting room in database</a:t>
+            </a:r>
+          </a:p>
+          <a:p>
+            <a:r>
+              <a:rPr lang="en-US" altLang="zh-TW" dirty="0"/>
+              <a:t>Create Meeting</a:t>
+            </a:r>
+            <a:r>
+              <a:rPr lang="zh-TW" altLang="en-US" dirty="0"/>
+              <a:t>：</a:t>
+            </a:r>
+            <a:r>
+              <a:rPr lang="en-US" altLang="zh-TW" dirty="0"/>
+              <a:t>create a upcoming meeting in the meeting room</a:t>
+            </a:r>
+          </a:p>
+          <a:p>
+            <a:r>
+              <a:rPr lang="en-US" altLang="zh-TW" dirty="0"/>
+              <a:t>Update Meeting Title</a:t>
+            </a:r>
+            <a:r>
+              <a:rPr lang="zh-TW" altLang="en-US" dirty="0"/>
+              <a:t>：</a:t>
+            </a:r>
+            <a:r>
+              <a:rPr lang="en-US" altLang="zh-TW" dirty="0"/>
+              <a:t>modify the title of the meeting that already existed in meeting room</a:t>
+            </a:r>
+          </a:p>
+          <a:p>
+            <a:r>
+              <a:rPr lang="en-US" altLang="zh-TW" dirty="0"/>
+              <a:t>Update Meeting Description</a:t>
+            </a:r>
+            <a:r>
+              <a:rPr lang="zh-TW" altLang="en-US" dirty="0"/>
+              <a:t>：</a:t>
+            </a:r>
+            <a:r>
+              <a:rPr lang="en-US" altLang="zh-TW" dirty="0"/>
+              <a:t>modify the description of the meeting that already existed in meeting room</a:t>
+            </a:r>
+          </a:p>
+          <a:p>
+            <a:r>
+              <a:rPr lang="en-US" altLang="zh-TW" dirty="0"/>
+              <a:t>Update Meeting Time</a:t>
+            </a:r>
+            <a:r>
+              <a:rPr lang="zh-TW" altLang="en-US" dirty="0"/>
+              <a:t>：</a:t>
+            </a:r>
+            <a:r>
+              <a:rPr lang="en-US" altLang="zh-TW" dirty="0"/>
+              <a:t>modify the time of the meeting that already existed in meeting room</a:t>
+            </a:r>
+          </a:p>
+        </p:txBody>
+      </p:sp>
+      <p:sp>
+        <p:nvSpPr>
+          <p:cNvPr id="5" name="Rectangle 1">
+            <a:extLst>
+              <a:ext uri="{FF2B5EF4-FFF2-40B4-BE49-F238E27FC236}">
+                <a16:creationId xmlns:a16="http://schemas.microsoft.com/office/drawing/2014/main" id="{807DF678-7EBA-4B2B-A0C4-FDC7E6CBED5A}"/>
+              </a:ext>
+            </a:extLst>
+          </p:cNvPr>
+          <p:cNvSpPr>
+            <a:spLocks noChangeArrowheads="1"/>
+          </p:cNvSpPr>
+          <p:nvPr/>
+        </p:nvSpPr>
+        <p:spPr bwMode="auto">
+          <a:xfrm>
+            <a:off x="-95294915" y="-48399"/>
+            <a:ext cx="228654125" cy="553998"/>
+          </a:xfrm>
+          <a:prstGeom prst="rect">
+            <a:avLst/>
+          </a:prstGeom>
+          <a:noFill/>
+          <a:ln>
+            <a:noFill/>
+          </a:ln>
+          <a:effectLst/>
+          <a:extLst>
+            <a:ext uri="{909E8E84-426E-40DD-AFC4-6F175D3DCCD1}">
+              <a14:hiddenFill xmlns:a14="http://schemas.microsoft.com/office/drawing/2010/main">
+                <a:solidFill>
+                  <a:schemeClr val="accent1"/>
+                </a:solidFill>
+              </a14:hiddenFill>
+            </a:ext>
+            <a:ext uri="{91240B29-F687-4F45-9708-019B960494DF}">
+              <a14:hiddenLine xmlns:a14="http://schemas.microsoft.com/office/drawing/2010/main" w="9525">
+                <a:solidFill>
+                  <a:schemeClr val="tx1"/>
+                </a:solidFill>
+                <a:miter lim="800000"/>
+                <a:headEnd/>
+                <a:tailEnd/>
+              </a14:hiddenLine>
+            </a:ext>
+            <a:ext uri="{AF507438-7753-43E0-B8FC-AC1667EBCBE1}">
+              <a14:hiddenEffects xmlns:a14="http://schemas.microsoft.com/office/drawing/2010/main">
+                <a:effectLst>
+                  <a:outerShdw dist="35921" dir="2700000" algn="ctr" rotWithShape="0">
+                    <a:schemeClr val="bg2"/>
+                  </a:outerShdw>
+                </a:effectLst>
+              </a14:hiddenEffects>
+            </a:ext>
+          </a:extLst>
+        </p:spPr>
+        <p:txBody>
+          <a:bodyPr vert="horz" wrap="square" lIns="91440" tIns="0" rIns="91440" bIns="0" numCol="1" anchor="ctr" anchorCtr="0" compatLnSpc="1">
+            <a:prstTxWarp prst="textNoShape">
+              <a:avLst/>
+            </a:prstTxWarp>
+            <a:spAutoFit/>
+          </a:bodyPr>
+          <a:lstStyle/>
+          <a:p>
+            <a:pPr marL="0" marR="0" lvl="0" indent="0" algn="l" defTabSz="914400" rtl="0" eaLnBrk="0" fontAlgn="base" latinLnBrk="0" hangingPunct="0">
+              <a:lnSpc>
+                <a:spcPct val="100000"/>
+              </a:lnSpc>
+              <a:spcBef>
+                <a:spcPct val="0"/>
+              </a:spcBef>
+              <a:spcAft>
+                <a:spcPct val="0"/>
+              </a:spcAft>
+              <a:buClrTx/>
+              <a:buSzTx/>
+              <a:buFontTx/>
+              <a:buNone/>
+              <a:tabLst/>
+            </a:pPr>
+            <a:endParaRPr kumimoji="0" lang="zh-TW" altLang="zh-TW" sz="1800" b="0" i="0" u="none" strike="noStrike" cap="none" normalizeH="0" baseline="0">
+              <a:ln>
+                <a:noFill/>
+              </a:ln>
+              <a:solidFill>
+                <a:schemeClr val="tx1"/>
+              </a:solidFill>
+              <a:effectLst/>
+              <a:latin typeface="Arial" panose="020B0604020202020204" pitchFamily="34" charset="0"/>
+            </a:endParaRPr>
+          </a:p>
+          <a:p>
+            <a:pPr marL="0" marR="0" lvl="0" indent="0" algn="l" defTabSz="914400" rtl="0" eaLnBrk="0" fontAlgn="base" latinLnBrk="0" hangingPunct="0">
+              <a:lnSpc>
+                <a:spcPct val="100000"/>
+              </a:lnSpc>
+              <a:spcBef>
+                <a:spcPct val="0"/>
+              </a:spcBef>
+              <a:spcAft>
+                <a:spcPct val="0"/>
+              </a:spcAft>
+              <a:buClrTx/>
+              <a:buSzTx/>
+              <a:buFontTx/>
+              <a:buNone/>
+              <a:tabLst/>
+            </a:pPr>
+            <a:endParaRPr kumimoji="0" lang="zh-TW" altLang="zh-TW" sz="1800" b="0" i="0" u="none" strike="noStrike" cap="none" normalizeH="0" baseline="0">
+              <a:ln>
+                <a:noFill/>
+              </a:ln>
+              <a:solidFill>
+                <a:schemeClr val="tx1"/>
+              </a:solidFill>
+              <a:effectLst/>
+              <a:latin typeface="Arial" panose="020B0604020202020204" pitchFamily="34" charset="0"/>
+            </a:endParaRPr>
+          </a:p>
+        </p:txBody>
+      </p:sp>
+    </p:spTree>
+    <p:extLst>
+      <p:ext uri="{BB962C8B-B14F-4D97-AF65-F5344CB8AC3E}">
+        <p14:creationId xmlns:p14="http://schemas.microsoft.com/office/powerpoint/2010/main" val="973064247"/>
+      </p:ext>
+    </p:extLst>
+  </p:cSld>
+  <p:clrMapOvr>
+    <a:masterClrMapping/>
+  </p:clrMapOvr>
+</p:sld>
+</file>
+
+<file path=ppt/slides/slide6.xml><?xml version="1.0" encoding="utf-8"?>
+<p:sld xmlns:a="http://schemas.openxmlformats.org/drawingml/2006/main" xmlns:r="http://schemas.openxmlformats.org/officeDocument/2006/relationships" xmlns:p="http://schemas.openxmlformats.org/presentationml/2006/main">
+  <p:cSld>
+    <p:spTree>
+      <p:nvGrpSpPr>
+        <p:cNvPr id="1" name=""/>
+        <p:cNvGrpSpPr/>
+        <p:nvPr/>
+      </p:nvGrpSpPr>
+      <p:grpSpPr>
+        <a:xfrm>
+          <a:off x="0" y="0"/>
+          <a:ext cx="0" cy="0"/>
+          <a:chOff x="0" y="0"/>
+          <a:chExt cx="0" cy="0"/>
+        </a:xfrm>
+      </p:grpSpPr>
+      <p:sp>
+        <p:nvSpPr>
+          <p:cNvPr id="2" name="標題 1">
+            <a:extLst>
+              <a:ext uri="{FF2B5EF4-FFF2-40B4-BE49-F238E27FC236}">
+                <a16:creationId xmlns:a16="http://schemas.microsoft.com/office/drawing/2014/main" id="{7EDF6EA5-975D-4E1F-8014-BED636D5D1EF}"/>
+              </a:ext>
+            </a:extLst>
+          </p:cNvPr>
+          <p:cNvSpPr>
+            <a:spLocks noGrp="1"/>
+          </p:cNvSpPr>
+          <p:nvPr>
+            <p:ph type="title"/>
+          </p:nvPr>
+        </p:nvSpPr>
+        <p:spPr/>
+        <p:txBody>
+          <a:bodyPr/>
+          <a:lstStyle/>
+          <a:p>
+            <a:r>
+              <a:rPr lang="en-US" altLang="zh-TW" dirty="0"/>
+              <a:t>Functional requirements</a:t>
+            </a:r>
+            <a:r>
+              <a:rPr lang="zh-TW" altLang="en-US" dirty="0"/>
+              <a:t> </a:t>
+            </a:r>
+            <a:r>
+              <a:rPr lang="en-US" altLang="zh-TW" dirty="0"/>
+              <a:t>(2/2)</a:t>
+            </a:r>
+            <a:endParaRPr lang="zh-TW" altLang="en-US" dirty="0"/>
+          </a:p>
+        </p:txBody>
+      </p:sp>
+      <p:sp>
+        <p:nvSpPr>
+          <p:cNvPr id="3" name="內容版面配置區 2">
+            <a:extLst>
+              <a:ext uri="{FF2B5EF4-FFF2-40B4-BE49-F238E27FC236}">
+                <a16:creationId xmlns:a16="http://schemas.microsoft.com/office/drawing/2014/main" id="{C57AD1F0-2D09-49A6-8F49-220727036D92}"/>
+              </a:ext>
+            </a:extLst>
+          </p:cNvPr>
+          <p:cNvSpPr>
+            <a:spLocks noGrp="1"/>
+          </p:cNvSpPr>
+          <p:nvPr>
+            <p:ph idx="1"/>
+          </p:nvPr>
+        </p:nvSpPr>
+        <p:spPr/>
+        <p:txBody>
+          <a:bodyPr/>
+          <a:lstStyle/>
+          <a:p>
+            <a:pPr>
+              <a:lnSpc>
+                <a:spcPct val="90000"/>
+              </a:lnSpc>
+            </a:pPr>
+            <a:r>
+              <a:rPr lang="en-US" altLang="zh-TW" sz="2200" dirty="0"/>
+              <a:t>Add Attendee</a:t>
+            </a:r>
+            <a:r>
+              <a:rPr lang="zh-TW" altLang="en-US" sz="2200" dirty="0"/>
+              <a:t>：</a:t>
+            </a:r>
+            <a:r>
+              <a:rPr lang="en-US" altLang="zh-TW" sz="2200" dirty="0"/>
+              <a:t>Add participant into the meeting that already existed in meeting room</a:t>
+            </a:r>
+          </a:p>
+          <a:p>
+            <a:pPr>
+              <a:lnSpc>
+                <a:spcPct val="90000"/>
+              </a:lnSpc>
+            </a:pPr>
+            <a:r>
+              <a:rPr lang="en-US" altLang="zh-TW" sz="2200" dirty="0"/>
+              <a:t>Remove Attendee</a:t>
+            </a:r>
+            <a:r>
+              <a:rPr lang="zh-TW" altLang="en-US" sz="2200" dirty="0"/>
+              <a:t>：</a:t>
+            </a:r>
+            <a:r>
+              <a:rPr lang="en-US" altLang="zh-TW" sz="2200" dirty="0"/>
+              <a:t>Remove the participant from the meeting that already existed in meeting room</a:t>
+            </a:r>
+          </a:p>
+          <a:p>
+            <a:pPr>
+              <a:lnSpc>
+                <a:spcPct val="90000"/>
+              </a:lnSpc>
+            </a:pPr>
+            <a:r>
+              <a:rPr lang="en-US" altLang="zh-TW" sz="2200" dirty="0"/>
+              <a:t>Delete Meeting</a:t>
+            </a:r>
+            <a:r>
+              <a:rPr lang="zh-TW" altLang="en-US" sz="2200" dirty="0"/>
+              <a:t>：</a:t>
+            </a:r>
+            <a:r>
+              <a:rPr lang="en-US" altLang="zh-TW" sz="2200" dirty="0"/>
+              <a:t>Remove the meeting that already existed in meeting room</a:t>
+            </a:r>
+          </a:p>
+          <a:p>
+            <a:pPr>
+              <a:lnSpc>
+                <a:spcPct val="90000"/>
+              </a:lnSpc>
+            </a:pPr>
+            <a:r>
+              <a:rPr lang="en-US" altLang="zh-TW" sz="2200" dirty="0"/>
+              <a:t>Delete Meeting Room</a:t>
+            </a:r>
+            <a:r>
+              <a:rPr lang="zh-TW" altLang="en-US" sz="2200" dirty="0"/>
+              <a:t>：</a:t>
+            </a:r>
+            <a:r>
+              <a:rPr lang="en-US" altLang="zh-TW" sz="2200" dirty="0"/>
+              <a:t>Delete the Meeting Room</a:t>
+            </a:r>
+          </a:p>
+          <a:p>
+            <a:pPr>
+              <a:lnSpc>
+                <a:spcPct val="90000"/>
+              </a:lnSpc>
+            </a:pPr>
+            <a:r>
+              <a:rPr lang="en-US" altLang="zh-TW" sz="2200" dirty="0"/>
+              <a:t>Update meeting room name</a:t>
+            </a:r>
+            <a:r>
+              <a:rPr lang="zh-TW" altLang="en-US" sz="2200" dirty="0"/>
+              <a:t>：</a:t>
+            </a:r>
+            <a:r>
+              <a:rPr lang="en-US" altLang="zh-TW" sz="2200" dirty="0"/>
+              <a:t>modify the name of the meeting room that already existed</a:t>
+            </a:r>
+            <a:endParaRPr lang="zh-TW" altLang="en-US" sz="2200" dirty="0"/>
+          </a:p>
+          <a:p>
+            <a:pPr>
+              <a:lnSpc>
+                <a:spcPct val="90000"/>
+              </a:lnSpc>
+            </a:pPr>
+            <a:endParaRPr lang="zh-TW" altLang="en-US" sz="2200" dirty="0"/>
+          </a:p>
+        </p:txBody>
+      </p:sp>
+    </p:spTree>
+    <p:extLst>
+      <p:ext uri="{BB962C8B-B14F-4D97-AF65-F5344CB8AC3E}">
+        <p14:creationId xmlns:p14="http://schemas.microsoft.com/office/powerpoint/2010/main" val="828046341"/>
+      </p:ext>
+    </p:extLst>
+  </p:cSld>
+  <p:clrMapOvr>
+    <a:masterClrMapping/>
+  </p:clrMapOvr>
+</p:sld>
+</file>
+
+<file path=ppt/slides/slide7.xml><?xml version="1.0" encoding="utf-8"?>
+<p:sld xmlns:a="http://schemas.openxmlformats.org/drawingml/2006/main" xmlns:r="http://schemas.openxmlformats.org/officeDocument/2006/relationships" xmlns:p="http://schemas.openxmlformats.org/presentationml/2006/main">
+  <p:cSld>
+    <p:spTree>
+      <p:nvGrpSpPr>
+        <p:cNvPr id="1" name=""/>
+        <p:cNvGrpSpPr/>
+        <p:nvPr/>
+      </p:nvGrpSpPr>
+      <p:grpSpPr>
+        <a:xfrm>
+          <a:off x="0" y="0"/>
+          <a:ext cx="0" cy="0"/>
+          <a:chOff x="0" y="0"/>
+          <a:chExt cx="0" cy="0"/>
+        </a:xfrm>
+      </p:grpSpPr>
+      <p:sp>
+        <p:nvSpPr>
+          <p:cNvPr id="2" name="標題 1">
+            <a:extLst>
+              <a:ext uri="{FF2B5EF4-FFF2-40B4-BE49-F238E27FC236}">
+                <a16:creationId xmlns:a16="http://schemas.microsoft.com/office/drawing/2014/main" id="{E112733D-26DC-4D02-8ED1-F86B3D762BC4}"/>
+              </a:ext>
+            </a:extLst>
+          </p:cNvPr>
+          <p:cNvSpPr>
+            <a:spLocks noGrp="1"/>
+          </p:cNvSpPr>
+          <p:nvPr>
+            <p:ph type="title"/>
+          </p:nvPr>
+        </p:nvSpPr>
+        <p:spPr/>
+        <p:txBody>
+          <a:bodyPr/>
+          <a:lstStyle/>
+          <a:p>
+            <a:r>
+              <a:rPr lang="en-US" altLang="zh-TW" dirty="0"/>
+              <a:t>Non-Functional requirement</a:t>
+            </a:r>
+            <a:endParaRPr lang="zh-TW" altLang="en-US" dirty="0"/>
+          </a:p>
+        </p:txBody>
+      </p:sp>
+      <p:sp>
+        <p:nvSpPr>
+          <p:cNvPr id="3" name="內容版面配置區 2">
+            <a:extLst>
+              <a:ext uri="{FF2B5EF4-FFF2-40B4-BE49-F238E27FC236}">
+                <a16:creationId xmlns:a16="http://schemas.microsoft.com/office/drawing/2014/main" id="{F14701C1-F252-4D93-BF3E-36308B4E9771}"/>
+              </a:ext>
+            </a:extLst>
+          </p:cNvPr>
+          <p:cNvSpPr>
+            <a:spLocks noGrp="1"/>
+          </p:cNvSpPr>
+          <p:nvPr>
+            <p:ph idx="1"/>
+          </p:nvPr>
+        </p:nvSpPr>
+        <p:spPr/>
+        <p:txBody>
+          <a:bodyPr/>
+          <a:lstStyle/>
+          <a:p>
+            <a:r>
+              <a:rPr lang="en-US" altLang="zh-TW" dirty="0"/>
+              <a:t>Performance requirement</a:t>
+            </a:r>
+          </a:p>
+          <a:p>
+            <a:pPr lvl="1"/>
+            <a:r>
+              <a:rPr lang="en-US" altLang="zh-TW" dirty="0"/>
+              <a:t>Use load balance to handle if too many users access the database at the same time.</a:t>
+            </a:r>
+          </a:p>
+          <a:p>
+            <a:r>
+              <a:rPr lang="en-US" altLang="zh-TW" dirty="0"/>
+              <a:t>Safety requirement</a:t>
+            </a:r>
+          </a:p>
+          <a:p>
+            <a:pPr lvl="1"/>
+            <a:r>
+              <a:rPr lang="en-US" altLang="zh-TW" dirty="0"/>
+              <a:t>Backup database to prevent users from doing irreversible or illegal operations.</a:t>
+            </a:r>
+          </a:p>
+          <a:p>
+            <a:r>
+              <a:rPr lang="en-US" altLang="zh-TW" dirty="0"/>
+              <a:t>Security requirement</a:t>
+            </a:r>
+          </a:p>
+          <a:p>
+            <a:pPr lvl="1"/>
+            <a:r>
+              <a:rPr lang="en-US" altLang="zh-TW" dirty="0"/>
+              <a:t>Verify the user’s identity before user access to database.</a:t>
+            </a:r>
+          </a:p>
+        </p:txBody>
+      </p:sp>
+    </p:spTree>
+    <p:extLst>
+      <p:ext uri="{BB962C8B-B14F-4D97-AF65-F5344CB8AC3E}">
+        <p14:creationId xmlns:p14="http://schemas.microsoft.com/office/powerpoint/2010/main" val="3515769912"/>
       </p:ext>
     </p:extLst>
   </p:cSld>

--- a/Final Project/presentation slides.pptx
+++ b/Final Project/presentation slides.pptx
@@ -2,16 +2,29 @@
 <file path=ppt/presentation.xml><?xml version="1.0" encoding="utf-8"?>
 <p:presentation xmlns:a="http://schemas.openxmlformats.org/drawingml/2006/main" xmlns:r="http://schemas.openxmlformats.org/officeDocument/2006/relationships" xmlns:p="http://schemas.openxmlformats.org/presentationml/2006/main" saveSubsetFonts="1">
   <p:sldMasterIdLst>
-    <p:sldMasterId id="2147483660" r:id="rId1"/>
+    <p:sldMasterId id="2147483948" r:id="rId1"/>
   </p:sldMasterIdLst>
   <p:sldIdLst>
     <p:sldId id="256" r:id="rId2"/>
     <p:sldId id="257" r:id="rId3"/>
-    <p:sldId id="259" r:id="rId4"/>
-    <p:sldId id="260" r:id="rId5"/>
-    <p:sldId id="261" r:id="rId6"/>
-    <p:sldId id="262" r:id="rId7"/>
-    <p:sldId id="263" r:id="rId8"/>
+    <p:sldId id="258" r:id="rId4"/>
+    <p:sldId id="320" r:id="rId5"/>
+    <p:sldId id="321" r:id="rId6"/>
+    <p:sldId id="322" r:id="rId7"/>
+    <p:sldId id="323" r:id="rId8"/>
+    <p:sldId id="264" r:id="rId9"/>
+    <p:sldId id="265" r:id="rId10"/>
+    <p:sldId id="311" r:id="rId11"/>
+    <p:sldId id="312" r:id="rId12"/>
+    <p:sldId id="313" r:id="rId13"/>
+    <p:sldId id="314" r:id="rId14"/>
+    <p:sldId id="315" r:id="rId15"/>
+    <p:sldId id="318" r:id="rId16"/>
+    <p:sldId id="319" r:id="rId17"/>
+    <p:sldId id="259" r:id="rId18"/>
+    <p:sldId id="260" r:id="rId19"/>
+    <p:sldId id="261" r:id="rId20"/>
+    <p:sldId id="263" r:id="rId21"/>
   </p:sldIdLst>
   <p:sldSz cx="12192000" cy="6858000"/>
   <p:notesSz cx="6858000" cy="9144000"/>
@@ -143,60 +156,133 @@
         </p:nvGrpSpPr>
         <p:grpSpPr>
           <a:xfrm>
-            <a:off x="-16934" y="0"/>
-            <a:ext cx="12231160" cy="6856214"/>
-            <a:chOff x="-16934" y="0"/>
-            <a:chExt cx="12231160" cy="6856214"/>
+            <a:off x="0" y="-8467"/>
+            <a:ext cx="12192000" cy="6866467"/>
+            <a:chOff x="0" y="-8467"/>
+            <a:chExt cx="12192000" cy="6866467"/>
           </a:xfrm>
         </p:grpSpPr>
-        <p:pic>
-          <p:nvPicPr>
-            <p:cNvPr id="16" name="Picture 15" descr="HD-PanelTitleR1.png"/>
-            <p:cNvPicPr>
-              <a:picLocks noChangeAspect="1"/>
-            </p:cNvPicPr>
+        <p:cxnSp>
+          <p:nvCxnSpPr>
+            <p:cNvPr id="32" name="Straight Connector 31"/>
+            <p:cNvCxnSpPr/>
             <p:nvPr/>
-          </p:nvPicPr>
-          <p:blipFill>
-            <a:blip r:embed="rId2">
-              <a:extLst>
-                <a:ext uri="{28A0092B-C50C-407E-A947-70E740481C1C}">
-                  <a14:useLocalDpi xmlns:a14="http://schemas.microsoft.com/office/drawing/2010/main" val="0"/>
-                </a:ext>
-              </a:extLst>
-            </a:blip>
-            <a:stretch>
-              <a:fillRect/>
-            </a:stretch>
-          </p:blipFill>
+          </p:nvCxnSpPr>
           <p:spPr>
             <a:xfrm>
-              <a:off x="0" y="0"/>
-              <a:ext cx="12188825" cy="6856214"/>
+              <a:off x="9371012" y="0"/>
+              <a:ext cx="1219200" cy="6858000"/>
             </a:xfrm>
-            <a:prstGeom prst="rect">
+            <a:prstGeom prst="line">
               <a:avLst/>
             </a:prstGeom>
+            <a:ln w="9525">
+              <a:solidFill>
+                <a:schemeClr val="bg1">
+                  <a:lumMod val="75000"/>
+                </a:schemeClr>
+              </a:solidFill>
+            </a:ln>
           </p:spPr>
-        </p:pic>
+          <p:style>
+            <a:lnRef idx="2">
+              <a:schemeClr val="accent1"/>
+            </a:lnRef>
+            <a:fillRef idx="0">
+              <a:schemeClr val="accent1"/>
+            </a:fillRef>
+            <a:effectRef idx="1">
+              <a:schemeClr val="accent1"/>
+            </a:effectRef>
+            <a:fontRef idx="minor">
+              <a:schemeClr val="tx1"/>
+            </a:fontRef>
+          </p:style>
+        </p:cxnSp>
+        <p:cxnSp>
+          <p:nvCxnSpPr>
+            <p:cNvPr id="21" name="Straight Connector 20"/>
+            <p:cNvCxnSpPr/>
+            <p:nvPr/>
+          </p:nvCxnSpPr>
+          <p:spPr>
+            <a:xfrm flipH="1">
+              <a:off x="7425267" y="3681413"/>
+              <a:ext cx="4763558" cy="3176587"/>
+            </a:xfrm>
+            <a:prstGeom prst="line">
+              <a:avLst/>
+            </a:prstGeom>
+            <a:ln w="9525">
+              <a:solidFill>
+                <a:schemeClr val="bg1">
+                  <a:lumMod val="85000"/>
+                </a:schemeClr>
+              </a:solidFill>
+            </a:ln>
+          </p:spPr>
+          <p:style>
+            <a:lnRef idx="2">
+              <a:schemeClr val="accent1"/>
+            </a:lnRef>
+            <a:fillRef idx="0">
+              <a:schemeClr val="accent1"/>
+            </a:fillRef>
+            <a:effectRef idx="1">
+              <a:schemeClr val="accent1"/>
+            </a:effectRef>
+            <a:fontRef idx="minor">
+              <a:schemeClr val="tx1"/>
+            </a:fontRef>
+          </p:style>
+        </p:cxnSp>
         <p:sp>
           <p:nvSpPr>
-            <p:cNvPr id="26" name="Rectangle 25"/>
+            <p:cNvPr id="24" name="Rectangle 23"/>
             <p:cNvSpPr/>
             <p:nvPr/>
           </p:nvSpPr>
           <p:spPr>
             <a:xfrm>
-              <a:off x="2328332" y="1540931"/>
-              <a:ext cx="7543802" cy="3835401"/>
+              <a:off x="9181476" y="-8467"/>
+              <a:ext cx="3007349" cy="6866467"/>
             </a:xfrm>
-            <a:prstGeom prst="rect">
+            <a:custGeom>
               <a:avLst/>
-            </a:prstGeom>
-            <a:noFill/>
-            <a:ln w="15875">
-              <a:miter lim="800000"/>
+              <a:gdLst/>
+              <a:ahLst/>
+              <a:cxnLst/>
+              <a:rect l="l" t="t" r="r" b="b"/>
+              <a:pathLst>
+                <a:path w="3007349" h="6866467">
+                  <a:moveTo>
+                    <a:pt x="2045532" y="0"/>
+                  </a:moveTo>
+                  <a:lnTo>
+                    <a:pt x="3007349" y="0"/>
+                  </a:lnTo>
+                  <a:lnTo>
+                    <a:pt x="3007349" y="6866467"/>
+                  </a:lnTo>
+                  <a:lnTo>
+                    <a:pt x="0" y="6866467"/>
+                  </a:lnTo>
+                  <a:lnTo>
+                    <a:pt x="2045532" y="0"/>
+                  </a:lnTo>
+                  <a:close/>
+                </a:path>
+              </a:pathLst>
+            </a:custGeom>
+            <a:solidFill>
+              <a:schemeClr val="accent1">
+                <a:alpha val="30000"/>
+              </a:schemeClr>
+            </a:solidFill>
+            <a:ln>
+              <a:noFill/>
             </a:ln>
+            <a:effectLst/>
           </p:spPr>
           <p:style>
             <a:lnRef idx="1">
@@ -213,64 +299,384 @@
             </a:fontRef>
           </p:style>
         </p:sp>
-        <p:pic>
-          <p:nvPicPr>
-            <p:cNvPr id="17" name="Picture 16" descr="HDRibbonTitle-UniformTrim.png"/>
-            <p:cNvPicPr>
-              <a:picLocks noChangeAspect="1"/>
-            </p:cNvPicPr>
+        <p:sp>
+          <p:nvSpPr>
+            <p:cNvPr id="26" name="Rectangle 25"/>
+            <p:cNvSpPr/>
             <p:nvPr/>
-          </p:nvPicPr>
-          <p:blipFill rotWithShape="1">
-            <a:blip r:embed="rId3">
-              <a:extLst>
-                <a:ext uri="{28A0092B-C50C-407E-A947-70E740481C1C}">
-                  <a14:useLocalDpi xmlns:a14="http://schemas.microsoft.com/office/drawing/2010/main" val="0"/>
-                </a:ext>
-              </a:extLst>
-            </a:blip>
-            <a:srcRect/>
-            <a:stretch/>
-          </p:blipFill>
+          </p:nvSpPr>
           <p:spPr>
             <a:xfrm>
-              <a:off x="-16934" y="3147609"/>
-              <a:ext cx="2478024" cy="612648"/>
+              <a:off x="9603442" y="-8467"/>
+              <a:ext cx="2588558" cy="6866467"/>
             </a:xfrm>
-            <a:prstGeom prst="rect">
+            <a:custGeom>
               <a:avLst/>
-            </a:prstGeom>
+              <a:gdLst/>
+              <a:ahLst/>
+              <a:cxnLst/>
+              <a:rect l="l" t="t" r="r" b="b"/>
+              <a:pathLst>
+                <a:path w="2573311" h="6866467">
+                  <a:moveTo>
+                    <a:pt x="0" y="0"/>
+                  </a:moveTo>
+                  <a:lnTo>
+                    <a:pt x="2573311" y="0"/>
+                  </a:lnTo>
+                  <a:lnTo>
+                    <a:pt x="2573311" y="6866467"/>
+                  </a:lnTo>
+                  <a:lnTo>
+                    <a:pt x="1202336" y="6866467"/>
+                  </a:lnTo>
+                  <a:lnTo>
+                    <a:pt x="0" y="0"/>
+                  </a:lnTo>
+                  <a:close/>
+                </a:path>
+              </a:pathLst>
+            </a:custGeom>
+            <a:solidFill>
+              <a:schemeClr val="accent1">
+                <a:alpha val="20000"/>
+              </a:schemeClr>
+            </a:solidFill>
+            <a:ln>
+              <a:noFill/>
+            </a:ln>
+            <a:effectLst/>
           </p:spPr>
-        </p:pic>
-        <p:pic>
-          <p:nvPicPr>
-            <p:cNvPr id="20" name="Picture 19" descr="HDRibbonTitle-UniformTrim.png"/>
-            <p:cNvPicPr>
-              <a:picLocks noChangeAspect="1"/>
-            </p:cNvPicPr>
+          <p:style>
+            <a:lnRef idx="1">
+              <a:schemeClr val="accent1"/>
+            </a:lnRef>
+            <a:fillRef idx="3">
+              <a:schemeClr val="accent1"/>
+            </a:fillRef>
+            <a:effectRef idx="2">
+              <a:schemeClr val="accent1"/>
+            </a:effectRef>
+            <a:fontRef idx="minor">
+              <a:schemeClr val="lt1"/>
+            </a:fontRef>
+          </p:style>
+        </p:sp>
+        <p:sp>
+          <p:nvSpPr>
+            <p:cNvPr id="27" name="Isosceles Triangle 26"/>
+            <p:cNvSpPr/>
             <p:nvPr/>
-          </p:nvPicPr>
-          <p:blipFill rotWithShape="1">
-            <a:blip r:embed="rId3">
-              <a:extLst>
-                <a:ext uri="{28A0092B-C50C-407E-A947-70E740481C1C}">
-                  <a14:useLocalDpi xmlns:a14="http://schemas.microsoft.com/office/drawing/2010/main" val="0"/>
-                </a:ext>
-              </a:extLst>
-            </a:blip>
-            <a:srcRect/>
-            <a:stretch/>
-          </p:blipFill>
+          </p:nvSpPr>
           <p:spPr>
             <a:xfrm>
-              <a:off x="9736202" y="3147609"/>
-              <a:ext cx="2478024" cy="612648"/>
+              <a:off x="8932333" y="3048000"/>
+              <a:ext cx="3259667" cy="3810000"/>
             </a:xfrm>
-            <a:prstGeom prst="rect">
+            <a:prstGeom prst="triangle">
+              <a:avLst>
+                <a:gd name="adj" fmla="val 100000"/>
+              </a:avLst>
+            </a:prstGeom>
+            <a:solidFill>
+              <a:schemeClr val="accent2">
+                <a:alpha val="72000"/>
+              </a:schemeClr>
+            </a:solidFill>
+            <a:ln>
+              <a:noFill/>
+            </a:ln>
+            <a:effectLst/>
+          </p:spPr>
+          <p:style>
+            <a:lnRef idx="1">
+              <a:schemeClr val="accent1"/>
+            </a:lnRef>
+            <a:fillRef idx="3">
+              <a:schemeClr val="accent1"/>
+            </a:fillRef>
+            <a:effectRef idx="2">
+              <a:schemeClr val="accent1"/>
+            </a:effectRef>
+            <a:fontRef idx="minor">
+              <a:schemeClr val="lt1"/>
+            </a:fontRef>
+          </p:style>
+        </p:sp>
+        <p:sp>
+          <p:nvSpPr>
+            <p:cNvPr id="28" name="Rectangle 27"/>
+            <p:cNvSpPr/>
+            <p:nvPr/>
+          </p:nvSpPr>
+          <p:spPr>
+            <a:xfrm>
+              <a:off x="9334500" y="-8467"/>
+              <a:ext cx="2854326" cy="6866467"/>
+            </a:xfrm>
+            <a:custGeom>
               <a:avLst/>
+              <a:gdLst/>
+              <a:ahLst/>
+              <a:cxnLst/>
+              <a:rect l="l" t="t" r="r" b="b"/>
+              <a:pathLst>
+                <a:path w="2858013" h="6866467">
+                  <a:moveTo>
+                    <a:pt x="0" y="0"/>
+                  </a:moveTo>
+                  <a:lnTo>
+                    <a:pt x="2858013" y="0"/>
+                  </a:lnTo>
+                  <a:lnTo>
+                    <a:pt x="2858013" y="6866467"/>
+                  </a:lnTo>
+                  <a:lnTo>
+                    <a:pt x="2473942" y="6866467"/>
+                  </a:lnTo>
+                  <a:lnTo>
+                    <a:pt x="0" y="0"/>
+                  </a:lnTo>
+                  <a:close/>
+                </a:path>
+              </a:pathLst>
+            </a:custGeom>
+            <a:solidFill>
+              <a:schemeClr val="accent2">
+                <a:lumMod val="75000"/>
+                <a:alpha val="70000"/>
+              </a:schemeClr>
+            </a:solidFill>
+            <a:ln>
+              <a:noFill/>
+            </a:ln>
+            <a:effectLst/>
+          </p:spPr>
+          <p:style>
+            <a:lnRef idx="1">
+              <a:schemeClr val="accent1"/>
+            </a:lnRef>
+            <a:fillRef idx="3">
+              <a:schemeClr val="accent1"/>
+            </a:fillRef>
+            <a:effectRef idx="2">
+              <a:schemeClr val="accent1"/>
+            </a:effectRef>
+            <a:fontRef idx="minor">
+              <a:schemeClr val="lt1"/>
+            </a:fontRef>
+          </p:style>
+        </p:sp>
+        <p:sp>
+          <p:nvSpPr>
+            <p:cNvPr id="29" name="Rectangle 28"/>
+            <p:cNvSpPr/>
+            <p:nvPr/>
+          </p:nvSpPr>
+          <p:spPr>
+            <a:xfrm>
+              <a:off x="10898730" y="-8467"/>
+              <a:ext cx="1290094" cy="6866467"/>
+            </a:xfrm>
+            <a:custGeom>
+              <a:avLst/>
+              <a:gdLst/>
+              <a:ahLst/>
+              <a:cxnLst/>
+              <a:rect l="l" t="t" r="r" b="b"/>
+              <a:pathLst>
+                <a:path w="1290094" h="6858000">
+                  <a:moveTo>
+                    <a:pt x="1019735" y="0"/>
+                  </a:moveTo>
+                  <a:lnTo>
+                    <a:pt x="1290094" y="0"/>
+                  </a:lnTo>
+                  <a:lnTo>
+                    <a:pt x="1290094" y="6858000"/>
+                  </a:lnTo>
+                  <a:lnTo>
+                    <a:pt x="0" y="6858000"/>
+                  </a:lnTo>
+                  <a:lnTo>
+                    <a:pt x="1019735" y="0"/>
+                  </a:lnTo>
+                  <a:close/>
+                </a:path>
+              </a:pathLst>
+            </a:custGeom>
+            <a:solidFill>
+              <a:schemeClr val="accent1">
+                <a:lumMod val="60000"/>
+                <a:lumOff val="40000"/>
+                <a:alpha val="70000"/>
+              </a:schemeClr>
+            </a:solidFill>
+            <a:ln>
+              <a:noFill/>
+            </a:ln>
+            <a:effectLst/>
+          </p:spPr>
+          <p:style>
+            <a:lnRef idx="1">
+              <a:schemeClr val="accent1"/>
+            </a:lnRef>
+            <a:fillRef idx="3">
+              <a:schemeClr val="accent1"/>
+            </a:fillRef>
+            <a:effectRef idx="2">
+              <a:schemeClr val="accent1"/>
+            </a:effectRef>
+            <a:fontRef idx="minor">
+              <a:schemeClr val="lt1"/>
+            </a:fontRef>
+          </p:style>
+        </p:sp>
+        <p:sp>
+          <p:nvSpPr>
+            <p:cNvPr id="30" name="Rectangle 29"/>
+            <p:cNvSpPr/>
+            <p:nvPr/>
+          </p:nvSpPr>
+          <p:spPr>
+            <a:xfrm>
+              <a:off x="10938999" y="-8467"/>
+              <a:ext cx="1249825" cy="6866467"/>
+            </a:xfrm>
+            <a:custGeom>
+              <a:avLst/>
+              <a:gdLst/>
+              <a:ahLst/>
+              <a:cxnLst/>
+              <a:rect l="l" t="t" r="r" b="b"/>
+              <a:pathLst>
+                <a:path w="1249825" h="6858000">
+                  <a:moveTo>
+                    <a:pt x="0" y="0"/>
+                  </a:moveTo>
+                  <a:lnTo>
+                    <a:pt x="1249825" y="0"/>
+                  </a:lnTo>
+                  <a:lnTo>
+                    <a:pt x="1249825" y="6858000"/>
+                  </a:lnTo>
+                  <a:lnTo>
+                    <a:pt x="1109382" y="6858000"/>
+                  </a:lnTo>
+                  <a:lnTo>
+                    <a:pt x="0" y="0"/>
+                  </a:lnTo>
+                  <a:close/>
+                </a:path>
+              </a:pathLst>
+            </a:custGeom>
+            <a:solidFill>
+              <a:schemeClr val="accent1">
+                <a:alpha val="65000"/>
+              </a:schemeClr>
+            </a:solidFill>
+            <a:ln>
+              <a:noFill/>
+            </a:ln>
+            <a:effectLst/>
+          </p:spPr>
+          <p:style>
+            <a:lnRef idx="1">
+              <a:schemeClr val="accent1"/>
+            </a:lnRef>
+            <a:fillRef idx="3">
+              <a:schemeClr val="accent1"/>
+            </a:fillRef>
+            <a:effectRef idx="2">
+              <a:schemeClr val="accent1"/>
+            </a:effectRef>
+            <a:fontRef idx="minor">
+              <a:schemeClr val="lt1"/>
+            </a:fontRef>
+          </p:style>
+        </p:sp>
+        <p:sp>
+          <p:nvSpPr>
+            <p:cNvPr id="31" name="Isosceles Triangle 30"/>
+            <p:cNvSpPr/>
+            <p:nvPr/>
+          </p:nvSpPr>
+          <p:spPr>
+            <a:xfrm>
+              <a:off x="10371666" y="3589867"/>
+              <a:ext cx="1817159" cy="3268133"/>
+            </a:xfrm>
+            <a:prstGeom prst="triangle">
+              <a:avLst>
+                <a:gd name="adj" fmla="val 100000"/>
+              </a:avLst>
             </a:prstGeom>
+            <a:solidFill>
+              <a:schemeClr val="accent1">
+                <a:alpha val="80000"/>
+              </a:schemeClr>
+            </a:solidFill>
+            <a:ln>
+              <a:noFill/>
+            </a:ln>
+            <a:effectLst/>
           </p:spPr>
-        </p:pic>
+          <p:style>
+            <a:lnRef idx="1">
+              <a:schemeClr val="accent1"/>
+            </a:lnRef>
+            <a:fillRef idx="3">
+              <a:schemeClr val="accent1"/>
+            </a:fillRef>
+            <a:effectRef idx="2">
+              <a:schemeClr val="accent1"/>
+            </a:effectRef>
+            <a:fontRef idx="minor">
+              <a:schemeClr val="lt1"/>
+            </a:fontRef>
+          </p:style>
+        </p:sp>
+        <p:sp>
+          <p:nvSpPr>
+            <p:cNvPr id="19" name="Isosceles Triangle 18"/>
+            <p:cNvSpPr/>
+            <p:nvPr/>
+          </p:nvSpPr>
+          <p:spPr>
+            <a:xfrm rot="10800000">
+              <a:off x="0" y="0"/>
+              <a:ext cx="842596" cy="5666154"/>
+            </a:xfrm>
+            <a:prstGeom prst="triangle">
+              <a:avLst>
+                <a:gd name="adj" fmla="val 100000"/>
+              </a:avLst>
+            </a:prstGeom>
+            <a:solidFill>
+              <a:schemeClr val="accent1">
+                <a:alpha val="85000"/>
+              </a:schemeClr>
+            </a:solidFill>
+            <a:ln>
+              <a:noFill/>
+            </a:ln>
+            <a:effectLst/>
+          </p:spPr>
+          <p:style>
+            <a:lnRef idx="1">
+              <a:schemeClr val="accent1"/>
+            </a:lnRef>
+            <a:fillRef idx="3">
+              <a:schemeClr val="accent1"/>
+            </a:fillRef>
+            <a:effectRef idx="2">
+              <a:schemeClr val="accent1"/>
+            </a:effectRef>
+            <a:fontRef idx="minor">
+              <a:schemeClr val="lt1"/>
+            </a:fontRef>
+          </p:style>
+        </p:sp>
       </p:grpSp>
       <p:sp>
         <p:nvSpPr>
@@ -284,8 +690,8 @@
         </p:nvSpPr>
         <p:spPr>
           <a:xfrm>
-            <a:off x="2692398" y="1871131"/>
-            <a:ext cx="6815669" cy="1515533"/>
+            <a:off x="1507067" y="2404534"/>
+            <a:ext cx="7766936" cy="1646302"/>
           </a:xfrm>
         </p:spPr>
         <p:txBody>
@@ -293,9 +699,11 @@
             <a:noAutofit/>
           </a:bodyPr>
           <a:lstStyle>
-            <a:lvl1pPr algn="ctr">
+            <a:lvl1pPr algn="r">
               <a:defRPr sz="5400">
-                <a:effectLst/>
+                <a:solidFill>
+                  <a:schemeClr val="accent1"/>
+                </a:solidFill>
               </a:defRPr>
             </a:lvl1pPr>
           </a:lstStyle>
@@ -320,20 +728,21 @@
         </p:nvSpPr>
         <p:spPr>
           <a:xfrm>
-            <a:off x="2692398" y="3657597"/>
-            <a:ext cx="6815669" cy="1320802"/>
+            <a:off x="1507067" y="4050833"/>
+            <a:ext cx="7766936" cy="1096899"/>
           </a:xfrm>
         </p:spPr>
         <p:txBody>
-          <a:bodyPr anchor="t">
-            <a:normAutofit/>
-          </a:bodyPr>
+          <a:bodyPr anchor="t"/>
           <a:lstStyle>
-            <a:lvl1pPr marL="0" indent="0" algn="ctr">
-              <a:buNone/>
-              <a:defRPr sz="2100">
-                <a:solidFill>
-                  <a:schemeClr val="tx1"/>
+            <a:lvl1pPr marL="0" indent="0" algn="r">
+              <a:buNone/>
+              <a:defRPr>
+                <a:solidFill>
+                  <a:schemeClr val="tx1">
+                    <a:lumMod val="50000"/>
+                    <a:lumOff val="50000"/>
+                  </a:schemeClr>
                 </a:solidFill>
               </a:defRPr>
             </a:lvl1pPr>
@@ -437,12 +846,7 @@
             <p:ph type="dt" sz="half" idx="10"/>
           </p:nvPr>
         </p:nvSpPr>
-        <p:spPr>
-          <a:xfrm>
-            <a:off x="7983232" y="5037663"/>
-            <a:ext cx="897467" cy="279400"/>
-          </a:xfrm>
-        </p:spPr>
+        <p:spPr/>
         <p:txBody>
           <a:bodyPr/>
           <a:lstStyle/>
@@ -465,12 +869,7 @@
             <p:ph type="ftr" sz="quarter" idx="11"/>
           </p:nvPr>
         </p:nvSpPr>
-        <p:spPr>
-          <a:xfrm>
-            <a:off x="2692397" y="5037663"/>
-            <a:ext cx="5214635" cy="279400"/>
-          </a:xfrm>
-        </p:spPr>
+        <p:spPr/>
         <p:txBody>
           <a:bodyPr/>
           <a:lstStyle/>
@@ -489,12 +888,7 @@
             <p:ph type="sldNum" sz="quarter" idx="12"/>
           </p:nvPr>
         </p:nvSpPr>
-        <p:spPr>
-          <a:xfrm>
-            <a:off x="8956900" y="5037663"/>
-            <a:ext cx="551167" cy="279400"/>
-          </a:xfrm>
-        </p:spPr>
+        <p:spPr/>
         <p:txBody>
           <a:bodyPr/>
           <a:lstStyle/>
@@ -507,40 +901,10 @@
           </a:p>
         </p:txBody>
       </p:sp>
-      <p:cxnSp>
-        <p:nvCxnSpPr>
-          <p:cNvPr id="15" name="Straight Connector 14"/>
-          <p:cNvCxnSpPr/>
-          <p:nvPr/>
-        </p:nvCxnSpPr>
-        <p:spPr>
-          <a:xfrm>
-            <a:off x="2692399" y="3522131"/>
-            <a:ext cx="6815668" cy="0"/>
-          </a:xfrm>
-          <a:prstGeom prst="line">
-            <a:avLst/>
-          </a:prstGeom>
-        </p:spPr>
-        <p:style>
-          <a:lnRef idx="2">
-            <a:schemeClr val="accent1"/>
-          </a:lnRef>
-          <a:fillRef idx="0">
-            <a:schemeClr val="accent1"/>
-          </a:fillRef>
-          <a:effectRef idx="1">
-            <a:schemeClr val="accent1"/>
-          </a:effectRef>
-          <a:fontRef idx="minor">
-            <a:schemeClr val="tx1"/>
-          </a:fontRef>
-        </p:style>
-      </p:cxnSp>
     </p:spTree>
     <p:extLst>
       <p:ext uri="{BB962C8B-B14F-4D97-AF65-F5344CB8AC3E}">
-        <p14:creationId xmlns:p14="http://schemas.microsoft.com/office/powerpoint/2010/main" val="827410679"/>
+        <p14:creationId xmlns:p14="http://schemas.microsoft.com/office/powerpoint/2010/main" val="1484676197"/>
       </p:ext>
     </p:extLst>
   </p:cSld>
@@ -551,290 +915,6 @@
 </file>
 
 <file path=ppt/slideLayouts/slideLayout10.xml><?xml version="1.0" encoding="utf-8"?>
-<p:sldLayout xmlns:a="http://schemas.openxmlformats.org/drawingml/2006/main" xmlns:r="http://schemas.openxmlformats.org/officeDocument/2006/relationships" xmlns:p="http://schemas.openxmlformats.org/presentationml/2006/main" preserve="1">
-  <p:cSld name="全景圖片 (含輔助字幕)">
-    <p:spTree>
-      <p:nvGrpSpPr>
-        <p:cNvPr id="1" name=""/>
-        <p:cNvGrpSpPr/>
-        <p:nvPr/>
-      </p:nvGrpSpPr>
-      <p:grpSpPr>
-        <a:xfrm>
-          <a:off x="0" y="0"/>
-          <a:ext cx="0" cy="0"/>
-          <a:chOff x="0" y="0"/>
-          <a:chExt cx="0" cy="0"/>
-        </a:xfrm>
-      </p:grpSpPr>
-      <p:sp>
-        <p:nvSpPr>
-          <p:cNvPr id="2" name="Title 1"/>
-          <p:cNvSpPr>
-            <a:spLocks noGrp="1"/>
-          </p:cNvSpPr>
-          <p:nvPr>
-            <p:ph type="title"/>
-          </p:nvPr>
-        </p:nvSpPr>
-        <p:spPr>
-          <a:xfrm>
-            <a:off x="1295401" y="4815415"/>
-            <a:ext cx="9609666" cy="566738"/>
-          </a:xfrm>
-        </p:spPr>
-        <p:txBody>
-          <a:bodyPr anchor="b">
-            <a:normAutofit/>
-          </a:bodyPr>
-          <a:lstStyle>
-            <a:lvl1pPr algn="ctr">
-              <a:defRPr sz="2400" b="0"/>
-            </a:lvl1pPr>
-          </a:lstStyle>
-          <a:p>
-            <a:r>
-              <a:rPr lang="zh-TW" altLang="en-US"/>
-              <a:t>按一下以編輯母片標題樣式</a:t>
-            </a:r>
-            <a:endParaRPr lang="en-US" dirty="0"/>
-          </a:p>
-        </p:txBody>
-      </p:sp>
-      <p:sp>
-        <p:nvSpPr>
-          <p:cNvPr id="3" name="Picture Placeholder 2"/>
-          <p:cNvSpPr>
-            <a:spLocks noGrp="1" noChangeAspect="1"/>
-          </p:cNvSpPr>
-          <p:nvPr>
-            <p:ph type="pic" idx="1"/>
-          </p:nvPr>
-        </p:nvSpPr>
-        <p:spPr>
-          <a:xfrm>
-            <a:off x="1041427" y="1041399"/>
-            <a:ext cx="10105972" cy="3335869"/>
-          </a:xfrm>
-          <a:prstGeom prst="roundRect">
-            <a:avLst>
-              <a:gd name="adj" fmla="val 0"/>
-            </a:avLst>
-          </a:prstGeom>
-          <a:ln w="57150" cmpd="thickThin">
-            <a:solidFill>
-              <a:schemeClr val="tx1">
-                <a:lumMod val="50000"/>
-                <a:lumOff val="50000"/>
-              </a:schemeClr>
-            </a:solidFill>
-            <a:miter lim="800000"/>
-          </a:ln>
-          <a:effectLst>
-            <a:innerShdw blurRad="57150" dist="38100" dir="14460000">
-              <a:srgbClr val="000000">
-                <a:alpha val="70000"/>
-              </a:srgbClr>
-            </a:innerShdw>
-          </a:effectLst>
-        </p:spPr>
-        <p:txBody>
-          <a:bodyPr anchor="t">
-            <a:normAutofit/>
-          </a:bodyPr>
-          <a:lstStyle>
-            <a:lvl1pPr marL="0" indent="0" algn="ctr">
-              <a:buNone/>
-              <a:defRPr sz="1600"/>
-            </a:lvl1pPr>
-            <a:lvl2pPr marL="457200" indent="0">
-              <a:buNone/>
-              <a:defRPr sz="1600"/>
-            </a:lvl2pPr>
-            <a:lvl3pPr marL="914400" indent="0">
-              <a:buNone/>
-              <a:defRPr sz="1600"/>
-            </a:lvl3pPr>
-            <a:lvl4pPr marL="1371600" indent="0">
-              <a:buNone/>
-              <a:defRPr sz="1600"/>
-            </a:lvl4pPr>
-            <a:lvl5pPr marL="1828800" indent="0">
-              <a:buNone/>
-              <a:defRPr sz="1600"/>
-            </a:lvl5pPr>
-            <a:lvl6pPr marL="2286000" indent="0">
-              <a:buNone/>
-              <a:defRPr sz="1600"/>
-            </a:lvl6pPr>
-            <a:lvl7pPr marL="2743200" indent="0">
-              <a:buNone/>
-              <a:defRPr sz="1600"/>
-            </a:lvl7pPr>
-            <a:lvl8pPr marL="3200400" indent="0">
-              <a:buNone/>
-              <a:defRPr sz="1600"/>
-            </a:lvl8pPr>
-            <a:lvl9pPr marL="3657600" indent="0">
-              <a:buNone/>
-              <a:defRPr sz="1600"/>
-            </a:lvl9pPr>
-          </a:lstStyle>
-          <a:p>
-            <a:r>
-              <a:rPr lang="zh-TW" altLang="en-US"/>
-              <a:t>按一下圖示以新增圖片</a:t>
-            </a:r>
-            <a:endParaRPr lang="en-US" dirty="0"/>
-          </a:p>
-        </p:txBody>
-      </p:sp>
-      <p:sp>
-        <p:nvSpPr>
-          <p:cNvPr id="4" name="Text Placeholder 3"/>
-          <p:cNvSpPr>
-            <a:spLocks noGrp="1"/>
-          </p:cNvSpPr>
-          <p:nvPr>
-            <p:ph type="body" sz="half" idx="2"/>
-          </p:nvPr>
-        </p:nvSpPr>
-        <p:spPr>
-          <a:xfrm>
-            <a:off x="1295401" y="5382153"/>
-            <a:ext cx="9609666" cy="493712"/>
-          </a:xfrm>
-        </p:spPr>
-        <p:txBody>
-          <a:bodyPr>
-            <a:normAutofit/>
-          </a:bodyPr>
-          <a:lstStyle>
-            <a:lvl1pPr marL="0" indent="0" algn="ctr">
-              <a:buNone/>
-              <a:defRPr sz="1400"/>
-            </a:lvl1pPr>
-            <a:lvl2pPr marL="457200" indent="0">
-              <a:buNone/>
-              <a:defRPr sz="1200"/>
-            </a:lvl2pPr>
-            <a:lvl3pPr marL="914400" indent="0">
-              <a:buNone/>
-              <a:defRPr sz="1000"/>
-            </a:lvl3pPr>
-            <a:lvl4pPr marL="1371600" indent="0">
-              <a:buNone/>
-              <a:defRPr sz="900"/>
-            </a:lvl4pPr>
-            <a:lvl5pPr marL="1828800" indent="0">
-              <a:buNone/>
-              <a:defRPr sz="900"/>
-            </a:lvl5pPr>
-            <a:lvl6pPr marL="2286000" indent="0">
-              <a:buNone/>
-              <a:defRPr sz="900"/>
-            </a:lvl6pPr>
-            <a:lvl7pPr marL="2743200" indent="0">
-              <a:buNone/>
-              <a:defRPr sz="900"/>
-            </a:lvl7pPr>
-            <a:lvl8pPr marL="3200400" indent="0">
-              <a:buNone/>
-              <a:defRPr sz="900"/>
-            </a:lvl8pPr>
-            <a:lvl9pPr marL="3657600" indent="0">
-              <a:buNone/>
-              <a:defRPr sz="900"/>
-            </a:lvl9pPr>
-          </a:lstStyle>
-          <a:p>
-            <a:pPr lvl="0"/>
-            <a:r>
-              <a:rPr lang="zh-TW" altLang="en-US"/>
-              <a:t>按一下以編輯母片文字樣式</a:t>
-            </a:r>
-          </a:p>
-        </p:txBody>
-      </p:sp>
-      <p:sp>
-        <p:nvSpPr>
-          <p:cNvPr id="5" name="Date Placeholder 4"/>
-          <p:cNvSpPr>
-            <a:spLocks noGrp="1"/>
-          </p:cNvSpPr>
-          <p:nvPr>
-            <p:ph type="dt" sz="half" idx="10"/>
-          </p:nvPr>
-        </p:nvSpPr>
-        <p:spPr/>
-        <p:txBody>
-          <a:bodyPr/>
-          <a:lstStyle/>
-          <a:p>
-            <a:fld id="{26D97B37-B455-4B73-AFB5-7DDD6ADA2FB5}" type="datetimeFigureOut">
-              <a:rPr lang="zh-TW" altLang="en-US" smtClean="0"/>
-              <a:t>2022/1/20</a:t>
-            </a:fld>
-            <a:endParaRPr lang="zh-TW" altLang="en-US"/>
-          </a:p>
-        </p:txBody>
-      </p:sp>
-      <p:sp>
-        <p:nvSpPr>
-          <p:cNvPr id="6" name="Footer Placeholder 5"/>
-          <p:cNvSpPr>
-            <a:spLocks noGrp="1"/>
-          </p:cNvSpPr>
-          <p:nvPr>
-            <p:ph type="ftr" sz="quarter" idx="11"/>
-          </p:nvPr>
-        </p:nvSpPr>
-        <p:spPr/>
-        <p:txBody>
-          <a:bodyPr/>
-          <a:lstStyle/>
-          <a:p>
-            <a:endParaRPr lang="zh-TW" altLang="en-US"/>
-          </a:p>
-        </p:txBody>
-      </p:sp>
-      <p:sp>
-        <p:nvSpPr>
-          <p:cNvPr id="7" name="Slide Number Placeholder 6"/>
-          <p:cNvSpPr>
-            <a:spLocks noGrp="1"/>
-          </p:cNvSpPr>
-          <p:nvPr>
-            <p:ph type="sldNum" sz="quarter" idx="12"/>
-          </p:nvPr>
-        </p:nvSpPr>
-        <p:spPr/>
-        <p:txBody>
-          <a:bodyPr/>
-          <a:lstStyle/>
-          <a:p>
-            <a:fld id="{CEC8CC5C-CC66-4C94-9C99-35C932A987A7}" type="slidenum">
-              <a:rPr lang="zh-TW" altLang="en-US" smtClean="0"/>
-              <a:t>‹#›</a:t>
-            </a:fld>
-            <a:endParaRPr lang="zh-TW" altLang="en-US"/>
-          </a:p>
-        </p:txBody>
-      </p:sp>
-    </p:spTree>
-    <p:extLst>
-      <p:ext uri="{BB962C8B-B14F-4D97-AF65-F5344CB8AC3E}">
-        <p14:creationId xmlns:p14="http://schemas.microsoft.com/office/powerpoint/2010/main" val="3776936851"/>
-      </p:ext>
-    </p:extLst>
-  </p:cSld>
-  <p:clrMapOvr>
-    <a:masterClrMapping/>
-  </p:clrMapOvr>
-</p:sldLayout>
-</file>
-
-<file path=ppt/slideLayouts/slideLayout11.xml><?xml version="1.0" encoding="utf-8"?>
 <p:sldLayout xmlns:a="http://schemas.openxmlformats.org/drawingml/2006/main" xmlns:r="http://schemas.openxmlformats.org/officeDocument/2006/relationships" xmlns:p="http://schemas.openxmlformats.org/presentationml/2006/main" preserve="1">
   <p:cSld name="標題與輔助字幕">
     <p:spTree>
@@ -863,8 +943,8 @@
         </p:nvSpPr>
         <p:spPr>
           <a:xfrm>
-            <a:off x="1303868" y="982132"/>
-            <a:ext cx="9592732" cy="2954868"/>
+            <a:off x="677335" y="609600"/>
+            <a:ext cx="8596668" cy="3403600"/>
           </a:xfrm>
         </p:spPr>
         <p:txBody>
@@ -872,8 +952,8 @@
             <a:normAutofit/>
           </a:bodyPr>
           <a:lstStyle>
-            <a:lvl1pPr algn="ctr">
-              <a:defRPr sz="3200" b="0" cap="none"/>
+            <a:lvl1pPr algn="l">
+              <a:defRPr sz="4400" b="0" cap="none"/>
             </a:lvl1pPr>
           </a:lstStyle>
           <a:p>
@@ -897,8 +977,8 @@
         </p:nvSpPr>
         <p:spPr>
           <a:xfrm>
-            <a:off x="1303868" y="4343399"/>
-            <a:ext cx="9592732" cy="1532467"/>
+            <a:off x="677335" y="4470400"/>
+            <a:ext cx="8596668" cy="1570962"/>
           </a:xfrm>
         </p:spPr>
         <p:txBody>
@@ -906,11 +986,14 @@
             <a:normAutofit/>
           </a:bodyPr>
           <a:lstStyle>
-            <a:lvl1pPr marL="0" indent="0" algn="ctr">
-              <a:buNone/>
-              <a:defRPr sz="2000">
-                <a:solidFill>
-                  <a:schemeClr val="tx1"/>
+            <a:lvl1pPr marL="0" indent="0" algn="l">
+              <a:buNone/>
+              <a:defRPr sz="1800">
+                <a:solidFill>
+                  <a:schemeClr val="tx1">
+                    <a:lumMod val="75000"/>
+                    <a:lumOff val="25000"/>
+                  </a:schemeClr>
                 </a:solidFill>
               </a:defRPr>
             </a:lvl1pPr>
@@ -1069,41 +1152,10 @@
           </a:p>
         </p:txBody>
       </p:sp>
-      <p:cxnSp>
-        <p:nvCxnSpPr>
-          <p:cNvPr id="15" name="Straight Connector 14"/>
-          <p:cNvCxnSpPr/>
-          <p:nvPr/>
-        </p:nvCxnSpPr>
-        <p:spPr>
-          <a:xfrm>
-            <a:off x="1396169" y="4140199"/>
-            <a:ext cx="9407298" cy="0"/>
-          </a:xfrm>
-          <a:prstGeom prst="line">
-            <a:avLst/>
-          </a:prstGeom>
-          <a:ln w="15875"/>
-        </p:spPr>
-        <p:style>
-          <a:lnRef idx="2">
-            <a:schemeClr val="accent1"/>
-          </a:lnRef>
-          <a:fillRef idx="0">
-            <a:schemeClr val="accent1"/>
-          </a:fillRef>
-          <a:effectRef idx="1">
-            <a:schemeClr val="accent1"/>
-          </a:effectRef>
-          <a:fontRef idx="minor">
-            <a:schemeClr val="tx1"/>
-          </a:fontRef>
-        </p:style>
-      </p:cxnSp>
     </p:spTree>
     <p:extLst>
       <p:ext uri="{BB962C8B-B14F-4D97-AF65-F5344CB8AC3E}">
-        <p14:creationId xmlns:p14="http://schemas.microsoft.com/office/powerpoint/2010/main" val="1025111668"/>
+        <p14:creationId xmlns:p14="http://schemas.microsoft.com/office/powerpoint/2010/main" val="1407307213"/>
       </p:ext>
     </p:extLst>
   </p:cSld>
@@ -1113,7 +1165,7 @@
 </p:sldLayout>
 </file>
 
-<file path=ppt/slideLayouts/slideLayout12.xml><?xml version="1.0" encoding="utf-8"?>
+<file path=ppt/slideLayouts/slideLayout11.xml><?xml version="1.0" encoding="utf-8"?>
 <p:sldLayout xmlns:a="http://schemas.openxmlformats.org/drawingml/2006/main" xmlns:r="http://schemas.openxmlformats.org/officeDocument/2006/relationships" xmlns:p="http://schemas.openxmlformats.org/presentationml/2006/main" preserve="1">
   <p:cSld name="引述 (含輔助字幕)">
     <p:spTree>
@@ -1142,8 +1194,8 @@
         </p:nvSpPr>
         <p:spPr>
           <a:xfrm>
-            <a:off x="1446213" y="982132"/>
-            <a:ext cx="9296398" cy="2370668"/>
+            <a:off x="931334" y="609600"/>
+            <a:ext cx="8094134" cy="3022600"/>
           </a:xfrm>
         </p:spPr>
         <p:txBody>
@@ -1151,12 +1203,8 @@
             <a:normAutofit/>
           </a:bodyPr>
           <a:lstStyle>
-            <a:lvl1pPr algn="ctr">
-              <a:defRPr sz="3200" b="0" cap="none">
-                <a:solidFill>
-                  <a:schemeClr val="tx1"/>
-                </a:solidFill>
-              </a:defRPr>
+            <a:lvl1pPr algn="l">
+              <a:defRPr sz="4400" b="0" cap="none"/>
             </a:lvl1pPr>
           </a:lstStyle>
           <a:p>
@@ -1170,7 +1218,7 @@
       </p:sp>
       <p:sp>
         <p:nvSpPr>
-          <p:cNvPr id="10" name="Text Placeholder 9"/>
+          <p:cNvPr id="23" name="Text Placeholder 9"/>
           <p:cNvSpPr>
             <a:spLocks noGrp="1"/>
           </p:cNvSpPr>
@@ -1180,8 +1228,71 @@
         </p:nvSpPr>
         <p:spPr>
           <a:xfrm>
-            <a:off x="1674812" y="3352800"/>
-            <a:ext cx="8839202" cy="584200"/>
+            <a:off x="1366139" y="3632200"/>
+            <a:ext cx="7224524" cy="381000"/>
+          </a:xfrm>
+        </p:spPr>
+        <p:txBody>
+          <a:bodyPr anchor="ctr">
+            <a:noAutofit/>
+          </a:bodyPr>
+          <a:lstStyle>
+            <a:lvl1pPr marL="0" indent="0">
+              <a:buFontTx/>
+              <a:buNone/>
+              <a:defRPr sz="1600">
+                <a:solidFill>
+                  <a:schemeClr val="tx1">
+                    <a:lumMod val="50000"/>
+                    <a:lumOff val="50000"/>
+                  </a:schemeClr>
+                </a:solidFill>
+              </a:defRPr>
+            </a:lvl1pPr>
+            <a:lvl2pPr marL="457200" indent="0">
+              <a:buFontTx/>
+              <a:buNone/>
+              <a:defRPr/>
+            </a:lvl2pPr>
+            <a:lvl3pPr marL="914400" indent="0">
+              <a:buFontTx/>
+              <a:buNone/>
+              <a:defRPr/>
+            </a:lvl3pPr>
+            <a:lvl4pPr marL="1371600" indent="0">
+              <a:buFontTx/>
+              <a:buNone/>
+              <a:defRPr/>
+            </a:lvl4pPr>
+            <a:lvl5pPr marL="1828800" indent="0">
+              <a:buFontTx/>
+              <a:buNone/>
+              <a:defRPr/>
+            </a:lvl5pPr>
+          </a:lstStyle>
+          <a:p>
+            <a:pPr lvl="0"/>
+            <a:r>
+              <a:rPr lang="zh-TW" altLang="en-US"/>
+              <a:t>按一下以編輯母片文字樣式</a:t>
+            </a:r>
+          </a:p>
+        </p:txBody>
+      </p:sp>
+      <p:sp>
+        <p:nvSpPr>
+          <p:cNvPr id="3" name="Text Placeholder 2"/>
+          <p:cNvSpPr>
+            <a:spLocks noGrp="1"/>
+          </p:cNvSpPr>
+          <p:nvPr>
+            <p:ph type="body" idx="1"/>
+          </p:nvPr>
+        </p:nvSpPr>
+        <p:spPr>
+          <a:xfrm>
+            <a:off x="677335" y="4470400"/>
+            <a:ext cx="8596668" cy="1570962"/>
           </a:xfrm>
         </p:spPr>
         <p:txBody>
@@ -1189,67 +1300,14 @@
             <a:normAutofit/>
           </a:bodyPr>
           <a:lstStyle>
-            <a:lvl1pPr marL="0" indent="0" algn="r">
-              <a:buFontTx/>
-              <a:buNone/>
-              <a:defRPr sz="2000"/>
-            </a:lvl1pPr>
-            <a:lvl2pPr marL="457200" indent="0">
-              <a:buFontTx/>
-              <a:buNone/>
-              <a:defRPr/>
-            </a:lvl2pPr>
-            <a:lvl3pPr marL="914400" indent="0">
-              <a:buFontTx/>
-              <a:buNone/>
-              <a:defRPr/>
-            </a:lvl3pPr>
-            <a:lvl4pPr marL="1371600" indent="0">
-              <a:buFontTx/>
-              <a:buNone/>
-              <a:defRPr/>
-            </a:lvl4pPr>
-            <a:lvl5pPr marL="1828800" indent="0">
-              <a:buFontTx/>
-              <a:buNone/>
-              <a:defRPr/>
-            </a:lvl5pPr>
-          </a:lstStyle>
-          <a:p>
-            <a:pPr lvl="0"/>
-            <a:r>
-              <a:rPr lang="zh-TW" altLang="en-US"/>
-              <a:t>按一下以編輯母片文字樣式</a:t>
-            </a:r>
-          </a:p>
-        </p:txBody>
-      </p:sp>
-      <p:sp>
-        <p:nvSpPr>
-          <p:cNvPr id="3" name="Text Placeholder 2"/>
-          <p:cNvSpPr>
-            <a:spLocks noGrp="1"/>
-          </p:cNvSpPr>
-          <p:nvPr>
-            <p:ph type="body" idx="1"/>
-          </p:nvPr>
-        </p:nvSpPr>
-        <p:spPr>
-          <a:xfrm>
-            <a:off x="1295401" y="4343399"/>
-            <a:ext cx="9609666" cy="1532467"/>
-          </a:xfrm>
-        </p:spPr>
-        <p:txBody>
-          <a:bodyPr anchor="ctr">
-            <a:normAutofit/>
-          </a:bodyPr>
-          <a:lstStyle>
-            <a:lvl1pPr marL="0" indent="0" algn="ctr">
-              <a:buNone/>
-              <a:defRPr sz="2000">
-                <a:solidFill>
-                  <a:schemeClr val="tx1"/>
+            <a:lvl1pPr marL="0" indent="0" algn="l">
+              <a:buNone/>
+              <a:defRPr sz="1800">
+                <a:solidFill>
+                  <a:schemeClr val="tx1">
+                    <a:lumMod val="75000"/>
+                    <a:lumOff val="25000"/>
+                  </a:schemeClr>
                 </a:solidFill>
               </a:defRPr>
             </a:lvl1pPr>
@@ -1410,13 +1468,13 @@
       </p:sp>
       <p:sp>
         <p:nvSpPr>
-          <p:cNvPr id="14" name="TextBox 13"/>
+          <p:cNvPr id="20" name="TextBox 19"/>
           <p:cNvSpPr txBox="1"/>
           <p:nvPr/>
         </p:nvSpPr>
         <p:spPr>
           <a:xfrm>
-            <a:off x="862013" y="879961"/>
+            <a:off x="541870" y="790378"/>
             <a:ext cx="609600" cy="584776"/>
           </a:xfrm>
           <a:prstGeom prst="rect">
@@ -1431,11 +1489,18 @@
           <a:p>
             <a:pPr lvl="0"/>
             <a:r>
-              <a:rPr lang="en-US" sz="8000" dirty="0">
-                <a:solidFill>
-                  <a:schemeClr val="tx1"/>
+              <a:rPr lang="en-US" sz="8000" baseline="0" dirty="0">
+                <a:ln w="3175" cmpd="sng">
+                  <a:noFill/>
+                </a:ln>
+                <a:solidFill>
+                  <a:schemeClr val="accent1">
+                    <a:lumMod val="60000"/>
+                    <a:lumOff val="40000"/>
+                  </a:schemeClr>
                 </a:solidFill>
                 <a:effectLst/>
+                <a:latin typeface="Arial"/>
               </a:rPr>
               <a:t>“</a:t>
             </a:r>
@@ -1444,13 +1509,13 @@
       </p:sp>
       <p:sp>
         <p:nvSpPr>
-          <p:cNvPr id="15" name="TextBox 14"/>
+          <p:cNvPr id="22" name="TextBox 21"/>
           <p:cNvSpPr txBox="1"/>
           <p:nvPr/>
         </p:nvSpPr>
         <p:spPr>
           <a:xfrm>
-            <a:off x="10600267" y="2827870"/>
+            <a:off x="8893011" y="2886556"/>
             <a:ext cx="609600" cy="584776"/>
           </a:xfrm>
           <a:prstGeom prst="rect">
@@ -1463,54 +1528,38 @@
           </a:bodyPr>
           <a:lstStyle/>
           <a:p>
-            <a:pPr lvl="0" algn="r"/>
-            <a:r>
-              <a:rPr lang="en-US" sz="8000" dirty="0">
-                <a:solidFill>
-                  <a:schemeClr val="tx1"/>
-                </a:solidFill>
-                <a:effectLst/>
+            <a:pPr lvl="0"/>
+            <a:r>
+              <a:rPr lang="en-US" sz="8000" baseline="0" dirty="0">
+                <a:ln w="3175" cmpd="sng">
+                  <a:noFill/>
+                </a:ln>
+                <a:solidFill>
+                  <a:schemeClr val="accent1">
+                    <a:lumMod val="60000"/>
+                    <a:lumOff val="40000"/>
+                  </a:schemeClr>
+                </a:solidFill>
+                <a:latin typeface="Arial"/>
               </a:rPr>
               <a:t>”</a:t>
             </a:r>
-          </a:p>
-        </p:txBody>
-      </p:sp>
-      <p:cxnSp>
-        <p:nvCxnSpPr>
-          <p:cNvPr id="19" name="Straight Connector 18"/>
-          <p:cNvCxnSpPr/>
-          <p:nvPr/>
-        </p:nvCxnSpPr>
-        <p:spPr>
-          <a:xfrm>
-            <a:off x="1396169" y="4140199"/>
-            <a:ext cx="9407298" cy="0"/>
-          </a:xfrm>
-          <a:prstGeom prst="line">
-            <a:avLst/>
-          </a:prstGeom>
-          <a:ln w="15875"/>
-        </p:spPr>
-        <p:style>
-          <a:lnRef idx="2">
-            <a:schemeClr val="accent1"/>
-          </a:lnRef>
-          <a:fillRef idx="0">
-            <a:schemeClr val="accent1"/>
-          </a:fillRef>
-          <a:effectRef idx="1">
-            <a:schemeClr val="accent1"/>
-          </a:effectRef>
-          <a:fontRef idx="minor">
-            <a:schemeClr val="tx1"/>
-          </a:fontRef>
-        </p:style>
-      </p:cxnSp>
+            <a:endParaRPr lang="en-US" dirty="0">
+              <a:solidFill>
+                <a:schemeClr val="accent1">
+                  <a:lumMod val="60000"/>
+                  <a:lumOff val="40000"/>
+                </a:schemeClr>
+              </a:solidFill>
+              <a:latin typeface="Arial"/>
+            </a:endParaRPr>
+          </a:p>
+        </p:txBody>
+      </p:sp>
     </p:spTree>
     <p:extLst>
       <p:ext uri="{BB962C8B-B14F-4D97-AF65-F5344CB8AC3E}">
-        <p14:creationId xmlns:p14="http://schemas.microsoft.com/office/powerpoint/2010/main" val="2314213695"/>
+        <p14:creationId xmlns:p14="http://schemas.microsoft.com/office/powerpoint/2010/main" val="2895798789"/>
       </p:ext>
     </p:extLst>
   </p:cSld>
@@ -1520,7 +1569,7 @@
 </p:sldLayout>
 </file>
 
-<file path=ppt/slideLayouts/slideLayout13.xml><?xml version="1.0" encoding="utf-8"?>
+<file path=ppt/slideLayouts/slideLayout12.xml><?xml version="1.0" encoding="utf-8"?>
 <p:sldLayout xmlns:a="http://schemas.openxmlformats.org/drawingml/2006/main" xmlns:r="http://schemas.openxmlformats.org/officeDocument/2006/relationships" xmlns:p="http://schemas.openxmlformats.org/presentationml/2006/main" preserve="1">
   <p:cSld name="名片">
     <p:spTree>
@@ -1549,8 +1598,8 @@
         </p:nvSpPr>
         <p:spPr>
           <a:xfrm>
-            <a:off x="1295402" y="3308581"/>
-            <a:ext cx="9609668" cy="1468800"/>
+            <a:off x="677335" y="1931988"/>
+            <a:ext cx="8596668" cy="2595460"/>
           </a:xfrm>
         </p:spPr>
         <p:txBody>
@@ -1559,7 +1608,7 @@
           </a:bodyPr>
           <a:lstStyle>
             <a:lvl1pPr algn="l">
-              <a:defRPr sz="3200" b="0" cap="none"/>
+              <a:defRPr sz="4400" b="0" cap="none"/>
             </a:lvl1pPr>
           </a:lstStyle>
           <a:p>
@@ -1583,8 +1632,8 @@
         </p:nvSpPr>
         <p:spPr>
           <a:xfrm>
-            <a:off x="1295401" y="4777381"/>
-            <a:ext cx="9609668" cy="860400"/>
+            <a:off x="677335" y="4527448"/>
+            <a:ext cx="8596668" cy="1513914"/>
           </a:xfrm>
         </p:spPr>
         <p:txBody>
@@ -1594,9 +1643,12 @@
           <a:lstStyle>
             <a:lvl1pPr marL="0" indent="0" algn="l">
               <a:buNone/>
-              <a:defRPr sz="2000">
-                <a:solidFill>
-                  <a:schemeClr val="tx1"/>
+              <a:defRPr sz="1800">
+                <a:solidFill>
+                  <a:schemeClr val="tx1">
+                    <a:lumMod val="75000"/>
+                    <a:lumOff val="25000"/>
+                  </a:schemeClr>
                 </a:solidFill>
               </a:defRPr>
             </a:lvl1pPr>
@@ -1758,7 +1810,7 @@
     </p:spTree>
     <p:extLst>
       <p:ext uri="{BB962C8B-B14F-4D97-AF65-F5344CB8AC3E}">
-        <p14:creationId xmlns:p14="http://schemas.microsoft.com/office/powerpoint/2010/main" val="1679015496"/>
+        <p14:creationId xmlns:p14="http://schemas.microsoft.com/office/powerpoint/2010/main" val="2659705413"/>
       </p:ext>
     </p:extLst>
   </p:cSld>
@@ -1768,7 +1820,7 @@
 </p:sldLayout>
 </file>
 
-<file path=ppt/slideLayouts/slideLayout14.xml><?xml version="1.0" encoding="utf-8"?>
+<file path=ppt/slideLayouts/slideLayout13.xml><?xml version="1.0" encoding="utf-8"?>
 <p:sldLayout xmlns:a="http://schemas.openxmlformats.org/drawingml/2006/main" xmlns:r="http://schemas.openxmlformats.org/officeDocument/2006/relationships" xmlns:p="http://schemas.openxmlformats.org/presentationml/2006/main" preserve="1">
   <p:cSld name="引述名片">
     <p:spTree>
@@ -1797,8 +1849,8 @@
         </p:nvSpPr>
         <p:spPr>
           <a:xfrm>
-            <a:off x="1446213" y="982132"/>
-            <a:ext cx="9296398" cy="2243668"/>
+            <a:off x="931334" y="609600"/>
+            <a:ext cx="8094134" cy="3022600"/>
           </a:xfrm>
         </p:spPr>
         <p:txBody>
@@ -1806,12 +1858,8 @@
             <a:normAutofit/>
           </a:bodyPr>
           <a:lstStyle>
-            <a:lvl1pPr algn="ctr">
-              <a:defRPr sz="3200" b="0" cap="none">
-                <a:solidFill>
-                  <a:schemeClr val="tx1"/>
-                </a:solidFill>
-              </a:defRPr>
+            <a:lvl1pPr algn="l">
+              <a:defRPr sz="4400" b="0" cap="none"/>
             </a:lvl1pPr>
           </a:lstStyle>
           <a:p>
@@ -1825,116 +1873,57 @@
       </p:sp>
       <p:sp>
         <p:nvSpPr>
-          <p:cNvPr id="23" name="Text Placeholder 2"/>
+          <p:cNvPr id="23" name="Text Placeholder 9"/>
           <p:cNvSpPr>
             <a:spLocks noGrp="1"/>
           </p:cNvSpPr>
           <p:nvPr>
-            <p:ph type="body" idx="13"/>
+            <p:ph type="body" sz="quarter" idx="13"/>
           </p:nvPr>
         </p:nvSpPr>
         <p:spPr>
           <a:xfrm>
-            <a:off x="1295401" y="3639312"/>
-            <a:ext cx="9609668" cy="886968"/>
+            <a:off x="677332" y="4013200"/>
+            <a:ext cx="8596669" cy="514248"/>
           </a:xfrm>
         </p:spPr>
         <p:txBody>
           <a:bodyPr anchor="b">
-            <a:normAutofit/>
+            <a:noAutofit/>
           </a:bodyPr>
           <a:lstStyle>
-            <a:lvl1pPr marL="0" indent="0" algn="l">
-              <a:spcBef>
-                <a:spcPts val="0"/>
-              </a:spcBef>
+            <a:lvl1pPr marL="0" indent="0">
+              <a:buFontTx/>
               <a:buNone/>
               <a:defRPr sz="2400">
                 <a:solidFill>
-                  <a:schemeClr val="tx1"/>
+                  <a:schemeClr val="tx1">
+                    <a:lumMod val="75000"/>
+                    <a:lumOff val="25000"/>
+                  </a:schemeClr>
                 </a:solidFill>
               </a:defRPr>
             </a:lvl1pPr>
             <a:lvl2pPr marL="457200" indent="0">
-              <a:buNone/>
-              <a:defRPr sz="1800">
-                <a:solidFill>
-                  <a:schemeClr val="tx1">
-                    <a:tint val="75000"/>
-                  </a:schemeClr>
-                </a:solidFill>
-              </a:defRPr>
+              <a:buFontTx/>
+              <a:buNone/>
+              <a:defRPr/>
             </a:lvl2pPr>
             <a:lvl3pPr marL="914400" indent="0">
-              <a:buNone/>
-              <a:defRPr sz="1600">
-                <a:solidFill>
-                  <a:schemeClr val="tx1">
-                    <a:tint val="75000"/>
-                  </a:schemeClr>
-                </a:solidFill>
-              </a:defRPr>
+              <a:buFontTx/>
+              <a:buNone/>
+              <a:defRPr/>
             </a:lvl3pPr>
             <a:lvl4pPr marL="1371600" indent="0">
-              <a:buNone/>
-              <a:defRPr sz="1400">
-                <a:solidFill>
-                  <a:schemeClr val="tx1">
-                    <a:tint val="75000"/>
-                  </a:schemeClr>
-                </a:solidFill>
-              </a:defRPr>
+              <a:buFontTx/>
+              <a:buNone/>
+              <a:defRPr/>
             </a:lvl4pPr>
             <a:lvl5pPr marL="1828800" indent="0">
-              <a:buNone/>
-              <a:defRPr sz="1400">
-                <a:solidFill>
-                  <a:schemeClr val="tx1">
-                    <a:tint val="75000"/>
-                  </a:schemeClr>
-                </a:solidFill>
-              </a:defRPr>
+              <a:buFontTx/>
+              <a:buNone/>
+              <a:defRPr/>
             </a:lvl5pPr>
-            <a:lvl6pPr marL="2286000" indent="0">
-              <a:buNone/>
-              <a:defRPr sz="1400">
-                <a:solidFill>
-                  <a:schemeClr val="tx1">
-                    <a:tint val="75000"/>
-                  </a:schemeClr>
-                </a:solidFill>
-              </a:defRPr>
-            </a:lvl6pPr>
-            <a:lvl7pPr marL="2743200" indent="0">
-              <a:buNone/>
-              <a:defRPr sz="1400">
-                <a:solidFill>
-                  <a:schemeClr val="tx1">
-                    <a:tint val="75000"/>
-                  </a:schemeClr>
-                </a:solidFill>
-              </a:defRPr>
-            </a:lvl7pPr>
-            <a:lvl8pPr marL="3200400" indent="0">
-              <a:buNone/>
-              <a:defRPr sz="1400">
-                <a:solidFill>
-                  <a:schemeClr val="tx1">
-                    <a:tint val="75000"/>
-                  </a:schemeClr>
-                </a:solidFill>
-              </a:defRPr>
-            </a:lvl8pPr>
-            <a:lvl9pPr marL="3657600" indent="0">
-              <a:buNone/>
-              <a:defRPr sz="1400">
-                <a:solidFill>
-                  <a:schemeClr val="tx1">
-                    <a:tint val="75000"/>
-                  </a:schemeClr>
-                </a:solidFill>
-              </a:defRPr>
-            </a:lvl9pPr>
           </a:lstStyle>
           <a:p>
             <a:pPr lvl="0"/>
@@ -1957,8 +1946,8 @@
         </p:nvSpPr>
         <p:spPr>
           <a:xfrm>
-            <a:off x="1295401" y="4529667"/>
-            <a:ext cx="9609668" cy="1346200"/>
+            <a:off x="677335" y="4527448"/>
+            <a:ext cx="8596668" cy="1513914"/>
           </a:xfrm>
         </p:spPr>
         <p:txBody>
@@ -1970,7 +1959,10 @@
               <a:buNone/>
               <a:defRPr sz="1800">
                 <a:solidFill>
-                  <a:schemeClr val="tx1"/>
+                  <a:schemeClr val="tx1">
+                    <a:lumMod val="50000"/>
+                    <a:lumOff val="50000"/>
+                  </a:schemeClr>
                 </a:solidFill>
               </a:defRPr>
             </a:lvl1pPr>
@@ -2131,13 +2123,13 @@
       </p:sp>
       <p:sp>
         <p:nvSpPr>
-          <p:cNvPr id="12" name="TextBox 11"/>
+          <p:cNvPr id="24" name="TextBox 23"/>
           <p:cNvSpPr txBox="1"/>
           <p:nvPr/>
         </p:nvSpPr>
         <p:spPr>
           <a:xfrm>
-            <a:off x="862013" y="879961"/>
+            <a:off x="541870" y="790378"/>
             <a:ext cx="609600" cy="584776"/>
           </a:xfrm>
           <a:prstGeom prst="rect">
@@ -2152,11 +2144,18 @@
           <a:p>
             <a:pPr lvl="0"/>
             <a:r>
-              <a:rPr lang="en-US" sz="8000" dirty="0">
-                <a:solidFill>
-                  <a:schemeClr val="tx1"/>
+              <a:rPr lang="en-US" sz="8000" baseline="0" dirty="0">
+                <a:ln w="3175" cmpd="sng">
+                  <a:noFill/>
+                </a:ln>
+                <a:solidFill>
+                  <a:schemeClr val="accent1">
+                    <a:lumMod val="60000"/>
+                    <a:lumOff val="40000"/>
+                  </a:schemeClr>
                 </a:solidFill>
                 <a:effectLst/>
+                <a:latin typeface="Arial"/>
               </a:rPr>
               <a:t>“</a:t>
             </a:r>
@@ -2165,13 +2164,13 @@
       </p:sp>
       <p:sp>
         <p:nvSpPr>
-          <p:cNvPr id="13" name="TextBox 12"/>
+          <p:cNvPr id="25" name="TextBox 24"/>
           <p:cNvSpPr txBox="1"/>
           <p:nvPr/>
         </p:nvSpPr>
         <p:spPr>
           <a:xfrm>
-            <a:off x="10600267" y="2599261"/>
+            <a:off x="8893011" y="2886556"/>
             <a:ext cx="609600" cy="584776"/>
           </a:xfrm>
           <a:prstGeom prst="rect">
@@ -2184,54 +2183,30 @@
           </a:bodyPr>
           <a:lstStyle/>
           <a:p>
-            <a:pPr lvl="0" algn="r"/>
-            <a:r>
-              <a:rPr lang="en-US" sz="8000" dirty="0">
-                <a:solidFill>
-                  <a:schemeClr val="tx1"/>
+            <a:pPr lvl="0"/>
+            <a:r>
+              <a:rPr lang="en-US" sz="8000" baseline="0" dirty="0">
+                <a:ln w="3175" cmpd="sng">
+                  <a:noFill/>
+                </a:ln>
+                <a:solidFill>
+                  <a:schemeClr val="accent1">
+                    <a:lumMod val="60000"/>
+                    <a:lumOff val="40000"/>
+                  </a:schemeClr>
                 </a:solidFill>
                 <a:effectLst/>
+                <a:latin typeface="Arial"/>
               </a:rPr>
               <a:t>”</a:t>
             </a:r>
           </a:p>
         </p:txBody>
       </p:sp>
-      <p:cxnSp>
-        <p:nvCxnSpPr>
-          <p:cNvPr id="26" name="Straight Connector 25"/>
-          <p:cNvCxnSpPr/>
-          <p:nvPr/>
-        </p:nvCxnSpPr>
-        <p:spPr>
-          <a:xfrm>
-            <a:off x="1396169" y="3429000"/>
-            <a:ext cx="9407298" cy="0"/>
-          </a:xfrm>
-          <a:prstGeom prst="line">
-            <a:avLst/>
-          </a:prstGeom>
-          <a:ln w="15875"/>
-        </p:spPr>
-        <p:style>
-          <a:lnRef idx="2">
-            <a:schemeClr val="accent1"/>
-          </a:lnRef>
-          <a:fillRef idx="0">
-            <a:schemeClr val="accent1"/>
-          </a:fillRef>
-          <a:effectRef idx="1">
-            <a:schemeClr val="accent1"/>
-          </a:effectRef>
-          <a:fontRef idx="minor">
-            <a:schemeClr val="tx1"/>
-          </a:fontRef>
-        </p:style>
-      </p:cxnSp>
     </p:spTree>
     <p:extLst>
       <p:ext uri="{BB962C8B-B14F-4D97-AF65-F5344CB8AC3E}">
-        <p14:creationId xmlns:p14="http://schemas.microsoft.com/office/powerpoint/2010/main" val="293265462"/>
+        <p14:creationId xmlns:p14="http://schemas.microsoft.com/office/powerpoint/2010/main" val="500068028"/>
       </p:ext>
     </p:extLst>
   </p:cSld>
@@ -2241,7 +2216,7 @@
 </p:sldLayout>
 </file>
 
-<file path=ppt/slideLayouts/slideLayout15.xml><?xml version="1.0" encoding="utf-8"?>
+<file path=ppt/slideLayouts/slideLayout14.xml><?xml version="1.0" encoding="utf-8"?>
 <p:sldLayout xmlns:a="http://schemas.openxmlformats.org/drawingml/2006/main" xmlns:r="http://schemas.openxmlformats.org/officeDocument/2006/relationships" xmlns:p="http://schemas.openxmlformats.org/presentationml/2006/main" preserve="1">
   <p:cSld name="是非題">
     <p:spTree>
@@ -2270,21 +2245,20 @@
         </p:nvSpPr>
         <p:spPr>
           <a:xfrm>
-            <a:off x="1295401" y="982132"/>
-            <a:ext cx="9609666" cy="2243668"/>
+            <a:off x="685799" y="609600"/>
+            <a:ext cx="8588203" cy="3022600"/>
           </a:xfrm>
         </p:spPr>
         <p:txBody>
-          <a:bodyPr vert="horz" lIns="91440" tIns="45720" rIns="91440" bIns="45720" rtlCol="0" anchor="ctr">
+          <a:bodyPr anchor="ctr">
             <a:normAutofit/>
           </a:bodyPr>
           <a:lstStyle>
-            <a:lvl1pPr>
-              <a:defRPr lang="en-US" b="0" dirty="0"/>
+            <a:lvl1pPr algn="l">
+              <a:defRPr sz="4400" b="0" cap="none"/>
             </a:lvl1pPr>
           </a:lstStyle>
           <a:p>
-            <a:pPr marL="0" lvl="0"/>
             <a:r>
               <a:rPr lang="zh-TW" altLang="en-US"/>
               <a:t>按一下以編輯母片標題樣式</a:t>
@@ -2295,116 +2269,54 @@
       </p:sp>
       <p:sp>
         <p:nvSpPr>
-          <p:cNvPr id="20" name="Text Placeholder 2"/>
+          <p:cNvPr id="23" name="Text Placeholder 9"/>
           <p:cNvSpPr>
             <a:spLocks noGrp="1"/>
           </p:cNvSpPr>
           <p:nvPr>
-            <p:ph type="body" idx="13"/>
+            <p:ph type="body" sz="quarter" idx="13"/>
           </p:nvPr>
         </p:nvSpPr>
         <p:spPr>
           <a:xfrm>
-            <a:off x="1295401" y="3630168"/>
-            <a:ext cx="9609668" cy="841248"/>
+            <a:off x="677332" y="4013200"/>
+            <a:ext cx="8596669" cy="514248"/>
           </a:xfrm>
         </p:spPr>
         <p:txBody>
           <a:bodyPr anchor="b">
-            <a:normAutofit/>
+            <a:noAutofit/>
           </a:bodyPr>
           <a:lstStyle>
-            <a:lvl1pPr marL="0" indent="0" algn="l">
-              <a:spcBef>
-                <a:spcPts val="0"/>
-              </a:spcBef>
-              <a:buNone/>
-              <a:defRPr sz="2800">
-                <a:solidFill>
-                  <a:schemeClr val="tx1"/>
+            <a:lvl1pPr marL="0" indent="0">
+              <a:buFontTx/>
+              <a:buNone/>
+              <a:defRPr sz="2400">
+                <a:solidFill>
+                  <a:schemeClr val="accent1"/>
                 </a:solidFill>
               </a:defRPr>
             </a:lvl1pPr>
             <a:lvl2pPr marL="457200" indent="0">
-              <a:buNone/>
-              <a:defRPr sz="1800">
-                <a:solidFill>
-                  <a:schemeClr val="tx1">
-                    <a:tint val="75000"/>
-                  </a:schemeClr>
-                </a:solidFill>
-              </a:defRPr>
+              <a:buFontTx/>
+              <a:buNone/>
+              <a:defRPr/>
             </a:lvl2pPr>
             <a:lvl3pPr marL="914400" indent="0">
-              <a:buNone/>
-              <a:defRPr sz="1600">
-                <a:solidFill>
-                  <a:schemeClr val="tx1">
-                    <a:tint val="75000"/>
-                  </a:schemeClr>
-                </a:solidFill>
-              </a:defRPr>
+              <a:buFontTx/>
+              <a:buNone/>
+              <a:defRPr/>
             </a:lvl3pPr>
             <a:lvl4pPr marL="1371600" indent="0">
-              <a:buNone/>
-              <a:defRPr sz="1400">
-                <a:solidFill>
-                  <a:schemeClr val="tx1">
-                    <a:tint val="75000"/>
-                  </a:schemeClr>
-                </a:solidFill>
-              </a:defRPr>
+              <a:buFontTx/>
+              <a:buNone/>
+              <a:defRPr/>
             </a:lvl4pPr>
             <a:lvl5pPr marL="1828800" indent="0">
-              <a:buNone/>
-              <a:defRPr sz="1400">
-                <a:solidFill>
-                  <a:schemeClr val="tx1">
-                    <a:tint val="75000"/>
-                  </a:schemeClr>
-                </a:solidFill>
-              </a:defRPr>
+              <a:buFontTx/>
+              <a:buNone/>
+              <a:defRPr/>
             </a:lvl5pPr>
-            <a:lvl6pPr marL="2286000" indent="0">
-              <a:buNone/>
-              <a:defRPr sz="1400">
-                <a:solidFill>
-                  <a:schemeClr val="tx1">
-                    <a:tint val="75000"/>
-                  </a:schemeClr>
-                </a:solidFill>
-              </a:defRPr>
-            </a:lvl6pPr>
-            <a:lvl7pPr marL="2743200" indent="0">
-              <a:buNone/>
-              <a:defRPr sz="1400">
-                <a:solidFill>
-                  <a:schemeClr val="tx1">
-                    <a:tint val="75000"/>
-                  </a:schemeClr>
-                </a:solidFill>
-              </a:defRPr>
-            </a:lvl7pPr>
-            <a:lvl8pPr marL="3200400" indent="0">
-              <a:buNone/>
-              <a:defRPr sz="1400">
-                <a:solidFill>
-                  <a:schemeClr val="tx1">
-                    <a:tint val="75000"/>
-                  </a:schemeClr>
-                </a:solidFill>
-              </a:defRPr>
-            </a:lvl8pPr>
-            <a:lvl9pPr marL="3657600" indent="0">
-              <a:buNone/>
-              <a:defRPr sz="1400">
-                <a:solidFill>
-                  <a:schemeClr val="tx1">
-                    <a:tint val="75000"/>
-                  </a:schemeClr>
-                </a:solidFill>
-              </a:defRPr>
-            </a:lvl9pPr>
           </a:lstStyle>
           <a:p>
             <a:pPr lvl="0"/>
@@ -2427,8 +2339,8 @@
         </p:nvSpPr>
         <p:spPr>
           <a:xfrm>
-            <a:off x="1295400" y="4470399"/>
-            <a:ext cx="9609670" cy="1405467"/>
+            <a:off x="677335" y="4527448"/>
+            <a:ext cx="8596668" cy="1513914"/>
           </a:xfrm>
         </p:spPr>
         <p:txBody>
@@ -2440,7 +2352,10 @@
               <a:buNone/>
               <a:defRPr sz="1800">
                 <a:solidFill>
-                  <a:schemeClr val="tx1"/>
+                  <a:schemeClr val="tx1">
+                    <a:lumMod val="50000"/>
+                    <a:lumOff val="50000"/>
+                  </a:schemeClr>
                 </a:solidFill>
               </a:defRPr>
             </a:lvl1pPr>
@@ -2599,41 +2514,10 @@
           </a:p>
         </p:txBody>
       </p:sp>
-      <p:cxnSp>
-        <p:nvCxnSpPr>
-          <p:cNvPr id="15" name="Straight Connector 14"/>
-          <p:cNvCxnSpPr/>
-          <p:nvPr/>
-        </p:nvCxnSpPr>
-        <p:spPr>
-          <a:xfrm>
-            <a:off x="1396169" y="3429000"/>
-            <a:ext cx="9407298" cy="0"/>
-          </a:xfrm>
-          <a:prstGeom prst="line">
-            <a:avLst/>
-          </a:prstGeom>
-          <a:ln w="15875"/>
-        </p:spPr>
-        <p:style>
-          <a:lnRef idx="2">
-            <a:schemeClr val="accent1"/>
-          </a:lnRef>
-          <a:fillRef idx="0">
-            <a:schemeClr val="accent1"/>
-          </a:fillRef>
-          <a:effectRef idx="1">
-            <a:schemeClr val="accent1"/>
-          </a:effectRef>
-          <a:fontRef idx="minor">
-            <a:schemeClr val="tx1"/>
-          </a:fontRef>
-        </p:style>
-      </p:cxnSp>
     </p:spTree>
     <p:extLst>
       <p:ext uri="{BB962C8B-B14F-4D97-AF65-F5344CB8AC3E}">
-        <p14:creationId xmlns:p14="http://schemas.microsoft.com/office/powerpoint/2010/main" val="3738858466"/>
+        <p14:creationId xmlns:p14="http://schemas.microsoft.com/office/powerpoint/2010/main" val="96653119"/>
       </p:ext>
     </p:extLst>
   </p:cSld>
@@ -2643,7 +2527,7 @@
 </p:sldLayout>
 </file>
 
-<file path=ppt/slideLayouts/slideLayout16.xml><?xml version="1.0" encoding="utf-8"?>
+<file path=ppt/slideLayouts/slideLayout15.xml><?xml version="1.0" encoding="utf-8"?>
 <p:sldLayout xmlns:a="http://schemas.openxmlformats.org/drawingml/2006/main" xmlns:r="http://schemas.openxmlformats.org/officeDocument/2006/relationships" xmlns:p="http://schemas.openxmlformats.org/presentationml/2006/main" type="vertTx" preserve="1">
   <p:cSld name="標題及直排文字">
     <p:spTree>
@@ -2673,11 +2557,7 @@
         <p:spPr/>
         <p:txBody>
           <a:bodyPr/>
-          <a:lstStyle>
-            <a:lvl1pPr algn="ctr">
-              <a:defRPr/>
-            </a:lvl1pPr>
-          </a:lstStyle>
+          <a:lstStyle/>
           <a:p>
             <a:r>
               <a:rPr lang="zh-TW" altLang="en-US"/>
@@ -2699,7 +2579,7 @@
         </p:nvSpPr>
         <p:spPr/>
         <p:txBody>
-          <a:bodyPr vert="eaVert" anchor="t"/>
+          <a:bodyPr vert="eaVert"/>
           <a:lstStyle/>
           <a:p>
             <a:pPr lvl="0"/>
@@ -2804,41 +2684,10 @@
           </a:p>
         </p:txBody>
       </p:sp>
-      <p:cxnSp>
-        <p:nvCxnSpPr>
-          <p:cNvPr id="14" name="Straight Connector 13"/>
-          <p:cNvCxnSpPr/>
-          <p:nvPr/>
-        </p:nvCxnSpPr>
-        <p:spPr>
-          <a:xfrm>
-            <a:off x="1396169" y="2421466"/>
-            <a:ext cx="9407298" cy="0"/>
-          </a:xfrm>
-          <a:prstGeom prst="line">
-            <a:avLst/>
-          </a:prstGeom>
-          <a:ln w="15875"/>
-        </p:spPr>
-        <p:style>
-          <a:lnRef idx="2">
-            <a:schemeClr val="accent1"/>
-          </a:lnRef>
-          <a:fillRef idx="0">
-            <a:schemeClr val="accent1"/>
-          </a:fillRef>
-          <a:effectRef idx="1">
-            <a:schemeClr val="accent1"/>
-          </a:effectRef>
-          <a:fontRef idx="minor">
-            <a:schemeClr val="tx1"/>
-          </a:fontRef>
-        </p:style>
-      </p:cxnSp>
     </p:spTree>
     <p:extLst>
       <p:ext uri="{BB962C8B-B14F-4D97-AF65-F5344CB8AC3E}">
-        <p14:creationId xmlns:p14="http://schemas.microsoft.com/office/powerpoint/2010/main" val="3911132021"/>
+        <p14:creationId xmlns:p14="http://schemas.microsoft.com/office/powerpoint/2010/main" val="3588604377"/>
       </p:ext>
     </p:extLst>
   </p:cSld>
@@ -2848,7 +2697,7 @@
 </p:sldLayout>
 </file>
 
-<file path=ppt/slideLayouts/slideLayout17.xml><?xml version="1.0" encoding="utf-8"?>
+<file path=ppt/slideLayouts/slideLayout16.xml><?xml version="1.0" encoding="utf-8"?>
 <p:sldLayout xmlns:a="http://schemas.openxmlformats.org/drawingml/2006/main" xmlns:r="http://schemas.openxmlformats.org/officeDocument/2006/relationships" xmlns:p="http://schemas.openxmlformats.org/presentationml/2006/main" type="vertTitleAndTx" preserve="1">
   <p:cSld name="直排標題及文字">
     <p:spTree>
@@ -2877,12 +2726,12 @@
         </p:nvSpPr>
         <p:spPr>
           <a:xfrm>
-            <a:off x="8999356" y="982131"/>
-            <a:ext cx="1890895" cy="4893735"/>
+            <a:off x="7967673" y="609599"/>
+            <a:ext cx="1304743" cy="5251451"/>
           </a:xfrm>
         </p:spPr>
         <p:txBody>
-          <a:bodyPr vert="eaVert"/>
+          <a:bodyPr vert="eaVert" anchor="ctr"/>
           <a:lstStyle/>
           <a:p>
             <a:r>
@@ -2905,12 +2754,12 @@
         </p:nvSpPr>
         <p:spPr>
           <a:xfrm>
-            <a:off x="1295398" y="982132"/>
-            <a:ext cx="7433025" cy="4893734"/>
+            <a:off x="677335" y="609600"/>
+            <a:ext cx="7060150" cy="5251450"/>
           </a:xfrm>
         </p:spPr>
         <p:txBody>
-          <a:bodyPr vert="eaVert" anchor="t"/>
+          <a:bodyPr vert="eaVert"/>
           <a:lstStyle/>
           <a:p>
             <a:pPr lvl="0"/>
@@ -3015,41 +2864,10 @@
           </a:p>
         </p:txBody>
       </p:sp>
-      <p:cxnSp>
-        <p:nvCxnSpPr>
-          <p:cNvPr id="14" name="Straight Connector 13"/>
-          <p:cNvCxnSpPr/>
-          <p:nvPr/>
-        </p:nvCxnSpPr>
-        <p:spPr>
-          <a:xfrm>
-            <a:off x="8863890" y="990600"/>
-            <a:ext cx="0" cy="4876800"/>
-          </a:xfrm>
-          <a:prstGeom prst="line">
-            <a:avLst/>
-          </a:prstGeom>
-          <a:ln w="15875"/>
-        </p:spPr>
-        <p:style>
-          <a:lnRef idx="2">
-            <a:schemeClr val="accent1"/>
-          </a:lnRef>
-          <a:fillRef idx="0">
-            <a:schemeClr val="accent1"/>
-          </a:fillRef>
-          <a:effectRef idx="1">
-            <a:schemeClr val="accent1"/>
-          </a:effectRef>
-          <a:fontRef idx="minor">
-            <a:schemeClr val="tx1"/>
-          </a:fontRef>
-        </p:style>
-      </p:cxnSp>
     </p:spTree>
     <p:extLst>
       <p:ext uri="{BB962C8B-B14F-4D97-AF65-F5344CB8AC3E}">
-        <p14:creationId xmlns:p14="http://schemas.microsoft.com/office/powerpoint/2010/main" val="3691611325"/>
+        <p14:creationId xmlns:p14="http://schemas.microsoft.com/office/powerpoint/2010/main" val="2659682476"/>
       </p:ext>
     </p:extLst>
   </p:cSld>
@@ -3076,37 +2894,6 @@
           <a:chExt cx="0" cy="0"/>
         </a:xfrm>
       </p:grpSpPr>
-      <p:cxnSp>
-        <p:nvCxnSpPr>
-          <p:cNvPr id="7" name="Straight Connector 6"/>
-          <p:cNvCxnSpPr/>
-          <p:nvPr/>
-        </p:nvCxnSpPr>
-        <p:spPr>
-          <a:xfrm>
-            <a:off x="1396169" y="2421466"/>
-            <a:ext cx="9407298" cy="0"/>
-          </a:xfrm>
-          <a:prstGeom prst="line">
-            <a:avLst/>
-          </a:prstGeom>
-          <a:ln w="15875"/>
-        </p:spPr>
-        <p:style>
-          <a:lnRef idx="2">
-            <a:schemeClr val="accent1"/>
-          </a:lnRef>
-          <a:fillRef idx="0">
-            <a:schemeClr val="accent1"/>
-          </a:fillRef>
-          <a:effectRef idx="1">
-            <a:schemeClr val="accent1"/>
-          </a:effectRef>
-          <a:fontRef idx="minor">
-            <a:schemeClr val="tx1"/>
-          </a:fontRef>
-        </p:style>
-      </p:cxnSp>
       <p:sp>
         <p:nvSpPr>
           <p:cNvPr id="2" name="Title 1"/>
@@ -3119,8 +2906,14 @@
         </p:nvSpPr>
         <p:spPr/>
         <p:txBody>
-          <a:bodyPr/>
-          <a:lstStyle/>
+          <a:bodyPr>
+            <a:normAutofit/>
+          </a:bodyPr>
+          <a:lstStyle>
+            <a:lvl1pPr>
+              <a:defRPr sz="3600"/>
+            </a:lvl1pPr>
+          </a:lstStyle>
           <a:p>
             <a:r>
               <a:rPr lang="zh-TW" altLang="en-US"/>
@@ -3250,7 +3043,7 @@
     </p:spTree>
     <p:extLst>
       <p:ext uri="{BB962C8B-B14F-4D97-AF65-F5344CB8AC3E}">
-        <p14:creationId xmlns:p14="http://schemas.microsoft.com/office/powerpoint/2010/main" val="2387991450"/>
+        <p14:creationId xmlns:p14="http://schemas.microsoft.com/office/powerpoint/2010/main" val="1913101358"/>
       </p:ext>
     </p:extLst>
   </p:cSld>
@@ -3289,17 +3082,15 @@
         </p:nvSpPr>
         <p:spPr>
           <a:xfrm>
-            <a:off x="2015069" y="1752606"/>
-            <a:ext cx="8158688" cy="1822514"/>
+            <a:off x="677335" y="2700867"/>
+            <a:ext cx="8596668" cy="1826581"/>
           </a:xfrm>
         </p:spPr>
         <p:txBody>
-          <a:bodyPr anchor="b">
-            <a:normAutofit/>
-          </a:bodyPr>
+          <a:bodyPr anchor="b"/>
           <a:lstStyle>
-            <a:lvl1pPr algn="ctr">
-              <a:defRPr sz="4400" b="0" cap="none"/>
+            <a:lvl1pPr algn="l">
+              <a:defRPr sz="4000" b="0" cap="none"/>
             </a:lvl1pPr>
           </a:lstStyle>
           <a:p>
@@ -3323,20 +3114,21 @@
         </p:nvSpPr>
         <p:spPr>
           <a:xfrm>
-            <a:off x="2015067" y="3846051"/>
-            <a:ext cx="8158690" cy="954547"/>
+            <a:off x="677335" y="4527448"/>
+            <a:ext cx="8596668" cy="860400"/>
           </a:xfrm>
         </p:spPr>
         <p:txBody>
-          <a:bodyPr anchor="t">
-            <a:normAutofit/>
-          </a:bodyPr>
+          <a:bodyPr anchor="t"/>
           <a:lstStyle>
-            <a:lvl1pPr marL="0" indent="0" algn="ctr">
-              <a:buNone/>
-              <a:defRPr sz="2400">
-                <a:solidFill>
-                  <a:schemeClr val="tx1"/>
+            <a:lvl1pPr marL="0" indent="0" algn="l">
+              <a:buNone/>
+              <a:defRPr sz="2000">
+                <a:solidFill>
+                  <a:schemeClr val="tx1">
+                    <a:lumMod val="50000"/>
+                    <a:lumOff val="50000"/>
+                  </a:schemeClr>
                 </a:solidFill>
               </a:defRPr>
             </a:lvl1pPr>
@@ -3495,41 +3287,10 @@
           </a:p>
         </p:txBody>
       </p:sp>
-      <p:cxnSp>
-        <p:nvCxnSpPr>
-          <p:cNvPr id="16" name="Straight Connector 15"/>
-          <p:cNvCxnSpPr/>
-          <p:nvPr/>
-        </p:nvCxnSpPr>
-        <p:spPr>
-          <a:xfrm>
-            <a:off x="2012723" y="3710585"/>
-            <a:ext cx="8163380" cy="0"/>
-          </a:xfrm>
-          <a:prstGeom prst="line">
-            <a:avLst/>
-          </a:prstGeom>
-          <a:ln w="15875"/>
-        </p:spPr>
-        <p:style>
-          <a:lnRef idx="2">
-            <a:schemeClr val="accent1"/>
-          </a:lnRef>
-          <a:fillRef idx="0">
-            <a:schemeClr val="accent1"/>
-          </a:fillRef>
-          <a:effectRef idx="1">
-            <a:schemeClr val="accent1"/>
-          </a:effectRef>
-          <a:fontRef idx="minor">
-            <a:schemeClr val="tx1"/>
-          </a:fontRef>
-        </p:style>
-      </p:cxnSp>
     </p:spTree>
     <p:extLst>
       <p:ext uri="{BB962C8B-B14F-4D97-AF65-F5344CB8AC3E}">
-        <p14:creationId xmlns:p14="http://schemas.microsoft.com/office/powerpoint/2010/main" val="4072109027"/>
+        <p14:creationId xmlns:p14="http://schemas.microsoft.com/office/powerpoint/2010/main" val="3758923362"/>
       </p:ext>
     </p:extLst>
   </p:cSld>
@@ -3556,55 +3317,81 @@
           <a:chExt cx="0" cy="0"/>
         </a:xfrm>
       </p:grpSpPr>
-      <p:cxnSp>
-        <p:nvCxnSpPr>
-          <p:cNvPr id="8" name="Straight Connector 7"/>
-          <p:cNvCxnSpPr/>
-          <p:nvPr/>
-        </p:nvCxnSpPr>
+      <p:sp>
+        <p:nvSpPr>
+          <p:cNvPr id="2" name="Title 1"/>
+          <p:cNvSpPr>
+            <a:spLocks noGrp="1"/>
+          </p:cNvSpPr>
+          <p:nvPr>
+            <p:ph type="title"/>
+          </p:nvPr>
+        </p:nvSpPr>
+        <p:spPr/>
+        <p:txBody>
+          <a:bodyPr/>
+          <a:lstStyle/>
+          <a:p>
+            <a:r>
+              <a:rPr lang="zh-TW" altLang="en-US"/>
+              <a:t>按一下以編輯母片標題樣式</a:t>
+            </a:r>
+            <a:endParaRPr lang="en-US" dirty="0"/>
+          </a:p>
+        </p:txBody>
+      </p:sp>
+      <p:sp>
+        <p:nvSpPr>
+          <p:cNvPr id="3" name="Content Placeholder 2"/>
+          <p:cNvSpPr>
+            <a:spLocks noGrp="1"/>
+          </p:cNvSpPr>
+          <p:nvPr>
+            <p:ph sz="half" idx="1"/>
+          </p:nvPr>
+        </p:nvSpPr>
         <p:spPr>
           <a:xfrm>
-            <a:off x="1396169" y="2421466"/>
-            <a:ext cx="9407298" cy="0"/>
+            <a:off x="677334" y="2160589"/>
+            <a:ext cx="4184035" cy="3880772"/>
           </a:xfrm>
-          <a:prstGeom prst="line">
-            <a:avLst/>
-          </a:prstGeom>
-          <a:ln w="15875"/>
         </p:spPr>
-        <p:style>
-          <a:lnRef idx="2">
-            <a:schemeClr val="accent1"/>
-          </a:lnRef>
-          <a:fillRef idx="0">
-            <a:schemeClr val="accent1"/>
-          </a:fillRef>
-          <a:effectRef idx="1">
-            <a:schemeClr val="accent1"/>
-          </a:effectRef>
-          <a:fontRef idx="minor">
-            <a:schemeClr val="tx1"/>
-          </a:fontRef>
-        </p:style>
-      </p:cxnSp>
-      <p:sp>
-        <p:nvSpPr>
-          <p:cNvPr id="2" name="Title 1"/>
-          <p:cNvSpPr>
-            <a:spLocks noGrp="1"/>
-          </p:cNvSpPr>
-          <p:nvPr>
-            <p:ph type="title"/>
-          </p:nvPr>
-        </p:nvSpPr>
-        <p:spPr/>
         <p:txBody>
           <a:bodyPr/>
           <a:lstStyle/>
           <a:p>
+            <a:pPr lvl="0"/>
             <a:r>
               <a:rPr lang="zh-TW" altLang="en-US"/>
-              <a:t>按一下以編輯母片標題樣式</a:t>
+              <a:t>按一下以編輯母片文字樣式</a:t>
+            </a:r>
+          </a:p>
+          <a:p>
+            <a:pPr lvl="1"/>
+            <a:r>
+              <a:rPr lang="zh-TW" altLang="en-US"/>
+              <a:t>第二層</a:t>
+            </a:r>
+          </a:p>
+          <a:p>
+            <a:pPr lvl="2"/>
+            <a:r>
+              <a:rPr lang="zh-TW" altLang="en-US"/>
+              <a:t>第三層</a:t>
+            </a:r>
+          </a:p>
+          <a:p>
+            <a:pPr lvl="3"/>
+            <a:r>
+              <a:rPr lang="zh-TW" altLang="en-US"/>
+              <a:t>第四層</a:t>
+            </a:r>
+          </a:p>
+          <a:p>
+            <a:pPr lvl="4"/>
+            <a:r>
+              <a:rPr lang="zh-TW" altLang="en-US"/>
+              <a:t>第五層</a:t>
             </a:r>
             <a:endParaRPr lang="en-US" dirty="0"/>
           </a:p>
@@ -3612,83 +3399,22 @@
       </p:sp>
       <p:sp>
         <p:nvSpPr>
-          <p:cNvPr id="3" name="Content Placeholder 2"/>
+          <p:cNvPr id="4" name="Content Placeholder 3"/>
           <p:cNvSpPr>
             <a:spLocks noGrp="1"/>
           </p:cNvSpPr>
           <p:nvPr>
-            <p:ph sz="half" idx="1"/>
+            <p:ph sz="half" idx="2"/>
           </p:nvPr>
         </p:nvSpPr>
         <p:spPr>
           <a:xfrm>
-            <a:off x="1298448" y="2560320"/>
-            <a:ext cx="4718304" cy="3310128"/>
+            <a:off x="5089970" y="2160589"/>
+            <a:ext cx="4184034" cy="3880773"/>
           </a:xfrm>
         </p:spPr>
         <p:txBody>
-          <a:bodyPr>
-            <a:normAutofit/>
-          </a:bodyPr>
-          <a:lstStyle/>
-          <a:p>
-            <a:pPr lvl="0"/>
-            <a:r>
-              <a:rPr lang="zh-TW" altLang="en-US"/>
-              <a:t>按一下以編輯母片文字樣式</a:t>
-            </a:r>
-          </a:p>
-          <a:p>
-            <a:pPr lvl="1"/>
-            <a:r>
-              <a:rPr lang="zh-TW" altLang="en-US"/>
-              <a:t>第二層</a:t>
-            </a:r>
-          </a:p>
-          <a:p>
-            <a:pPr lvl="2"/>
-            <a:r>
-              <a:rPr lang="zh-TW" altLang="en-US"/>
-              <a:t>第三層</a:t>
-            </a:r>
-          </a:p>
-          <a:p>
-            <a:pPr lvl="3"/>
-            <a:r>
-              <a:rPr lang="zh-TW" altLang="en-US"/>
-              <a:t>第四層</a:t>
-            </a:r>
-          </a:p>
-          <a:p>
-            <a:pPr lvl="4"/>
-            <a:r>
-              <a:rPr lang="zh-TW" altLang="en-US"/>
-              <a:t>第五層</a:t>
-            </a:r>
-            <a:endParaRPr lang="en-US" dirty="0"/>
-          </a:p>
-        </p:txBody>
-      </p:sp>
-      <p:sp>
-        <p:nvSpPr>
-          <p:cNvPr id="4" name="Content Placeholder 3"/>
-          <p:cNvSpPr>
-            <a:spLocks noGrp="1"/>
-          </p:cNvSpPr>
-          <p:nvPr>
-            <p:ph sz="half" idx="2"/>
-          </p:nvPr>
-        </p:nvSpPr>
-        <p:spPr>
-          <a:xfrm>
-            <a:off x="6181344" y="2560320"/>
-            <a:ext cx="4718304" cy="3310128"/>
-          </a:xfrm>
-        </p:spPr>
-        <p:txBody>
-          <a:bodyPr>
-            <a:normAutofit/>
-          </a:bodyPr>
+          <a:bodyPr/>
           <a:lstStyle/>
           <a:p>
             <a:pPr lvl="0"/>
@@ -3796,7 +3522,7 @@
     </p:spTree>
     <p:extLst>
       <p:ext uri="{BB962C8B-B14F-4D97-AF65-F5344CB8AC3E}">
-        <p14:creationId xmlns:p14="http://schemas.microsoft.com/office/powerpoint/2010/main" val="2285671472"/>
+        <p14:creationId xmlns:p14="http://schemas.microsoft.com/office/powerpoint/2010/main" val="3691035463"/>
       </p:ext>
     </p:extLst>
   </p:cSld>
@@ -3862,8 +3588,8 @@
         </p:nvSpPr>
         <p:spPr>
           <a:xfrm>
-            <a:off x="1295400" y="2658533"/>
-            <a:ext cx="4718304" cy="576262"/>
+            <a:off x="675745" y="2160983"/>
+            <a:ext cx="4185623" cy="576262"/>
           </a:xfrm>
         </p:spPr>
         <p:txBody>
@@ -3872,18 +3598,8 @@
           </a:bodyPr>
           <a:lstStyle>
             <a:lvl1pPr marL="0" indent="0">
-              <a:spcBef>
-                <a:spcPts val="672"/>
-              </a:spcBef>
-              <a:spcAft>
-                <a:spcPts val="600"/>
-              </a:spcAft>
-              <a:buNone/>
-              <a:defRPr sz="2800" b="0">
-                <a:solidFill>
-                  <a:schemeClr val="accent1"/>
-                </a:solidFill>
-              </a:defRPr>
+              <a:buNone/>
+              <a:defRPr sz="2400" b="0"/>
             </a:lvl1pPr>
             <a:lvl2pPr marL="457200" indent="0">
               <a:buNone/>
@@ -3939,12 +3655,12 @@
         </p:nvSpPr>
         <p:spPr>
           <a:xfrm>
-            <a:off x="1295400" y="3243262"/>
-            <a:ext cx="4718304" cy="2632605"/>
+            <a:off x="675745" y="2737245"/>
+            <a:ext cx="4185623" cy="3304117"/>
           </a:xfrm>
         </p:spPr>
         <p:txBody>
-          <a:bodyPr anchor="t">
+          <a:bodyPr>
             <a:normAutofit/>
           </a:bodyPr>
           <a:lstStyle/>
@@ -3998,8 +3714,8 @@
         </p:nvSpPr>
         <p:spPr>
           <a:xfrm>
-            <a:off x="6180670" y="2658533"/>
-            <a:ext cx="4718304" cy="576262"/>
+            <a:off x="5088383" y="2160983"/>
+            <a:ext cx="4185618" cy="576262"/>
           </a:xfrm>
         </p:spPr>
         <p:txBody>
@@ -4008,18 +3724,8 @@
           </a:bodyPr>
           <a:lstStyle>
             <a:lvl1pPr marL="0" indent="0">
-              <a:spcBef>
-                <a:spcPts val="672"/>
-              </a:spcBef>
-              <a:spcAft>
-                <a:spcPts val="600"/>
-              </a:spcAft>
-              <a:buNone/>
-              <a:defRPr sz="2800" b="0">
-                <a:solidFill>
-                  <a:schemeClr val="accent1"/>
-                </a:solidFill>
-              </a:defRPr>
+              <a:buNone/>
+              <a:defRPr sz="2400" b="0"/>
             </a:lvl1pPr>
             <a:lvl2pPr marL="457200" indent="0">
               <a:buNone/>
@@ -4075,12 +3781,12 @@
         </p:nvSpPr>
         <p:spPr>
           <a:xfrm>
-            <a:off x="6180670" y="3243262"/>
-            <a:ext cx="4718304" cy="2632605"/>
+            <a:off x="5088384" y="2737245"/>
+            <a:ext cx="4185617" cy="3304117"/>
           </a:xfrm>
         </p:spPr>
         <p:txBody>
-          <a:bodyPr anchor="t">
+          <a:bodyPr>
             <a:normAutofit/>
           </a:bodyPr>
           <a:lstStyle/>
@@ -4187,41 +3893,10 @@
           </a:p>
         </p:txBody>
       </p:sp>
-      <p:cxnSp>
-        <p:nvCxnSpPr>
-          <p:cNvPr id="18" name="Straight Connector 17"/>
-          <p:cNvCxnSpPr/>
-          <p:nvPr/>
-        </p:nvCxnSpPr>
-        <p:spPr>
-          <a:xfrm>
-            <a:off x="1396169" y="2421466"/>
-            <a:ext cx="9407298" cy="0"/>
-          </a:xfrm>
-          <a:prstGeom prst="line">
-            <a:avLst/>
-          </a:prstGeom>
-          <a:ln w="15875"/>
-        </p:spPr>
-        <p:style>
-          <a:lnRef idx="2">
-            <a:schemeClr val="accent1"/>
-          </a:lnRef>
-          <a:fillRef idx="0">
-            <a:schemeClr val="accent1"/>
-          </a:fillRef>
-          <a:effectRef idx="1">
-            <a:schemeClr val="accent1"/>
-          </a:effectRef>
-          <a:fontRef idx="minor">
-            <a:schemeClr val="tx1"/>
-          </a:fontRef>
-        </p:style>
-      </p:cxnSp>
     </p:spTree>
     <p:extLst>
       <p:ext uri="{BB962C8B-B14F-4D97-AF65-F5344CB8AC3E}">
-        <p14:creationId xmlns:p14="http://schemas.microsoft.com/office/powerpoint/2010/main" val="4100672940"/>
+        <p14:creationId xmlns:p14="http://schemas.microsoft.com/office/powerpoint/2010/main" val="201580253"/>
       </p:ext>
     </p:extLst>
   </p:cSld>
@@ -4258,7 +3933,12 @@
             <p:ph type="title"/>
           </p:nvPr>
         </p:nvSpPr>
-        <p:spPr/>
+        <p:spPr>
+          <a:xfrm>
+            <a:off x="677334" y="609600"/>
+            <a:ext cx="8596668" cy="1320800"/>
+          </a:xfrm>
+        </p:spPr>
         <p:txBody>
           <a:bodyPr/>
           <a:lstStyle/>
@@ -4336,41 +4016,10 @@
           </a:p>
         </p:txBody>
       </p:sp>
-      <p:cxnSp>
-        <p:nvCxnSpPr>
-          <p:cNvPr id="14" name="Straight Connector 13"/>
-          <p:cNvCxnSpPr/>
-          <p:nvPr/>
-        </p:nvCxnSpPr>
-        <p:spPr>
-          <a:xfrm>
-            <a:off x="1396169" y="2421466"/>
-            <a:ext cx="9407298" cy="0"/>
-          </a:xfrm>
-          <a:prstGeom prst="line">
-            <a:avLst/>
-          </a:prstGeom>
-          <a:ln w="15875"/>
-        </p:spPr>
-        <p:style>
-          <a:lnRef idx="2">
-            <a:schemeClr val="accent1"/>
-          </a:lnRef>
-          <a:fillRef idx="0">
-            <a:schemeClr val="accent1"/>
-          </a:fillRef>
-          <a:effectRef idx="1">
-            <a:schemeClr val="accent1"/>
-          </a:effectRef>
-          <a:fontRef idx="minor">
-            <a:schemeClr val="tx1"/>
-          </a:fontRef>
-        </p:style>
-      </p:cxnSp>
     </p:spTree>
     <p:extLst>
       <p:ext uri="{BB962C8B-B14F-4D97-AF65-F5344CB8AC3E}">
-        <p14:creationId xmlns:p14="http://schemas.microsoft.com/office/powerpoint/2010/main" val="1779751766"/>
+        <p14:creationId xmlns:p14="http://schemas.microsoft.com/office/powerpoint/2010/main" val="3312520818"/>
       </p:ext>
     </p:extLst>
   </p:cSld>
@@ -4465,7 +4114,7 @@
     </p:spTree>
     <p:extLst>
       <p:ext uri="{BB962C8B-B14F-4D97-AF65-F5344CB8AC3E}">
-        <p14:creationId xmlns:p14="http://schemas.microsoft.com/office/powerpoint/2010/main" val="3623821554"/>
+        <p14:creationId xmlns:p14="http://schemas.microsoft.com/office/powerpoint/2010/main" val="782217119"/>
       </p:ext>
     </p:extLst>
   </p:cSld>
@@ -4504,8 +4153,8 @@
         </p:nvSpPr>
         <p:spPr>
           <a:xfrm>
-            <a:off x="1293811" y="1388534"/>
-            <a:ext cx="3718455" cy="1371600"/>
+            <a:off x="677334" y="1498604"/>
+            <a:ext cx="3854528" cy="1278466"/>
           </a:xfrm>
         </p:spPr>
         <p:txBody>
@@ -4513,8 +4162,8 @@
             <a:normAutofit/>
           </a:bodyPr>
           <a:lstStyle>
-            <a:lvl1pPr algn="ctr">
-              <a:defRPr sz="2400" b="0"/>
+            <a:lvl1pPr>
+              <a:defRPr sz="2000"/>
             </a:lvl1pPr>
           </a:lstStyle>
           <a:p>
@@ -4538,12 +4187,12 @@
         </p:nvSpPr>
         <p:spPr>
           <a:xfrm>
-            <a:off x="5418668" y="982131"/>
-            <a:ext cx="5469466" cy="4893735"/>
+            <a:off x="4760461" y="514924"/>
+            <a:ext cx="4513541" cy="5526437"/>
           </a:xfrm>
         </p:spPr>
         <p:txBody>
-          <a:bodyPr anchor="ctr">
+          <a:bodyPr>
             <a:normAutofit/>
           </a:bodyPr>
           <a:lstStyle/>
@@ -4597,50 +4246,50 @@
         </p:nvSpPr>
         <p:spPr>
           <a:xfrm>
-            <a:off x="1293811" y="3031065"/>
-            <a:ext cx="3718455" cy="2438404"/>
+            <a:off x="677334" y="2777069"/>
+            <a:ext cx="3854528" cy="2584449"/>
           </a:xfrm>
         </p:spPr>
         <p:txBody>
-          <a:bodyPr anchor="t">
+          <a:bodyPr>
             <a:normAutofit/>
           </a:bodyPr>
           <a:lstStyle>
-            <a:lvl1pPr marL="0" indent="0" algn="ctr">
-              <a:buNone/>
-              <a:defRPr sz="1600"/>
+            <a:lvl1pPr marL="0" indent="0">
+              <a:buNone/>
+              <a:defRPr sz="1400"/>
             </a:lvl1pPr>
-            <a:lvl2pPr marL="457200" indent="0">
+            <a:lvl2pPr marL="457063" indent="0">
+              <a:buNone/>
+              <a:defRPr sz="1400"/>
+            </a:lvl2pPr>
+            <a:lvl3pPr marL="914126" indent="0">
               <a:buNone/>
               <a:defRPr sz="1200"/>
-            </a:lvl2pPr>
-            <a:lvl3pPr marL="914400" indent="0">
+            </a:lvl3pPr>
+            <a:lvl4pPr marL="1371189" indent="0">
               <a:buNone/>
               <a:defRPr sz="1000"/>
-            </a:lvl3pPr>
-            <a:lvl4pPr marL="1371600" indent="0">
-              <a:buNone/>
-              <a:defRPr sz="900"/>
             </a:lvl4pPr>
-            <a:lvl5pPr marL="1828800" indent="0">
-              <a:buNone/>
-              <a:defRPr sz="900"/>
+            <a:lvl5pPr marL="1828251" indent="0">
+              <a:buNone/>
+              <a:defRPr sz="1000"/>
             </a:lvl5pPr>
-            <a:lvl6pPr marL="2286000" indent="0">
-              <a:buNone/>
-              <a:defRPr sz="900"/>
+            <a:lvl6pPr marL="2285314" indent="0">
+              <a:buNone/>
+              <a:defRPr sz="1000"/>
             </a:lvl6pPr>
-            <a:lvl7pPr marL="2743200" indent="0">
-              <a:buNone/>
-              <a:defRPr sz="900"/>
+            <a:lvl7pPr marL="2742377" indent="0">
+              <a:buNone/>
+              <a:defRPr sz="1000"/>
             </a:lvl7pPr>
-            <a:lvl8pPr marL="3200400" indent="0">
-              <a:buNone/>
-              <a:defRPr sz="900"/>
+            <a:lvl8pPr marL="3199440" indent="0">
+              <a:buNone/>
+              <a:defRPr sz="1000"/>
             </a:lvl8pPr>
-            <a:lvl9pPr marL="3657600" indent="0">
-              <a:buNone/>
-              <a:defRPr sz="900"/>
+            <a:lvl9pPr marL="3656503" indent="0">
+              <a:buNone/>
+              <a:defRPr sz="1000"/>
             </a:lvl9pPr>
           </a:lstStyle>
           <a:p>
@@ -4717,41 +4366,10 @@
           </a:p>
         </p:txBody>
       </p:sp>
-      <p:cxnSp>
-        <p:nvCxnSpPr>
-          <p:cNvPr id="16" name="Straight Connector 15"/>
-          <p:cNvCxnSpPr/>
-          <p:nvPr/>
-        </p:nvCxnSpPr>
-        <p:spPr>
-          <a:xfrm>
-            <a:off x="1396169" y="2912533"/>
-            <a:ext cx="3514498" cy="0"/>
-          </a:xfrm>
-          <a:prstGeom prst="line">
-            <a:avLst/>
-          </a:prstGeom>
-          <a:ln w="15875"/>
-        </p:spPr>
-        <p:style>
-          <a:lnRef idx="2">
-            <a:schemeClr val="accent1"/>
-          </a:lnRef>
-          <a:fillRef idx="0">
-            <a:schemeClr val="accent1"/>
-          </a:fillRef>
-          <a:effectRef idx="1">
-            <a:schemeClr val="accent1"/>
-          </a:effectRef>
-          <a:fontRef idx="minor">
-            <a:schemeClr val="tx1"/>
-          </a:fontRef>
-        </p:style>
-      </p:cxnSp>
     </p:spTree>
     <p:extLst>
       <p:ext uri="{BB962C8B-B14F-4D97-AF65-F5344CB8AC3E}">
-        <p14:creationId xmlns:p14="http://schemas.microsoft.com/office/powerpoint/2010/main" val="527925231"/>
+        <p14:creationId xmlns:p14="http://schemas.microsoft.com/office/powerpoint/2010/main" val="973589970"/>
       </p:ext>
     </p:extLst>
   </p:cSld>
@@ -4790,8 +4408,8 @@
         </p:nvSpPr>
         <p:spPr>
           <a:xfrm>
-            <a:off x="1295399" y="1883832"/>
-            <a:ext cx="6241816" cy="1371600"/>
+            <a:off x="677334" y="4800600"/>
+            <a:ext cx="8596667" cy="566738"/>
           </a:xfrm>
         </p:spPr>
         <p:txBody>
@@ -4799,8 +4417,8 @@
             <a:normAutofit/>
           </a:bodyPr>
           <a:lstStyle>
-            <a:lvl1pPr algn="ctr">
-              <a:defRPr sz="2800" b="0"/>
+            <a:lvl1pPr algn="l">
+              <a:defRPr sz="2400" b="0"/>
             </a:lvl1pPr>
           </a:lstStyle>
           <a:p>
@@ -4814,7 +4432,7 @@
       </p:sp>
       <p:sp>
         <p:nvSpPr>
-          <p:cNvPr id="17" name="Picture Placeholder 2"/>
+          <p:cNvPr id="3" name="Picture Placeholder 2"/>
           <p:cNvSpPr>
             <a:spLocks noGrp="1" noChangeAspect="1"/>
           </p:cNvSpPr>
@@ -4824,30 +4442,9 @@
         </p:nvSpPr>
         <p:spPr>
           <a:xfrm>
-            <a:off x="8094831" y="1041400"/>
-            <a:ext cx="3063347" cy="4775200"/>
+            <a:off x="677334" y="609600"/>
+            <a:ext cx="8596668" cy="3845718"/>
           </a:xfrm>
-          <a:prstGeom prst="roundRect">
-            <a:avLst>
-              <a:gd name="adj" fmla="val 0"/>
-            </a:avLst>
-          </a:prstGeom>
-          <a:ln w="57150" cmpd="thickThin">
-            <a:solidFill>
-              <a:schemeClr val="tx1">
-                <a:lumMod val="50000"/>
-                <a:lumOff val="50000"/>
-              </a:schemeClr>
-            </a:solidFill>
-            <a:miter lim="800000"/>
-          </a:ln>
-          <a:effectLst>
-            <a:innerShdw blurRad="57150" dist="38100" dir="14460000">
-              <a:srgbClr val="000000">
-                <a:alpha val="70000"/>
-              </a:srgbClr>
-            </a:innerShdw>
-          </a:effectLst>
         </p:spPr>
         <p:txBody>
           <a:bodyPr anchor="t">
@@ -4912,18 +4509,18 @@
         </p:nvSpPr>
         <p:spPr>
           <a:xfrm>
-            <a:off x="1295399" y="3255432"/>
-            <a:ext cx="6241816" cy="1828800"/>
+            <a:off x="677334" y="5367338"/>
+            <a:ext cx="8596667" cy="674024"/>
           </a:xfrm>
         </p:spPr>
         <p:txBody>
-          <a:bodyPr anchor="t">
+          <a:bodyPr>
             <a:normAutofit/>
           </a:bodyPr>
           <a:lstStyle>
-            <a:lvl1pPr marL="0" indent="0" algn="ctr">
-              <a:buNone/>
-              <a:defRPr sz="1800"/>
+            <a:lvl1pPr marL="0" indent="0">
+              <a:buNone/>
+              <a:defRPr sz="1200"/>
             </a:lvl1pPr>
             <a:lvl2pPr marL="457200" indent="0">
               <a:buNone/>
@@ -5035,7 +4632,7 @@
     </p:spTree>
     <p:extLst>
       <p:ext uri="{BB962C8B-B14F-4D97-AF65-F5344CB8AC3E}">
-        <p14:creationId xmlns:p14="http://schemas.microsoft.com/office/powerpoint/2010/main" val="923131351"/>
+        <p14:creationId xmlns:p14="http://schemas.microsoft.com/office/powerpoint/2010/main" val="878693632"/>
       </p:ext>
     </p:extLst>
   </p:cSld>
@@ -5049,7 +4646,7 @@
 <p:sldMaster xmlns:a="http://schemas.openxmlformats.org/drawingml/2006/main" xmlns:r="http://schemas.openxmlformats.org/officeDocument/2006/relationships" xmlns:p="http://schemas.openxmlformats.org/presentationml/2006/main">
   <p:cSld>
     <p:bg>
-      <p:bgRef idx="1003">
+      <p:bgRef idx="1001">
         <a:schemeClr val="bg1"/>
       </p:bgRef>
     </p:bg>
@@ -5075,60 +4672,133 @@
         </p:nvGrpSpPr>
         <p:grpSpPr>
           <a:xfrm>
-            <a:off x="-15736" y="0"/>
-            <a:ext cx="12229962" cy="6856214"/>
-            <a:chOff x="-15736" y="0"/>
-            <a:chExt cx="12229962" cy="6856214"/>
+            <a:off x="0" y="-8467"/>
+            <a:ext cx="12192000" cy="6866467"/>
+            <a:chOff x="0" y="-8467"/>
+            <a:chExt cx="12192000" cy="6866467"/>
           </a:xfrm>
         </p:grpSpPr>
-        <p:pic>
-          <p:nvPicPr>
-            <p:cNvPr id="8" name="Picture 7" descr="HD-PanelContent.png"/>
-            <p:cNvPicPr>
-              <a:picLocks noChangeAspect="1"/>
-            </p:cNvPicPr>
+        <p:cxnSp>
+          <p:nvCxnSpPr>
+            <p:cNvPr id="20" name="Straight Connector 19"/>
+            <p:cNvCxnSpPr/>
             <p:nvPr/>
-          </p:nvPicPr>
-          <p:blipFill>
-            <a:blip r:embed="rId19">
-              <a:extLst>
-                <a:ext uri="{28A0092B-C50C-407E-A947-70E740481C1C}">
-                  <a14:useLocalDpi xmlns:a14="http://schemas.microsoft.com/office/drawing/2010/main" val="0"/>
-                </a:ext>
-              </a:extLst>
-            </a:blip>
-            <a:stretch>
-              <a:fillRect/>
-            </a:stretch>
-          </p:blipFill>
+          </p:nvCxnSpPr>
           <p:spPr>
             <a:xfrm>
-              <a:off x="0" y="0"/>
-              <a:ext cx="12188825" cy="6856214"/>
+              <a:off x="9371012" y="0"/>
+              <a:ext cx="1219200" cy="6858000"/>
             </a:xfrm>
-            <a:prstGeom prst="rect">
+            <a:prstGeom prst="line">
               <a:avLst/>
             </a:prstGeom>
+            <a:ln w="9525">
+              <a:solidFill>
+                <a:schemeClr val="bg1">
+                  <a:lumMod val="75000"/>
+                </a:schemeClr>
+              </a:solidFill>
+            </a:ln>
           </p:spPr>
-        </p:pic>
+          <p:style>
+            <a:lnRef idx="2">
+              <a:schemeClr val="accent1"/>
+            </a:lnRef>
+            <a:fillRef idx="0">
+              <a:schemeClr val="accent1"/>
+            </a:fillRef>
+            <a:effectRef idx="1">
+              <a:schemeClr val="accent1"/>
+            </a:effectRef>
+            <a:fontRef idx="minor">
+              <a:schemeClr val="tx1"/>
+            </a:fontRef>
+          </p:style>
+        </p:cxnSp>
+        <p:cxnSp>
+          <p:nvCxnSpPr>
+            <p:cNvPr id="21" name="Straight Connector 20"/>
+            <p:cNvCxnSpPr/>
+            <p:nvPr/>
+          </p:nvCxnSpPr>
+          <p:spPr>
+            <a:xfrm flipH="1">
+              <a:off x="7425267" y="3681413"/>
+              <a:ext cx="4763558" cy="3176587"/>
+            </a:xfrm>
+            <a:prstGeom prst="line">
+              <a:avLst/>
+            </a:prstGeom>
+            <a:ln w="9525">
+              <a:solidFill>
+                <a:schemeClr val="bg1">
+                  <a:lumMod val="85000"/>
+                </a:schemeClr>
+              </a:solidFill>
+            </a:ln>
+          </p:spPr>
+          <p:style>
+            <a:lnRef idx="2">
+              <a:schemeClr val="accent1"/>
+            </a:lnRef>
+            <a:fillRef idx="0">
+              <a:schemeClr val="accent1"/>
+            </a:fillRef>
+            <a:effectRef idx="1">
+              <a:schemeClr val="accent1"/>
+            </a:effectRef>
+            <a:fontRef idx="minor">
+              <a:schemeClr val="tx1"/>
+            </a:fontRef>
+          </p:style>
+        </p:cxnSp>
         <p:sp>
           <p:nvSpPr>
-            <p:cNvPr id="9" name="Rectangle 8"/>
+            <p:cNvPr id="22" name="Rectangle 23"/>
             <p:cNvSpPr/>
             <p:nvPr/>
           </p:nvSpPr>
           <p:spPr>
             <a:xfrm>
-              <a:off x="608012" y="609600"/>
-              <a:ext cx="10972800" cy="5638800"/>
+              <a:off x="9181476" y="-8467"/>
+              <a:ext cx="3007349" cy="6866467"/>
             </a:xfrm>
-            <a:prstGeom prst="rect">
+            <a:custGeom>
               <a:avLst/>
-            </a:prstGeom>
-            <a:noFill/>
-            <a:ln w="15875" cap="flat">
-              <a:miter lim="800000"/>
+              <a:gdLst/>
+              <a:ahLst/>
+              <a:cxnLst/>
+              <a:rect l="l" t="t" r="r" b="b"/>
+              <a:pathLst>
+                <a:path w="3007349" h="6866467">
+                  <a:moveTo>
+                    <a:pt x="2045532" y="0"/>
+                  </a:moveTo>
+                  <a:lnTo>
+                    <a:pt x="3007349" y="0"/>
+                  </a:lnTo>
+                  <a:lnTo>
+                    <a:pt x="3007349" y="6866467"/>
+                  </a:lnTo>
+                  <a:lnTo>
+                    <a:pt x="0" y="6866467"/>
+                  </a:lnTo>
+                  <a:lnTo>
+                    <a:pt x="2045532" y="0"/>
+                  </a:lnTo>
+                  <a:close/>
+                </a:path>
+              </a:pathLst>
+            </a:custGeom>
+            <a:solidFill>
+              <a:schemeClr val="accent1">
+                <a:alpha val="30000"/>
+              </a:schemeClr>
+            </a:solidFill>
+            <a:ln>
+              <a:noFill/>
             </a:ln>
+            <a:effectLst/>
           </p:spPr>
           <p:style>
             <a:lnRef idx="1">
@@ -5145,64 +4815,384 @@
             </a:fontRef>
           </p:style>
         </p:sp>
-        <p:pic>
-          <p:nvPicPr>
-            <p:cNvPr id="10" name="Picture 9" descr="HDRibbonContent-UniformTrim.png"/>
-            <p:cNvPicPr>
-              <a:picLocks noChangeAspect="1"/>
-            </p:cNvPicPr>
+        <p:sp>
+          <p:nvSpPr>
+            <p:cNvPr id="23" name="Rectangle 25"/>
+            <p:cNvSpPr/>
             <p:nvPr/>
-          </p:nvPicPr>
-          <p:blipFill rotWithShape="1">
-            <a:blip r:embed="rId20">
-              <a:extLst>
-                <a:ext uri="{28A0092B-C50C-407E-A947-70E740481C1C}">
-                  <a14:useLocalDpi xmlns:a14="http://schemas.microsoft.com/office/drawing/2010/main" val="0"/>
-                </a:ext>
-              </a:extLst>
-            </a:blip>
-            <a:srcRect/>
-            <a:stretch/>
-          </p:blipFill>
+          </p:nvSpPr>
           <p:spPr>
             <a:xfrm>
-              <a:off x="-15736" y="3153832"/>
-              <a:ext cx="777240" cy="606425"/>
+              <a:off x="9603442" y="-8467"/>
+              <a:ext cx="2588558" cy="6866467"/>
             </a:xfrm>
-            <a:prstGeom prst="rect">
+            <a:custGeom>
               <a:avLst/>
-            </a:prstGeom>
+              <a:gdLst/>
+              <a:ahLst/>
+              <a:cxnLst/>
+              <a:rect l="l" t="t" r="r" b="b"/>
+              <a:pathLst>
+                <a:path w="2573311" h="6866467">
+                  <a:moveTo>
+                    <a:pt x="0" y="0"/>
+                  </a:moveTo>
+                  <a:lnTo>
+                    <a:pt x="2573311" y="0"/>
+                  </a:lnTo>
+                  <a:lnTo>
+                    <a:pt x="2573311" y="6866467"/>
+                  </a:lnTo>
+                  <a:lnTo>
+                    <a:pt x="1202336" y="6866467"/>
+                  </a:lnTo>
+                  <a:lnTo>
+                    <a:pt x="0" y="0"/>
+                  </a:lnTo>
+                  <a:close/>
+                </a:path>
+              </a:pathLst>
+            </a:custGeom>
+            <a:solidFill>
+              <a:schemeClr val="accent1">
+                <a:alpha val="20000"/>
+              </a:schemeClr>
+            </a:solidFill>
+            <a:ln>
+              <a:noFill/>
+            </a:ln>
+            <a:effectLst/>
           </p:spPr>
-        </p:pic>
-        <p:pic>
-          <p:nvPicPr>
-            <p:cNvPr id="11" name="Picture 10" descr="HDRibbonContent-UniformTrim.png"/>
-            <p:cNvPicPr>
-              <a:picLocks noChangeAspect="1"/>
-            </p:cNvPicPr>
+          <p:style>
+            <a:lnRef idx="1">
+              <a:schemeClr val="accent1"/>
+            </a:lnRef>
+            <a:fillRef idx="3">
+              <a:schemeClr val="accent1"/>
+            </a:fillRef>
+            <a:effectRef idx="2">
+              <a:schemeClr val="accent1"/>
+            </a:effectRef>
+            <a:fontRef idx="minor">
+              <a:schemeClr val="lt1"/>
+            </a:fontRef>
+          </p:style>
+        </p:sp>
+        <p:sp>
+          <p:nvSpPr>
+            <p:cNvPr id="24" name="Isosceles Triangle 23"/>
+            <p:cNvSpPr/>
             <p:nvPr/>
-          </p:nvPicPr>
-          <p:blipFill rotWithShape="1">
-            <a:blip r:embed="rId20">
-              <a:extLst>
-                <a:ext uri="{28A0092B-C50C-407E-A947-70E740481C1C}">
-                  <a14:useLocalDpi xmlns:a14="http://schemas.microsoft.com/office/drawing/2010/main" val="0"/>
-                </a:ext>
-              </a:extLst>
-            </a:blip>
-            <a:srcRect/>
-            <a:stretch/>
-          </p:blipFill>
+          </p:nvSpPr>
           <p:spPr>
             <a:xfrm>
-              <a:off x="11436986" y="3153832"/>
-              <a:ext cx="777240" cy="606425"/>
+              <a:off x="8932333" y="3048000"/>
+              <a:ext cx="3259667" cy="3810000"/>
             </a:xfrm>
-            <a:prstGeom prst="rect">
+            <a:prstGeom prst="triangle">
+              <a:avLst>
+                <a:gd name="adj" fmla="val 100000"/>
+              </a:avLst>
+            </a:prstGeom>
+            <a:solidFill>
+              <a:schemeClr val="accent2">
+                <a:alpha val="72000"/>
+              </a:schemeClr>
+            </a:solidFill>
+            <a:ln>
+              <a:noFill/>
+            </a:ln>
+            <a:effectLst/>
+          </p:spPr>
+          <p:style>
+            <a:lnRef idx="1">
+              <a:schemeClr val="accent1"/>
+            </a:lnRef>
+            <a:fillRef idx="3">
+              <a:schemeClr val="accent1"/>
+            </a:fillRef>
+            <a:effectRef idx="2">
+              <a:schemeClr val="accent1"/>
+            </a:effectRef>
+            <a:fontRef idx="minor">
+              <a:schemeClr val="lt1"/>
+            </a:fontRef>
+          </p:style>
+        </p:sp>
+        <p:sp>
+          <p:nvSpPr>
+            <p:cNvPr id="25" name="Rectangle 27"/>
+            <p:cNvSpPr/>
+            <p:nvPr/>
+          </p:nvSpPr>
+          <p:spPr>
+            <a:xfrm>
+              <a:off x="9334500" y="-8467"/>
+              <a:ext cx="2854326" cy="6866467"/>
+            </a:xfrm>
+            <a:custGeom>
               <a:avLst/>
+              <a:gdLst/>
+              <a:ahLst/>
+              <a:cxnLst/>
+              <a:rect l="l" t="t" r="r" b="b"/>
+              <a:pathLst>
+                <a:path w="2858013" h="6866467">
+                  <a:moveTo>
+                    <a:pt x="0" y="0"/>
+                  </a:moveTo>
+                  <a:lnTo>
+                    <a:pt x="2858013" y="0"/>
+                  </a:lnTo>
+                  <a:lnTo>
+                    <a:pt x="2858013" y="6866467"/>
+                  </a:lnTo>
+                  <a:lnTo>
+                    <a:pt x="2473942" y="6866467"/>
+                  </a:lnTo>
+                  <a:lnTo>
+                    <a:pt x="0" y="0"/>
+                  </a:lnTo>
+                  <a:close/>
+                </a:path>
+              </a:pathLst>
+            </a:custGeom>
+            <a:solidFill>
+              <a:schemeClr val="accent2">
+                <a:lumMod val="75000"/>
+                <a:alpha val="70000"/>
+              </a:schemeClr>
+            </a:solidFill>
+            <a:ln>
+              <a:noFill/>
+            </a:ln>
+            <a:effectLst/>
+          </p:spPr>
+          <p:style>
+            <a:lnRef idx="1">
+              <a:schemeClr val="accent1"/>
+            </a:lnRef>
+            <a:fillRef idx="3">
+              <a:schemeClr val="accent1"/>
+            </a:fillRef>
+            <a:effectRef idx="2">
+              <a:schemeClr val="accent1"/>
+            </a:effectRef>
+            <a:fontRef idx="minor">
+              <a:schemeClr val="lt1"/>
+            </a:fontRef>
+          </p:style>
+        </p:sp>
+        <p:sp>
+          <p:nvSpPr>
+            <p:cNvPr id="26" name="Rectangle 28"/>
+            <p:cNvSpPr/>
+            <p:nvPr/>
+          </p:nvSpPr>
+          <p:spPr>
+            <a:xfrm>
+              <a:off x="10898730" y="-8467"/>
+              <a:ext cx="1290094" cy="6866467"/>
+            </a:xfrm>
+            <a:custGeom>
+              <a:avLst/>
+              <a:gdLst/>
+              <a:ahLst/>
+              <a:cxnLst/>
+              <a:rect l="l" t="t" r="r" b="b"/>
+              <a:pathLst>
+                <a:path w="1290094" h="6858000">
+                  <a:moveTo>
+                    <a:pt x="1019735" y="0"/>
+                  </a:moveTo>
+                  <a:lnTo>
+                    <a:pt x="1290094" y="0"/>
+                  </a:lnTo>
+                  <a:lnTo>
+                    <a:pt x="1290094" y="6858000"/>
+                  </a:lnTo>
+                  <a:lnTo>
+                    <a:pt x="0" y="6858000"/>
+                  </a:lnTo>
+                  <a:lnTo>
+                    <a:pt x="1019735" y="0"/>
+                  </a:lnTo>
+                  <a:close/>
+                </a:path>
+              </a:pathLst>
+            </a:custGeom>
+            <a:solidFill>
+              <a:schemeClr val="accent1">
+                <a:lumMod val="60000"/>
+                <a:lumOff val="40000"/>
+                <a:alpha val="70000"/>
+              </a:schemeClr>
+            </a:solidFill>
+            <a:ln>
+              <a:noFill/>
+            </a:ln>
+            <a:effectLst/>
+          </p:spPr>
+          <p:style>
+            <a:lnRef idx="1">
+              <a:schemeClr val="accent1"/>
+            </a:lnRef>
+            <a:fillRef idx="3">
+              <a:schemeClr val="accent1"/>
+            </a:fillRef>
+            <a:effectRef idx="2">
+              <a:schemeClr val="accent1"/>
+            </a:effectRef>
+            <a:fontRef idx="minor">
+              <a:schemeClr val="lt1"/>
+            </a:fontRef>
+          </p:style>
+        </p:sp>
+        <p:sp>
+          <p:nvSpPr>
+            <p:cNvPr id="27" name="Rectangle 29"/>
+            <p:cNvSpPr/>
+            <p:nvPr/>
+          </p:nvSpPr>
+          <p:spPr>
+            <a:xfrm>
+              <a:off x="10938999" y="-8467"/>
+              <a:ext cx="1249825" cy="6866467"/>
+            </a:xfrm>
+            <a:custGeom>
+              <a:avLst/>
+              <a:gdLst/>
+              <a:ahLst/>
+              <a:cxnLst/>
+              <a:rect l="l" t="t" r="r" b="b"/>
+              <a:pathLst>
+                <a:path w="1249825" h="6858000">
+                  <a:moveTo>
+                    <a:pt x="0" y="0"/>
+                  </a:moveTo>
+                  <a:lnTo>
+                    <a:pt x="1249825" y="0"/>
+                  </a:lnTo>
+                  <a:lnTo>
+                    <a:pt x="1249825" y="6858000"/>
+                  </a:lnTo>
+                  <a:lnTo>
+                    <a:pt x="1109382" y="6858000"/>
+                  </a:lnTo>
+                  <a:lnTo>
+                    <a:pt x="0" y="0"/>
+                  </a:lnTo>
+                  <a:close/>
+                </a:path>
+              </a:pathLst>
+            </a:custGeom>
+            <a:solidFill>
+              <a:schemeClr val="accent1">
+                <a:alpha val="65000"/>
+              </a:schemeClr>
+            </a:solidFill>
+            <a:ln>
+              <a:noFill/>
+            </a:ln>
+            <a:effectLst/>
+          </p:spPr>
+          <p:style>
+            <a:lnRef idx="1">
+              <a:schemeClr val="accent1"/>
+            </a:lnRef>
+            <a:fillRef idx="3">
+              <a:schemeClr val="accent1"/>
+            </a:fillRef>
+            <a:effectRef idx="2">
+              <a:schemeClr val="accent1"/>
+            </a:effectRef>
+            <a:fontRef idx="minor">
+              <a:schemeClr val="lt1"/>
+            </a:fontRef>
+          </p:style>
+        </p:sp>
+        <p:sp>
+          <p:nvSpPr>
+            <p:cNvPr id="28" name="Isosceles Triangle 27"/>
+            <p:cNvSpPr/>
+            <p:nvPr/>
+          </p:nvSpPr>
+          <p:spPr>
+            <a:xfrm>
+              <a:off x="10371666" y="3589867"/>
+              <a:ext cx="1817159" cy="3268133"/>
+            </a:xfrm>
+            <a:prstGeom prst="triangle">
+              <a:avLst>
+                <a:gd name="adj" fmla="val 100000"/>
+              </a:avLst>
             </a:prstGeom>
+            <a:solidFill>
+              <a:schemeClr val="accent1">
+                <a:alpha val="80000"/>
+              </a:schemeClr>
+            </a:solidFill>
+            <a:ln>
+              <a:noFill/>
+            </a:ln>
+            <a:effectLst/>
           </p:spPr>
-        </p:pic>
+          <p:style>
+            <a:lnRef idx="1">
+              <a:schemeClr val="accent1"/>
+            </a:lnRef>
+            <a:fillRef idx="3">
+              <a:schemeClr val="accent1"/>
+            </a:fillRef>
+            <a:effectRef idx="2">
+              <a:schemeClr val="accent1"/>
+            </a:effectRef>
+            <a:fontRef idx="minor">
+              <a:schemeClr val="lt1"/>
+            </a:fontRef>
+          </p:style>
+        </p:sp>
+        <p:sp>
+          <p:nvSpPr>
+            <p:cNvPr id="29" name="Isosceles Triangle 28"/>
+            <p:cNvSpPr/>
+            <p:nvPr/>
+          </p:nvSpPr>
+          <p:spPr>
+            <a:xfrm>
+              <a:off x="0" y="4013200"/>
+              <a:ext cx="448733" cy="2844800"/>
+            </a:xfrm>
+            <a:prstGeom prst="triangle">
+              <a:avLst>
+                <a:gd name="adj" fmla="val 0"/>
+              </a:avLst>
+            </a:prstGeom>
+            <a:solidFill>
+              <a:schemeClr val="accent1">
+                <a:alpha val="85000"/>
+              </a:schemeClr>
+            </a:solidFill>
+            <a:ln>
+              <a:noFill/>
+            </a:ln>
+            <a:effectLst/>
+          </p:spPr>
+          <p:style>
+            <a:lnRef idx="1">
+              <a:schemeClr val="accent1"/>
+            </a:lnRef>
+            <a:fillRef idx="3">
+              <a:schemeClr val="accent1"/>
+            </a:fillRef>
+            <a:effectRef idx="2">
+              <a:schemeClr val="accent1"/>
+            </a:effectRef>
+            <a:fontRef idx="minor">
+              <a:schemeClr val="lt1"/>
+            </a:fontRef>
+          </p:style>
+        </p:sp>
       </p:grpSp>
       <p:sp>
         <p:nvSpPr>
@@ -5216,42 +5206,8 @@
         </p:nvSpPr>
         <p:spPr>
           <a:xfrm>
-            <a:off x="1295402" y="982132"/>
-            <a:ext cx="9601196" cy="1303867"/>
-          </a:xfrm>
-          <a:prstGeom prst="rect">
-            <a:avLst/>
-          </a:prstGeom>
-          <a:effectLst/>
-        </p:spPr>
-        <p:txBody>
-          <a:bodyPr vert="horz" lIns="91440" tIns="45720" rIns="91440" bIns="45720" rtlCol="0" anchor="ctr">
-            <a:normAutofit/>
-          </a:bodyPr>
-          <a:lstStyle/>
-          <a:p>
-            <a:r>
-              <a:rPr lang="zh-TW" altLang="en-US"/>
-              <a:t>按一下以編輯母片標題樣式</a:t>
-            </a:r>
-            <a:endParaRPr lang="en-US" dirty="0"/>
-          </a:p>
-        </p:txBody>
-      </p:sp>
-      <p:sp>
-        <p:nvSpPr>
-          <p:cNvPr id="3" name="Text Placeholder 2"/>
-          <p:cNvSpPr>
-            <a:spLocks noGrp="1"/>
-          </p:cNvSpPr>
-          <p:nvPr>
-            <p:ph type="body" idx="1"/>
-          </p:nvPr>
-        </p:nvSpPr>
-        <p:spPr>
-          <a:xfrm>
-            <a:off x="1295401" y="2556932"/>
-            <a:ext cx="9601196" cy="3318936"/>
+            <a:off x="677334" y="609600"/>
+            <a:ext cx="8596668" cy="1320800"/>
           </a:xfrm>
           <a:prstGeom prst="rect">
             <a:avLst/>
@@ -5263,38 +5219,9 @@
           </a:bodyPr>
           <a:lstStyle/>
           <a:p>
-            <a:pPr lvl="0"/>
             <a:r>
               <a:rPr lang="zh-TW" altLang="en-US"/>
-              <a:t>按一下以編輯母片文字樣式</a:t>
-            </a:r>
-          </a:p>
-          <a:p>
-            <a:pPr lvl="1"/>
-            <a:r>
-              <a:rPr lang="zh-TW" altLang="en-US"/>
-              <a:t>第二層</a:t>
-            </a:r>
-          </a:p>
-          <a:p>
-            <a:pPr lvl="2"/>
-            <a:r>
-              <a:rPr lang="zh-TW" altLang="en-US"/>
-              <a:t>第三層</a:t>
-            </a:r>
-          </a:p>
-          <a:p>
-            <a:pPr lvl="3"/>
-            <a:r>
-              <a:rPr lang="zh-TW" altLang="en-US"/>
-              <a:t>第四層</a:t>
-            </a:r>
-          </a:p>
-          <a:p>
-            <a:pPr lvl="4"/>
-            <a:r>
-              <a:rPr lang="zh-TW" altLang="en-US"/>
-              <a:t>第五層</a:t>
+              <a:t>按一下以編輯母片標題樣式</a:t>
             </a:r>
             <a:endParaRPr lang="en-US" dirty="0"/>
           </a:p>
@@ -5302,33 +5229,95 @@
       </p:sp>
       <p:sp>
         <p:nvSpPr>
-          <p:cNvPr id="4" name="Date Placeholder 3"/>
+          <p:cNvPr id="3" name="Text Placeholder 2"/>
           <p:cNvSpPr>
             <a:spLocks noGrp="1"/>
           </p:cNvSpPr>
           <p:nvPr>
-            <p:ph type="dt" sz="half" idx="2"/>
+            <p:ph type="body" idx="1"/>
           </p:nvPr>
         </p:nvSpPr>
         <p:spPr>
           <a:xfrm>
-            <a:off x="8677501" y="5969000"/>
-            <a:ext cx="1600200" cy="279400"/>
+            <a:off x="677334" y="2160589"/>
+            <a:ext cx="8596668" cy="3880773"/>
           </a:xfrm>
           <a:prstGeom prst="rect">
             <a:avLst/>
           </a:prstGeom>
         </p:spPr>
         <p:txBody>
+          <a:bodyPr vert="horz" lIns="91440" tIns="45720" rIns="91440" bIns="45720" rtlCol="0">
+            <a:normAutofit/>
+          </a:bodyPr>
+          <a:lstStyle/>
+          <a:p>
+            <a:pPr lvl="0"/>
+            <a:r>
+              <a:rPr lang="zh-TW" altLang="en-US"/>
+              <a:t>按一下以編輯母片文字樣式</a:t>
+            </a:r>
+          </a:p>
+          <a:p>
+            <a:pPr lvl="1"/>
+            <a:r>
+              <a:rPr lang="zh-TW" altLang="en-US"/>
+              <a:t>第二層</a:t>
+            </a:r>
+          </a:p>
+          <a:p>
+            <a:pPr lvl="2"/>
+            <a:r>
+              <a:rPr lang="zh-TW" altLang="en-US"/>
+              <a:t>第三層</a:t>
+            </a:r>
+          </a:p>
+          <a:p>
+            <a:pPr lvl="3"/>
+            <a:r>
+              <a:rPr lang="zh-TW" altLang="en-US"/>
+              <a:t>第四層</a:t>
+            </a:r>
+          </a:p>
+          <a:p>
+            <a:pPr lvl="4"/>
+            <a:r>
+              <a:rPr lang="zh-TW" altLang="en-US"/>
+              <a:t>第五層</a:t>
+            </a:r>
+            <a:endParaRPr lang="en-US" dirty="0"/>
+          </a:p>
+        </p:txBody>
+      </p:sp>
+      <p:sp>
+        <p:nvSpPr>
+          <p:cNvPr id="4" name="Date Placeholder 3"/>
+          <p:cNvSpPr>
+            <a:spLocks noGrp="1"/>
+          </p:cNvSpPr>
+          <p:nvPr>
+            <p:ph type="dt" sz="half" idx="2"/>
+          </p:nvPr>
+        </p:nvSpPr>
+        <p:spPr>
+          <a:xfrm>
+            <a:off x="7205133" y="6041362"/>
+            <a:ext cx="911939" cy="365125"/>
+          </a:xfrm>
+          <a:prstGeom prst="rect">
+            <a:avLst/>
+          </a:prstGeom>
+        </p:spPr>
+        <p:txBody>
           <a:bodyPr vert="horz" lIns="91440" tIns="45720" rIns="91440" bIns="45720" rtlCol="0" anchor="ctr"/>
           <a:lstStyle>
             <a:lvl1pPr algn="r">
-              <a:defRPr sz="1000" b="0" i="0">
-                <a:solidFill>
-                  <a:schemeClr val="tx1"/>
-                </a:solidFill>
-                <a:effectLst/>
-                <a:latin typeface="+mn-lt"/>
+              <a:defRPr sz="900">
+                <a:solidFill>
+                  <a:schemeClr val="tx1">
+                    <a:tint val="75000"/>
+                  </a:schemeClr>
+                </a:solidFill>
               </a:defRPr>
             </a:lvl1pPr>
           </a:lstStyle>
@@ -5353,8 +5342,8 @@
         </p:nvSpPr>
         <p:spPr>
           <a:xfrm>
-            <a:off x="1295401" y="5969000"/>
-            <a:ext cx="7305900" cy="279400"/>
+            <a:off x="677334" y="6041362"/>
+            <a:ext cx="6297612" cy="365125"/>
           </a:xfrm>
           <a:prstGeom prst="rect">
             <a:avLst/>
@@ -5364,12 +5353,12 @@
           <a:bodyPr vert="horz" lIns="91440" tIns="45720" rIns="91440" bIns="45720" rtlCol="0" anchor="ctr"/>
           <a:lstStyle>
             <a:lvl1pPr algn="l">
-              <a:defRPr sz="1000" b="0" i="0">
-                <a:solidFill>
-                  <a:schemeClr val="tx1"/>
-                </a:solidFill>
-                <a:effectLst/>
-                <a:latin typeface="+mn-lt"/>
+              <a:defRPr sz="900">
+                <a:solidFill>
+                  <a:schemeClr val="tx1">
+                    <a:tint val="75000"/>
+                  </a:schemeClr>
+                </a:solidFill>
               </a:defRPr>
             </a:lvl1pPr>
           </a:lstStyle>
@@ -5390,8 +5379,8 @@
         </p:nvSpPr>
         <p:spPr>
           <a:xfrm>
-            <a:off x="10353901" y="5969000"/>
-            <a:ext cx="542697" cy="279400"/>
+            <a:off x="8590663" y="6041362"/>
+            <a:ext cx="683339" cy="365125"/>
           </a:xfrm>
           <a:prstGeom prst="rect">
             <a:avLst/>
@@ -5401,12 +5390,10 @@
           <a:bodyPr vert="horz" lIns="91440" tIns="45720" rIns="91440" bIns="45720" rtlCol="0" anchor="ctr"/>
           <a:lstStyle>
             <a:lvl1pPr algn="r">
-              <a:defRPr sz="1000" b="0" i="0">
-                <a:solidFill>
-                  <a:schemeClr val="tx1"/>
-                </a:solidFill>
-                <a:effectLst/>
-                <a:latin typeface="+mn-lt"/>
+              <a:defRPr sz="900">
+                <a:solidFill>
+                  <a:schemeClr val="accent1"/>
+                </a:solidFill>
               </a:defRPr>
             </a:lvl1pPr>
           </a:lstStyle>
@@ -5422,48 +5409,40 @@
     </p:spTree>
     <p:extLst>
       <p:ext uri="{BB962C8B-B14F-4D97-AF65-F5344CB8AC3E}">
-        <p14:creationId xmlns:p14="http://schemas.microsoft.com/office/powerpoint/2010/main" val="2165277469"/>
+        <p14:creationId xmlns:p14="http://schemas.microsoft.com/office/powerpoint/2010/main" val="8510456"/>
       </p:ext>
     </p:extLst>
   </p:cSld>
   <p:clrMap bg1="lt1" tx1="dk1" bg2="lt2" tx2="dk2" accent1="accent1" accent2="accent2" accent3="accent3" accent4="accent4" accent5="accent5" accent6="accent6" hlink="hlink" folHlink="folHlink"/>
   <p:sldLayoutIdLst>
-    <p:sldLayoutId id="2147483661" r:id="rId1"/>
-    <p:sldLayoutId id="2147483662" r:id="rId2"/>
-    <p:sldLayoutId id="2147483663" r:id="rId3"/>
-    <p:sldLayoutId id="2147483664" r:id="rId4"/>
-    <p:sldLayoutId id="2147483665" r:id="rId5"/>
-    <p:sldLayoutId id="2147483666" r:id="rId6"/>
-    <p:sldLayoutId id="2147483667" r:id="rId7"/>
-    <p:sldLayoutId id="2147483668" r:id="rId8"/>
-    <p:sldLayoutId id="2147483669" r:id="rId9"/>
-    <p:sldLayoutId id="2147483670" r:id="rId10"/>
-    <p:sldLayoutId id="2147483671" r:id="rId11"/>
-    <p:sldLayoutId id="2147483672" r:id="rId12"/>
-    <p:sldLayoutId id="2147483673" r:id="rId13"/>
-    <p:sldLayoutId id="2147483674" r:id="rId14"/>
-    <p:sldLayoutId id="2147483675" r:id="rId15"/>
-    <p:sldLayoutId id="2147483676" r:id="rId16"/>
-    <p:sldLayoutId id="2147483677" r:id="rId17"/>
+    <p:sldLayoutId id="2147483949" r:id="rId1"/>
+    <p:sldLayoutId id="2147483950" r:id="rId2"/>
+    <p:sldLayoutId id="2147483951" r:id="rId3"/>
+    <p:sldLayoutId id="2147483952" r:id="rId4"/>
+    <p:sldLayoutId id="2147483953" r:id="rId5"/>
+    <p:sldLayoutId id="2147483954" r:id="rId6"/>
+    <p:sldLayoutId id="2147483955" r:id="rId7"/>
+    <p:sldLayoutId id="2147483956" r:id="rId8"/>
+    <p:sldLayoutId id="2147483957" r:id="rId9"/>
+    <p:sldLayoutId id="2147483958" r:id="rId10"/>
+    <p:sldLayoutId id="2147483959" r:id="rId11"/>
+    <p:sldLayoutId id="2147483960" r:id="rId12"/>
+    <p:sldLayoutId id="2147483961" r:id="rId13"/>
+    <p:sldLayoutId id="2147483962" r:id="rId14"/>
+    <p:sldLayoutId id="2147483963" r:id="rId15"/>
+    <p:sldLayoutId id="2147483964" r:id="rId16"/>
   </p:sldLayoutIdLst>
   <p:txStyles>
     <p:titleStyle>
-      <a:lvl1pPr algn="ctr" defTabSz="457200" rtl="0" eaLnBrk="1" latinLnBrk="0" hangingPunct="1">
+      <a:lvl1pPr algn="l" defTabSz="457200" rtl="0" eaLnBrk="1" latinLnBrk="0" hangingPunct="1">
         <a:spcBef>
           <a:spcPct val="0"/>
         </a:spcBef>
         <a:buNone/>
-        <a:defRPr sz="4400" kern="1200" cap="none">
-          <a:ln w="3175" cmpd="sng">
-            <a:noFill/>
-          </a:ln>
+        <a:defRPr sz="3600" kern="1200">
           <a:solidFill>
-            <a:schemeClr val="tx1">
-              <a:lumMod val="85000"/>
-              <a:lumOff val="15000"/>
-            </a:schemeClr>
+            <a:schemeClr val="accent1"/>
           </a:solidFill>
-          <a:effectLst/>
           <a:latin typeface="+mj-lt"/>
           <a:ea typeface="+mj-ea"/>
           <a:cs typeface="+mj-cs"/>
@@ -5527,27 +5506,26 @@
       </a:lvl9pPr>
     </p:titleStyle>
     <p:bodyStyle>
-      <a:lvl1pPr marL="285750" indent="-285750" algn="l" defTabSz="457200" rtl="0" eaLnBrk="1" latinLnBrk="0" hangingPunct="1">
+      <a:lvl1pPr marL="342900" indent="-342900" algn="l" defTabSz="457200" rtl="0" eaLnBrk="1" latinLnBrk="0" hangingPunct="1">
         <a:spcBef>
-          <a:spcPct val="20000"/>
+          <a:spcPts val="1000"/>
         </a:spcBef>
         <a:spcAft>
-          <a:spcPts val="600"/>
+          <a:spcPts val="0"/>
         </a:spcAft>
         <a:buClr>
           <a:schemeClr val="accent1"/>
         </a:buClr>
-        <a:buSzPct val="115000"/>
-        <a:buFont typeface="Arial"/>
-        <a:buChar char="•"/>
-        <a:defRPr sz="2400" kern="1200" cap="none">
+        <a:buSzPct val="80000"/>
+        <a:buFont typeface="Wingdings 3" charset="2"/>
+        <a:buChar char=""/>
+        <a:defRPr sz="1800" kern="1200">
           <a:solidFill>
             <a:schemeClr val="tx1">
-              <a:lumMod val="85000"/>
-              <a:lumOff val="15000"/>
+              <a:lumMod val="75000"/>
+              <a:lumOff val="25000"/>
             </a:schemeClr>
           </a:solidFill>
-          <a:effectLst/>
           <a:latin typeface="+mn-lt"/>
           <a:ea typeface="+mn-ea"/>
           <a:cs typeface="+mn-cs"/>
@@ -5555,103 +5533,99 @@
       </a:lvl1pPr>
       <a:lvl2pPr marL="742950" indent="-285750" algn="l" defTabSz="457200" rtl="0" eaLnBrk="1" latinLnBrk="0" hangingPunct="1">
         <a:spcBef>
-          <a:spcPct val="20000"/>
+          <a:spcPts val="1000"/>
         </a:spcBef>
         <a:spcAft>
-          <a:spcPts val="600"/>
+          <a:spcPts val="0"/>
         </a:spcAft>
         <a:buClr>
           <a:schemeClr val="accent1"/>
         </a:buClr>
-        <a:buSzPct val="115000"/>
-        <a:buFont typeface="Arial"/>
-        <a:buChar char="•"/>
-        <a:defRPr sz="2000" kern="1200" cap="none">
+        <a:buSzPct val="80000"/>
+        <a:buFont typeface="Wingdings 3" charset="2"/>
+        <a:buChar char=""/>
+        <a:defRPr sz="1600" kern="1200">
           <a:solidFill>
             <a:schemeClr val="tx1">
-              <a:lumMod val="85000"/>
-              <a:lumOff val="15000"/>
+              <a:lumMod val="75000"/>
+              <a:lumOff val="25000"/>
             </a:schemeClr>
           </a:solidFill>
-          <a:effectLst/>
           <a:latin typeface="+mn-lt"/>
           <a:ea typeface="+mn-ea"/>
           <a:cs typeface="+mn-cs"/>
         </a:defRPr>
       </a:lvl2pPr>
-      <a:lvl3pPr marL="1200150" indent="-285750" algn="l" defTabSz="457200" rtl="0" eaLnBrk="1" latinLnBrk="0" hangingPunct="1">
+      <a:lvl3pPr marL="1143000" indent="-228600" algn="l" defTabSz="457200" rtl="0" eaLnBrk="1" latinLnBrk="0" hangingPunct="1">
         <a:spcBef>
-          <a:spcPct val="20000"/>
+          <a:spcPts val="1000"/>
         </a:spcBef>
         <a:spcAft>
-          <a:spcPts val="600"/>
+          <a:spcPts val="0"/>
         </a:spcAft>
         <a:buClr>
           <a:schemeClr val="accent1"/>
         </a:buClr>
-        <a:buSzPct val="115000"/>
-        <a:buFont typeface="Arial"/>
-        <a:buChar char="•"/>
-        <a:defRPr sz="1800" kern="1200" cap="none">
+        <a:buSzPct val="80000"/>
+        <a:buFont typeface="Wingdings 3" charset="2"/>
+        <a:buChar char=""/>
+        <a:defRPr sz="1400" kern="1200">
           <a:solidFill>
             <a:schemeClr val="tx1">
-              <a:lumMod val="85000"/>
-              <a:lumOff val="15000"/>
+              <a:lumMod val="75000"/>
+              <a:lumOff val="25000"/>
             </a:schemeClr>
           </a:solidFill>
-          <a:effectLst/>
           <a:latin typeface="+mn-lt"/>
           <a:ea typeface="+mn-ea"/>
           <a:cs typeface="+mn-cs"/>
         </a:defRPr>
       </a:lvl3pPr>
-      <a:lvl4pPr marL="1543050" indent="-171450" algn="l" defTabSz="457200" rtl="0" eaLnBrk="1" latinLnBrk="0" hangingPunct="1">
+      <a:lvl4pPr marL="1600200" indent="-228600" algn="l" defTabSz="457200" rtl="0" eaLnBrk="1" latinLnBrk="0" hangingPunct="1">
         <a:spcBef>
-          <a:spcPct val="20000"/>
+          <a:spcPts val="1000"/>
         </a:spcBef>
         <a:spcAft>
-          <a:spcPts val="600"/>
+          <a:spcPts val="0"/>
         </a:spcAft>
         <a:buClr>
           <a:schemeClr val="accent1"/>
         </a:buClr>
-        <a:buSzPct val="115000"/>
-        <a:buFont typeface="Arial"/>
-        <a:buChar char="•"/>
-        <a:defRPr sz="1600" kern="1200" cap="none">
+        <a:buSzPct val="80000"/>
+        <a:buFont typeface="Wingdings 3" charset="2"/>
+        <a:buChar char=""/>
+        <a:defRPr sz="1200" kern="1200">
           <a:solidFill>
             <a:schemeClr val="tx1">
-              <a:lumMod val="85000"/>
-              <a:lumOff val="15000"/>
+              <a:lumMod val="75000"/>
+              <a:lumOff val="25000"/>
             </a:schemeClr>
           </a:solidFill>
-          <a:effectLst/>
           <a:latin typeface="+mn-lt"/>
           <a:ea typeface="+mn-ea"/>
           <a:cs typeface="+mn-cs"/>
         </a:defRPr>
       </a:lvl4pPr>
-      <a:lvl5pPr marL="2000250" indent="-171450" algn="l" defTabSz="457200" rtl="0" eaLnBrk="1" latinLnBrk="0" hangingPunct="1">
+      <a:lvl5pPr marL="2057400" indent="-228600" algn="l" defTabSz="457200" rtl="0" eaLnBrk="1" latinLnBrk="0" hangingPunct="1">
         <a:spcBef>
-          <a:spcPct val="20000"/>
+          <a:spcPts val="1000"/>
         </a:spcBef>
         <a:spcAft>
-          <a:spcPts val="600"/>
+          <a:spcPts val="0"/>
         </a:spcAft>
         <a:buClr>
           <a:schemeClr val="accent1"/>
         </a:buClr>
-        <a:buSzPct val="115000"/>
-        <a:buFont typeface="Arial"/>
-        <a:buChar char="•"/>
-        <a:defRPr sz="1400" kern="1200" cap="none">
+        <a:buSzPct val="80000"/>
+        <a:buFont typeface="Wingdings 3" charset="2"/>
+        <a:buChar char=""/>
+        <a:defRPr sz="1200" kern="1200">
           <a:solidFill>
             <a:schemeClr val="tx1">
-              <a:lumMod val="85000"/>
-              <a:lumOff val="15000"/>
+              <a:lumMod val="75000"/>
+              <a:lumOff val="25000"/>
             </a:schemeClr>
           </a:solidFill>
-          <a:effectLst/>
           <a:latin typeface="+mn-lt"/>
           <a:ea typeface="+mn-ea"/>
           <a:cs typeface="+mn-cs"/>
@@ -5659,25 +5633,24 @@
       </a:lvl5pPr>
       <a:lvl6pPr marL="2514600" indent="-228600" algn="l" defTabSz="457200" rtl="0" eaLnBrk="1" latinLnBrk="0" hangingPunct="1">
         <a:spcBef>
-          <a:spcPct val="20000"/>
+          <a:spcPts val="1000"/>
         </a:spcBef>
         <a:spcAft>
-          <a:spcPts val="600"/>
+          <a:spcPts val="0"/>
         </a:spcAft>
         <a:buClr>
           <a:schemeClr val="accent1"/>
         </a:buClr>
-        <a:buSzPct val="115000"/>
-        <a:buFont typeface="Arial"/>
-        <a:buChar char="•"/>
-        <a:defRPr sz="1400" kern="1200" cap="none">
+        <a:buSzPct val="80000"/>
+        <a:buFont typeface="Wingdings 3" charset="2"/>
+        <a:buChar char=""/>
+        <a:defRPr sz="1200" kern="1200">
           <a:solidFill>
             <a:schemeClr val="tx1">
-              <a:lumMod val="85000"/>
-              <a:lumOff val="15000"/>
+              <a:lumMod val="75000"/>
+              <a:lumOff val="25000"/>
             </a:schemeClr>
           </a:solidFill>
-          <a:effectLst/>
           <a:latin typeface="+mn-lt"/>
           <a:ea typeface="+mn-ea"/>
           <a:cs typeface="+mn-cs"/>
@@ -5685,25 +5658,24 @@
       </a:lvl6pPr>
       <a:lvl7pPr marL="2971800" indent="-228600" algn="l" defTabSz="457200" rtl="0" eaLnBrk="1" latinLnBrk="0" hangingPunct="1">
         <a:spcBef>
-          <a:spcPct val="20000"/>
+          <a:spcPts val="1000"/>
         </a:spcBef>
         <a:spcAft>
-          <a:spcPts val="600"/>
+          <a:spcPts val="0"/>
         </a:spcAft>
         <a:buClr>
           <a:schemeClr val="accent1"/>
         </a:buClr>
-        <a:buSzPct val="115000"/>
-        <a:buFont typeface="Arial"/>
-        <a:buChar char="•"/>
-        <a:defRPr sz="1400" kern="1200" cap="none">
+        <a:buSzPct val="80000"/>
+        <a:buFont typeface="Wingdings 3" charset="2"/>
+        <a:buChar char=""/>
+        <a:defRPr sz="1200" kern="1200">
           <a:solidFill>
             <a:schemeClr val="tx1">
-              <a:lumMod val="85000"/>
-              <a:lumOff val="15000"/>
+              <a:lumMod val="75000"/>
+              <a:lumOff val="25000"/>
             </a:schemeClr>
           </a:solidFill>
-          <a:effectLst/>
           <a:latin typeface="+mn-lt"/>
           <a:ea typeface="+mn-ea"/>
           <a:cs typeface="+mn-cs"/>
@@ -5711,25 +5683,24 @@
       </a:lvl7pPr>
       <a:lvl8pPr marL="3429000" indent="-228600" algn="l" defTabSz="457200" rtl="0" eaLnBrk="1" latinLnBrk="0" hangingPunct="1">
         <a:spcBef>
-          <a:spcPct val="20000"/>
+          <a:spcPts val="1000"/>
         </a:spcBef>
         <a:spcAft>
-          <a:spcPts val="600"/>
+          <a:spcPts val="0"/>
         </a:spcAft>
         <a:buClr>
           <a:schemeClr val="accent1"/>
         </a:buClr>
-        <a:buSzPct val="115000"/>
-        <a:buFont typeface="Arial"/>
-        <a:buChar char="•"/>
-        <a:defRPr sz="1400" kern="1200" cap="none">
+        <a:buSzPct val="80000"/>
+        <a:buFont typeface="Wingdings 3" charset="2"/>
+        <a:buChar char=""/>
+        <a:defRPr sz="1200" kern="1200">
           <a:solidFill>
             <a:schemeClr val="tx1">
-              <a:lumMod val="85000"/>
-              <a:lumOff val="15000"/>
+              <a:lumMod val="75000"/>
+              <a:lumOff val="25000"/>
             </a:schemeClr>
           </a:solidFill>
-          <a:effectLst/>
           <a:latin typeface="+mn-lt"/>
           <a:ea typeface="+mn-ea"/>
           <a:cs typeface="+mn-cs"/>
@@ -5737,25 +5708,24 @@
       </a:lvl8pPr>
       <a:lvl9pPr marL="3886200" indent="-228600" algn="l" defTabSz="457200" rtl="0" eaLnBrk="1" latinLnBrk="0" hangingPunct="1">
         <a:spcBef>
-          <a:spcPct val="20000"/>
+          <a:spcPts val="1000"/>
         </a:spcBef>
         <a:spcAft>
-          <a:spcPts val="600"/>
+          <a:spcPts val="0"/>
         </a:spcAft>
         <a:buClr>
           <a:schemeClr val="accent1"/>
         </a:buClr>
-        <a:buSzPct val="115000"/>
-        <a:buFont typeface="Arial"/>
-        <a:buChar char="•"/>
-        <a:defRPr sz="1400" kern="1200" cap="none">
+        <a:buSzPct val="80000"/>
+        <a:buFont typeface="Wingdings 3" charset="2"/>
+        <a:buChar char=""/>
+        <a:defRPr sz="1200" kern="1200">
           <a:solidFill>
             <a:schemeClr val="tx1">
-              <a:lumMod val="85000"/>
-              <a:lumOff val="15000"/>
+              <a:lumMod val="75000"/>
+              <a:lumOff val="25000"/>
             </a:schemeClr>
           </a:solidFill>
-          <a:effectLst/>
           <a:latin typeface="+mn-lt"/>
           <a:ea typeface="+mn-ea"/>
           <a:cs typeface="+mn-cs"/>
@@ -5894,7 +5864,12 @@
             <p:ph type="ctrTitle"/>
           </p:nvPr>
         </p:nvSpPr>
-        <p:spPr/>
+        <p:spPr>
+          <a:xfrm>
+            <a:off x="2838718" y="919344"/>
+            <a:ext cx="5390882" cy="909456"/>
+          </a:xfrm>
+        </p:spPr>
         <p:txBody>
           <a:bodyPr/>
           <a:lstStyle/>
@@ -5925,13 +5900,13 @@
         </p:nvSpPr>
         <p:spPr>
           <a:xfrm>
-            <a:off x="2692398" y="3790762"/>
-            <a:ext cx="6815669" cy="1376042"/>
+            <a:off x="2212532" y="4008266"/>
+            <a:ext cx="7766936" cy="2317075"/>
           </a:xfrm>
         </p:spPr>
         <p:txBody>
           <a:bodyPr>
-            <a:normAutofit fontScale="62500" lnSpcReduction="20000"/>
+            <a:normAutofit/>
           </a:bodyPr>
           <a:lstStyle/>
           <a:p>
@@ -5989,7 +5964,7 @@
         </p:nvSpPr>
         <p:spPr>
           <a:xfrm>
-            <a:off x="2692398" y="4797472"/>
+            <a:off x="2212532" y="5620623"/>
             <a:ext cx="954107" cy="369332"/>
           </a:xfrm>
           <a:prstGeom prst="rect">
@@ -6015,6 +5990,3899 @@
     <p:extLst>
       <p:ext uri="{BB962C8B-B14F-4D97-AF65-F5344CB8AC3E}">
         <p14:creationId xmlns:p14="http://schemas.microsoft.com/office/powerpoint/2010/main" val="1107245574"/>
+      </p:ext>
+    </p:extLst>
+  </p:cSld>
+  <p:clrMapOvr>
+    <a:masterClrMapping/>
+  </p:clrMapOvr>
+</p:sld>
+</file>
+
+<file path=ppt/slides/slide10.xml><?xml version="1.0" encoding="utf-8"?>
+<p:sld xmlns:a="http://schemas.openxmlformats.org/drawingml/2006/main" xmlns:r="http://schemas.openxmlformats.org/officeDocument/2006/relationships" xmlns:p="http://schemas.openxmlformats.org/presentationml/2006/main">
+  <p:cSld>
+    <p:spTree>
+      <p:nvGrpSpPr>
+        <p:cNvPr id="1" name=""/>
+        <p:cNvGrpSpPr/>
+        <p:nvPr/>
+      </p:nvGrpSpPr>
+      <p:grpSpPr>
+        <a:xfrm>
+          <a:off x="0" y="0"/>
+          <a:ext cx="0" cy="0"/>
+          <a:chOff x="0" y="0"/>
+          <a:chExt cx="0" cy="0"/>
+        </a:xfrm>
+      </p:grpSpPr>
+      <p:sp>
+        <p:nvSpPr>
+          <p:cNvPr id="88" name="文本框 91">
+            <a:extLst>
+              <a:ext uri="{FF2B5EF4-FFF2-40B4-BE49-F238E27FC236}">
+                <a16:creationId xmlns:a16="http://schemas.microsoft.com/office/drawing/2014/main" id="{1733BB9A-E989-4603-BA2A-4288FD8ECCF5}"/>
+              </a:ext>
+            </a:extLst>
+          </p:cNvPr>
+          <p:cNvSpPr txBox="1">
+            <a:spLocks noChangeArrowheads="1"/>
+          </p:cNvSpPr>
+          <p:nvPr/>
+        </p:nvSpPr>
+        <p:spPr bwMode="auto">
+          <a:xfrm>
+            <a:off x="233476" y="282575"/>
+            <a:ext cx="3518912" cy="707886"/>
+          </a:xfrm>
+          <a:prstGeom prst="rect">
+            <a:avLst/>
+          </a:prstGeom>
+          <a:noFill/>
+          <a:ln>
+            <a:noFill/>
+          </a:ln>
+          <a:extLst>
+            <a:ext uri="{909E8E84-426E-40DD-AFC4-6F175D3DCCD1}">
+              <a14:hiddenFill xmlns:a14="http://schemas.microsoft.com/office/drawing/2010/main">
+                <a:solidFill>
+                  <a:srgbClr val="FFFFFF"/>
+                </a:solidFill>
+              </a14:hiddenFill>
+            </a:ext>
+            <a:ext uri="{91240B29-F687-4F45-9708-019B960494DF}">
+              <a14:hiddenLine xmlns:a14="http://schemas.microsoft.com/office/drawing/2010/main" w="9525">
+                <a:solidFill>
+                  <a:srgbClr val="000000"/>
+                </a:solidFill>
+                <a:miter lim="800000"/>
+                <a:headEnd/>
+                <a:tailEnd/>
+              </a14:hiddenLine>
+            </a:ext>
+          </a:extLst>
+        </p:spPr>
+        <p:txBody>
+          <a:bodyPr wrap="none">
+            <a:spAutoFit/>
+          </a:bodyPr>
+          <a:lstStyle>
+            <a:lvl1pPr>
+              <a:defRPr>
+                <a:solidFill>
+                  <a:schemeClr val="tx1"/>
+                </a:solidFill>
+                <a:latin typeface="Calibri" panose="020F0502020204030204" pitchFamily="34" charset="0"/>
+                <a:ea typeface="微软雅黑 Light" panose="020B0502040204020203" pitchFamily="34" charset="-122"/>
+              </a:defRPr>
+            </a:lvl1pPr>
+            <a:lvl2pPr marL="742950" indent="-285750">
+              <a:defRPr>
+                <a:solidFill>
+                  <a:schemeClr val="tx1"/>
+                </a:solidFill>
+                <a:latin typeface="Calibri" panose="020F0502020204030204" pitchFamily="34" charset="0"/>
+                <a:ea typeface="微软雅黑 Light" panose="020B0502040204020203" pitchFamily="34" charset="-122"/>
+              </a:defRPr>
+            </a:lvl2pPr>
+            <a:lvl3pPr marL="1143000" indent="-228600">
+              <a:defRPr>
+                <a:solidFill>
+                  <a:schemeClr val="tx1"/>
+                </a:solidFill>
+                <a:latin typeface="Calibri" panose="020F0502020204030204" pitchFamily="34" charset="0"/>
+                <a:ea typeface="微软雅黑 Light" panose="020B0502040204020203" pitchFamily="34" charset="-122"/>
+              </a:defRPr>
+            </a:lvl3pPr>
+            <a:lvl4pPr marL="1600200" indent="-228600">
+              <a:defRPr>
+                <a:solidFill>
+                  <a:schemeClr val="tx1"/>
+                </a:solidFill>
+                <a:latin typeface="Calibri" panose="020F0502020204030204" pitchFamily="34" charset="0"/>
+                <a:ea typeface="微软雅黑 Light" panose="020B0502040204020203" pitchFamily="34" charset="-122"/>
+              </a:defRPr>
+            </a:lvl4pPr>
+            <a:lvl5pPr marL="2057400" indent="-228600">
+              <a:defRPr>
+                <a:solidFill>
+                  <a:schemeClr val="tx1"/>
+                </a:solidFill>
+                <a:latin typeface="Calibri" panose="020F0502020204030204" pitchFamily="34" charset="0"/>
+                <a:ea typeface="微软雅黑 Light" panose="020B0502040204020203" pitchFamily="34" charset="-122"/>
+              </a:defRPr>
+            </a:lvl5pPr>
+            <a:lvl6pPr marL="2514600" indent="-228600" eaLnBrk="0" fontAlgn="base" hangingPunct="0">
+              <a:spcBef>
+                <a:spcPct val="0"/>
+              </a:spcBef>
+              <a:spcAft>
+                <a:spcPct val="0"/>
+              </a:spcAft>
+              <a:defRPr>
+                <a:solidFill>
+                  <a:schemeClr val="tx1"/>
+                </a:solidFill>
+                <a:latin typeface="Calibri" panose="020F0502020204030204" pitchFamily="34" charset="0"/>
+                <a:ea typeface="微软雅黑 Light" panose="020B0502040204020203" pitchFamily="34" charset="-122"/>
+              </a:defRPr>
+            </a:lvl6pPr>
+            <a:lvl7pPr marL="2971800" indent="-228600" eaLnBrk="0" fontAlgn="base" hangingPunct="0">
+              <a:spcBef>
+                <a:spcPct val="0"/>
+              </a:spcBef>
+              <a:spcAft>
+                <a:spcPct val="0"/>
+              </a:spcAft>
+              <a:defRPr>
+                <a:solidFill>
+                  <a:schemeClr val="tx1"/>
+                </a:solidFill>
+                <a:latin typeface="Calibri" panose="020F0502020204030204" pitchFamily="34" charset="0"/>
+                <a:ea typeface="微软雅黑 Light" panose="020B0502040204020203" pitchFamily="34" charset="-122"/>
+              </a:defRPr>
+            </a:lvl7pPr>
+            <a:lvl8pPr marL="3429000" indent="-228600" eaLnBrk="0" fontAlgn="base" hangingPunct="0">
+              <a:spcBef>
+                <a:spcPct val="0"/>
+              </a:spcBef>
+              <a:spcAft>
+                <a:spcPct val="0"/>
+              </a:spcAft>
+              <a:defRPr>
+                <a:solidFill>
+                  <a:schemeClr val="tx1"/>
+                </a:solidFill>
+                <a:latin typeface="Calibri" panose="020F0502020204030204" pitchFamily="34" charset="0"/>
+                <a:ea typeface="微软雅黑 Light" panose="020B0502040204020203" pitchFamily="34" charset="-122"/>
+              </a:defRPr>
+            </a:lvl8pPr>
+            <a:lvl9pPr marL="3886200" indent="-228600" eaLnBrk="0" fontAlgn="base" hangingPunct="0">
+              <a:spcBef>
+                <a:spcPct val="0"/>
+              </a:spcBef>
+              <a:spcAft>
+                <a:spcPct val="0"/>
+              </a:spcAft>
+              <a:defRPr>
+                <a:solidFill>
+                  <a:schemeClr val="tx1"/>
+                </a:solidFill>
+                <a:latin typeface="Calibri" panose="020F0502020204030204" pitchFamily="34" charset="0"/>
+                <a:ea typeface="微软雅黑 Light" panose="020B0502040204020203" pitchFamily="34" charset="-122"/>
+              </a:defRPr>
+            </a:lvl9pPr>
+          </a:lstStyle>
+          <a:p>
+            <a:pPr eaLnBrk="1" hangingPunct="1">
+              <a:buFont typeface="Arial" panose="020B0604020202020204" pitchFamily="34" charset="0"/>
+              <a:buNone/>
+            </a:pPr>
+            <a:r>
+              <a:rPr lang="zh-TW" altLang="en-US" sz="4000" b="1" dirty="0">
+                <a:solidFill>
+                  <a:schemeClr val="accent1"/>
+                </a:solidFill>
+                <a:latin typeface="華康中黑體" panose="020B0509000000000000" pitchFamily="49" charset="-120"/>
+                <a:ea typeface="華康中黑體" panose="020B0509000000000000" pitchFamily="49" charset="-120"/>
+                <a:cs typeface="華康中黑體" panose="020B0509000000000000" pitchFamily="49" charset="-120"/>
+              </a:rPr>
+              <a:t>操作流程</a:t>
+            </a:r>
+            <a:r>
+              <a:rPr lang="en-US" altLang="zh-TW" sz="4000" b="1" dirty="0">
+                <a:solidFill>
+                  <a:schemeClr val="accent1"/>
+                </a:solidFill>
+                <a:latin typeface="華康中黑體" panose="020B0509000000000000" pitchFamily="49" charset="-120"/>
+                <a:ea typeface="華康中黑體" panose="020B0509000000000000" pitchFamily="49" charset="-120"/>
+                <a:cs typeface="華康中黑體" panose="020B0509000000000000" pitchFamily="49" charset="-120"/>
+              </a:rPr>
+              <a:t>-</a:t>
+            </a:r>
+            <a:r>
+              <a:rPr lang="zh-TW" altLang="en-US" sz="4000" b="1" dirty="0">
+                <a:solidFill>
+                  <a:schemeClr val="accent1"/>
+                </a:solidFill>
+                <a:latin typeface="華康中黑體" panose="020B0509000000000000" pitchFamily="49" charset="-120"/>
+                <a:ea typeface="華康中黑體" panose="020B0509000000000000" pitchFamily="49" charset="-120"/>
+                <a:cs typeface="華康中黑體" panose="020B0509000000000000" pitchFamily="49" charset="-120"/>
+              </a:rPr>
+              <a:t>登入</a:t>
+            </a:r>
+            <a:endParaRPr lang="zh-CN" altLang="en-US" sz="4000" b="1" dirty="0">
+              <a:solidFill>
+                <a:schemeClr val="accent1"/>
+              </a:solidFill>
+              <a:latin typeface="華康中黑體" panose="020B0509000000000000" pitchFamily="49" charset="-120"/>
+              <a:ea typeface="華康中黑體" panose="020B0509000000000000" pitchFamily="49" charset="-120"/>
+              <a:cs typeface="華康中黑體" panose="020B0509000000000000" pitchFamily="49" charset="-120"/>
+            </a:endParaRPr>
+          </a:p>
+        </p:txBody>
+      </p:sp>
+      <p:pic>
+        <p:nvPicPr>
+          <p:cNvPr id="2" name="圖片 1">
+            <a:extLst>
+              <a:ext uri="{FF2B5EF4-FFF2-40B4-BE49-F238E27FC236}">
+                <a16:creationId xmlns:a16="http://schemas.microsoft.com/office/drawing/2014/main" id="{ECD8BD6B-7940-4655-B4A7-39BCF923F125}"/>
+              </a:ext>
+            </a:extLst>
+          </p:cNvPr>
+          <p:cNvPicPr>
+            <a:picLocks noChangeAspect="1"/>
+          </p:cNvPicPr>
+          <p:nvPr/>
+        </p:nvPicPr>
+        <p:blipFill>
+          <a:blip r:embed="rId2"/>
+          <a:stretch>
+            <a:fillRect/>
+          </a:stretch>
+        </p:blipFill>
+        <p:spPr>
+          <a:xfrm>
+            <a:off x="6096000" y="1408978"/>
+            <a:ext cx="5145399" cy="4040043"/>
+          </a:xfrm>
+          <a:prstGeom prst="rect">
+            <a:avLst/>
+          </a:prstGeom>
+          <a:solidFill>
+            <a:srgbClr val="FFFFFF">
+              <a:shade val="85000"/>
+            </a:srgbClr>
+          </a:solidFill>
+          <a:ln w="88900" cap="sq">
+            <a:solidFill>
+              <a:srgbClr val="FFFFFF"/>
+            </a:solidFill>
+            <a:miter lim="800000"/>
+          </a:ln>
+          <a:effectLst>
+            <a:outerShdw blurRad="55000" dist="18000" dir="5400000" algn="tl" rotWithShape="0">
+              <a:srgbClr val="000000">
+                <a:alpha val="40000"/>
+              </a:srgbClr>
+            </a:outerShdw>
+          </a:effectLst>
+          <a:scene3d>
+            <a:camera prst="orthographicFront"/>
+            <a:lightRig rig="twoPt" dir="t">
+              <a:rot lat="0" lon="0" rev="7200000"/>
+            </a:lightRig>
+          </a:scene3d>
+          <a:sp3d>
+            <a:bevelT w="25400" h="19050"/>
+            <a:contourClr>
+              <a:srgbClr val="FFFFFF"/>
+            </a:contourClr>
+          </a:sp3d>
+        </p:spPr>
+      </p:pic>
+      <p:sp>
+        <p:nvSpPr>
+          <p:cNvPr id="5" name="內容版面配置區 4">
+            <a:extLst>
+              <a:ext uri="{FF2B5EF4-FFF2-40B4-BE49-F238E27FC236}">
+                <a16:creationId xmlns:a16="http://schemas.microsoft.com/office/drawing/2014/main" id="{25A9D972-83FC-4C7F-B4A4-B18AD8AA58BE}"/>
+              </a:ext>
+            </a:extLst>
+          </p:cNvPr>
+          <p:cNvSpPr>
+            <a:spLocks noGrp="1"/>
+          </p:cNvSpPr>
+          <p:nvPr>
+            <p:ph idx="1"/>
+          </p:nvPr>
+        </p:nvSpPr>
+        <p:spPr>
+          <a:xfrm>
+            <a:off x="950601" y="1557771"/>
+            <a:ext cx="4851400" cy="4351338"/>
+          </a:xfrm>
+        </p:spPr>
+        <p:txBody>
+          <a:bodyPr/>
+          <a:lstStyle/>
+          <a:p>
+            <a:pPr marL="514350" indent="-514350">
+              <a:buAutoNum type="arabicPeriod"/>
+            </a:pPr>
+            <a:r>
+              <a:rPr lang="zh-TW" altLang="en-US" dirty="0"/>
+              <a:t>填入帳號資訊</a:t>
+            </a:r>
+            <a:endParaRPr lang="en-US" altLang="zh-TW" dirty="0"/>
+          </a:p>
+          <a:p>
+            <a:pPr marL="514350" indent="-514350">
+              <a:buAutoNum type="arabicPeriod"/>
+            </a:pPr>
+            <a:r>
+              <a:rPr lang="zh-TW" altLang="en-US" dirty="0"/>
+              <a:t>點擊註冊帳號</a:t>
+            </a:r>
+            <a:endParaRPr lang="en-US" altLang="zh-TW" dirty="0"/>
+          </a:p>
+          <a:p>
+            <a:pPr marL="514350" indent="-514350">
+              <a:buAutoNum type="arabicPeriod"/>
+            </a:pPr>
+            <a:r>
+              <a:rPr lang="zh-TW" altLang="en-US" dirty="0"/>
+              <a:t>點擊登入</a:t>
+            </a:r>
+          </a:p>
+        </p:txBody>
+      </p:sp>
+    </p:spTree>
+    <p:extLst>
+      <p:ext uri="{BB962C8B-B14F-4D97-AF65-F5344CB8AC3E}">
+        <p14:creationId xmlns:p14="http://schemas.microsoft.com/office/powerpoint/2010/main" val="4142123489"/>
+      </p:ext>
+    </p:extLst>
+  </p:cSld>
+  <p:clrMapOvr>
+    <a:masterClrMapping/>
+  </p:clrMapOvr>
+</p:sld>
+</file>
+
+<file path=ppt/slides/slide11.xml><?xml version="1.0" encoding="utf-8"?>
+<p:sld xmlns:a="http://schemas.openxmlformats.org/drawingml/2006/main" xmlns:r="http://schemas.openxmlformats.org/officeDocument/2006/relationships" xmlns:p="http://schemas.openxmlformats.org/presentationml/2006/main">
+  <p:cSld>
+    <p:spTree>
+      <p:nvGrpSpPr>
+        <p:cNvPr id="1" name=""/>
+        <p:cNvGrpSpPr/>
+        <p:nvPr/>
+      </p:nvGrpSpPr>
+      <p:grpSpPr>
+        <a:xfrm>
+          <a:off x="0" y="0"/>
+          <a:ext cx="0" cy="0"/>
+          <a:chOff x="0" y="0"/>
+          <a:chExt cx="0" cy="0"/>
+        </a:xfrm>
+      </p:grpSpPr>
+      <p:pic>
+        <p:nvPicPr>
+          <p:cNvPr id="6" name="圖片 5">
+            <a:extLst>
+              <a:ext uri="{FF2B5EF4-FFF2-40B4-BE49-F238E27FC236}">
+                <a16:creationId xmlns:a16="http://schemas.microsoft.com/office/drawing/2014/main" id="{5E3D7136-14A3-40EE-AD5B-038DB395A8A2}"/>
+              </a:ext>
+            </a:extLst>
+          </p:cNvPr>
+          <p:cNvPicPr>
+            <a:picLocks noChangeAspect="1"/>
+          </p:cNvPicPr>
+          <p:nvPr/>
+        </p:nvPicPr>
+        <p:blipFill>
+          <a:blip r:embed="rId2"/>
+          <a:stretch>
+            <a:fillRect/>
+          </a:stretch>
+        </p:blipFill>
+        <p:spPr>
+          <a:xfrm>
+            <a:off x="7249841" y="1161185"/>
+            <a:ext cx="2123950" cy="1662567"/>
+          </a:xfrm>
+          <a:prstGeom prst="rect">
+            <a:avLst/>
+          </a:prstGeom>
+          <a:solidFill>
+            <a:srgbClr val="FFFFFF">
+              <a:shade val="85000"/>
+            </a:srgbClr>
+          </a:solidFill>
+          <a:ln w="88900" cap="sq">
+            <a:solidFill>
+              <a:srgbClr val="FFFFFF"/>
+            </a:solidFill>
+            <a:miter lim="800000"/>
+          </a:ln>
+          <a:effectLst>
+            <a:outerShdw blurRad="55000" dist="18000" dir="5400000" algn="tl" rotWithShape="0">
+              <a:srgbClr val="000000">
+                <a:alpha val="40000"/>
+              </a:srgbClr>
+            </a:outerShdw>
+          </a:effectLst>
+          <a:scene3d>
+            <a:camera prst="orthographicFront"/>
+            <a:lightRig rig="twoPt" dir="t">
+              <a:rot lat="0" lon="0" rev="7200000"/>
+            </a:lightRig>
+          </a:scene3d>
+          <a:sp3d>
+            <a:bevelT w="25400" h="19050"/>
+            <a:contourClr>
+              <a:srgbClr val="FFFFFF"/>
+            </a:contourClr>
+          </a:sp3d>
+        </p:spPr>
+      </p:pic>
+      <p:sp>
+        <p:nvSpPr>
+          <p:cNvPr id="88" name="文本框 91">
+            <a:extLst>
+              <a:ext uri="{FF2B5EF4-FFF2-40B4-BE49-F238E27FC236}">
+                <a16:creationId xmlns:a16="http://schemas.microsoft.com/office/drawing/2014/main" id="{1733BB9A-E989-4603-BA2A-4288FD8ECCF5}"/>
+              </a:ext>
+            </a:extLst>
+          </p:cNvPr>
+          <p:cNvSpPr txBox="1">
+            <a:spLocks noChangeArrowheads="1"/>
+          </p:cNvSpPr>
+          <p:nvPr/>
+        </p:nvSpPr>
+        <p:spPr bwMode="auto">
+          <a:xfrm>
+            <a:off x="233476" y="282575"/>
+            <a:ext cx="3518912" cy="707886"/>
+          </a:xfrm>
+          <a:prstGeom prst="rect">
+            <a:avLst/>
+          </a:prstGeom>
+          <a:noFill/>
+          <a:ln>
+            <a:noFill/>
+          </a:ln>
+          <a:extLst>
+            <a:ext uri="{909E8E84-426E-40DD-AFC4-6F175D3DCCD1}">
+              <a14:hiddenFill xmlns:a14="http://schemas.microsoft.com/office/drawing/2010/main">
+                <a:solidFill>
+                  <a:srgbClr val="FFFFFF"/>
+                </a:solidFill>
+              </a14:hiddenFill>
+            </a:ext>
+            <a:ext uri="{91240B29-F687-4F45-9708-019B960494DF}">
+              <a14:hiddenLine xmlns:a14="http://schemas.microsoft.com/office/drawing/2010/main" w="9525">
+                <a:solidFill>
+                  <a:srgbClr val="000000"/>
+                </a:solidFill>
+                <a:miter lim="800000"/>
+                <a:headEnd/>
+                <a:tailEnd/>
+              </a14:hiddenLine>
+            </a:ext>
+          </a:extLst>
+        </p:spPr>
+        <p:txBody>
+          <a:bodyPr wrap="none">
+            <a:spAutoFit/>
+          </a:bodyPr>
+          <a:lstStyle>
+            <a:lvl1pPr>
+              <a:defRPr>
+                <a:solidFill>
+                  <a:schemeClr val="tx1"/>
+                </a:solidFill>
+                <a:latin typeface="Calibri" panose="020F0502020204030204" pitchFamily="34" charset="0"/>
+                <a:ea typeface="微软雅黑 Light" panose="020B0502040204020203" pitchFamily="34" charset="-122"/>
+              </a:defRPr>
+            </a:lvl1pPr>
+            <a:lvl2pPr marL="742950" indent="-285750">
+              <a:defRPr>
+                <a:solidFill>
+                  <a:schemeClr val="tx1"/>
+                </a:solidFill>
+                <a:latin typeface="Calibri" panose="020F0502020204030204" pitchFamily="34" charset="0"/>
+                <a:ea typeface="微软雅黑 Light" panose="020B0502040204020203" pitchFamily="34" charset="-122"/>
+              </a:defRPr>
+            </a:lvl2pPr>
+            <a:lvl3pPr marL="1143000" indent="-228600">
+              <a:defRPr>
+                <a:solidFill>
+                  <a:schemeClr val="tx1"/>
+                </a:solidFill>
+                <a:latin typeface="Calibri" panose="020F0502020204030204" pitchFamily="34" charset="0"/>
+                <a:ea typeface="微软雅黑 Light" panose="020B0502040204020203" pitchFamily="34" charset="-122"/>
+              </a:defRPr>
+            </a:lvl3pPr>
+            <a:lvl4pPr marL="1600200" indent="-228600">
+              <a:defRPr>
+                <a:solidFill>
+                  <a:schemeClr val="tx1"/>
+                </a:solidFill>
+                <a:latin typeface="Calibri" panose="020F0502020204030204" pitchFamily="34" charset="0"/>
+                <a:ea typeface="微软雅黑 Light" panose="020B0502040204020203" pitchFamily="34" charset="-122"/>
+              </a:defRPr>
+            </a:lvl4pPr>
+            <a:lvl5pPr marL="2057400" indent="-228600">
+              <a:defRPr>
+                <a:solidFill>
+                  <a:schemeClr val="tx1"/>
+                </a:solidFill>
+                <a:latin typeface="Calibri" panose="020F0502020204030204" pitchFamily="34" charset="0"/>
+                <a:ea typeface="微软雅黑 Light" panose="020B0502040204020203" pitchFamily="34" charset="-122"/>
+              </a:defRPr>
+            </a:lvl5pPr>
+            <a:lvl6pPr marL="2514600" indent="-228600" eaLnBrk="0" fontAlgn="base" hangingPunct="0">
+              <a:spcBef>
+                <a:spcPct val="0"/>
+              </a:spcBef>
+              <a:spcAft>
+                <a:spcPct val="0"/>
+              </a:spcAft>
+              <a:defRPr>
+                <a:solidFill>
+                  <a:schemeClr val="tx1"/>
+                </a:solidFill>
+                <a:latin typeface="Calibri" panose="020F0502020204030204" pitchFamily="34" charset="0"/>
+                <a:ea typeface="微软雅黑 Light" panose="020B0502040204020203" pitchFamily="34" charset="-122"/>
+              </a:defRPr>
+            </a:lvl6pPr>
+            <a:lvl7pPr marL="2971800" indent="-228600" eaLnBrk="0" fontAlgn="base" hangingPunct="0">
+              <a:spcBef>
+                <a:spcPct val="0"/>
+              </a:spcBef>
+              <a:spcAft>
+                <a:spcPct val="0"/>
+              </a:spcAft>
+              <a:defRPr>
+                <a:solidFill>
+                  <a:schemeClr val="tx1"/>
+                </a:solidFill>
+                <a:latin typeface="Calibri" panose="020F0502020204030204" pitchFamily="34" charset="0"/>
+                <a:ea typeface="微软雅黑 Light" panose="020B0502040204020203" pitchFamily="34" charset="-122"/>
+              </a:defRPr>
+            </a:lvl7pPr>
+            <a:lvl8pPr marL="3429000" indent="-228600" eaLnBrk="0" fontAlgn="base" hangingPunct="0">
+              <a:spcBef>
+                <a:spcPct val="0"/>
+              </a:spcBef>
+              <a:spcAft>
+                <a:spcPct val="0"/>
+              </a:spcAft>
+              <a:defRPr>
+                <a:solidFill>
+                  <a:schemeClr val="tx1"/>
+                </a:solidFill>
+                <a:latin typeface="Calibri" panose="020F0502020204030204" pitchFamily="34" charset="0"/>
+                <a:ea typeface="微软雅黑 Light" panose="020B0502040204020203" pitchFamily="34" charset="-122"/>
+              </a:defRPr>
+            </a:lvl8pPr>
+            <a:lvl9pPr marL="3886200" indent="-228600" eaLnBrk="0" fontAlgn="base" hangingPunct="0">
+              <a:spcBef>
+                <a:spcPct val="0"/>
+              </a:spcBef>
+              <a:spcAft>
+                <a:spcPct val="0"/>
+              </a:spcAft>
+              <a:defRPr>
+                <a:solidFill>
+                  <a:schemeClr val="tx1"/>
+                </a:solidFill>
+                <a:latin typeface="Calibri" panose="020F0502020204030204" pitchFamily="34" charset="0"/>
+                <a:ea typeface="微软雅黑 Light" panose="020B0502040204020203" pitchFamily="34" charset="-122"/>
+              </a:defRPr>
+            </a:lvl9pPr>
+          </a:lstStyle>
+          <a:p>
+            <a:pPr eaLnBrk="1" hangingPunct="1">
+              <a:buFont typeface="Arial" panose="020B0604020202020204" pitchFamily="34" charset="0"/>
+              <a:buNone/>
+            </a:pPr>
+            <a:r>
+              <a:rPr lang="zh-TW" altLang="en-US" sz="4000" b="1" dirty="0">
+                <a:solidFill>
+                  <a:schemeClr val="accent1"/>
+                </a:solidFill>
+                <a:latin typeface="華康中黑體" panose="020B0509000000000000" pitchFamily="49" charset="-120"/>
+                <a:ea typeface="華康中黑體" panose="020B0509000000000000" pitchFamily="49" charset="-120"/>
+                <a:cs typeface="華康中黑體" panose="020B0509000000000000" pitchFamily="49" charset="-120"/>
+              </a:rPr>
+              <a:t>操作流程</a:t>
+            </a:r>
+            <a:r>
+              <a:rPr lang="en-US" altLang="zh-TW" sz="4000" b="1" dirty="0">
+                <a:solidFill>
+                  <a:schemeClr val="accent1"/>
+                </a:solidFill>
+                <a:latin typeface="華康中黑體" panose="020B0509000000000000" pitchFamily="49" charset="-120"/>
+                <a:ea typeface="華康中黑體" panose="020B0509000000000000" pitchFamily="49" charset="-120"/>
+                <a:cs typeface="華康中黑體" panose="020B0509000000000000" pitchFamily="49" charset="-120"/>
+              </a:rPr>
+              <a:t>-</a:t>
+            </a:r>
+            <a:r>
+              <a:rPr lang="zh-TW" altLang="en-US" sz="4000" b="1" dirty="0">
+                <a:solidFill>
+                  <a:schemeClr val="accent1"/>
+                </a:solidFill>
+                <a:latin typeface="華康中黑體" panose="020B0509000000000000" pitchFamily="49" charset="-120"/>
+                <a:ea typeface="華康中黑體" panose="020B0509000000000000" pitchFamily="49" charset="-120"/>
+                <a:cs typeface="華康中黑體" panose="020B0509000000000000" pitchFamily="49" charset="-120"/>
+              </a:rPr>
+              <a:t>預約</a:t>
+            </a:r>
+            <a:endParaRPr lang="zh-CN" altLang="en-US" sz="4000" b="1" dirty="0">
+              <a:solidFill>
+                <a:schemeClr val="accent1"/>
+              </a:solidFill>
+              <a:latin typeface="華康中黑體" panose="020B0509000000000000" pitchFamily="49" charset="-120"/>
+              <a:ea typeface="華康中黑體" panose="020B0509000000000000" pitchFamily="49" charset="-120"/>
+              <a:cs typeface="華康中黑體" panose="020B0509000000000000" pitchFamily="49" charset="-120"/>
+            </a:endParaRPr>
+          </a:p>
+        </p:txBody>
+      </p:sp>
+      <p:sp>
+        <p:nvSpPr>
+          <p:cNvPr id="5" name="內容版面配置區 4">
+            <a:extLst>
+              <a:ext uri="{FF2B5EF4-FFF2-40B4-BE49-F238E27FC236}">
+                <a16:creationId xmlns:a16="http://schemas.microsoft.com/office/drawing/2014/main" id="{25A9D972-83FC-4C7F-B4A4-B18AD8AA58BE}"/>
+              </a:ext>
+            </a:extLst>
+          </p:cNvPr>
+          <p:cNvSpPr>
+            <a:spLocks noGrp="1"/>
+          </p:cNvSpPr>
+          <p:nvPr>
+            <p:ph idx="1"/>
+          </p:nvPr>
+        </p:nvSpPr>
+        <p:spPr>
+          <a:xfrm>
+            <a:off x="950601" y="1557771"/>
+            <a:ext cx="4851400" cy="4351338"/>
+          </a:xfrm>
+        </p:spPr>
+        <p:txBody>
+          <a:bodyPr/>
+          <a:lstStyle/>
+          <a:p>
+            <a:pPr marL="514350" indent="-514350">
+              <a:buAutoNum type="arabicPeriod"/>
+            </a:pPr>
+            <a:r>
+              <a:rPr lang="zh-TW" altLang="en-US" dirty="0"/>
+              <a:t>選擇房間</a:t>
+            </a:r>
+            <a:endParaRPr lang="en-US" altLang="zh-TW" dirty="0"/>
+          </a:p>
+          <a:p>
+            <a:pPr marL="514350" indent="-514350">
+              <a:buAutoNum type="arabicPeriod"/>
+            </a:pPr>
+            <a:r>
+              <a:rPr lang="zh-TW" altLang="en-US" dirty="0"/>
+              <a:t>選擇年份與月份</a:t>
+            </a:r>
+            <a:endParaRPr lang="en-US" altLang="zh-TW" dirty="0"/>
+          </a:p>
+          <a:p>
+            <a:pPr marL="514350" indent="-514350">
+              <a:buAutoNum type="arabicPeriod"/>
+            </a:pPr>
+            <a:r>
+              <a:rPr lang="zh-TW" altLang="en-US" dirty="0"/>
+              <a:t>選擇日期</a:t>
+            </a:r>
+            <a:endParaRPr lang="en-US" altLang="zh-TW" dirty="0"/>
+          </a:p>
+          <a:p>
+            <a:pPr marL="514350" indent="-514350">
+              <a:buAutoNum type="arabicPeriod"/>
+            </a:pPr>
+            <a:r>
+              <a:rPr lang="zh-TW" altLang="en-US" dirty="0"/>
+              <a:t>選擇開始時間</a:t>
+            </a:r>
+            <a:endParaRPr lang="en-US" altLang="zh-TW" dirty="0"/>
+          </a:p>
+          <a:p>
+            <a:pPr marL="514350" indent="-514350">
+              <a:buAutoNum type="arabicPeriod"/>
+            </a:pPr>
+            <a:r>
+              <a:rPr lang="zh-TW" altLang="en-US" dirty="0"/>
+              <a:t>填入其他資訊</a:t>
+            </a:r>
+            <a:endParaRPr lang="en-US" altLang="zh-TW" dirty="0"/>
+          </a:p>
+          <a:p>
+            <a:pPr marL="514350" indent="-514350">
+              <a:buAutoNum type="arabicPeriod"/>
+            </a:pPr>
+            <a:r>
+              <a:rPr lang="zh-TW" altLang="en-US" dirty="0"/>
+              <a:t>點選確認按鈕</a:t>
+            </a:r>
+            <a:endParaRPr lang="en-US" altLang="zh-TW" dirty="0"/>
+          </a:p>
+          <a:p>
+            <a:pPr marL="514350" indent="-514350">
+              <a:buAutoNum type="arabicPeriod"/>
+            </a:pPr>
+            <a:r>
+              <a:rPr lang="zh-TW" altLang="en-US" dirty="0"/>
+              <a:t>成功建立事件</a:t>
+            </a:r>
+          </a:p>
+        </p:txBody>
+      </p:sp>
+      <p:pic>
+        <p:nvPicPr>
+          <p:cNvPr id="3" name="圖片 2">
+            <a:extLst>
+              <a:ext uri="{FF2B5EF4-FFF2-40B4-BE49-F238E27FC236}">
+                <a16:creationId xmlns:a16="http://schemas.microsoft.com/office/drawing/2014/main" id="{4FFF5C59-EA5E-4FF5-ABC8-72CE64F5DE5A}"/>
+              </a:ext>
+            </a:extLst>
+          </p:cNvPr>
+          <p:cNvPicPr>
+            <a:picLocks noChangeAspect="1"/>
+          </p:cNvPicPr>
+          <p:nvPr/>
+        </p:nvPicPr>
+        <p:blipFill>
+          <a:blip r:embed="rId3"/>
+          <a:stretch>
+            <a:fillRect/>
+          </a:stretch>
+        </p:blipFill>
+        <p:spPr>
+          <a:xfrm>
+            <a:off x="4884287" y="282575"/>
+            <a:ext cx="2555275" cy="1998807"/>
+          </a:xfrm>
+          <a:prstGeom prst="rect">
+            <a:avLst/>
+          </a:prstGeom>
+          <a:solidFill>
+            <a:srgbClr val="FFFFFF">
+              <a:shade val="85000"/>
+            </a:srgbClr>
+          </a:solidFill>
+          <a:ln w="88900" cap="sq">
+            <a:solidFill>
+              <a:srgbClr val="FFFFFF"/>
+            </a:solidFill>
+            <a:miter lim="800000"/>
+          </a:ln>
+          <a:effectLst>
+            <a:outerShdw blurRad="55000" dist="18000" dir="5400000" algn="tl" rotWithShape="0">
+              <a:srgbClr val="000000">
+                <a:alpha val="40000"/>
+              </a:srgbClr>
+            </a:outerShdw>
+          </a:effectLst>
+          <a:scene3d>
+            <a:camera prst="orthographicFront"/>
+            <a:lightRig rig="twoPt" dir="t">
+              <a:rot lat="0" lon="0" rev="7200000"/>
+            </a:lightRig>
+          </a:scene3d>
+          <a:sp3d>
+            <a:bevelT w="25400" h="19050"/>
+            <a:contourClr>
+              <a:srgbClr val="FFFFFF"/>
+            </a:contourClr>
+          </a:sp3d>
+        </p:spPr>
+      </p:pic>
+      <p:pic>
+        <p:nvPicPr>
+          <p:cNvPr id="9" name="圖片 8">
+            <a:extLst>
+              <a:ext uri="{FF2B5EF4-FFF2-40B4-BE49-F238E27FC236}">
+                <a16:creationId xmlns:a16="http://schemas.microsoft.com/office/drawing/2014/main" id="{8513EC5C-0DA0-4E29-BD70-4D9FC83ED940}"/>
+              </a:ext>
+            </a:extLst>
+          </p:cNvPr>
+          <p:cNvPicPr>
+            <a:picLocks noChangeAspect="1"/>
+          </p:cNvPicPr>
+          <p:nvPr/>
+        </p:nvPicPr>
+        <p:blipFill>
+          <a:blip r:embed="rId4"/>
+          <a:stretch>
+            <a:fillRect/>
+          </a:stretch>
+        </p:blipFill>
+        <p:spPr>
+          <a:xfrm>
+            <a:off x="8024923" y="3413403"/>
+            <a:ext cx="3875755" cy="3048347"/>
+          </a:xfrm>
+          <a:prstGeom prst="rect">
+            <a:avLst/>
+          </a:prstGeom>
+          <a:solidFill>
+            <a:srgbClr val="FFFFFF">
+              <a:shade val="85000"/>
+            </a:srgbClr>
+          </a:solidFill>
+          <a:ln w="88900" cap="sq">
+            <a:solidFill>
+              <a:srgbClr val="FFFFFF"/>
+            </a:solidFill>
+            <a:miter lim="800000"/>
+          </a:ln>
+          <a:effectLst>
+            <a:outerShdw blurRad="55000" dist="18000" dir="5400000" algn="tl" rotWithShape="0">
+              <a:srgbClr val="000000">
+                <a:alpha val="40000"/>
+              </a:srgbClr>
+            </a:outerShdw>
+          </a:effectLst>
+          <a:scene3d>
+            <a:camera prst="orthographicFront"/>
+            <a:lightRig rig="twoPt" dir="t">
+              <a:rot lat="0" lon="0" rev="7200000"/>
+            </a:lightRig>
+          </a:scene3d>
+          <a:sp3d>
+            <a:bevelT w="25400" h="19050"/>
+            <a:contourClr>
+              <a:srgbClr val="FFFFFF"/>
+            </a:contourClr>
+          </a:sp3d>
+        </p:spPr>
+      </p:pic>
+      <p:pic>
+        <p:nvPicPr>
+          <p:cNvPr id="8" name="圖片 7">
+            <a:extLst>
+              <a:ext uri="{FF2B5EF4-FFF2-40B4-BE49-F238E27FC236}">
+                <a16:creationId xmlns:a16="http://schemas.microsoft.com/office/drawing/2014/main" id="{71B3F440-76E9-49DB-B617-ABBE4C02EB2F}"/>
+              </a:ext>
+            </a:extLst>
+          </p:cNvPr>
+          <p:cNvPicPr>
+            <a:picLocks noChangeAspect="1"/>
+          </p:cNvPicPr>
+          <p:nvPr/>
+        </p:nvPicPr>
+        <p:blipFill>
+          <a:blip r:embed="rId5"/>
+          <a:stretch>
+            <a:fillRect/>
+          </a:stretch>
+        </p:blipFill>
+        <p:spPr>
+          <a:xfrm>
+            <a:off x="6573510" y="3813199"/>
+            <a:ext cx="2244790" cy="1765565"/>
+          </a:xfrm>
+          <a:prstGeom prst="rect">
+            <a:avLst/>
+          </a:prstGeom>
+          <a:solidFill>
+            <a:srgbClr val="FFFFFF">
+              <a:shade val="85000"/>
+            </a:srgbClr>
+          </a:solidFill>
+          <a:ln w="88900" cap="sq">
+            <a:solidFill>
+              <a:srgbClr val="FFFFFF"/>
+            </a:solidFill>
+            <a:miter lim="800000"/>
+          </a:ln>
+          <a:effectLst>
+            <a:outerShdw blurRad="55000" dist="18000" dir="5400000" algn="tl" rotWithShape="0">
+              <a:srgbClr val="000000">
+                <a:alpha val="40000"/>
+              </a:srgbClr>
+            </a:outerShdw>
+          </a:effectLst>
+          <a:scene3d>
+            <a:camera prst="orthographicFront"/>
+            <a:lightRig rig="twoPt" dir="t">
+              <a:rot lat="0" lon="0" rev="7200000"/>
+            </a:lightRig>
+          </a:scene3d>
+          <a:sp3d>
+            <a:bevelT w="25400" h="19050"/>
+            <a:contourClr>
+              <a:srgbClr val="FFFFFF"/>
+            </a:contourClr>
+          </a:sp3d>
+        </p:spPr>
+      </p:pic>
+      <p:pic>
+        <p:nvPicPr>
+          <p:cNvPr id="7" name="圖片 6">
+            <a:extLst>
+              <a:ext uri="{FF2B5EF4-FFF2-40B4-BE49-F238E27FC236}">
+                <a16:creationId xmlns:a16="http://schemas.microsoft.com/office/drawing/2014/main" id="{5A3A5513-7A5D-4CAE-8B9F-45563313EEAE}"/>
+              </a:ext>
+            </a:extLst>
+          </p:cNvPr>
+          <p:cNvPicPr>
+            <a:picLocks noChangeAspect="1"/>
+          </p:cNvPicPr>
+          <p:nvPr/>
+        </p:nvPicPr>
+        <p:blipFill>
+          <a:blip r:embed="rId6"/>
+          <a:stretch>
+            <a:fillRect/>
+          </a:stretch>
+        </p:blipFill>
+        <p:spPr>
+          <a:xfrm>
+            <a:off x="5890448" y="2411465"/>
+            <a:ext cx="1903396" cy="1497053"/>
+          </a:xfrm>
+          <a:prstGeom prst="rect">
+            <a:avLst/>
+          </a:prstGeom>
+          <a:solidFill>
+            <a:srgbClr val="FFFFFF">
+              <a:shade val="85000"/>
+            </a:srgbClr>
+          </a:solidFill>
+          <a:ln w="88900" cap="sq">
+            <a:solidFill>
+              <a:srgbClr val="FFFFFF"/>
+            </a:solidFill>
+            <a:miter lim="800000"/>
+          </a:ln>
+          <a:effectLst>
+            <a:outerShdw blurRad="55000" dist="18000" dir="5400000" algn="tl" rotWithShape="0">
+              <a:srgbClr val="000000">
+                <a:alpha val="40000"/>
+              </a:srgbClr>
+            </a:outerShdw>
+          </a:effectLst>
+          <a:scene3d>
+            <a:camera prst="orthographicFront"/>
+            <a:lightRig rig="twoPt" dir="t">
+              <a:rot lat="0" lon="0" rev="7200000"/>
+            </a:lightRig>
+          </a:scene3d>
+          <a:sp3d>
+            <a:bevelT w="25400" h="19050"/>
+            <a:contourClr>
+              <a:srgbClr val="FFFFFF"/>
+            </a:contourClr>
+          </a:sp3d>
+        </p:spPr>
+      </p:pic>
+    </p:spTree>
+    <p:extLst>
+      <p:ext uri="{BB962C8B-B14F-4D97-AF65-F5344CB8AC3E}">
+        <p14:creationId xmlns:p14="http://schemas.microsoft.com/office/powerpoint/2010/main" val="1419544066"/>
+      </p:ext>
+    </p:extLst>
+  </p:cSld>
+  <p:clrMapOvr>
+    <a:masterClrMapping/>
+  </p:clrMapOvr>
+</p:sld>
+</file>
+
+<file path=ppt/slides/slide12.xml><?xml version="1.0" encoding="utf-8"?>
+<p:sld xmlns:a="http://schemas.openxmlformats.org/drawingml/2006/main" xmlns:r="http://schemas.openxmlformats.org/officeDocument/2006/relationships" xmlns:p="http://schemas.openxmlformats.org/presentationml/2006/main">
+  <p:cSld>
+    <p:spTree>
+      <p:nvGrpSpPr>
+        <p:cNvPr id="1" name=""/>
+        <p:cNvGrpSpPr/>
+        <p:nvPr/>
+      </p:nvGrpSpPr>
+      <p:grpSpPr>
+        <a:xfrm>
+          <a:off x="0" y="0"/>
+          <a:ext cx="0" cy="0"/>
+          <a:chOff x="0" y="0"/>
+          <a:chExt cx="0" cy="0"/>
+        </a:xfrm>
+      </p:grpSpPr>
+      <p:pic>
+        <p:nvPicPr>
+          <p:cNvPr id="10" name="圖片 9">
+            <a:extLst>
+              <a:ext uri="{FF2B5EF4-FFF2-40B4-BE49-F238E27FC236}">
+                <a16:creationId xmlns:a16="http://schemas.microsoft.com/office/drawing/2014/main" id="{C454F236-1E10-4763-A4DB-1225789755BD}"/>
+              </a:ext>
+            </a:extLst>
+          </p:cNvPr>
+          <p:cNvPicPr>
+            <a:picLocks noChangeAspect="1"/>
+          </p:cNvPicPr>
+          <p:nvPr/>
+        </p:nvPicPr>
+        <p:blipFill>
+          <a:blip r:embed="rId2"/>
+          <a:stretch>
+            <a:fillRect/>
+          </a:stretch>
+        </p:blipFill>
+        <p:spPr>
+          <a:xfrm>
+            <a:off x="8044753" y="3429000"/>
+            <a:ext cx="3855925" cy="3032750"/>
+          </a:xfrm>
+          <a:prstGeom prst="rect">
+            <a:avLst/>
+          </a:prstGeom>
+          <a:solidFill>
+            <a:srgbClr val="FFFFFF">
+              <a:shade val="85000"/>
+            </a:srgbClr>
+          </a:solidFill>
+          <a:ln w="88900" cap="sq">
+            <a:solidFill>
+              <a:srgbClr val="FFFFFF"/>
+            </a:solidFill>
+            <a:miter lim="800000"/>
+          </a:ln>
+          <a:effectLst>
+            <a:outerShdw blurRad="55000" dist="18000" dir="5400000" algn="tl" rotWithShape="0">
+              <a:srgbClr val="000000">
+                <a:alpha val="40000"/>
+              </a:srgbClr>
+            </a:outerShdw>
+          </a:effectLst>
+          <a:scene3d>
+            <a:camera prst="orthographicFront"/>
+            <a:lightRig rig="twoPt" dir="t">
+              <a:rot lat="0" lon="0" rev="7200000"/>
+            </a:lightRig>
+          </a:scene3d>
+          <a:sp3d>
+            <a:bevelT w="25400" h="19050"/>
+            <a:contourClr>
+              <a:srgbClr val="FFFFFF"/>
+            </a:contourClr>
+          </a:sp3d>
+        </p:spPr>
+      </p:pic>
+      <p:pic>
+        <p:nvPicPr>
+          <p:cNvPr id="6" name="圖片 5">
+            <a:extLst>
+              <a:ext uri="{FF2B5EF4-FFF2-40B4-BE49-F238E27FC236}">
+                <a16:creationId xmlns:a16="http://schemas.microsoft.com/office/drawing/2014/main" id="{5E3D7136-14A3-40EE-AD5B-038DB395A8A2}"/>
+              </a:ext>
+            </a:extLst>
+          </p:cNvPr>
+          <p:cNvPicPr>
+            <a:picLocks noChangeAspect="1"/>
+          </p:cNvPicPr>
+          <p:nvPr/>
+        </p:nvPicPr>
+        <p:blipFill>
+          <a:blip r:embed="rId3"/>
+          <a:stretch>
+            <a:fillRect/>
+          </a:stretch>
+        </p:blipFill>
+        <p:spPr>
+          <a:xfrm>
+            <a:off x="7249841" y="1161185"/>
+            <a:ext cx="2123950" cy="1662567"/>
+          </a:xfrm>
+          <a:prstGeom prst="rect">
+            <a:avLst/>
+          </a:prstGeom>
+          <a:solidFill>
+            <a:srgbClr val="FFFFFF">
+              <a:shade val="85000"/>
+            </a:srgbClr>
+          </a:solidFill>
+          <a:ln w="88900" cap="sq">
+            <a:solidFill>
+              <a:srgbClr val="FFFFFF"/>
+            </a:solidFill>
+            <a:miter lim="800000"/>
+          </a:ln>
+          <a:effectLst>
+            <a:outerShdw blurRad="55000" dist="18000" dir="5400000" algn="tl" rotWithShape="0">
+              <a:srgbClr val="000000">
+                <a:alpha val="40000"/>
+              </a:srgbClr>
+            </a:outerShdw>
+          </a:effectLst>
+          <a:scene3d>
+            <a:camera prst="orthographicFront"/>
+            <a:lightRig rig="twoPt" dir="t">
+              <a:rot lat="0" lon="0" rev="7200000"/>
+            </a:lightRig>
+          </a:scene3d>
+          <a:sp3d>
+            <a:bevelT w="25400" h="19050"/>
+            <a:contourClr>
+              <a:srgbClr val="FFFFFF"/>
+            </a:contourClr>
+          </a:sp3d>
+        </p:spPr>
+      </p:pic>
+      <p:sp>
+        <p:nvSpPr>
+          <p:cNvPr id="88" name="文本框 91">
+            <a:extLst>
+              <a:ext uri="{FF2B5EF4-FFF2-40B4-BE49-F238E27FC236}">
+                <a16:creationId xmlns:a16="http://schemas.microsoft.com/office/drawing/2014/main" id="{1733BB9A-E989-4603-BA2A-4288FD8ECCF5}"/>
+              </a:ext>
+            </a:extLst>
+          </p:cNvPr>
+          <p:cNvSpPr txBox="1">
+            <a:spLocks noChangeArrowheads="1"/>
+          </p:cNvSpPr>
+          <p:nvPr/>
+        </p:nvSpPr>
+        <p:spPr bwMode="auto">
+          <a:xfrm>
+            <a:off x="233476" y="282575"/>
+            <a:ext cx="4544834" cy="707886"/>
+          </a:xfrm>
+          <a:prstGeom prst="rect">
+            <a:avLst/>
+          </a:prstGeom>
+          <a:noFill/>
+          <a:ln>
+            <a:noFill/>
+          </a:ln>
+          <a:extLst>
+            <a:ext uri="{909E8E84-426E-40DD-AFC4-6F175D3DCCD1}">
+              <a14:hiddenFill xmlns:a14="http://schemas.microsoft.com/office/drawing/2010/main">
+                <a:solidFill>
+                  <a:srgbClr val="FFFFFF"/>
+                </a:solidFill>
+              </a14:hiddenFill>
+            </a:ext>
+            <a:ext uri="{91240B29-F687-4F45-9708-019B960494DF}">
+              <a14:hiddenLine xmlns:a14="http://schemas.microsoft.com/office/drawing/2010/main" w="9525">
+                <a:solidFill>
+                  <a:srgbClr val="000000"/>
+                </a:solidFill>
+                <a:miter lim="800000"/>
+                <a:headEnd/>
+                <a:tailEnd/>
+              </a14:hiddenLine>
+            </a:ext>
+          </a:extLst>
+        </p:spPr>
+        <p:txBody>
+          <a:bodyPr wrap="none">
+            <a:spAutoFit/>
+          </a:bodyPr>
+          <a:lstStyle>
+            <a:lvl1pPr>
+              <a:defRPr>
+                <a:solidFill>
+                  <a:schemeClr val="tx1"/>
+                </a:solidFill>
+                <a:latin typeface="Calibri" panose="020F0502020204030204" pitchFamily="34" charset="0"/>
+                <a:ea typeface="微软雅黑 Light" panose="020B0502040204020203" pitchFamily="34" charset="-122"/>
+              </a:defRPr>
+            </a:lvl1pPr>
+            <a:lvl2pPr marL="742950" indent="-285750">
+              <a:defRPr>
+                <a:solidFill>
+                  <a:schemeClr val="tx1"/>
+                </a:solidFill>
+                <a:latin typeface="Calibri" panose="020F0502020204030204" pitchFamily="34" charset="0"/>
+                <a:ea typeface="微软雅黑 Light" panose="020B0502040204020203" pitchFamily="34" charset="-122"/>
+              </a:defRPr>
+            </a:lvl2pPr>
+            <a:lvl3pPr marL="1143000" indent="-228600">
+              <a:defRPr>
+                <a:solidFill>
+                  <a:schemeClr val="tx1"/>
+                </a:solidFill>
+                <a:latin typeface="Calibri" panose="020F0502020204030204" pitchFamily="34" charset="0"/>
+                <a:ea typeface="微软雅黑 Light" panose="020B0502040204020203" pitchFamily="34" charset="-122"/>
+              </a:defRPr>
+            </a:lvl3pPr>
+            <a:lvl4pPr marL="1600200" indent="-228600">
+              <a:defRPr>
+                <a:solidFill>
+                  <a:schemeClr val="tx1"/>
+                </a:solidFill>
+                <a:latin typeface="Calibri" panose="020F0502020204030204" pitchFamily="34" charset="0"/>
+                <a:ea typeface="微软雅黑 Light" panose="020B0502040204020203" pitchFamily="34" charset="-122"/>
+              </a:defRPr>
+            </a:lvl4pPr>
+            <a:lvl5pPr marL="2057400" indent="-228600">
+              <a:defRPr>
+                <a:solidFill>
+                  <a:schemeClr val="tx1"/>
+                </a:solidFill>
+                <a:latin typeface="Calibri" panose="020F0502020204030204" pitchFamily="34" charset="0"/>
+                <a:ea typeface="微软雅黑 Light" panose="020B0502040204020203" pitchFamily="34" charset="-122"/>
+              </a:defRPr>
+            </a:lvl5pPr>
+            <a:lvl6pPr marL="2514600" indent="-228600" eaLnBrk="0" fontAlgn="base" hangingPunct="0">
+              <a:spcBef>
+                <a:spcPct val="0"/>
+              </a:spcBef>
+              <a:spcAft>
+                <a:spcPct val="0"/>
+              </a:spcAft>
+              <a:defRPr>
+                <a:solidFill>
+                  <a:schemeClr val="tx1"/>
+                </a:solidFill>
+                <a:latin typeface="Calibri" panose="020F0502020204030204" pitchFamily="34" charset="0"/>
+                <a:ea typeface="微软雅黑 Light" panose="020B0502040204020203" pitchFamily="34" charset="-122"/>
+              </a:defRPr>
+            </a:lvl6pPr>
+            <a:lvl7pPr marL="2971800" indent="-228600" eaLnBrk="0" fontAlgn="base" hangingPunct="0">
+              <a:spcBef>
+                <a:spcPct val="0"/>
+              </a:spcBef>
+              <a:spcAft>
+                <a:spcPct val="0"/>
+              </a:spcAft>
+              <a:defRPr>
+                <a:solidFill>
+                  <a:schemeClr val="tx1"/>
+                </a:solidFill>
+                <a:latin typeface="Calibri" panose="020F0502020204030204" pitchFamily="34" charset="0"/>
+                <a:ea typeface="微软雅黑 Light" panose="020B0502040204020203" pitchFamily="34" charset="-122"/>
+              </a:defRPr>
+            </a:lvl7pPr>
+            <a:lvl8pPr marL="3429000" indent="-228600" eaLnBrk="0" fontAlgn="base" hangingPunct="0">
+              <a:spcBef>
+                <a:spcPct val="0"/>
+              </a:spcBef>
+              <a:spcAft>
+                <a:spcPct val="0"/>
+              </a:spcAft>
+              <a:defRPr>
+                <a:solidFill>
+                  <a:schemeClr val="tx1"/>
+                </a:solidFill>
+                <a:latin typeface="Calibri" panose="020F0502020204030204" pitchFamily="34" charset="0"/>
+                <a:ea typeface="微软雅黑 Light" panose="020B0502040204020203" pitchFamily="34" charset="-122"/>
+              </a:defRPr>
+            </a:lvl8pPr>
+            <a:lvl9pPr marL="3886200" indent="-228600" eaLnBrk="0" fontAlgn="base" hangingPunct="0">
+              <a:spcBef>
+                <a:spcPct val="0"/>
+              </a:spcBef>
+              <a:spcAft>
+                <a:spcPct val="0"/>
+              </a:spcAft>
+              <a:defRPr>
+                <a:solidFill>
+                  <a:schemeClr val="tx1"/>
+                </a:solidFill>
+                <a:latin typeface="Calibri" panose="020F0502020204030204" pitchFamily="34" charset="0"/>
+                <a:ea typeface="微软雅黑 Light" panose="020B0502040204020203" pitchFamily="34" charset="-122"/>
+              </a:defRPr>
+            </a:lvl9pPr>
+          </a:lstStyle>
+          <a:p>
+            <a:pPr eaLnBrk="1" hangingPunct="1">
+              <a:buFont typeface="Arial" panose="020B0604020202020204" pitchFamily="34" charset="0"/>
+              <a:buNone/>
+            </a:pPr>
+            <a:r>
+              <a:rPr lang="zh-TW" altLang="en-US" sz="4000" b="1" dirty="0">
+                <a:solidFill>
+                  <a:schemeClr val="accent1"/>
+                </a:solidFill>
+                <a:latin typeface="華康中黑體" panose="020B0509000000000000" pitchFamily="49" charset="-120"/>
+                <a:ea typeface="華康中黑體" panose="020B0509000000000000" pitchFamily="49" charset="-120"/>
+                <a:cs typeface="華康中黑體" panose="020B0509000000000000" pitchFamily="49" charset="-120"/>
+              </a:rPr>
+              <a:t>操作流程</a:t>
+            </a:r>
+            <a:r>
+              <a:rPr lang="en-US" altLang="zh-TW" sz="4000" b="1" dirty="0">
+                <a:solidFill>
+                  <a:schemeClr val="accent1"/>
+                </a:solidFill>
+                <a:latin typeface="華康中黑體" panose="020B0509000000000000" pitchFamily="49" charset="-120"/>
+                <a:ea typeface="華康中黑體" panose="020B0509000000000000" pitchFamily="49" charset="-120"/>
+                <a:cs typeface="華康中黑體" panose="020B0509000000000000" pitchFamily="49" charset="-120"/>
+              </a:rPr>
+              <a:t>-</a:t>
+            </a:r>
+            <a:r>
+              <a:rPr lang="zh-TW" altLang="en-US" sz="4000" b="1" dirty="0">
+                <a:solidFill>
+                  <a:schemeClr val="accent1"/>
+                </a:solidFill>
+                <a:latin typeface="華康中黑體" panose="020B0509000000000000" pitchFamily="49" charset="-120"/>
+                <a:ea typeface="華康中黑體" panose="020B0509000000000000" pitchFamily="49" charset="-120"/>
+                <a:cs typeface="華康中黑體" panose="020B0509000000000000" pitchFamily="49" charset="-120"/>
+              </a:rPr>
+              <a:t>修改事件</a:t>
+            </a:r>
+            <a:endParaRPr lang="zh-CN" altLang="en-US" sz="4000" b="1" dirty="0">
+              <a:solidFill>
+                <a:schemeClr val="accent1"/>
+              </a:solidFill>
+              <a:latin typeface="華康中黑體" panose="020B0509000000000000" pitchFamily="49" charset="-120"/>
+              <a:ea typeface="華康中黑體" panose="020B0509000000000000" pitchFamily="49" charset="-120"/>
+              <a:cs typeface="華康中黑體" panose="020B0509000000000000" pitchFamily="49" charset="-120"/>
+            </a:endParaRPr>
+          </a:p>
+        </p:txBody>
+      </p:sp>
+      <p:sp>
+        <p:nvSpPr>
+          <p:cNvPr id="5" name="內容版面配置區 4">
+            <a:extLst>
+              <a:ext uri="{FF2B5EF4-FFF2-40B4-BE49-F238E27FC236}">
+                <a16:creationId xmlns:a16="http://schemas.microsoft.com/office/drawing/2014/main" id="{25A9D972-83FC-4C7F-B4A4-B18AD8AA58BE}"/>
+              </a:ext>
+            </a:extLst>
+          </p:cNvPr>
+          <p:cNvSpPr>
+            <a:spLocks noGrp="1"/>
+          </p:cNvSpPr>
+          <p:nvPr>
+            <p:ph idx="1"/>
+          </p:nvPr>
+        </p:nvSpPr>
+        <p:spPr>
+          <a:xfrm>
+            <a:off x="950601" y="1557771"/>
+            <a:ext cx="4851400" cy="4351338"/>
+          </a:xfrm>
+        </p:spPr>
+        <p:txBody>
+          <a:bodyPr/>
+          <a:lstStyle/>
+          <a:p>
+            <a:pPr marL="514350" indent="-514350">
+              <a:buAutoNum type="arabicPeriod"/>
+            </a:pPr>
+            <a:r>
+              <a:rPr lang="zh-TW" altLang="en-US" dirty="0"/>
+              <a:t>選擇房間</a:t>
+            </a:r>
+            <a:endParaRPr lang="en-US" altLang="zh-TW" dirty="0"/>
+          </a:p>
+          <a:p>
+            <a:pPr marL="514350" indent="-514350">
+              <a:buAutoNum type="arabicPeriod"/>
+            </a:pPr>
+            <a:r>
+              <a:rPr lang="zh-TW" altLang="en-US" dirty="0"/>
+              <a:t>選擇年份與月份</a:t>
+            </a:r>
+            <a:endParaRPr lang="en-US" altLang="zh-TW" dirty="0"/>
+          </a:p>
+          <a:p>
+            <a:pPr marL="514350" indent="-514350">
+              <a:buAutoNum type="arabicPeriod"/>
+            </a:pPr>
+            <a:r>
+              <a:rPr lang="zh-TW" altLang="en-US" dirty="0"/>
+              <a:t>選擇日期</a:t>
+            </a:r>
+            <a:endParaRPr lang="en-US" altLang="zh-TW" dirty="0"/>
+          </a:p>
+          <a:p>
+            <a:pPr marL="514350" indent="-514350">
+              <a:buAutoNum type="arabicPeriod"/>
+            </a:pPr>
+            <a:r>
+              <a:rPr lang="zh-TW" altLang="en-US" dirty="0"/>
+              <a:t>選擇修改事件</a:t>
+            </a:r>
+            <a:endParaRPr lang="en-US" altLang="zh-TW" dirty="0"/>
+          </a:p>
+          <a:p>
+            <a:pPr marL="514350" indent="-514350">
+              <a:buAutoNum type="arabicPeriod"/>
+            </a:pPr>
+            <a:r>
+              <a:rPr lang="zh-TW" altLang="en-US" dirty="0"/>
+              <a:t>修改事件內容</a:t>
+            </a:r>
+            <a:endParaRPr lang="en-US" altLang="zh-TW" dirty="0"/>
+          </a:p>
+          <a:p>
+            <a:pPr marL="514350" indent="-514350">
+              <a:buAutoNum type="arabicPeriod"/>
+            </a:pPr>
+            <a:r>
+              <a:rPr lang="zh-TW" altLang="en-US" dirty="0"/>
+              <a:t>點選確認按鈕</a:t>
+            </a:r>
+            <a:endParaRPr lang="en-US" altLang="zh-TW" dirty="0"/>
+          </a:p>
+          <a:p>
+            <a:pPr marL="514350" indent="-514350">
+              <a:buAutoNum type="arabicPeriod"/>
+            </a:pPr>
+            <a:r>
+              <a:rPr lang="zh-TW" altLang="en-US" dirty="0"/>
+              <a:t>成功修改事件</a:t>
+            </a:r>
+          </a:p>
+        </p:txBody>
+      </p:sp>
+      <p:pic>
+        <p:nvPicPr>
+          <p:cNvPr id="3" name="圖片 2">
+            <a:extLst>
+              <a:ext uri="{FF2B5EF4-FFF2-40B4-BE49-F238E27FC236}">
+                <a16:creationId xmlns:a16="http://schemas.microsoft.com/office/drawing/2014/main" id="{4FFF5C59-EA5E-4FF5-ABC8-72CE64F5DE5A}"/>
+              </a:ext>
+            </a:extLst>
+          </p:cNvPr>
+          <p:cNvPicPr>
+            <a:picLocks noChangeAspect="1"/>
+          </p:cNvPicPr>
+          <p:nvPr/>
+        </p:nvPicPr>
+        <p:blipFill>
+          <a:blip r:embed="rId4"/>
+          <a:stretch>
+            <a:fillRect/>
+          </a:stretch>
+        </p:blipFill>
+        <p:spPr>
+          <a:xfrm>
+            <a:off x="4884287" y="282575"/>
+            <a:ext cx="2555275" cy="1998807"/>
+          </a:xfrm>
+          <a:prstGeom prst="rect">
+            <a:avLst/>
+          </a:prstGeom>
+          <a:solidFill>
+            <a:srgbClr val="FFFFFF">
+              <a:shade val="85000"/>
+            </a:srgbClr>
+          </a:solidFill>
+          <a:ln w="88900" cap="sq">
+            <a:solidFill>
+              <a:srgbClr val="FFFFFF"/>
+            </a:solidFill>
+            <a:miter lim="800000"/>
+          </a:ln>
+          <a:effectLst>
+            <a:outerShdw blurRad="55000" dist="18000" dir="5400000" algn="tl" rotWithShape="0">
+              <a:srgbClr val="000000">
+                <a:alpha val="40000"/>
+              </a:srgbClr>
+            </a:outerShdw>
+          </a:effectLst>
+          <a:scene3d>
+            <a:camera prst="orthographicFront"/>
+            <a:lightRig rig="twoPt" dir="t">
+              <a:rot lat="0" lon="0" rev="7200000"/>
+            </a:lightRig>
+          </a:scene3d>
+          <a:sp3d>
+            <a:bevelT w="25400" h="19050"/>
+            <a:contourClr>
+              <a:srgbClr val="FFFFFF"/>
+            </a:contourClr>
+          </a:sp3d>
+        </p:spPr>
+      </p:pic>
+      <p:pic>
+        <p:nvPicPr>
+          <p:cNvPr id="4" name="圖片 3">
+            <a:extLst>
+              <a:ext uri="{FF2B5EF4-FFF2-40B4-BE49-F238E27FC236}">
+                <a16:creationId xmlns:a16="http://schemas.microsoft.com/office/drawing/2014/main" id="{97A1529E-A672-4C4F-B129-F018EA705209}"/>
+              </a:ext>
+            </a:extLst>
+          </p:cNvPr>
+          <p:cNvPicPr>
+            <a:picLocks noChangeAspect="1"/>
+          </p:cNvPicPr>
+          <p:nvPr/>
+        </p:nvPicPr>
+        <p:blipFill>
+          <a:blip r:embed="rId5"/>
+          <a:stretch>
+            <a:fillRect/>
+          </a:stretch>
+        </p:blipFill>
+        <p:spPr>
+          <a:xfrm>
+            <a:off x="6579807" y="3813199"/>
+            <a:ext cx="2262748" cy="1765565"/>
+          </a:xfrm>
+          <a:prstGeom prst="rect">
+            <a:avLst/>
+          </a:prstGeom>
+          <a:solidFill>
+            <a:srgbClr val="FFFFFF">
+              <a:shade val="85000"/>
+            </a:srgbClr>
+          </a:solidFill>
+          <a:ln w="88900" cap="sq">
+            <a:solidFill>
+              <a:srgbClr val="FFFFFF"/>
+            </a:solidFill>
+            <a:miter lim="800000"/>
+          </a:ln>
+          <a:effectLst>
+            <a:outerShdw blurRad="55000" dist="18000" dir="5400000" algn="tl" rotWithShape="0">
+              <a:srgbClr val="000000">
+                <a:alpha val="40000"/>
+              </a:srgbClr>
+            </a:outerShdw>
+          </a:effectLst>
+          <a:scene3d>
+            <a:camera prst="orthographicFront"/>
+            <a:lightRig rig="twoPt" dir="t">
+              <a:rot lat="0" lon="0" rev="7200000"/>
+            </a:lightRig>
+          </a:scene3d>
+          <a:sp3d>
+            <a:bevelT w="25400" h="19050"/>
+            <a:contourClr>
+              <a:srgbClr val="FFFFFF"/>
+            </a:contourClr>
+          </a:sp3d>
+        </p:spPr>
+      </p:pic>
+      <p:pic>
+        <p:nvPicPr>
+          <p:cNvPr id="2" name="圖片 1">
+            <a:extLst>
+              <a:ext uri="{FF2B5EF4-FFF2-40B4-BE49-F238E27FC236}">
+                <a16:creationId xmlns:a16="http://schemas.microsoft.com/office/drawing/2014/main" id="{7C81216C-CB6C-4EBC-ACBA-F1266ADBB96F}"/>
+              </a:ext>
+            </a:extLst>
+          </p:cNvPr>
+          <p:cNvPicPr>
+            <a:picLocks noChangeAspect="1"/>
+          </p:cNvPicPr>
+          <p:nvPr/>
+        </p:nvPicPr>
+        <p:blipFill>
+          <a:blip r:embed="rId6"/>
+          <a:stretch>
+            <a:fillRect/>
+          </a:stretch>
+        </p:blipFill>
+        <p:spPr>
+          <a:xfrm>
+            <a:off x="5890449" y="2411465"/>
+            <a:ext cx="1903396" cy="1497053"/>
+          </a:xfrm>
+          <a:prstGeom prst="rect">
+            <a:avLst/>
+          </a:prstGeom>
+          <a:solidFill>
+            <a:srgbClr val="FFFFFF">
+              <a:shade val="85000"/>
+            </a:srgbClr>
+          </a:solidFill>
+          <a:ln w="88900" cap="sq">
+            <a:solidFill>
+              <a:srgbClr val="FFFFFF"/>
+            </a:solidFill>
+            <a:miter lim="800000"/>
+          </a:ln>
+          <a:effectLst>
+            <a:outerShdw blurRad="55000" dist="18000" dir="5400000" algn="tl" rotWithShape="0">
+              <a:srgbClr val="000000">
+                <a:alpha val="40000"/>
+              </a:srgbClr>
+            </a:outerShdw>
+          </a:effectLst>
+          <a:scene3d>
+            <a:camera prst="orthographicFront"/>
+            <a:lightRig rig="twoPt" dir="t">
+              <a:rot lat="0" lon="0" rev="7200000"/>
+            </a:lightRig>
+          </a:scene3d>
+          <a:sp3d>
+            <a:bevelT w="25400" h="19050"/>
+            <a:contourClr>
+              <a:srgbClr val="FFFFFF"/>
+            </a:contourClr>
+          </a:sp3d>
+        </p:spPr>
+      </p:pic>
+    </p:spTree>
+    <p:extLst>
+      <p:ext uri="{BB962C8B-B14F-4D97-AF65-F5344CB8AC3E}">
+        <p14:creationId xmlns:p14="http://schemas.microsoft.com/office/powerpoint/2010/main" val="3695375933"/>
+      </p:ext>
+    </p:extLst>
+  </p:cSld>
+  <p:clrMapOvr>
+    <a:masterClrMapping/>
+  </p:clrMapOvr>
+</p:sld>
+</file>
+
+<file path=ppt/slides/slide13.xml><?xml version="1.0" encoding="utf-8"?>
+<p:sld xmlns:a="http://schemas.openxmlformats.org/drawingml/2006/main" xmlns:r="http://schemas.openxmlformats.org/officeDocument/2006/relationships" xmlns:p="http://schemas.openxmlformats.org/presentationml/2006/main">
+  <p:cSld>
+    <p:spTree>
+      <p:nvGrpSpPr>
+        <p:cNvPr id="1" name=""/>
+        <p:cNvGrpSpPr/>
+        <p:nvPr/>
+      </p:nvGrpSpPr>
+      <p:grpSpPr>
+        <a:xfrm>
+          <a:off x="0" y="0"/>
+          <a:ext cx="0" cy="0"/>
+          <a:chOff x="0" y="0"/>
+          <a:chExt cx="0" cy="0"/>
+        </a:xfrm>
+      </p:grpSpPr>
+      <p:pic>
+        <p:nvPicPr>
+          <p:cNvPr id="7" name="圖片 6">
+            <a:extLst>
+              <a:ext uri="{FF2B5EF4-FFF2-40B4-BE49-F238E27FC236}">
+                <a16:creationId xmlns:a16="http://schemas.microsoft.com/office/drawing/2014/main" id="{E573E7DC-81D4-48E6-B3C1-1B6E85EA0F74}"/>
+              </a:ext>
+            </a:extLst>
+          </p:cNvPr>
+          <p:cNvPicPr>
+            <a:picLocks noChangeAspect="1"/>
+          </p:cNvPicPr>
+          <p:nvPr/>
+        </p:nvPicPr>
+        <p:blipFill>
+          <a:blip r:embed="rId2"/>
+          <a:stretch>
+            <a:fillRect/>
+          </a:stretch>
+        </p:blipFill>
+        <p:spPr>
+          <a:xfrm>
+            <a:off x="8044752" y="3428998"/>
+            <a:ext cx="3855926" cy="3032751"/>
+          </a:xfrm>
+          <a:prstGeom prst="rect">
+            <a:avLst/>
+          </a:prstGeom>
+          <a:solidFill>
+            <a:srgbClr val="FFFFFF">
+              <a:shade val="85000"/>
+            </a:srgbClr>
+          </a:solidFill>
+          <a:ln w="88900" cap="sq">
+            <a:solidFill>
+              <a:srgbClr val="FFFFFF"/>
+            </a:solidFill>
+            <a:miter lim="800000"/>
+          </a:ln>
+          <a:effectLst>
+            <a:outerShdw blurRad="55000" dist="18000" dir="5400000" algn="tl" rotWithShape="0">
+              <a:srgbClr val="000000">
+                <a:alpha val="40000"/>
+              </a:srgbClr>
+            </a:outerShdw>
+          </a:effectLst>
+          <a:scene3d>
+            <a:camera prst="orthographicFront"/>
+            <a:lightRig rig="twoPt" dir="t">
+              <a:rot lat="0" lon="0" rev="7200000"/>
+            </a:lightRig>
+          </a:scene3d>
+          <a:sp3d>
+            <a:bevelT w="25400" h="19050"/>
+            <a:contourClr>
+              <a:srgbClr val="FFFFFF"/>
+            </a:contourClr>
+          </a:sp3d>
+        </p:spPr>
+      </p:pic>
+      <p:pic>
+        <p:nvPicPr>
+          <p:cNvPr id="6" name="圖片 5">
+            <a:extLst>
+              <a:ext uri="{FF2B5EF4-FFF2-40B4-BE49-F238E27FC236}">
+                <a16:creationId xmlns:a16="http://schemas.microsoft.com/office/drawing/2014/main" id="{5E3D7136-14A3-40EE-AD5B-038DB395A8A2}"/>
+              </a:ext>
+            </a:extLst>
+          </p:cNvPr>
+          <p:cNvPicPr>
+            <a:picLocks noChangeAspect="1"/>
+          </p:cNvPicPr>
+          <p:nvPr/>
+        </p:nvPicPr>
+        <p:blipFill>
+          <a:blip r:embed="rId3"/>
+          <a:stretch>
+            <a:fillRect/>
+          </a:stretch>
+        </p:blipFill>
+        <p:spPr>
+          <a:xfrm>
+            <a:off x="7249841" y="1161185"/>
+            <a:ext cx="2123950" cy="1662567"/>
+          </a:xfrm>
+          <a:prstGeom prst="rect">
+            <a:avLst/>
+          </a:prstGeom>
+          <a:solidFill>
+            <a:srgbClr val="FFFFFF">
+              <a:shade val="85000"/>
+            </a:srgbClr>
+          </a:solidFill>
+          <a:ln w="88900" cap="sq">
+            <a:solidFill>
+              <a:srgbClr val="FFFFFF"/>
+            </a:solidFill>
+            <a:miter lim="800000"/>
+          </a:ln>
+          <a:effectLst>
+            <a:outerShdw blurRad="55000" dist="18000" dir="5400000" algn="tl" rotWithShape="0">
+              <a:srgbClr val="000000">
+                <a:alpha val="40000"/>
+              </a:srgbClr>
+            </a:outerShdw>
+          </a:effectLst>
+          <a:scene3d>
+            <a:camera prst="orthographicFront"/>
+            <a:lightRig rig="twoPt" dir="t">
+              <a:rot lat="0" lon="0" rev="7200000"/>
+            </a:lightRig>
+          </a:scene3d>
+          <a:sp3d>
+            <a:bevelT w="25400" h="19050"/>
+            <a:contourClr>
+              <a:srgbClr val="FFFFFF"/>
+            </a:contourClr>
+          </a:sp3d>
+        </p:spPr>
+      </p:pic>
+      <p:sp>
+        <p:nvSpPr>
+          <p:cNvPr id="88" name="文本框 91">
+            <a:extLst>
+              <a:ext uri="{FF2B5EF4-FFF2-40B4-BE49-F238E27FC236}">
+                <a16:creationId xmlns:a16="http://schemas.microsoft.com/office/drawing/2014/main" id="{1733BB9A-E989-4603-BA2A-4288FD8ECCF5}"/>
+              </a:ext>
+            </a:extLst>
+          </p:cNvPr>
+          <p:cNvSpPr txBox="1">
+            <a:spLocks noChangeArrowheads="1"/>
+          </p:cNvSpPr>
+          <p:nvPr/>
+        </p:nvSpPr>
+        <p:spPr bwMode="auto">
+          <a:xfrm>
+            <a:off x="233476" y="282575"/>
+            <a:ext cx="4544834" cy="707886"/>
+          </a:xfrm>
+          <a:prstGeom prst="rect">
+            <a:avLst/>
+          </a:prstGeom>
+          <a:noFill/>
+          <a:ln>
+            <a:noFill/>
+          </a:ln>
+          <a:extLst>
+            <a:ext uri="{909E8E84-426E-40DD-AFC4-6F175D3DCCD1}">
+              <a14:hiddenFill xmlns:a14="http://schemas.microsoft.com/office/drawing/2010/main">
+                <a:solidFill>
+                  <a:srgbClr val="FFFFFF"/>
+                </a:solidFill>
+              </a14:hiddenFill>
+            </a:ext>
+            <a:ext uri="{91240B29-F687-4F45-9708-019B960494DF}">
+              <a14:hiddenLine xmlns:a14="http://schemas.microsoft.com/office/drawing/2010/main" w="9525">
+                <a:solidFill>
+                  <a:srgbClr val="000000"/>
+                </a:solidFill>
+                <a:miter lim="800000"/>
+                <a:headEnd/>
+                <a:tailEnd/>
+              </a14:hiddenLine>
+            </a:ext>
+          </a:extLst>
+        </p:spPr>
+        <p:txBody>
+          <a:bodyPr wrap="none">
+            <a:spAutoFit/>
+          </a:bodyPr>
+          <a:lstStyle>
+            <a:lvl1pPr>
+              <a:defRPr>
+                <a:solidFill>
+                  <a:schemeClr val="tx1"/>
+                </a:solidFill>
+                <a:latin typeface="Calibri" panose="020F0502020204030204" pitchFamily="34" charset="0"/>
+                <a:ea typeface="微软雅黑 Light" panose="020B0502040204020203" pitchFamily="34" charset="-122"/>
+              </a:defRPr>
+            </a:lvl1pPr>
+            <a:lvl2pPr marL="742950" indent="-285750">
+              <a:defRPr>
+                <a:solidFill>
+                  <a:schemeClr val="tx1"/>
+                </a:solidFill>
+                <a:latin typeface="Calibri" panose="020F0502020204030204" pitchFamily="34" charset="0"/>
+                <a:ea typeface="微软雅黑 Light" panose="020B0502040204020203" pitchFamily="34" charset="-122"/>
+              </a:defRPr>
+            </a:lvl2pPr>
+            <a:lvl3pPr marL="1143000" indent="-228600">
+              <a:defRPr>
+                <a:solidFill>
+                  <a:schemeClr val="tx1"/>
+                </a:solidFill>
+                <a:latin typeface="Calibri" panose="020F0502020204030204" pitchFamily="34" charset="0"/>
+                <a:ea typeface="微软雅黑 Light" panose="020B0502040204020203" pitchFamily="34" charset="-122"/>
+              </a:defRPr>
+            </a:lvl3pPr>
+            <a:lvl4pPr marL="1600200" indent="-228600">
+              <a:defRPr>
+                <a:solidFill>
+                  <a:schemeClr val="tx1"/>
+                </a:solidFill>
+                <a:latin typeface="Calibri" panose="020F0502020204030204" pitchFamily="34" charset="0"/>
+                <a:ea typeface="微软雅黑 Light" panose="020B0502040204020203" pitchFamily="34" charset="-122"/>
+              </a:defRPr>
+            </a:lvl4pPr>
+            <a:lvl5pPr marL="2057400" indent="-228600">
+              <a:defRPr>
+                <a:solidFill>
+                  <a:schemeClr val="tx1"/>
+                </a:solidFill>
+                <a:latin typeface="Calibri" panose="020F0502020204030204" pitchFamily="34" charset="0"/>
+                <a:ea typeface="微软雅黑 Light" panose="020B0502040204020203" pitchFamily="34" charset="-122"/>
+              </a:defRPr>
+            </a:lvl5pPr>
+            <a:lvl6pPr marL="2514600" indent="-228600" eaLnBrk="0" fontAlgn="base" hangingPunct="0">
+              <a:spcBef>
+                <a:spcPct val="0"/>
+              </a:spcBef>
+              <a:spcAft>
+                <a:spcPct val="0"/>
+              </a:spcAft>
+              <a:defRPr>
+                <a:solidFill>
+                  <a:schemeClr val="tx1"/>
+                </a:solidFill>
+                <a:latin typeface="Calibri" panose="020F0502020204030204" pitchFamily="34" charset="0"/>
+                <a:ea typeface="微软雅黑 Light" panose="020B0502040204020203" pitchFamily="34" charset="-122"/>
+              </a:defRPr>
+            </a:lvl6pPr>
+            <a:lvl7pPr marL="2971800" indent="-228600" eaLnBrk="0" fontAlgn="base" hangingPunct="0">
+              <a:spcBef>
+                <a:spcPct val="0"/>
+              </a:spcBef>
+              <a:spcAft>
+                <a:spcPct val="0"/>
+              </a:spcAft>
+              <a:defRPr>
+                <a:solidFill>
+                  <a:schemeClr val="tx1"/>
+                </a:solidFill>
+                <a:latin typeface="Calibri" panose="020F0502020204030204" pitchFamily="34" charset="0"/>
+                <a:ea typeface="微软雅黑 Light" panose="020B0502040204020203" pitchFamily="34" charset="-122"/>
+              </a:defRPr>
+            </a:lvl7pPr>
+            <a:lvl8pPr marL="3429000" indent="-228600" eaLnBrk="0" fontAlgn="base" hangingPunct="0">
+              <a:spcBef>
+                <a:spcPct val="0"/>
+              </a:spcBef>
+              <a:spcAft>
+                <a:spcPct val="0"/>
+              </a:spcAft>
+              <a:defRPr>
+                <a:solidFill>
+                  <a:schemeClr val="tx1"/>
+                </a:solidFill>
+                <a:latin typeface="Calibri" panose="020F0502020204030204" pitchFamily="34" charset="0"/>
+                <a:ea typeface="微软雅黑 Light" panose="020B0502040204020203" pitchFamily="34" charset="-122"/>
+              </a:defRPr>
+            </a:lvl8pPr>
+            <a:lvl9pPr marL="3886200" indent="-228600" eaLnBrk="0" fontAlgn="base" hangingPunct="0">
+              <a:spcBef>
+                <a:spcPct val="0"/>
+              </a:spcBef>
+              <a:spcAft>
+                <a:spcPct val="0"/>
+              </a:spcAft>
+              <a:defRPr>
+                <a:solidFill>
+                  <a:schemeClr val="tx1"/>
+                </a:solidFill>
+                <a:latin typeface="Calibri" panose="020F0502020204030204" pitchFamily="34" charset="0"/>
+                <a:ea typeface="微软雅黑 Light" panose="020B0502040204020203" pitchFamily="34" charset="-122"/>
+              </a:defRPr>
+            </a:lvl9pPr>
+          </a:lstStyle>
+          <a:p>
+            <a:pPr eaLnBrk="1" hangingPunct="1">
+              <a:buFont typeface="Arial" panose="020B0604020202020204" pitchFamily="34" charset="0"/>
+              <a:buNone/>
+            </a:pPr>
+            <a:r>
+              <a:rPr lang="zh-TW" altLang="en-US" sz="4000" b="1" dirty="0">
+                <a:solidFill>
+                  <a:schemeClr val="accent1"/>
+                </a:solidFill>
+                <a:latin typeface="華康中黑體" panose="020B0509000000000000" pitchFamily="49" charset="-120"/>
+                <a:ea typeface="華康中黑體" panose="020B0509000000000000" pitchFamily="49" charset="-120"/>
+                <a:cs typeface="華康中黑體" panose="020B0509000000000000" pitchFamily="49" charset="-120"/>
+              </a:rPr>
+              <a:t>操作流程</a:t>
+            </a:r>
+            <a:r>
+              <a:rPr lang="en-US" altLang="zh-TW" sz="4000" b="1" dirty="0">
+                <a:solidFill>
+                  <a:schemeClr val="accent1"/>
+                </a:solidFill>
+                <a:latin typeface="華康中黑體" panose="020B0509000000000000" pitchFamily="49" charset="-120"/>
+                <a:ea typeface="華康中黑體" panose="020B0509000000000000" pitchFamily="49" charset="-120"/>
+                <a:cs typeface="華康中黑體" panose="020B0509000000000000" pitchFamily="49" charset="-120"/>
+              </a:rPr>
+              <a:t>-</a:t>
+            </a:r>
+            <a:r>
+              <a:rPr lang="zh-TW" altLang="en-US" sz="4000" b="1" dirty="0">
+                <a:solidFill>
+                  <a:schemeClr val="accent1"/>
+                </a:solidFill>
+                <a:latin typeface="華康中黑體" panose="020B0509000000000000" pitchFamily="49" charset="-120"/>
+                <a:ea typeface="華康中黑體" panose="020B0509000000000000" pitchFamily="49" charset="-120"/>
+                <a:cs typeface="華康中黑體" panose="020B0509000000000000" pitchFamily="49" charset="-120"/>
+              </a:rPr>
+              <a:t>刪除事件</a:t>
+            </a:r>
+            <a:endParaRPr lang="zh-CN" altLang="en-US" sz="4000" b="1" dirty="0">
+              <a:solidFill>
+                <a:schemeClr val="accent1"/>
+              </a:solidFill>
+              <a:latin typeface="華康中黑體" panose="020B0509000000000000" pitchFamily="49" charset="-120"/>
+              <a:ea typeface="華康中黑體" panose="020B0509000000000000" pitchFamily="49" charset="-120"/>
+              <a:cs typeface="華康中黑體" panose="020B0509000000000000" pitchFamily="49" charset="-120"/>
+            </a:endParaRPr>
+          </a:p>
+        </p:txBody>
+      </p:sp>
+      <p:sp>
+        <p:nvSpPr>
+          <p:cNvPr id="5" name="內容版面配置區 4">
+            <a:extLst>
+              <a:ext uri="{FF2B5EF4-FFF2-40B4-BE49-F238E27FC236}">
+                <a16:creationId xmlns:a16="http://schemas.microsoft.com/office/drawing/2014/main" id="{25A9D972-83FC-4C7F-B4A4-B18AD8AA58BE}"/>
+              </a:ext>
+            </a:extLst>
+          </p:cNvPr>
+          <p:cNvSpPr>
+            <a:spLocks noGrp="1"/>
+          </p:cNvSpPr>
+          <p:nvPr>
+            <p:ph idx="1"/>
+          </p:nvPr>
+        </p:nvSpPr>
+        <p:spPr>
+          <a:xfrm>
+            <a:off x="950601" y="1557771"/>
+            <a:ext cx="4851400" cy="4351338"/>
+          </a:xfrm>
+        </p:spPr>
+        <p:txBody>
+          <a:bodyPr/>
+          <a:lstStyle/>
+          <a:p>
+            <a:pPr marL="514350" indent="-514350">
+              <a:buAutoNum type="arabicPeriod"/>
+            </a:pPr>
+            <a:r>
+              <a:rPr lang="zh-TW" altLang="en-US" dirty="0"/>
+              <a:t>選擇房間</a:t>
+            </a:r>
+            <a:endParaRPr lang="en-US" altLang="zh-TW" dirty="0"/>
+          </a:p>
+          <a:p>
+            <a:pPr marL="514350" indent="-514350">
+              <a:buAutoNum type="arabicPeriod"/>
+            </a:pPr>
+            <a:r>
+              <a:rPr lang="zh-TW" altLang="en-US" dirty="0"/>
+              <a:t>選擇年份與月份</a:t>
+            </a:r>
+            <a:endParaRPr lang="en-US" altLang="zh-TW" dirty="0"/>
+          </a:p>
+          <a:p>
+            <a:pPr marL="514350" indent="-514350">
+              <a:buAutoNum type="arabicPeriod"/>
+            </a:pPr>
+            <a:r>
+              <a:rPr lang="zh-TW" altLang="en-US" dirty="0"/>
+              <a:t>選擇日期</a:t>
+            </a:r>
+            <a:endParaRPr lang="en-US" altLang="zh-TW" dirty="0"/>
+          </a:p>
+          <a:p>
+            <a:pPr marL="514350" indent="-514350">
+              <a:buAutoNum type="arabicPeriod"/>
+            </a:pPr>
+            <a:r>
+              <a:rPr lang="zh-TW" altLang="en-US" dirty="0"/>
+              <a:t>選擇刪除事件</a:t>
+            </a:r>
+            <a:endParaRPr lang="en-US" altLang="zh-TW" dirty="0"/>
+          </a:p>
+          <a:p>
+            <a:pPr marL="514350" indent="-514350">
+              <a:buAutoNum type="arabicPeriod"/>
+            </a:pPr>
+            <a:r>
+              <a:rPr lang="zh-TW" altLang="en-US" dirty="0"/>
+              <a:t>事件刪除成功</a:t>
+            </a:r>
+          </a:p>
+        </p:txBody>
+      </p:sp>
+      <p:pic>
+        <p:nvPicPr>
+          <p:cNvPr id="3" name="圖片 2">
+            <a:extLst>
+              <a:ext uri="{FF2B5EF4-FFF2-40B4-BE49-F238E27FC236}">
+                <a16:creationId xmlns:a16="http://schemas.microsoft.com/office/drawing/2014/main" id="{4FFF5C59-EA5E-4FF5-ABC8-72CE64F5DE5A}"/>
+              </a:ext>
+            </a:extLst>
+          </p:cNvPr>
+          <p:cNvPicPr>
+            <a:picLocks noChangeAspect="1"/>
+          </p:cNvPicPr>
+          <p:nvPr/>
+        </p:nvPicPr>
+        <p:blipFill>
+          <a:blip r:embed="rId4"/>
+          <a:stretch>
+            <a:fillRect/>
+          </a:stretch>
+        </p:blipFill>
+        <p:spPr>
+          <a:xfrm>
+            <a:off x="4884287" y="282575"/>
+            <a:ext cx="2555275" cy="1998807"/>
+          </a:xfrm>
+          <a:prstGeom prst="rect">
+            <a:avLst/>
+          </a:prstGeom>
+          <a:solidFill>
+            <a:srgbClr val="FFFFFF">
+              <a:shade val="85000"/>
+            </a:srgbClr>
+          </a:solidFill>
+          <a:ln w="88900" cap="sq">
+            <a:solidFill>
+              <a:srgbClr val="FFFFFF"/>
+            </a:solidFill>
+            <a:miter lim="800000"/>
+          </a:ln>
+          <a:effectLst>
+            <a:outerShdw blurRad="55000" dist="18000" dir="5400000" algn="tl" rotWithShape="0">
+              <a:srgbClr val="000000">
+                <a:alpha val="40000"/>
+              </a:srgbClr>
+            </a:outerShdw>
+          </a:effectLst>
+          <a:scene3d>
+            <a:camera prst="orthographicFront"/>
+            <a:lightRig rig="twoPt" dir="t">
+              <a:rot lat="0" lon="0" rev="7200000"/>
+            </a:lightRig>
+          </a:scene3d>
+          <a:sp3d>
+            <a:bevelT w="25400" h="19050"/>
+            <a:contourClr>
+              <a:srgbClr val="FFFFFF"/>
+            </a:contourClr>
+          </a:sp3d>
+        </p:spPr>
+      </p:pic>
+      <p:pic>
+        <p:nvPicPr>
+          <p:cNvPr id="2" name="圖片 1">
+            <a:extLst>
+              <a:ext uri="{FF2B5EF4-FFF2-40B4-BE49-F238E27FC236}">
+                <a16:creationId xmlns:a16="http://schemas.microsoft.com/office/drawing/2014/main" id="{7C81216C-CB6C-4EBC-ACBA-F1266ADBB96F}"/>
+              </a:ext>
+            </a:extLst>
+          </p:cNvPr>
+          <p:cNvPicPr>
+            <a:picLocks noChangeAspect="1"/>
+          </p:cNvPicPr>
+          <p:nvPr/>
+        </p:nvPicPr>
+        <p:blipFill>
+          <a:blip r:embed="rId5"/>
+          <a:stretch>
+            <a:fillRect/>
+          </a:stretch>
+        </p:blipFill>
+        <p:spPr>
+          <a:xfrm>
+            <a:off x="6096000" y="2823752"/>
+            <a:ext cx="2798618" cy="2201160"/>
+          </a:xfrm>
+          <a:prstGeom prst="rect">
+            <a:avLst/>
+          </a:prstGeom>
+          <a:solidFill>
+            <a:srgbClr val="FFFFFF">
+              <a:shade val="85000"/>
+            </a:srgbClr>
+          </a:solidFill>
+          <a:ln w="88900" cap="sq">
+            <a:solidFill>
+              <a:srgbClr val="FFFFFF"/>
+            </a:solidFill>
+            <a:miter lim="800000"/>
+          </a:ln>
+          <a:effectLst>
+            <a:outerShdw blurRad="55000" dist="18000" dir="5400000" algn="tl" rotWithShape="0">
+              <a:srgbClr val="000000">
+                <a:alpha val="40000"/>
+              </a:srgbClr>
+            </a:outerShdw>
+          </a:effectLst>
+          <a:scene3d>
+            <a:camera prst="orthographicFront"/>
+            <a:lightRig rig="twoPt" dir="t">
+              <a:rot lat="0" lon="0" rev="7200000"/>
+            </a:lightRig>
+          </a:scene3d>
+          <a:sp3d>
+            <a:bevelT w="25400" h="19050"/>
+            <a:contourClr>
+              <a:srgbClr val="FFFFFF"/>
+            </a:contourClr>
+          </a:sp3d>
+        </p:spPr>
+      </p:pic>
+    </p:spTree>
+    <p:extLst>
+      <p:ext uri="{BB962C8B-B14F-4D97-AF65-F5344CB8AC3E}">
+        <p14:creationId xmlns:p14="http://schemas.microsoft.com/office/powerpoint/2010/main" val="57936217"/>
+      </p:ext>
+    </p:extLst>
+  </p:cSld>
+  <p:clrMapOvr>
+    <a:masterClrMapping/>
+  </p:clrMapOvr>
+</p:sld>
+</file>
+
+<file path=ppt/slides/slide14.xml><?xml version="1.0" encoding="utf-8"?>
+<p:sld xmlns:a="http://schemas.openxmlformats.org/drawingml/2006/main" xmlns:r="http://schemas.openxmlformats.org/officeDocument/2006/relationships" xmlns:p="http://schemas.openxmlformats.org/presentationml/2006/main">
+  <p:cSld>
+    <p:spTree>
+      <p:nvGrpSpPr>
+        <p:cNvPr id="1" name=""/>
+        <p:cNvGrpSpPr/>
+        <p:nvPr/>
+      </p:nvGrpSpPr>
+      <p:grpSpPr>
+        <a:xfrm>
+          <a:off x="0" y="0"/>
+          <a:ext cx="0" cy="0"/>
+          <a:chOff x="0" y="0"/>
+          <a:chExt cx="0" cy="0"/>
+        </a:xfrm>
+      </p:grpSpPr>
+      <p:sp>
+        <p:nvSpPr>
+          <p:cNvPr id="88" name="文本框 91">
+            <a:extLst>
+              <a:ext uri="{FF2B5EF4-FFF2-40B4-BE49-F238E27FC236}">
+                <a16:creationId xmlns:a16="http://schemas.microsoft.com/office/drawing/2014/main" id="{1733BB9A-E989-4603-BA2A-4288FD8ECCF5}"/>
+              </a:ext>
+            </a:extLst>
+          </p:cNvPr>
+          <p:cNvSpPr txBox="1">
+            <a:spLocks noChangeArrowheads="1"/>
+          </p:cNvSpPr>
+          <p:nvPr/>
+        </p:nvSpPr>
+        <p:spPr bwMode="auto">
+          <a:xfrm>
+            <a:off x="233476" y="282575"/>
+            <a:ext cx="5057795" cy="707886"/>
+          </a:xfrm>
+          <a:prstGeom prst="rect">
+            <a:avLst/>
+          </a:prstGeom>
+          <a:noFill/>
+          <a:ln>
+            <a:noFill/>
+          </a:ln>
+          <a:extLst>
+            <a:ext uri="{909E8E84-426E-40DD-AFC4-6F175D3DCCD1}">
+              <a14:hiddenFill xmlns:a14="http://schemas.microsoft.com/office/drawing/2010/main">
+                <a:solidFill>
+                  <a:srgbClr val="FFFFFF"/>
+                </a:solidFill>
+              </a14:hiddenFill>
+            </a:ext>
+            <a:ext uri="{91240B29-F687-4F45-9708-019B960494DF}">
+              <a14:hiddenLine xmlns:a14="http://schemas.microsoft.com/office/drawing/2010/main" w="9525">
+                <a:solidFill>
+                  <a:srgbClr val="000000"/>
+                </a:solidFill>
+                <a:miter lim="800000"/>
+                <a:headEnd/>
+                <a:tailEnd/>
+              </a14:hiddenLine>
+            </a:ext>
+          </a:extLst>
+        </p:spPr>
+        <p:txBody>
+          <a:bodyPr wrap="none">
+            <a:spAutoFit/>
+          </a:bodyPr>
+          <a:lstStyle>
+            <a:lvl1pPr>
+              <a:defRPr>
+                <a:solidFill>
+                  <a:schemeClr val="tx1"/>
+                </a:solidFill>
+                <a:latin typeface="Calibri" panose="020F0502020204030204" pitchFamily="34" charset="0"/>
+                <a:ea typeface="微软雅黑 Light" panose="020B0502040204020203" pitchFamily="34" charset="-122"/>
+              </a:defRPr>
+            </a:lvl1pPr>
+            <a:lvl2pPr marL="742950" indent="-285750">
+              <a:defRPr>
+                <a:solidFill>
+                  <a:schemeClr val="tx1"/>
+                </a:solidFill>
+                <a:latin typeface="Calibri" panose="020F0502020204030204" pitchFamily="34" charset="0"/>
+                <a:ea typeface="微软雅黑 Light" panose="020B0502040204020203" pitchFamily="34" charset="-122"/>
+              </a:defRPr>
+            </a:lvl2pPr>
+            <a:lvl3pPr marL="1143000" indent="-228600">
+              <a:defRPr>
+                <a:solidFill>
+                  <a:schemeClr val="tx1"/>
+                </a:solidFill>
+                <a:latin typeface="Calibri" panose="020F0502020204030204" pitchFamily="34" charset="0"/>
+                <a:ea typeface="微软雅黑 Light" panose="020B0502040204020203" pitchFamily="34" charset="-122"/>
+              </a:defRPr>
+            </a:lvl3pPr>
+            <a:lvl4pPr marL="1600200" indent="-228600">
+              <a:defRPr>
+                <a:solidFill>
+                  <a:schemeClr val="tx1"/>
+                </a:solidFill>
+                <a:latin typeface="Calibri" panose="020F0502020204030204" pitchFamily="34" charset="0"/>
+                <a:ea typeface="微软雅黑 Light" panose="020B0502040204020203" pitchFamily="34" charset="-122"/>
+              </a:defRPr>
+            </a:lvl4pPr>
+            <a:lvl5pPr marL="2057400" indent="-228600">
+              <a:defRPr>
+                <a:solidFill>
+                  <a:schemeClr val="tx1"/>
+                </a:solidFill>
+                <a:latin typeface="Calibri" panose="020F0502020204030204" pitchFamily="34" charset="0"/>
+                <a:ea typeface="微软雅黑 Light" panose="020B0502040204020203" pitchFamily="34" charset="-122"/>
+              </a:defRPr>
+            </a:lvl5pPr>
+            <a:lvl6pPr marL="2514600" indent="-228600" eaLnBrk="0" fontAlgn="base" hangingPunct="0">
+              <a:spcBef>
+                <a:spcPct val="0"/>
+              </a:spcBef>
+              <a:spcAft>
+                <a:spcPct val="0"/>
+              </a:spcAft>
+              <a:defRPr>
+                <a:solidFill>
+                  <a:schemeClr val="tx1"/>
+                </a:solidFill>
+                <a:latin typeface="Calibri" panose="020F0502020204030204" pitchFamily="34" charset="0"/>
+                <a:ea typeface="微软雅黑 Light" panose="020B0502040204020203" pitchFamily="34" charset="-122"/>
+              </a:defRPr>
+            </a:lvl6pPr>
+            <a:lvl7pPr marL="2971800" indent="-228600" eaLnBrk="0" fontAlgn="base" hangingPunct="0">
+              <a:spcBef>
+                <a:spcPct val="0"/>
+              </a:spcBef>
+              <a:spcAft>
+                <a:spcPct val="0"/>
+              </a:spcAft>
+              <a:defRPr>
+                <a:solidFill>
+                  <a:schemeClr val="tx1"/>
+                </a:solidFill>
+                <a:latin typeface="Calibri" panose="020F0502020204030204" pitchFamily="34" charset="0"/>
+                <a:ea typeface="微软雅黑 Light" panose="020B0502040204020203" pitchFamily="34" charset="-122"/>
+              </a:defRPr>
+            </a:lvl7pPr>
+            <a:lvl8pPr marL="3429000" indent="-228600" eaLnBrk="0" fontAlgn="base" hangingPunct="0">
+              <a:spcBef>
+                <a:spcPct val="0"/>
+              </a:spcBef>
+              <a:spcAft>
+                <a:spcPct val="0"/>
+              </a:spcAft>
+              <a:defRPr>
+                <a:solidFill>
+                  <a:schemeClr val="tx1"/>
+                </a:solidFill>
+                <a:latin typeface="Calibri" panose="020F0502020204030204" pitchFamily="34" charset="0"/>
+                <a:ea typeface="微软雅黑 Light" panose="020B0502040204020203" pitchFamily="34" charset="-122"/>
+              </a:defRPr>
+            </a:lvl8pPr>
+            <a:lvl9pPr marL="3886200" indent="-228600" eaLnBrk="0" fontAlgn="base" hangingPunct="0">
+              <a:spcBef>
+                <a:spcPct val="0"/>
+              </a:spcBef>
+              <a:spcAft>
+                <a:spcPct val="0"/>
+              </a:spcAft>
+              <a:defRPr>
+                <a:solidFill>
+                  <a:schemeClr val="tx1"/>
+                </a:solidFill>
+                <a:latin typeface="Calibri" panose="020F0502020204030204" pitchFamily="34" charset="0"/>
+                <a:ea typeface="微软雅黑 Light" panose="020B0502040204020203" pitchFamily="34" charset="-122"/>
+              </a:defRPr>
+            </a:lvl9pPr>
+          </a:lstStyle>
+          <a:p>
+            <a:pPr eaLnBrk="1" hangingPunct="1">
+              <a:buFont typeface="Arial" panose="020B0604020202020204" pitchFamily="34" charset="0"/>
+              <a:buNone/>
+            </a:pPr>
+            <a:r>
+              <a:rPr lang="zh-TW" altLang="en-US" sz="4000" b="1" dirty="0">
+                <a:solidFill>
+                  <a:schemeClr val="accent1"/>
+                </a:solidFill>
+                <a:latin typeface="華康中黑體" panose="020B0509000000000000" pitchFamily="49" charset="-120"/>
+                <a:ea typeface="華康中黑體" panose="020B0509000000000000" pitchFamily="49" charset="-120"/>
+                <a:cs typeface="華康中黑體" panose="020B0509000000000000" pitchFamily="49" charset="-120"/>
+              </a:rPr>
+              <a:t>操作流程</a:t>
+            </a:r>
+            <a:r>
+              <a:rPr lang="en-US" altLang="zh-TW" sz="4000" b="1" dirty="0">
+                <a:solidFill>
+                  <a:schemeClr val="accent1"/>
+                </a:solidFill>
+                <a:latin typeface="華康中黑體" panose="020B0509000000000000" pitchFamily="49" charset="-120"/>
+                <a:ea typeface="華康中黑體" panose="020B0509000000000000" pitchFamily="49" charset="-120"/>
+                <a:cs typeface="華康中黑體" panose="020B0509000000000000" pitchFamily="49" charset="-120"/>
+              </a:rPr>
+              <a:t>-</a:t>
+            </a:r>
+            <a:r>
+              <a:rPr lang="zh-TW" altLang="en-US" sz="4000" b="1" dirty="0">
+                <a:solidFill>
+                  <a:schemeClr val="accent1"/>
+                </a:solidFill>
+                <a:latin typeface="華康中黑體" panose="020B0509000000000000" pitchFamily="49" charset="-120"/>
+                <a:ea typeface="華康中黑體" panose="020B0509000000000000" pitchFamily="49" charset="-120"/>
+                <a:cs typeface="華康中黑體" panose="020B0509000000000000" pitchFamily="49" charset="-120"/>
+              </a:rPr>
+              <a:t>建立會議室</a:t>
+            </a:r>
+            <a:endParaRPr lang="zh-CN" altLang="en-US" sz="4000" b="1" dirty="0">
+              <a:solidFill>
+                <a:schemeClr val="accent1"/>
+              </a:solidFill>
+              <a:latin typeface="華康中黑體" panose="020B0509000000000000" pitchFamily="49" charset="-120"/>
+              <a:ea typeface="華康中黑體" panose="020B0509000000000000" pitchFamily="49" charset="-120"/>
+              <a:cs typeface="華康中黑體" panose="020B0509000000000000" pitchFamily="49" charset="-120"/>
+            </a:endParaRPr>
+          </a:p>
+        </p:txBody>
+      </p:sp>
+      <p:sp>
+        <p:nvSpPr>
+          <p:cNvPr id="5" name="內容版面配置區 4">
+            <a:extLst>
+              <a:ext uri="{FF2B5EF4-FFF2-40B4-BE49-F238E27FC236}">
+                <a16:creationId xmlns:a16="http://schemas.microsoft.com/office/drawing/2014/main" id="{25A9D972-83FC-4C7F-B4A4-B18AD8AA58BE}"/>
+              </a:ext>
+            </a:extLst>
+          </p:cNvPr>
+          <p:cNvSpPr>
+            <a:spLocks noGrp="1"/>
+          </p:cNvSpPr>
+          <p:nvPr>
+            <p:ph idx="1"/>
+          </p:nvPr>
+        </p:nvSpPr>
+        <p:spPr>
+          <a:xfrm>
+            <a:off x="950601" y="1557771"/>
+            <a:ext cx="4851400" cy="4351338"/>
+          </a:xfrm>
+        </p:spPr>
+        <p:txBody>
+          <a:bodyPr/>
+          <a:lstStyle/>
+          <a:p>
+            <a:pPr marL="514350" indent="-514350">
+              <a:buAutoNum type="arabicPeriod"/>
+            </a:pPr>
+            <a:r>
+              <a:rPr lang="zh-TW" altLang="en-US" dirty="0"/>
+              <a:t>填入房間名稱</a:t>
+            </a:r>
+            <a:endParaRPr lang="en-US" altLang="zh-TW" dirty="0"/>
+          </a:p>
+          <a:p>
+            <a:pPr marL="514350" indent="-514350">
+              <a:buAutoNum type="arabicPeriod"/>
+            </a:pPr>
+            <a:r>
+              <a:rPr lang="zh-TW" altLang="en-US" dirty="0"/>
+              <a:t>點選新增</a:t>
+            </a:r>
+            <a:endParaRPr lang="en-US" altLang="zh-TW" dirty="0"/>
+          </a:p>
+          <a:p>
+            <a:pPr marL="514350" indent="-514350">
+              <a:buAutoNum type="arabicPeriod"/>
+            </a:pPr>
+            <a:r>
+              <a:rPr lang="zh-TW" altLang="en-US" dirty="0"/>
+              <a:t>成功建立房間</a:t>
+            </a:r>
+            <a:endParaRPr lang="en-US" altLang="zh-TW" dirty="0"/>
+          </a:p>
+        </p:txBody>
+      </p:sp>
+      <p:pic>
+        <p:nvPicPr>
+          <p:cNvPr id="8" name="圖片 7">
+            <a:extLst>
+              <a:ext uri="{FF2B5EF4-FFF2-40B4-BE49-F238E27FC236}">
+                <a16:creationId xmlns:a16="http://schemas.microsoft.com/office/drawing/2014/main" id="{B9799996-EB73-4CC7-9234-A62176A2FD98}"/>
+              </a:ext>
+            </a:extLst>
+          </p:cNvPr>
+          <p:cNvPicPr>
+            <a:picLocks noChangeAspect="1"/>
+          </p:cNvPicPr>
+          <p:nvPr/>
+        </p:nvPicPr>
+        <p:blipFill>
+          <a:blip r:embed="rId2"/>
+          <a:stretch>
+            <a:fillRect/>
+          </a:stretch>
+        </p:blipFill>
+        <p:spPr>
+          <a:xfrm>
+            <a:off x="7975303" y="3429000"/>
+            <a:ext cx="3524114" cy="2771775"/>
+          </a:xfrm>
+          <a:prstGeom prst="rect">
+            <a:avLst/>
+          </a:prstGeom>
+          <a:solidFill>
+            <a:srgbClr val="FFFFFF">
+              <a:shade val="85000"/>
+            </a:srgbClr>
+          </a:solidFill>
+          <a:ln w="88900" cap="sq">
+            <a:solidFill>
+              <a:srgbClr val="FFFFFF"/>
+            </a:solidFill>
+            <a:miter lim="800000"/>
+          </a:ln>
+          <a:effectLst>
+            <a:outerShdw blurRad="55000" dist="18000" dir="5400000" algn="tl" rotWithShape="0">
+              <a:srgbClr val="000000">
+                <a:alpha val="40000"/>
+              </a:srgbClr>
+            </a:outerShdw>
+          </a:effectLst>
+          <a:scene3d>
+            <a:camera prst="orthographicFront"/>
+            <a:lightRig rig="twoPt" dir="t">
+              <a:rot lat="0" lon="0" rev="7200000"/>
+            </a:lightRig>
+          </a:scene3d>
+          <a:sp3d>
+            <a:bevelT w="25400" h="19050"/>
+            <a:contourClr>
+              <a:srgbClr val="FFFFFF"/>
+            </a:contourClr>
+          </a:sp3d>
+        </p:spPr>
+      </p:pic>
+      <p:pic>
+        <p:nvPicPr>
+          <p:cNvPr id="4" name="圖片 3">
+            <a:extLst>
+              <a:ext uri="{FF2B5EF4-FFF2-40B4-BE49-F238E27FC236}">
+                <a16:creationId xmlns:a16="http://schemas.microsoft.com/office/drawing/2014/main" id="{27F84B18-E983-4117-B388-23CCC93BFA5F}"/>
+              </a:ext>
+            </a:extLst>
+          </p:cNvPr>
+          <p:cNvPicPr>
+            <a:picLocks noChangeAspect="1"/>
+          </p:cNvPicPr>
+          <p:nvPr/>
+        </p:nvPicPr>
+        <p:blipFill>
+          <a:blip r:embed="rId3"/>
+          <a:stretch>
+            <a:fillRect/>
+          </a:stretch>
+        </p:blipFill>
+        <p:spPr>
+          <a:xfrm>
+            <a:off x="5871260" y="1204120"/>
+            <a:ext cx="3215850" cy="2529320"/>
+          </a:xfrm>
+          <a:prstGeom prst="rect">
+            <a:avLst/>
+          </a:prstGeom>
+          <a:solidFill>
+            <a:srgbClr val="FFFFFF">
+              <a:shade val="85000"/>
+            </a:srgbClr>
+          </a:solidFill>
+          <a:ln w="88900" cap="sq">
+            <a:solidFill>
+              <a:srgbClr val="FFFFFF"/>
+            </a:solidFill>
+            <a:miter lim="800000"/>
+          </a:ln>
+          <a:effectLst>
+            <a:outerShdw blurRad="55000" dist="18000" dir="5400000" algn="tl" rotWithShape="0">
+              <a:srgbClr val="000000">
+                <a:alpha val="40000"/>
+              </a:srgbClr>
+            </a:outerShdw>
+          </a:effectLst>
+          <a:scene3d>
+            <a:camera prst="orthographicFront"/>
+            <a:lightRig rig="twoPt" dir="t">
+              <a:rot lat="0" lon="0" rev="7200000"/>
+            </a:lightRig>
+          </a:scene3d>
+          <a:sp3d>
+            <a:bevelT w="25400" h="19050"/>
+            <a:contourClr>
+              <a:srgbClr val="FFFFFF"/>
+            </a:contourClr>
+          </a:sp3d>
+        </p:spPr>
+      </p:pic>
+    </p:spTree>
+    <p:extLst>
+      <p:ext uri="{BB962C8B-B14F-4D97-AF65-F5344CB8AC3E}">
+        <p14:creationId xmlns:p14="http://schemas.microsoft.com/office/powerpoint/2010/main" val="3979032157"/>
+      </p:ext>
+    </p:extLst>
+  </p:cSld>
+  <p:clrMapOvr>
+    <a:masterClrMapping/>
+  </p:clrMapOvr>
+</p:sld>
+</file>
+
+<file path=ppt/slides/slide15.xml><?xml version="1.0" encoding="utf-8"?>
+<p:sld xmlns:a="http://schemas.openxmlformats.org/drawingml/2006/main" xmlns:r="http://schemas.openxmlformats.org/officeDocument/2006/relationships" xmlns:p="http://schemas.openxmlformats.org/presentationml/2006/main">
+  <p:cSld>
+    <p:spTree>
+      <p:nvGrpSpPr>
+        <p:cNvPr id="1" name=""/>
+        <p:cNvGrpSpPr/>
+        <p:nvPr/>
+      </p:nvGrpSpPr>
+      <p:grpSpPr>
+        <a:xfrm>
+          <a:off x="0" y="0"/>
+          <a:ext cx="0" cy="0"/>
+          <a:chOff x="0" y="0"/>
+          <a:chExt cx="0" cy="0"/>
+        </a:xfrm>
+      </p:grpSpPr>
+      <p:pic>
+        <p:nvPicPr>
+          <p:cNvPr id="3" name="圖片 2">
+            <a:extLst>
+              <a:ext uri="{FF2B5EF4-FFF2-40B4-BE49-F238E27FC236}">
+                <a16:creationId xmlns:a16="http://schemas.microsoft.com/office/drawing/2014/main" id="{EF1C8085-9809-4BB3-814A-95DB1DF1C997}"/>
+              </a:ext>
+            </a:extLst>
+          </p:cNvPr>
+          <p:cNvPicPr>
+            <a:picLocks noChangeAspect="1"/>
+          </p:cNvPicPr>
+          <p:nvPr/>
+        </p:nvPicPr>
+        <p:blipFill>
+          <a:blip r:embed="rId2"/>
+          <a:stretch>
+            <a:fillRect/>
+          </a:stretch>
+        </p:blipFill>
+        <p:spPr>
+          <a:xfrm>
+            <a:off x="7975303" y="3428999"/>
+            <a:ext cx="3524114" cy="2771775"/>
+          </a:xfrm>
+          <a:prstGeom prst="rect">
+            <a:avLst/>
+          </a:prstGeom>
+          <a:solidFill>
+            <a:srgbClr val="FFFFFF">
+              <a:shade val="85000"/>
+            </a:srgbClr>
+          </a:solidFill>
+          <a:ln w="88900" cap="sq">
+            <a:solidFill>
+              <a:srgbClr val="FFFFFF"/>
+            </a:solidFill>
+            <a:miter lim="800000"/>
+          </a:ln>
+          <a:effectLst>
+            <a:outerShdw blurRad="55000" dist="18000" dir="5400000" algn="tl" rotWithShape="0">
+              <a:srgbClr val="000000">
+                <a:alpha val="40000"/>
+              </a:srgbClr>
+            </a:outerShdw>
+          </a:effectLst>
+          <a:scene3d>
+            <a:camera prst="orthographicFront"/>
+            <a:lightRig rig="twoPt" dir="t">
+              <a:rot lat="0" lon="0" rev="7200000"/>
+            </a:lightRig>
+          </a:scene3d>
+          <a:sp3d>
+            <a:bevelT w="25400" h="19050"/>
+            <a:contourClr>
+              <a:srgbClr val="FFFFFF"/>
+            </a:contourClr>
+          </a:sp3d>
+        </p:spPr>
+      </p:pic>
+      <p:sp>
+        <p:nvSpPr>
+          <p:cNvPr id="88" name="文本框 91">
+            <a:extLst>
+              <a:ext uri="{FF2B5EF4-FFF2-40B4-BE49-F238E27FC236}">
+                <a16:creationId xmlns:a16="http://schemas.microsoft.com/office/drawing/2014/main" id="{1733BB9A-E989-4603-BA2A-4288FD8ECCF5}"/>
+              </a:ext>
+            </a:extLst>
+          </p:cNvPr>
+          <p:cNvSpPr txBox="1">
+            <a:spLocks noChangeArrowheads="1"/>
+          </p:cNvSpPr>
+          <p:nvPr/>
+        </p:nvSpPr>
+        <p:spPr bwMode="auto">
+          <a:xfrm>
+            <a:off x="233476" y="282575"/>
+            <a:ext cx="5057795" cy="707886"/>
+          </a:xfrm>
+          <a:prstGeom prst="rect">
+            <a:avLst/>
+          </a:prstGeom>
+          <a:noFill/>
+          <a:ln>
+            <a:noFill/>
+          </a:ln>
+          <a:extLst>
+            <a:ext uri="{909E8E84-426E-40DD-AFC4-6F175D3DCCD1}">
+              <a14:hiddenFill xmlns:a14="http://schemas.microsoft.com/office/drawing/2010/main">
+                <a:solidFill>
+                  <a:srgbClr val="FFFFFF"/>
+                </a:solidFill>
+              </a14:hiddenFill>
+            </a:ext>
+            <a:ext uri="{91240B29-F687-4F45-9708-019B960494DF}">
+              <a14:hiddenLine xmlns:a14="http://schemas.microsoft.com/office/drawing/2010/main" w="9525">
+                <a:solidFill>
+                  <a:srgbClr val="000000"/>
+                </a:solidFill>
+                <a:miter lim="800000"/>
+                <a:headEnd/>
+                <a:tailEnd/>
+              </a14:hiddenLine>
+            </a:ext>
+          </a:extLst>
+        </p:spPr>
+        <p:txBody>
+          <a:bodyPr wrap="none">
+            <a:spAutoFit/>
+          </a:bodyPr>
+          <a:lstStyle>
+            <a:lvl1pPr>
+              <a:defRPr>
+                <a:solidFill>
+                  <a:schemeClr val="tx1"/>
+                </a:solidFill>
+                <a:latin typeface="Calibri" panose="020F0502020204030204" pitchFamily="34" charset="0"/>
+                <a:ea typeface="微软雅黑 Light" panose="020B0502040204020203" pitchFamily="34" charset="-122"/>
+              </a:defRPr>
+            </a:lvl1pPr>
+            <a:lvl2pPr marL="742950" indent="-285750">
+              <a:defRPr>
+                <a:solidFill>
+                  <a:schemeClr val="tx1"/>
+                </a:solidFill>
+                <a:latin typeface="Calibri" panose="020F0502020204030204" pitchFamily="34" charset="0"/>
+                <a:ea typeface="微软雅黑 Light" panose="020B0502040204020203" pitchFamily="34" charset="-122"/>
+              </a:defRPr>
+            </a:lvl2pPr>
+            <a:lvl3pPr marL="1143000" indent="-228600">
+              <a:defRPr>
+                <a:solidFill>
+                  <a:schemeClr val="tx1"/>
+                </a:solidFill>
+                <a:latin typeface="Calibri" panose="020F0502020204030204" pitchFamily="34" charset="0"/>
+                <a:ea typeface="微软雅黑 Light" panose="020B0502040204020203" pitchFamily="34" charset="-122"/>
+              </a:defRPr>
+            </a:lvl3pPr>
+            <a:lvl4pPr marL="1600200" indent="-228600">
+              <a:defRPr>
+                <a:solidFill>
+                  <a:schemeClr val="tx1"/>
+                </a:solidFill>
+                <a:latin typeface="Calibri" panose="020F0502020204030204" pitchFamily="34" charset="0"/>
+                <a:ea typeface="微软雅黑 Light" panose="020B0502040204020203" pitchFamily="34" charset="-122"/>
+              </a:defRPr>
+            </a:lvl4pPr>
+            <a:lvl5pPr marL="2057400" indent="-228600">
+              <a:defRPr>
+                <a:solidFill>
+                  <a:schemeClr val="tx1"/>
+                </a:solidFill>
+                <a:latin typeface="Calibri" panose="020F0502020204030204" pitchFamily="34" charset="0"/>
+                <a:ea typeface="微软雅黑 Light" panose="020B0502040204020203" pitchFamily="34" charset="-122"/>
+              </a:defRPr>
+            </a:lvl5pPr>
+            <a:lvl6pPr marL="2514600" indent="-228600" eaLnBrk="0" fontAlgn="base" hangingPunct="0">
+              <a:spcBef>
+                <a:spcPct val="0"/>
+              </a:spcBef>
+              <a:spcAft>
+                <a:spcPct val="0"/>
+              </a:spcAft>
+              <a:defRPr>
+                <a:solidFill>
+                  <a:schemeClr val="tx1"/>
+                </a:solidFill>
+                <a:latin typeface="Calibri" panose="020F0502020204030204" pitchFamily="34" charset="0"/>
+                <a:ea typeface="微软雅黑 Light" panose="020B0502040204020203" pitchFamily="34" charset="-122"/>
+              </a:defRPr>
+            </a:lvl6pPr>
+            <a:lvl7pPr marL="2971800" indent="-228600" eaLnBrk="0" fontAlgn="base" hangingPunct="0">
+              <a:spcBef>
+                <a:spcPct val="0"/>
+              </a:spcBef>
+              <a:spcAft>
+                <a:spcPct val="0"/>
+              </a:spcAft>
+              <a:defRPr>
+                <a:solidFill>
+                  <a:schemeClr val="tx1"/>
+                </a:solidFill>
+                <a:latin typeface="Calibri" panose="020F0502020204030204" pitchFamily="34" charset="0"/>
+                <a:ea typeface="微软雅黑 Light" panose="020B0502040204020203" pitchFamily="34" charset="-122"/>
+              </a:defRPr>
+            </a:lvl7pPr>
+            <a:lvl8pPr marL="3429000" indent="-228600" eaLnBrk="0" fontAlgn="base" hangingPunct="0">
+              <a:spcBef>
+                <a:spcPct val="0"/>
+              </a:spcBef>
+              <a:spcAft>
+                <a:spcPct val="0"/>
+              </a:spcAft>
+              <a:defRPr>
+                <a:solidFill>
+                  <a:schemeClr val="tx1"/>
+                </a:solidFill>
+                <a:latin typeface="Calibri" panose="020F0502020204030204" pitchFamily="34" charset="0"/>
+                <a:ea typeface="微软雅黑 Light" panose="020B0502040204020203" pitchFamily="34" charset="-122"/>
+              </a:defRPr>
+            </a:lvl8pPr>
+            <a:lvl9pPr marL="3886200" indent="-228600" eaLnBrk="0" fontAlgn="base" hangingPunct="0">
+              <a:spcBef>
+                <a:spcPct val="0"/>
+              </a:spcBef>
+              <a:spcAft>
+                <a:spcPct val="0"/>
+              </a:spcAft>
+              <a:defRPr>
+                <a:solidFill>
+                  <a:schemeClr val="tx1"/>
+                </a:solidFill>
+                <a:latin typeface="Calibri" panose="020F0502020204030204" pitchFamily="34" charset="0"/>
+                <a:ea typeface="微软雅黑 Light" panose="020B0502040204020203" pitchFamily="34" charset="-122"/>
+              </a:defRPr>
+            </a:lvl9pPr>
+          </a:lstStyle>
+          <a:p>
+            <a:pPr eaLnBrk="1" hangingPunct="1">
+              <a:buFont typeface="Arial" panose="020B0604020202020204" pitchFamily="34" charset="0"/>
+              <a:buNone/>
+            </a:pPr>
+            <a:r>
+              <a:rPr lang="zh-TW" altLang="en-US" sz="4000" b="1" dirty="0">
+                <a:solidFill>
+                  <a:schemeClr val="accent1"/>
+                </a:solidFill>
+                <a:latin typeface="華康中黑體" panose="020B0509000000000000" pitchFamily="49" charset="-120"/>
+                <a:ea typeface="華康中黑體" panose="020B0509000000000000" pitchFamily="49" charset="-120"/>
+                <a:cs typeface="華康中黑體" panose="020B0509000000000000" pitchFamily="49" charset="-120"/>
+              </a:rPr>
+              <a:t>操作流程</a:t>
+            </a:r>
+            <a:r>
+              <a:rPr lang="en-US" altLang="zh-TW" sz="4000" b="1" dirty="0">
+                <a:solidFill>
+                  <a:schemeClr val="accent1"/>
+                </a:solidFill>
+                <a:latin typeface="華康中黑體" panose="020B0509000000000000" pitchFamily="49" charset="-120"/>
+                <a:ea typeface="華康中黑體" panose="020B0509000000000000" pitchFamily="49" charset="-120"/>
+                <a:cs typeface="華康中黑體" panose="020B0509000000000000" pitchFamily="49" charset="-120"/>
+              </a:rPr>
+              <a:t>-</a:t>
+            </a:r>
+            <a:r>
+              <a:rPr lang="zh-TW" altLang="en-US" sz="4000" b="1" dirty="0">
+                <a:solidFill>
+                  <a:schemeClr val="accent1"/>
+                </a:solidFill>
+                <a:latin typeface="華康中黑體" panose="020B0509000000000000" pitchFamily="49" charset="-120"/>
+                <a:ea typeface="華康中黑體" panose="020B0509000000000000" pitchFamily="49" charset="-120"/>
+                <a:cs typeface="華康中黑體" panose="020B0509000000000000" pitchFamily="49" charset="-120"/>
+              </a:rPr>
+              <a:t>修改會議室</a:t>
+            </a:r>
+            <a:endParaRPr lang="zh-CN" altLang="en-US" sz="4000" b="1" dirty="0">
+              <a:solidFill>
+                <a:schemeClr val="accent1"/>
+              </a:solidFill>
+              <a:latin typeface="華康中黑體" panose="020B0509000000000000" pitchFamily="49" charset="-120"/>
+              <a:ea typeface="華康中黑體" panose="020B0509000000000000" pitchFamily="49" charset="-120"/>
+              <a:cs typeface="華康中黑體" panose="020B0509000000000000" pitchFamily="49" charset="-120"/>
+            </a:endParaRPr>
+          </a:p>
+        </p:txBody>
+      </p:sp>
+      <p:sp>
+        <p:nvSpPr>
+          <p:cNvPr id="5" name="內容版面配置區 4">
+            <a:extLst>
+              <a:ext uri="{FF2B5EF4-FFF2-40B4-BE49-F238E27FC236}">
+                <a16:creationId xmlns:a16="http://schemas.microsoft.com/office/drawing/2014/main" id="{25A9D972-83FC-4C7F-B4A4-B18AD8AA58BE}"/>
+              </a:ext>
+            </a:extLst>
+          </p:cNvPr>
+          <p:cNvSpPr>
+            <a:spLocks noGrp="1"/>
+          </p:cNvSpPr>
+          <p:nvPr>
+            <p:ph idx="1"/>
+          </p:nvPr>
+        </p:nvSpPr>
+        <p:spPr>
+          <a:xfrm>
+            <a:off x="950601" y="1557771"/>
+            <a:ext cx="4851400" cy="4351338"/>
+          </a:xfrm>
+        </p:spPr>
+        <p:txBody>
+          <a:bodyPr/>
+          <a:lstStyle/>
+          <a:p>
+            <a:pPr marL="514350" indent="-514350">
+              <a:buAutoNum type="arabicPeriod"/>
+            </a:pPr>
+            <a:r>
+              <a:rPr lang="zh-TW" altLang="en-US" dirty="0"/>
+              <a:t>選擇欲修改房間</a:t>
+            </a:r>
+            <a:endParaRPr lang="en-US" altLang="zh-TW" dirty="0"/>
+          </a:p>
+          <a:p>
+            <a:pPr marL="514350" indent="-514350">
+              <a:buAutoNum type="arabicPeriod"/>
+            </a:pPr>
+            <a:r>
+              <a:rPr lang="zh-TW" altLang="en-US" dirty="0"/>
+              <a:t>填入房間新名稱</a:t>
+            </a:r>
+            <a:endParaRPr lang="en-US" altLang="zh-TW" dirty="0"/>
+          </a:p>
+          <a:p>
+            <a:pPr marL="514350" indent="-514350">
+              <a:buAutoNum type="arabicPeriod"/>
+            </a:pPr>
+            <a:r>
+              <a:rPr lang="zh-TW" altLang="en-US" dirty="0"/>
+              <a:t>點選修改</a:t>
+            </a:r>
+            <a:endParaRPr lang="en-US" altLang="zh-TW" dirty="0"/>
+          </a:p>
+          <a:p>
+            <a:pPr marL="514350" indent="-514350">
+              <a:buAutoNum type="arabicPeriod"/>
+            </a:pPr>
+            <a:r>
+              <a:rPr lang="zh-TW" altLang="en-US" dirty="0"/>
+              <a:t>成功修改房間</a:t>
+            </a:r>
+            <a:endParaRPr lang="en-US" altLang="zh-TW" dirty="0"/>
+          </a:p>
+        </p:txBody>
+      </p:sp>
+      <p:pic>
+        <p:nvPicPr>
+          <p:cNvPr id="2" name="圖片 1">
+            <a:extLst>
+              <a:ext uri="{FF2B5EF4-FFF2-40B4-BE49-F238E27FC236}">
+                <a16:creationId xmlns:a16="http://schemas.microsoft.com/office/drawing/2014/main" id="{24CF9A0E-6F81-4185-BFD3-080077D74D62}"/>
+              </a:ext>
+            </a:extLst>
+          </p:cNvPr>
+          <p:cNvPicPr>
+            <a:picLocks noChangeAspect="1"/>
+          </p:cNvPicPr>
+          <p:nvPr/>
+        </p:nvPicPr>
+        <p:blipFill>
+          <a:blip r:embed="rId3"/>
+          <a:stretch>
+            <a:fillRect/>
+          </a:stretch>
+        </p:blipFill>
+        <p:spPr>
+          <a:xfrm>
+            <a:off x="5871260" y="1204121"/>
+            <a:ext cx="3215850" cy="2529320"/>
+          </a:xfrm>
+          <a:prstGeom prst="rect">
+            <a:avLst/>
+          </a:prstGeom>
+          <a:solidFill>
+            <a:srgbClr val="FFFFFF">
+              <a:shade val="85000"/>
+            </a:srgbClr>
+          </a:solidFill>
+          <a:ln w="88900" cap="sq">
+            <a:solidFill>
+              <a:srgbClr val="FFFFFF"/>
+            </a:solidFill>
+            <a:miter lim="800000"/>
+          </a:ln>
+          <a:effectLst>
+            <a:outerShdw blurRad="55000" dist="18000" dir="5400000" algn="tl" rotWithShape="0">
+              <a:srgbClr val="000000">
+                <a:alpha val="40000"/>
+              </a:srgbClr>
+            </a:outerShdw>
+          </a:effectLst>
+          <a:scene3d>
+            <a:camera prst="orthographicFront"/>
+            <a:lightRig rig="twoPt" dir="t">
+              <a:rot lat="0" lon="0" rev="7200000"/>
+            </a:lightRig>
+          </a:scene3d>
+          <a:sp3d>
+            <a:bevelT w="25400" h="19050"/>
+            <a:contourClr>
+              <a:srgbClr val="FFFFFF"/>
+            </a:contourClr>
+          </a:sp3d>
+        </p:spPr>
+      </p:pic>
+    </p:spTree>
+    <p:extLst>
+      <p:ext uri="{BB962C8B-B14F-4D97-AF65-F5344CB8AC3E}">
+        <p14:creationId xmlns:p14="http://schemas.microsoft.com/office/powerpoint/2010/main" val="1038630312"/>
+      </p:ext>
+    </p:extLst>
+  </p:cSld>
+  <p:clrMapOvr>
+    <a:masterClrMapping/>
+  </p:clrMapOvr>
+</p:sld>
+</file>
+
+<file path=ppt/slides/slide16.xml><?xml version="1.0" encoding="utf-8"?>
+<p:sld xmlns:a="http://schemas.openxmlformats.org/drawingml/2006/main" xmlns:r="http://schemas.openxmlformats.org/officeDocument/2006/relationships" xmlns:p="http://schemas.openxmlformats.org/presentationml/2006/main">
+  <p:cSld>
+    <p:spTree>
+      <p:nvGrpSpPr>
+        <p:cNvPr id="1" name=""/>
+        <p:cNvGrpSpPr/>
+        <p:nvPr/>
+      </p:nvGrpSpPr>
+      <p:grpSpPr>
+        <a:xfrm>
+          <a:off x="0" y="0"/>
+          <a:ext cx="0" cy="0"/>
+          <a:chOff x="0" y="0"/>
+          <a:chExt cx="0" cy="0"/>
+        </a:xfrm>
+      </p:grpSpPr>
+      <p:pic>
+        <p:nvPicPr>
+          <p:cNvPr id="6" name="圖片 5">
+            <a:extLst>
+              <a:ext uri="{FF2B5EF4-FFF2-40B4-BE49-F238E27FC236}">
+                <a16:creationId xmlns:a16="http://schemas.microsoft.com/office/drawing/2014/main" id="{6DD952DC-5941-4FC7-B9B6-6A1A387CF4A2}"/>
+              </a:ext>
+            </a:extLst>
+          </p:cNvPr>
+          <p:cNvPicPr>
+            <a:picLocks noChangeAspect="1"/>
+          </p:cNvPicPr>
+          <p:nvPr/>
+        </p:nvPicPr>
+        <p:blipFill>
+          <a:blip r:embed="rId2"/>
+          <a:stretch>
+            <a:fillRect/>
+          </a:stretch>
+        </p:blipFill>
+        <p:spPr>
+          <a:xfrm>
+            <a:off x="7975303" y="3428999"/>
+            <a:ext cx="3524114" cy="2771775"/>
+          </a:xfrm>
+          <a:prstGeom prst="rect">
+            <a:avLst/>
+          </a:prstGeom>
+          <a:solidFill>
+            <a:srgbClr val="FFFFFF">
+              <a:shade val="85000"/>
+            </a:srgbClr>
+          </a:solidFill>
+          <a:ln w="88900" cap="sq">
+            <a:solidFill>
+              <a:srgbClr val="FFFFFF"/>
+            </a:solidFill>
+            <a:miter lim="800000"/>
+          </a:ln>
+          <a:effectLst>
+            <a:outerShdw blurRad="55000" dist="18000" dir="5400000" algn="tl" rotWithShape="0">
+              <a:srgbClr val="000000">
+                <a:alpha val="40000"/>
+              </a:srgbClr>
+            </a:outerShdw>
+          </a:effectLst>
+          <a:scene3d>
+            <a:camera prst="orthographicFront"/>
+            <a:lightRig rig="twoPt" dir="t">
+              <a:rot lat="0" lon="0" rev="7200000"/>
+            </a:lightRig>
+          </a:scene3d>
+          <a:sp3d>
+            <a:bevelT w="25400" h="19050"/>
+            <a:contourClr>
+              <a:srgbClr val="FFFFFF"/>
+            </a:contourClr>
+          </a:sp3d>
+        </p:spPr>
+      </p:pic>
+      <p:sp>
+        <p:nvSpPr>
+          <p:cNvPr id="88" name="文本框 91">
+            <a:extLst>
+              <a:ext uri="{FF2B5EF4-FFF2-40B4-BE49-F238E27FC236}">
+                <a16:creationId xmlns:a16="http://schemas.microsoft.com/office/drawing/2014/main" id="{1733BB9A-E989-4603-BA2A-4288FD8ECCF5}"/>
+              </a:ext>
+            </a:extLst>
+          </p:cNvPr>
+          <p:cNvSpPr txBox="1">
+            <a:spLocks noChangeArrowheads="1"/>
+          </p:cNvSpPr>
+          <p:nvPr/>
+        </p:nvSpPr>
+        <p:spPr bwMode="auto">
+          <a:xfrm>
+            <a:off x="233476" y="282575"/>
+            <a:ext cx="5057795" cy="707886"/>
+          </a:xfrm>
+          <a:prstGeom prst="rect">
+            <a:avLst/>
+          </a:prstGeom>
+          <a:noFill/>
+          <a:ln>
+            <a:noFill/>
+          </a:ln>
+          <a:extLst>
+            <a:ext uri="{909E8E84-426E-40DD-AFC4-6F175D3DCCD1}">
+              <a14:hiddenFill xmlns:a14="http://schemas.microsoft.com/office/drawing/2010/main">
+                <a:solidFill>
+                  <a:srgbClr val="FFFFFF"/>
+                </a:solidFill>
+              </a14:hiddenFill>
+            </a:ext>
+            <a:ext uri="{91240B29-F687-4F45-9708-019B960494DF}">
+              <a14:hiddenLine xmlns:a14="http://schemas.microsoft.com/office/drawing/2010/main" w="9525">
+                <a:solidFill>
+                  <a:srgbClr val="000000"/>
+                </a:solidFill>
+                <a:miter lim="800000"/>
+                <a:headEnd/>
+                <a:tailEnd/>
+              </a14:hiddenLine>
+            </a:ext>
+          </a:extLst>
+        </p:spPr>
+        <p:txBody>
+          <a:bodyPr wrap="none">
+            <a:spAutoFit/>
+          </a:bodyPr>
+          <a:lstStyle>
+            <a:lvl1pPr>
+              <a:defRPr>
+                <a:solidFill>
+                  <a:schemeClr val="tx1"/>
+                </a:solidFill>
+                <a:latin typeface="Calibri" panose="020F0502020204030204" pitchFamily="34" charset="0"/>
+                <a:ea typeface="微软雅黑 Light" panose="020B0502040204020203" pitchFamily="34" charset="-122"/>
+              </a:defRPr>
+            </a:lvl1pPr>
+            <a:lvl2pPr marL="742950" indent="-285750">
+              <a:defRPr>
+                <a:solidFill>
+                  <a:schemeClr val="tx1"/>
+                </a:solidFill>
+                <a:latin typeface="Calibri" panose="020F0502020204030204" pitchFamily="34" charset="0"/>
+                <a:ea typeface="微软雅黑 Light" panose="020B0502040204020203" pitchFamily="34" charset="-122"/>
+              </a:defRPr>
+            </a:lvl2pPr>
+            <a:lvl3pPr marL="1143000" indent="-228600">
+              <a:defRPr>
+                <a:solidFill>
+                  <a:schemeClr val="tx1"/>
+                </a:solidFill>
+                <a:latin typeface="Calibri" panose="020F0502020204030204" pitchFamily="34" charset="0"/>
+                <a:ea typeface="微软雅黑 Light" panose="020B0502040204020203" pitchFamily="34" charset="-122"/>
+              </a:defRPr>
+            </a:lvl3pPr>
+            <a:lvl4pPr marL="1600200" indent="-228600">
+              <a:defRPr>
+                <a:solidFill>
+                  <a:schemeClr val="tx1"/>
+                </a:solidFill>
+                <a:latin typeface="Calibri" panose="020F0502020204030204" pitchFamily="34" charset="0"/>
+                <a:ea typeface="微软雅黑 Light" panose="020B0502040204020203" pitchFamily="34" charset="-122"/>
+              </a:defRPr>
+            </a:lvl4pPr>
+            <a:lvl5pPr marL="2057400" indent="-228600">
+              <a:defRPr>
+                <a:solidFill>
+                  <a:schemeClr val="tx1"/>
+                </a:solidFill>
+                <a:latin typeface="Calibri" panose="020F0502020204030204" pitchFamily="34" charset="0"/>
+                <a:ea typeface="微软雅黑 Light" panose="020B0502040204020203" pitchFamily="34" charset="-122"/>
+              </a:defRPr>
+            </a:lvl5pPr>
+            <a:lvl6pPr marL="2514600" indent="-228600" eaLnBrk="0" fontAlgn="base" hangingPunct="0">
+              <a:spcBef>
+                <a:spcPct val="0"/>
+              </a:spcBef>
+              <a:spcAft>
+                <a:spcPct val="0"/>
+              </a:spcAft>
+              <a:defRPr>
+                <a:solidFill>
+                  <a:schemeClr val="tx1"/>
+                </a:solidFill>
+                <a:latin typeface="Calibri" panose="020F0502020204030204" pitchFamily="34" charset="0"/>
+                <a:ea typeface="微软雅黑 Light" panose="020B0502040204020203" pitchFamily="34" charset="-122"/>
+              </a:defRPr>
+            </a:lvl6pPr>
+            <a:lvl7pPr marL="2971800" indent="-228600" eaLnBrk="0" fontAlgn="base" hangingPunct="0">
+              <a:spcBef>
+                <a:spcPct val="0"/>
+              </a:spcBef>
+              <a:spcAft>
+                <a:spcPct val="0"/>
+              </a:spcAft>
+              <a:defRPr>
+                <a:solidFill>
+                  <a:schemeClr val="tx1"/>
+                </a:solidFill>
+                <a:latin typeface="Calibri" panose="020F0502020204030204" pitchFamily="34" charset="0"/>
+                <a:ea typeface="微软雅黑 Light" panose="020B0502040204020203" pitchFamily="34" charset="-122"/>
+              </a:defRPr>
+            </a:lvl7pPr>
+            <a:lvl8pPr marL="3429000" indent="-228600" eaLnBrk="0" fontAlgn="base" hangingPunct="0">
+              <a:spcBef>
+                <a:spcPct val="0"/>
+              </a:spcBef>
+              <a:spcAft>
+                <a:spcPct val="0"/>
+              </a:spcAft>
+              <a:defRPr>
+                <a:solidFill>
+                  <a:schemeClr val="tx1"/>
+                </a:solidFill>
+                <a:latin typeface="Calibri" panose="020F0502020204030204" pitchFamily="34" charset="0"/>
+                <a:ea typeface="微软雅黑 Light" panose="020B0502040204020203" pitchFamily="34" charset="-122"/>
+              </a:defRPr>
+            </a:lvl8pPr>
+            <a:lvl9pPr marL="3886200" indent="-228600" eaLnBrk="0" fontAlgn="base" hangingPunct="0">
+              <a:spcBef>
+                <a:spcPct val="0"/>
+              </a:spcBef>
+              <a:spcAft>
+                <a:spcPct val="0"/>
+              </a:spcAft>
+              <a:defRPr>
+                <a:solidFill>
+                  <a:schemeClr val="tx1"/>
+                </a:solidFill>
+                <a:latin typeface="Calibri" panose="020F0502020204030204" pitchFamily="34" charset="0"/>
+                <a:ea typeface="微软雅黑 Light" panose="020B0502040204020203" pitchFamily="34" charset="-122"/>
+              </a:defRPr>
+            </a:lvl9pPr>
+          </a:lstStyle>
+          <a:p>
+            <a:pPr eaLnBrk="1" hangingPunct="1">
+              <a:buFont typeface="Arial" panose="020B0604020202020204" pitchFamily="34" charset="0"/>
+              <a:buNone/>
+            </a:pPr>
+            <a:r>
+              <a:rPr lang="zh-TW" altLang="en-US" sz="4000" b="1" dirty="0">
+                <a:solidFill>
+                  <a:schemeClr val="accent1"/>
+                </a:solidFill>
+                <a:latin typeface="華康中黑體" panose="020B0509000000000000" pitchFamily="49" charset="-120"/>
+                <a:ea typeface="華康中黑體" panose="020B0509000000000000" pitchFamily="49" charset="-120"/>
+                <a:cs typeface="華康中黑體" panose="020B0509000000000000" pitchFamily="49" charset="-120"/>
+              </a:rPr>
+              <a:t>操作流程</a:t>
+            </a:r>
+            <a:r>
+              <a:rPr lang="en-US" altLang="zh-TW" sz="4000" b="1" dirty="0">
+                <a:solidFill>
+                  <a:schemeClr val="accent1"/>
+                </a:solidFill>
+                <a:latin typeface="華康中黑體" panose="020B0509000000000000" pitchFamily="49" charset="-120"/>
+                <a:ea typeface="華康中黑體" panose="020B0509000000000000" pitchFamily="49" charset="-120"/>
+                <a:cs typeface="華康中黑體" panose="020B0509000000000000" pitchFamily="49" charset="-120"/>
+              </a:rPr>
+              <a:t>-</a:t>
+            </a:r>
+            <a:r>
+              <a:rPr lang="zh-TW" altLang="en-US" sz="4000" b="1" dirty="0">
+                <a:solidFill>
+                  <a:schemeClr val="accent1"/>
+                </a:solidFill>
+                <a:latin typeface="華康中黑體" panose="020B0509000000000000" pitchFamily="49" charset="-120"/>
+                <a:ea typeface="華康中黑體" panose="020B0509000000000000" pitchFamily="49" charset="-120"/>
+                <a:cs typeface="華康中黑體" panose="020B0509000000000000" pitchFamily="49" charset="-120"/>
+              </a:rPr>
+              <a:t>刪除會議室</a:t>
+            </a:r>
+            <a:endParaRPr lang="zh-CN" altLang="en-US" sz="4000" b="1" dirty="0">
+              <a:solidFill>
+                <a:schemeClr val="accent1"/>
+              </a:solidFill>
+              <a:latin typeface="華康中黑體" panose="020B0509000000000000" pitchFamily="49" charset="-120"/>
+              <a:ea typeface="華康中黑體" panose="020B0509000000000000" pitchFamily="49" charset="-120"/>
+              <a:cs typeface="華康中黑體" panose="020B0509000000000000" pitchFamily="49" charset="-120"/>
+            </a:endParaRPr>
+          </a:p>
+        </p:txBody>
+      </p:sp>
+      <p:sp>
+        <p:nvSpPr>
+          <p:cNvPr id="5" name="內容版面配置區 4">
+            <a:extLst>
+              <a:ext uri="{FF2B5EF4-FFF2-40B4-BE49-F238E27FC236}">
+                <a16:creationId xmlns:a16="http://schemas.microsoft.com/office/drawing/2014/main" id="{25A9D972-83FC-4C7F-B4A4-B18AD8AA58BE}"/>
+              </a:ext>
+            </a:extLst>
+          </p:cNvPr>
+          <p:cNvSpPr>
+            <a:spLocks noGrp="1"/>
+          </p:cNvSpPr>
+          <p:nvPr>
+            <p:ph idx="1"/>
+          </p:nvPr>
+        </p:nvSpPr>
+        <p:spPr>
+          <a:xfrm>
+            <a:off x="950601" y="1557771"/>
+            <a:ext cx="4851400" cy="4351338"/>
+          </a:xfrm>
+        </p:spPr>
+        <p:txBody>
+          <a:bodyPr/>
+          <a:lstStyle/>
+          <a:p>
+            <a:pPr marL="514350" indent="-514350">
+              <a:buAutoNum type="arabicPeriod"/>
+            </a:pPr>
+            <a:r>
+              <a:rPr lang="zh-TW" altLang="en-US" dirty="0"/>
+              <a:t>選擇欲刪除房間</a:t>
+            </a:r>
+            <a:endParaRPr lang="en-US" altLang="zh-TW" dirty="0"/>
+          </a:p>
+          <a:p>
+            <a:pPr marL="514350" indent="-514350">
+              <a:buAutoNum type="arabicPeriod"/>
+            </a:pPr>
+            <a:r>
+              <a:rPr lang="zh-TW" altLang="en-US" dirty="0"/>
+              <a:t>點選刪除</a:t>
+            </a:r>
+            <a:endParaRPr lang="en-US" altLang="zh-TW" dirty="0"/>
+          </a:p>
+          <a:p>
+            <a:pPr marL="514350" indent="-514350">
+              <a:buAutoNum type="arabicPeriod"/>
+            </a:pPr>
+            <a:r>
+              <a:rPr lang="zh-TW" altLang="en-US" dirty="0"/>
+              <a:t>成功刪除房間</a:t>
+            </a:r>
+            <a:endParaRPr lang="en-US" altLang="zh-TW" dirty="0"/>
+          </a:p>
+        </p:txBody>
+      </p:sp>
+      <p:pic>
+        <p:nvPicPr>
+          <p:cNvPr id="4" name="圖片 3">
+            <a:extLst>
+              <a:ext uri="{FF2B5EF4-FFF2-40B4-BE49-F238E27FC236}">
+                <a16:creationId xmlns:a16="http://schemas.microsoft.com/office/drawing/2014/main" id="{E8145734-34DF-4F6F-911E-D02280D3B54B}"/>
+              </a:ext>
+            </a:extLst>
+          </p:cNvPr>
+          <p:cNvPicPr>
+            <a:picLocks noChangeAspect="1"/>
+          </p:cNvPicPr>
+          <p:nvPr/>
+        </p:nvPicPr>
+        <p:blipFill>
+          <a:blip r:embed="rId3"/>
+          <a:stretch>
+            <a:fillRect/>
+          </a:stretch>
+        </p:blipFill>
+        <p:spPr>
+          <a:xfrm>
+            <a:off x="5871260" y="1204121"/>
+            <a:ext cx="3215850" cy="2529321"/>
+          </a:xfrm>
+          <a:prstGeom prst="rect">
+            <a:avLst/>
+          </a:prstGeom>
+          <a:solidFill>
+            <a:srgbClr val="FFFFFF">
+              <a:shade val="85000"/>
+            </a:srgbClr>
+          </a:solidFill>
+          <a:ln w="88900" cap="sq">
+            <a:solidFill>
+              <a:srgbClr val="FFFFFF"/>
+            </a:solidFill>
+            <a:miter lim="800000"/>
+          </a:ln>
+          <a:effectLst>
+            <a:outerShdw blurRad="55000" dist="18000" dir="5400000" algn="tl" rotWithShape="0">
+              <a:srgbClr val="000000">
+                <a:alpha val="40000"/>
+              </a:srgbClr>
+            </a:outerShdw>
+          </a:effectLst>
+          <a:scene3d>
+            <a:camera prst="orthographicFront"/>
+            <a:lightRig rig="twoPt" dir="t">
+              <a:rot lat="0" lon="0" rev="7200000"/>
+            </a:lightRig>
+          </a:scene3d>
+          <a:sp3d>
+            <a:bevelT w="25400" h="19050"/>
+            <a:contourClr>
+              <a:srgbClr val="FFFFFF"/>
+            </a:contourClr>
+          </a:sp3d>
+        </p:spPr>
+      </p:pic>
+    </p:spTree>
+    <p:extLst>
+      <p:ext uri="{BB962C8B-B14F-4D97-AF65-F5344CB8AC3E}">
+        <p14:creationId xmlns:p14="http://schemas.microsoft.com/office/powerpoint/2010/main" val="1698214300"/>
+      </p:ext>
+    </p:extLst>
+  </p:cSld>
+  <p:clrMapOvr>
+    <a:masterClrMapping/>
+  </p:clrMapOvr>
+</p:sld>
+</file>
+
+<file path=ppt/slides/slide17.xml><?xml version="1.0" encoding="utf-8"?>
+<p:sld xmlns:a="http://schemas.openxmlformats.org/drawingml/2006/main" xmlns:r="http://schemas.openxmlformats.org/officeDocument/2006/relationships" xmlns:p="http://schemas.openxmlformats.org/presentationml/2006/main">
+  <p:cSld>
+    <p:spTree>
+      <p:nvGrpSpPr>
+        <p:cNvPr id="1" name=""/>
+        <p:cNvGrpSpPr/>
+        <p:nvPr/>
+      </p:nvGrpSpPr>
+      <p:grpSpPr>
+        <a:xfrm>
+          <a:off x="0" y="0"/>
+          <a:ext cx="0" cy="0"/>
+          <a:chOff x="0" y="0"/>
+          <a:chExt cx="0" cy="0"/>
+        </a:xfrm>
+      </p:grpSpPr>
+      <p:sp>
+        <p:nvSpPr>
+          <p:cNvPr id="2" name="標題 1">
+            <a:extLst>
+              <a:ext uri="{FF2B5EF4-FFF2-40B4-BE49-F238E27FC236}">
+                <a16:creationId xmlns:a16="http://schemas.microsoft.com/office/drawing/2014/main" id="{40B2B9F6-1F69-44FC-93C5-B4AFDB3B5EDA}"/>
+              </a:ext>
+            </a:extLst>
+          </p:cNvPr>
+          <p:cNvSpPr>
+            <a:spLocks noGrp="1"/>
+          </p:cNvSpPr>
+          <p:nvPr>
+            <p:ph type="title"/>
+          </p:nvPr>
+        </p:nvSpPr>
+        <p:spPr/>
+        <p:txBody>
+          <a:bodyPr/>
+          <a:lstStyle/>
+          <a:p>
+            <a:r>
+              <a:rPr lang="en-US" altLang="zh-TW" dirty="0"/>
+              <a:t>Features</a:t>
+            </a:r>
+            <a:endParaRPr lang="zh-TW" altLang="en-US" dirty="0"/>
+          </a:p>
+        </p:txBody>
+      </p:sp>
+      <p:sp>
+        <p:nvSpPr>
+          <p:cNvPr id="3" name="內容版面配置區 2">
+            <a:extLst>
+              <a:ext uri="{FF2B5EF4-FFF2-40B4-BE49-F238E27FC236}">
+                <a16:creationId xmlns:a16="http://schemas.microsoft.com/office/drawing/2014/main" id="{301E3C50-4D62-4A14-B3ED-CFE48806A6E3}"/>
+              </a:ext>
+            </a:extLst>
+          </p:cNvPr>
+          <p:cNvSpPr>
+            <a:spLocks noGrp="1"/>
+          </p:cNvSpPr>
+          <p:nvPr>
+            <p:ph idx="1"/>
+          </p:nvPr>
+        </p:nvSpPr>
+        <p:spPr/>
+        <p:txBody>
+          <a:bodyPr>
+            <a:normAutofit/>
+          </a:bodyPr>
+          <a:lstStyle/>
+          <a:p>
+            <a:r>
+              <a:rPr lang="en-US" altLang="zh-TW" dirty="0"/>
+              <a:t>Flexible to make further change </a:t>
+            </a:r>
+          </a:p>
+          <a:p>
+            <a:r>
+              <a:rPr lang="en-US" altLang="zh-TW" dirty="0"/>
+              <a:t>Customized and Beautiful GUI</a:t>
+            </a:r>
+          </a:p>
+          <a:p>
+            <a:r>
+              <a:rPr lang="en-US" altLang="zh-TW" dirty="0"/>
+              <a:t>The change in the system will also apply to Google calendar</a:t>
+            </a:r>
+          </a:p>
+          <a:p>
+            <a:r>
+              <a:rPr lang="en-US" altLang="zh-TW" dirty="0"/>
+              <a:t>Very easy and convenient to use</a:t>
+            </a:r>
+          </a:p>
+        </p:txBody>
+      </p:sp>
+    </p:spTree>
+    <p:extLst>
+      <p:ext uri="{BB962C8B-B14F-4D97-AF65-F5344CB8AC3E}">
+        <p14:creationId xmlns:p14="http://schemas.microsoft.com/office/powerpoint/2010/main" val="1666400534"/>
+      </p:ext>
+    </p:extLst>
+  </p:cSld>
+  <p:clrMapOvr>
+    <a:masterClrMapping/>
+  </p:clrMapOvr>
+</p:sld>
+</file>
+
+<file path=ppt/slides/slide18.xml><?xml version="1.0" encoding="utf-8"?>
+<p:sld xmlns:a="http://schemas.openxmlformats.org/drawingml/2006/main" xmlns:r="http://schemas.openxmlformats.org/officeDocument/2006/relationships" xmlns:p="http://schemas.openxmlformats.org/presentationml/2006/main">
+  <p:cSld>
+    <p:spTree>
+      <p:nvGrpSpPr>
+        <p:cNvPr id="1" name=""/>
+        <p:cNvGrpSpPr/>
+        <p:nvPr/>
+      </p:nvGrpSpPr>
+      <p:grpSpPr>
+        <a:xfrm>
+          <a:off x="0" y="0"/>
+          <a:ext cx="0" cy="0"/>
+          <a:chOff x="0" y="0"/>
+          <a:chExt cx="0" cy="0"/>
+        </a:xfrm>
+      </p:grpSpPr>
+      <p:sp>
+        <p:nvSpPr>
+          <p:cNvPr id="2" name="標題 1">
+            <a:extLst>
+              <a:ext uri="{FF2B5EF4-FFF2-40B4-BE49-F238E27FC236}">
+                <a16:creationId xmlns:a16="http://schemas.microsoft.com/office/drawing/2014/main" id="{67FD610F-9BCC-466B-BB0A-07F5607EDDA8}"/>
+              </a:ext>
+            </a:extLst>
+          </p:cNvPr>
+          <p:cNvSpPr>
+            <a:spLocks noGrp="1"/>
+          </p:cNvSpPr>
+          <p:nvPr>
+            <p:ph type="title"/>
+          </p:nvPr>
+        </p:nvSpPr>
+        <p:spPr/>
+        <p:txBody>
+          <a:bodyPr/>
+          <a:lstStyle/>
+          <a:p>
+            <a:r>
+              <a:rPr lang="en-US" altLang="zh-TW" dirty="0"/>
+              <a:t>Limitation</a:t>
+            </a:r>
+            <a:endParaRPr lang="zh-TW" altLang="en-US" dirty="0"/>
+          </a:p>
+        </p:txBody>
+      </p:sp>
+      <p:sp>
+        <p:nvSpPr>
+          <p:cNvPr id="3" name="內容版面配置區 2">
+            <a:extLst>
+              <a:ext uri="{FF2B5EF4-FFF2-40B4-BE49-F238E27FC236}">
+                <a16:creationId xmlns:a16="http://schemas.microsoft.com/office/drawing/2014/main" id="{2C607F4A-630E-4FA9-B57C-73DAA03A46BD}"/>
+              </a:ext>
+            </a:extLst>
+          </p:cNvPr>
+          <p:cNvSpPr>
+            <a:spLocks noGrp="1"/>
+          </p:cNvSpPr>
+          <p:nvPr>
+            <p:ph idx="1"/>
+          </p:nvPr>
+        </p:nvSpPr>
+        <p:spPr/>
+        <p:txBody>
+          <a:bodyPr/>
+          <a:lstStyle/>
+          <a:p>
+            <a:r>
+              <a:rPr lang="en-US" altLang="zh-TW" dirty="0"/>
+              <a:t>The participant not allow two meeting at same time</a:t>
+            </a:r>
+          </a:p>
+          <a:p>
+            <a:r>
+              <a:rPr lang="en-US" altLang="zh-TW" dirty="0"/>
+              <a:t>The room not allow two meeting at same time</a:t>
+            </a:r>
+          </a:p>
+          <a:p>
+            <a:endParaRPr lang="zh-TW" altLang="en-US" dirty="0"/>
+          </a:p>
+        </p:txBody>
+      </p:sp>
+    </p:spTree>
+    <p:extLst>
+      <p:ext uri="{BB962C8B-B14F-4D97-AF65-F5344CB8AC3E}">
+        <p14:creationId xmlns:p14="http://schemas.microsoft.com/office/powerpoint/2010/main" val="382338284"/>
+      </p:ext>
+    </p:extLst>
+  </p:cSld>
+  <p:clrMapOvr>
+    <a:masterClrMapping/>
+  </p:clrMapOvr>
+</p:sld>
+</file>
+
+<file path=ppt/slides/slide19.xml><?xml version="1.0" encoding="utf-8"?>
+<p:sld xmlns:a="http://schemas.openxmlformats.org/drawingml/2006/main" xmlns:r="http://schemas.openxmlformats.org/officeDocument/2006/relationships" xmlns:p="http://schemas.openxmlformats.org/presentationml/2006/main">
+  <p:cSld>
+    <p:spTree>
+      <p:nvGrpSpPr>
+        <p:cNvPr id="1" name=""/>
+        <p:cNvGrpSpPr/>
+        <p:nvPr/>
+      </p:nvGrpSpPr>
+      <p:grpSpPr>
+        <a:xfrm>
+          <a:off x="0" y="0"/>
+          <a:ext cx="0" cy="0"/>
+          <a:chOff x="0" y="0"/>
+          <a:chExt cx="0" cy="0"/>
+        </a:xfrm>
+      </p:grpSpPr>
+      <p:sp>
+        <p:nvSpPr>
+          <p:cNvPr id="2" name="標題 1">
+            <a:extLst>
+              <a:ext uri="{FF2B5EF4-FFF2-40B4-BE49-F238E27FC236}">
+                <a16:creationId xmlns:a16="http://schemas.microsoft.com/office/drawing/2014/main" id="{2DB00714-1B56-4A68-BF83-CC48F46D67DE}"/>
+              </a:ext>
+            </a:extLst>
+          </p:cNvPr>
+          <p:cNvSpPr>
+            <a:spLocks noGrp="1"/>
+          </p:cNvSpPr>
+          <p:nvPr>
+            <p:ph type="title"/>
+          </p:nvPr>
+        </p:nvSpPr>
+        <p:spPr/>
+        <p:txBody>
+          <a:bodyPr/>
+          <a:lstStyle/>
+          <a:p>
+            <a:r>
+              <a:rPr lang="en-US" altLang="zh-TW" dirty="0"/>
+              <a:t>Functional requirements</a:t>
+            </a:r>
+            <a:endParaRPr lang="zh-TW" altLang="en-US" dirty="0"/>
+          </a:p>
+        </p:txBody>
+      </p:sp>
+      <p:sp>
+        <p:nvSpPr>
+          <p:cNvPr id="7" name="內容版面配置區 6">
+            <a:extLst>
+              <a:ext uri="{FF2B5EF4-FFF2-40B4-BE49-F238E27FC236}">
+                <a16:creationId xmlns:a16="http://schemas.microsoft.com/office/drawing/2014/main" id="{D3E015DE-03F4-46E2-9DEE-53CC3D8B1EBA}"/>
+              </a:ext>
+            </a:extLst>
+          </p:cNvPr>
+          <p:cNvSpPr>
+            <a:spLocks noGrp="1"/>
+          </p:cNvSpPr>
+          <p:nvPr>
+            <p:ph idx="1"/>
+          </p:nvPr>
+        </p:nvSpPr>
+        <p:spPr/>
+        <p:txBody>
+          <a:bodyPr>
+            <a:normAutofit/>
+          </a:bodyPr>
+          <a:lstStyle/>
+          <a:p>
+            <a:r>
+              <a:rPr lang="en-US" altLang="zh-TW" dirty="0"/>
+              <a:t>Manage Meeting rooms</a:t>
+            </a:r>
+            <a:r>
+              <a:rPr lang="zh-TW" altLang="en-US" dirty="0"/>
+              <a:t>：</a:t>
+            </a:r>
+            <a:r>
+              <a:rPr lang="en-US" altLang="zh-TW" dirty="0"/>
+              <a:t>Create/Delete/Modify Meeting rooms</a:t>
+            </a:r>
+          </a:p>
+          <a:p>
+            <a:r>
+              <a:rPr lang="en-US" altLang="zh-TW" dirty="0"/>
+              <a:t>Manage Meeting </a:t>
+            </a:r>
+            <a:r>
+              <a:rPr lang="zh-TW" altLang="en-US" dirty="0"/>
+              <a:t>：</a:t>
+            </a:r>
+            <a:r>
+              <a:rPr lang="en-US" altLang="zh-TW" dirty="0"/>
+              <a:t>Create/Delete</a:t>
+            </a:r>
+          </a:p>
+          <a:p>
+            <a:r>
+              <a:rPr lang="en-US" altLang="zh-TW" dirty="0"/>
+              <a:t>Modify Meeting Information</a:t>
+            </a:r>
+            <a:r>
+              <a:rPr lang="zh-TW" altLang="en-US" dirty="0"/>
+              <a:t>：</a:t>
+            </a:r>
+            <a:r>
+              <a:rPr lang="en-US" altLang="zh-TW" dirty="0"/>
+              <a:t>Modify the title, time, participants, description</a:t>
+            </a:r>
+          </a:p>
+          <a:p>
+            <a:r>
+              <a:rPr lang="en-US" altLang="zh-TW" dirty="0"/>
+              <a:t>Show my meeting</a:t>
+            </a:r>
+            <a:r>
+              <a:rPr lang="zh-TW" altLang="en-US" dirty="0"/>
+              <a:t> ：</a:t>
+            </a:r>
+            <a:r>
+              <a:rPr lang="en-US" altLang="zh-TW" dirty="0"/>
+              <a:t>To show the meetings user attends</a:t>
+            </a:r>
+          </a:p>
+          <a:p>
+            <a:r>
+              <a:rPr lang="en-US" altLang="zh-TW" dirty="0"/>
+              <a:t>Login/Register</a:t>
+            </a:r>
+          </a:p>
+          <a:p>
+            <a:r>
+              <a:rPr lang="en-US" altLang="zh-TW" dirty="0"/>
+              <a:t>System Synchronization</a:t>
+            </a:r>
+          </a:p>
+        </p:txBody>
+      </p:sp>
+      <p:sp>
+        <p:nvSpPr>
+          <p:cNvPr id="5" name="Rectangle 1">
+            <a:extLst>
+              <a:ext uri="{FF2B5EF4-FFF2-40B4-BE49-F238E27FC236}">
+                <a16:creationId xmlns:a16="http://schemas.microsoft.com/office/drawing/2014/main" id="{807DF678-7EBA-4B2B-A0C4-FDC7E6CBED5A}"/>
+              </a:ext>
+            </a:extLst>
+          </p:cNvPr>
+          <p:cNvSpPr>
+            <a:spLocks noChangeArrowheads="1"/>
+          </p:cNvSpPr>
+          <p:nvPr/>
+        </p:nvSpPr>
+        <p:spPr bwMode="auto">
+          <a:xfrm>
+            <a:off x="-95294915" y="-48399"/>
+            <a:ext cx="228654125" cy="553998"/>
+          </a:xfrm>
+          <a:prstGeom prst="rect">
+            <a:avLst/>
+          </a:prstGeom>
+          <a:noFill/>
+          <a:ln>
+            <a:noFill/>
+          </a:ln>
+          <a:effectLst/>
+          <a:extLst>
+            <a:ext uri="{909E8E84-426E-40DD-AFC4-6F175D3DCCD1}">
+              <a14:hiddenFill xmlns:a14="http://schemas.microsoft.com/office/drawing/2010/main">
+                <a:solidFill>
+                  <a:schemeClr val="accent1"/>
+                </a:solidFill>
+              </a14:hiddenFill>
+            </a:ext>
+            <a:ext uri="{91240B29-F687-4F45-9708-019B960494DF}">
+              <a14:hiddenLine xmlns:a14="http://schemas.microsoft.com/office/drawing/2010/main" w="9525">
+                <a:solidFill>
+                  <a:schemeClr val="tx1"/>
+                </a:solidFill>
+                <a:miter lim="800000"/>
+                <a:headEnd/>
+                <a:tailEnd/>
+              </a14:hiddenLine>
+            </a:ext>
+            <a:ext uri="{AF507438-7753-43E0-B8FC-AC1667EBCBE1}">
+              <a14:hiddenEffects xmlns:a14="http://schemas.microsoft.com/office/drawing/2010/main">
+                <a:effectLst>
+                  <a:outerShdw dist="35921" dir="2700000" algn="ctr" rotWithShape="0">
+                    <a:schemeClr val="bg2"/>
+                  </a:outerShdw>
+                </a:effectLst>
+              </a14:hiddenEffects>
+            </a:ext>
+          </a:extLst>
+        </p:spPr>
+        <p:txBody>
+          <a:bodyPr vert="horz" wrap="square" lIns="91440" tIns="0" rIns="91440" bIns="0" numCol="1" anchor="ctr" anchorCtr="0" compatLnSpc="1">
+            <a:prstTxWarp prst="textNoShape">
+              <a:avLst/>
+            </a:prstTxWarp>
+            <a:spAutoFit/>
+          </a:bodyPr>
+          <a:lstStyle/>
+          <a:p>
+            <a:pPr marL="0" marR="0" lvl="0" indent="0" algn="l" defTabSz="914400" rtl="0" eaLnBrk="0" fontAlgn="base" latinLnBrk="0" hangingPunct="0">
+              <a:lnSpc>
+                <a:spcPct val="100000"/>
+              </a:lnSpc>
+              <a:spcBef>
+                <a:spcPct val="0"/>
+              </a:spcBef>
+              <a:spcAft>
+                <a:spcPct val="0"/>
+              </a:spcAft>
+              <a:buClrTx/>
+              <a:buSzTx/>
+              <a:buFontTx/>
+              <a:buNone/>
+              <a:tabLst/>
+            </a:pPr>
+            <a:endParaRPr kumimoji="0" lang="zh-TW" altLang="zh-TW" sz="1800" b="0" i="0" u="none" strike="noStrike" cap="none" normalizeH="0" baseline="0">
+              <a:ln>
+                <a:noFill/>
+              </a:ln>
+              <a:solidFill>
+                <a:schemeClr val="tx1"/>
+              </a:solidFill>
+              <a:effectLst/>
+              <a:latin typeface="Arial" panose="020B0604020202020204" pitchFamily="34" charset="0"/>
+            </a:endParaRPr>
+          </a:p>
+          <a:p>
+            <a:pPr marL="0" marR="0" lvl="0" indent="0" algn="l" defTabSz="914400" rtl="0" eaLnBrk="0" fontAlgn="base" latinLnBrk="0" hangingPunct="0">
+              <a:lnSpc>
+                <a:spcPct val="100000"/>
+              </a:lnSpc>
+              <a:spcBef>
+                <a:spcPct val="0"/>
+              </a:spcBef>
+              <a:spcAft>
+                <a:spcPct val="0"/>
+              </a:spcAft>
+              <a:buClrTx/>
+              <a:buSzTx/>
+              <a:buFontTx/>
+              <a:buNone/>
+              <a:tabLst/>
+            </a:pPr>
+            <a:endParaRPr kumimoji="0" lang="zh-TW" altLang="zh-TW" sz="1800" b="0" i="0" u="none" strike="noStrike" cap="none" normalizeH="0" baseline="0">
+              <a:ln>
+                <a:noFill/>
+              </a:ln>
+              <a:solidFill>
+                <a:schemeClr val="tx1"/>
+              </a:solidFill>
+              <a:effectLst/>
+              <a:latin typeface="Arial" panose="020B0604020202020204" pitchFamily="34" charset="0"/>
+            </a:endParaRPr>
+          </a:p>
+        </p:txBody>
+      </p:sp>
+    </p:spTree>
+    <p:extLst>
+      <p:ext uri="{BB962C8B-B14F-4D97-AF65-F5344CB8AC3E}">
+        <p14:creationId xmlns:p14="http://schemas.microsoft.com/office/powerpoint/2010/main" val="973064247"/>
       </p:ext>
     </p:extLst>
   </p:cSld>
@@ -6091,13 +9959,13 @@
             <p:ph idx="1"/>
             <p:extLst>
               <p:ext uri="{D42A27DB-BD31-4B8C-83A1-F6EECF244321}">
-                <p14:modId xmlns:p14="http://schemas.microsoft.com/office/powerpoint/2010/main" val="3905068121"/>
+                <p14:modId xmlns:p14="http://schemas.microsoft.com/office/powerpoint/2010/main" val="2262895757"/>
               </p:ext>
             </p:extLst>
           </p:nvPr>
         </p:nvGraphicFramePr>
         <p:xfrm>
-          <a:off x="627806" y="1784942"/>
+          <a:off x="219433" y="2072894"/>
           <a:ext cx="6767293" cy="4284048"/>
         </p:xfrm>
         <a:graphic>
@@ -7076,8 +10944,8 @@
         </p:blipFill>
         <p:spPr>
           <a:xfrm>
-            <a:off x="7499369" y="4364642"/>
-            <a:ext cx="3805601" cy="1416833"/>
+            <a:off x="7197528" y="3429000"/>
+            <a:ext cx="4858348" cy="1808773"/>
           </a:xfrm>
           <a:prstGeom prst="rect">
             <a:avLst/>
@@ -7088,6 +10956,113 @@
     <p:extLst>
       <p:ext uri="{BB962C8B-B14F-4D97-AF65-F5344CB8AC3E}">
         <p14:creationId xmlns:p14="http://schemas.microsoft.com/office/powerpoint/2010/main" val="679707220"/>
+      </p:ext>
+    </p:extLst>
+  </p:cSld>
+  <p:clrMapOvr>
+    <a:masterClrMapping/>
+  </p:clrMapOvr>
+</p:sld>
+</file>
+
+<file path=ppt/slides/slide20.xml><?xml version="1.0" encoding="utf-8"?>
+<p:sld xmlns:a="http://schemas.openxmlformats.org/drawingml/2006/main" xmlns:r="http://schemas.openxmlformats.org/officeDocument/2006/relationships" xmlns:p="http://schemas.openxmlformats.org/presentationml/2006/main">
+  <p:cSld>
+    <p:spTree>
+      <p:nvGrpSpPr>
+        <p:cNvPr id="1" name=""/>
+        <p:cNvGrpSpPr/>
+        <p:nvPr/>
+      </p:nvGrpSpPr>
+      <p:grpSpPr>
+        <a:xfrm>
+          <a:off x="0" y="0"/>
+          <a:ext cx="0" cy="0"/>
+          <a:chOff x="0" y="0"/>
+          <a:chExt cx="0" cy="0"/>
+        </a:xfrm>
+      </p:grpSpPr>
+      <p:sp>
+        <p:nvSpPr>
+          <p:cNvPr id="2" name="標題 1">
+            <a:extLst>
+              <a:ext uri="{FF2B5EF4-FFF2-40B4-BE49-F238E27FC236}">
+                <a16:creationId xmlns:a16="http://schemas.microsoft.com/office/drawing/2014/main" id="{E112733D-26DC-4D02-8ED1-F86B3D762BC4}"/>
+              </a:ext>
+            </a:extLst>
+          </p:cNvPr>
+          <p:cNvSpPr>
+            <a:spLocks noGrp="1"/>
+          </p:cNvSpPr>
+          <p:nvPr>
+            <p:ph type="title"/>
+          </p:nvPr>
+        </p:nvSpPr>
+        <p:spPr/>
+        <p:txBody>
+          <a:bodyPr/>
+          <a:lstStyle/>
+          <a:p>
+            <a:r>
+              <a:rPr lang="en-US" altLang="zh-TW" dirty="0"/>
+              <a:t>Non-Functional requirement</a:t>
+            </a:r>
+            <a:endParaRPr lang="zh-TW" altLang="en-US" dirty="0"/>
+          </a:p>
+        </p:txBody>
+      </p:sp>
+      <p:sp>
+        <p:nvSpPr>
+          <p:cNvPr id="3" name="內容版面配置區 2">
+            <a:extLst>
+              <a:ext uri="{FF2B5EF4-FFF2-40B4-BE49-F238E27FC236}">
+                <a16:creationId xmlns:a16="http://schemas.microsoft.com/office/drawing/2014/main" id="{F14701C1-F252-4D93-BF3E-36308B4E9771}"/>
+              </a:ext>
+            </a:extLst>
+          </p:cNvPr>
+          <p:cNvSpPr>
+            <a:spLocks noGrp="1"/>
+          </p:cNvSpPr>
+          <p:nvPr>
+            <p:ph idx="1"/>
+          </p:nvPr>
+        </p:nvSpPr>
+        <p:spPr/>
+        <p:txBody>
+          <a:bodyPr/>
+          <a:lstStyle/>
+          <a:p>
+            <a:r>
+              <a:rPr lang="en-US" altLang="zh-TW" dirty="0"/>
+              <a:t>Safety requirement</a:t>
+            </a:r>
+          </a:p>
+          <a:p>
+            <a:pPr lvl="1"/>
+            <a:r>
+              <a:rPr lang="en-US" altLang="zh-TW" dirty="0"/>
+              <a:t>Backup database to prevent users from doing irreversible or illegal operations.</a:t>
+            </a:r>
+          </a:p>
+          <a:p>
+            <a:r>
+              <a:rPr lang="en-US" altLang="zh-TW" dirty="0"/>
+              <a:t>Security requirement</a:t>
+            </a:r>
+          </a:p>
+          <a:p>
+            <a:pPr lvl="1"/>
+            <a:r>
+              <a:rPr lang="en-US" altLang="zh-TW" dirty="0"/>
+              <a:t>Verify the user’s identity before user access to database.</a:t>
+            </a:r>
+          </a:p>
+        </p:txBody>
+      </p:sp>
+    </p:spTree>
+    <p:extLst>
+      <p:ext uri="{BB962C8B-B14F-4D97-AF65-F5344CB8AC3E}">
+        <p14:creationId xmlns:p14="http://schemas.microsoft.com/office/powerpoint/2010/main" val="3515769912"/>
       </p:ext>
     </p:extLst>
   </p:cSld>
@@ -7119,7 +11094,7 @@
           <p:cNvPr id="2" name="標題 1">
             <a:extLst>
               <a:ext uri="{FF2B5EF4-FFF2-40B4-BE49-F238E27FC236}">
-                <a16:creationId xmlns:a16="http://schemas.microsoft.com/office/drawing/2014/main" id="{40B2B9F6-1F69-44FC-93C5-B4AFDB3B5EDA}"/>
+                <a16:creationId xmlns:a16="http://schemas.microsoft.com/office/drawing/2014/main" id="{A18C51AF-BB58-4136-B677-69696A79C23E}"/>
               </a:ext>
             </a:extLst>
           </p:cNvPr>
@@ -7137,7 +11112,7 @@
           <a:p>
             <a:r>
               <a:rPr lang="en-US" altLang="zh-TW" dirty="0"/>
-              <a:t>Features</a:t>
+              <a:t>What is Booking System</a:t>
             </a:r>
             <a:endParaRPr lang="zh-TW" altLang="en-US" dirty="0"/>
           </a:p>
@@ -7148,7 +11123,7 @@
           <p:cNvPr id="3" name="內容版面配置區 2">
             <a:extLst>
               <a:ext uri="{FF2B5EF4-FFF2-40B4-BE49-F238E27FC236}">
-                <a16:creationId xmlns:a16="http://schemas.microsoft.com/office/drawing/2014/main" id="{301E3C50-4D62-4A14-B3ED-CFE48806A6E3}"/>
+                <a16:creationId xmlns:a16="http://schemas.microsoft.com/office/drawing/2014/main" id="{295F5040-5C78-44A9-ABC1-4CA1171DDAD3}"/>
               </a:ext>
             </a:extLst>
           </p:cNvPr>
@@ -7161,82 +11136,30 @@
         </p:nvSpPr>
         <p:spPr/>
         <p:txBody>
-          <a:bodyPr>
-            <a:normAutofit fontScale="70000" lnSpcReduction="20000"/>
-          </a:bodyPr>
+          <a:bodyPr/>
           <a:lstStyle/>
           <a:p>
             <a:r>
               <a:rPr lang="en-US" altLang="zh-TW" dirty="0"/>
-              <a:t>Booking</a:t>
-            </a:r>
-          </a:p>
-          <a:p>
-            <a:pPr lvl="1"/>
+              <a:t>An assistance system for user to book meeting room</a:t>
+            </a:r>
+          </a:p>
+          <a:p>
             <a:r>
               <a:rPr lang="en-US" altLang="zh-TW" dirty="0"/>
-              <a:t>Choose room</a:t>
-            </a:r>
-          </a:p>
-          <a:p>
-            <a:pPr lvl="2"/>
+              <a:t>Multiuser, multitasking systems</a:t>
+            </a:r>
+          </a:p>
+          <a:p>
             <a:r>
               <a:rPr lang="en-US" altLang="zh-TW" dirty="0"/>
-              <a:t>Choose date &amp; time</a:t>
-            </a:r>
-          </a:p>
-          <a:p>
-            <a:pPr lvl="2"/>
+              <a:t>Provides graphical user interface operation</a:t>
+            </a:r>
+          </a:p>
+          <a:p>
             <a:r>
               <a:rPr lang="en-US" altLang="zh-TW" dirty="0"/>
-              <a:t>Create meeting</a:t>
-            </a:r>
-          </a:p>
-          <a:p>
-            <a:pPr lvl="2"/>
-            <a:r>
-              <a:rPr lang="en-US" altLang="zh-TW" dirty="0"/>
-              <a:t>Modify meeting</a:t>
-            </a:r>
-          </a:p>
-          <a:p>
-            <a:pPr lvl="2"/>
-            <a:r>
-              <a:rPr lang="en-US" altLang="zh-TW" dirty="0"/>
-              <a:t>Delete meeting</a:t>
-            </a:r>
-          </a:p>
-          <a:p>
-            <a:r>
-              <a:rPr lang="en-US" altLang="zh-TW" dirty="0"/>
-              <a:t>My meeting</a:t>
-            </a:r>
-          </a:p>
-          <a:p>
-            <a:r>
-              <a:rPr lang="en-US" altLang="zh-TW" dirty="0"/>
-              <a:t>Manage room (Admin only)</a:t>
-            </a:r>
-          </a:p>
-          <a:p>
-            <a:pPr lvl="1"/>
-            <a:r>
-              <a:rPr lang="en-US" altLang="zh-TW" dirty="0"/>
-              <a:t>Add room</a:t>
-            </a:r>
-          </a:p>
-          <a:p>
-            <a:pPr lvl="1"/>
-            <a:r>
-              <a:rPr lang="en-US" altLang="zh-TW" dirty="0"/>
-              <a:t>Edit room</a:t>
-            </a:r>
-          </a:p>
-          <a:p>
-            <a:pPr lvl="1"/>
-            <a:r>
-              <a:rPr lang="en-US" altLang="zh-TW" dirty="0"/>
-              <a:t>Delete room</a:t>
+              <a:t>Integrate with google calendar</a:t>
             </a:r>
           </a:p>
         </p:txBody>
@@ -7244,7 +11167,7 @@
     </p:spTree>
     <p:extLst>
       <p:ext uri="{BB962C8B-B14F-4D97-AF65-F5344CB8AC3E}">
-        <p14:creationId xmlns:p14="http://schemas.microsoft.com/office/powerpoint/2010/main" val="1666400534"/>
+        <p14:creationId xmlns:p14="http://schemas.microsoft.com/office/powerpoint/2010/main" val="1897316723"/>
       </p:ext>
     </p:extLst>
   </p:cSld>
@@ -7276,7 +11199,7 @@
           <p:cNvPr id="2" name="標題 1">
             <a:extLst>
               <a:ext uri="{FF2B5EF4-FFF2-40B4-BE49-F238E27FC236}">
-                <a16:creationId xmlns:a16="http://schemas.microsoft.com/office/drawing/2014/main" id="{67FD610F-9BCC-466B-BB0A-07F5607EDDA8}"/>
+                <a16:creationId xmlns:a16="http://schemas.microsoft.com/office/drawing/2014/main" id="{E3170E9A-8059-4FBC-99C5-BA376DDDCFD1}"/>
               </a:ext>
             </a:extLst>
           </p:cNvPr>
@@ -7294,7 +11217,11 @@
           <a:p>
             <a:r>
               <a:rPr lang="en-US" altLang="zh-TW" dirty="0"/>
-              <a:t>Limitation</a:t>
+              <a:t>The Goal of </a:t>
+            </a:r>
+            <a:r>
+              <a:rPr lang="en-US" altLang="zh-TW" dirty="0" err="1"/>
+              <a:t>BookSystem</a:t>
             </a:r>
             <a:endParaRPr lang="zh-TW" altLang="en-US" dirty="0"/>
           </a:p>
@@ -7305,7 +11232,7 @@
           <p:cNvPr id="3" name="內容版面配置區 2">
             <a:extLst>
               <a:ext uri="{FF2B5EF4-FFF2-40B4-BE49-F238E27FC236}">
-                <a16:creationId xmlns:a16="http://schemas.microsoft.com/office/drawing/2014/main" id="{2C607F4A-630E-4FA9-B57C-73DAA03A46BD}"/>
+                <a16:creationId xmlns:a16="http://schemas.microsoft.com/office/drawing/2014/main" id="{DFCD2BD0-9622-46A2-B1D5-27E1B3217EB4}"/>
               </a:ext>
             </a:extLst>
           </p:cNvPr>
@@ -7323,16 +11250,20 @@
           <a:p>
             <a:r>
               <a:rPr lang="en-US" altLang="zh-TW" dirty="0"/>
-              <a:t>The participant not allow two meeting at same time</a:t>
+              <a:t>Makes the process of booking meetings easier and faster</a:t>
             </a:r>
           </a:p>
           <a:p>
             <a:r>
               <a:rPr lang="en-US" altLang="zh-TW" dirty="0"/>
-              <a:t>The room not allow two meeting at same time</a:t>
-            </a:r>
-          </a:p>
-          <a:p>
+              <a:t>Remind attendees to join the meeting</a:t>
+            </a:r>
+          </a:p>
+          <a:p>
+            <a:r>
+              <a:rPr lang="en-US" altLang="zh-TW" dirty="0"/>
+              <a:t>Provide a system that can modify booking information</a:t>
+            </a:r>
             <a:endParaRPr lang="zh-TW" altLang="en-US" dirty="0"/>
           </a:p>
         </p:txBody>
@@ -7340,7 +11271,7 @@
     </p:spTree>
     <p:extLst>
       <p:ext uri="{BB962C8B-B14F-4D97-AF65-F5344CB8AC3E}">
-        <p14:creationId xmlns:p14="http://schemas.microsoft.com/office/powerpoint/2010/main" val="382338284"/>
+        <p14:creationId xmlns:p14="http://schemas.microsoft.com/office/powerpoint/2010/main" val="4057093586"/>
       </p:ext>
     </p:extLst>
   </p:cSld>
@@ -7372,7 +11303,7 @@
           <p:cNvPr id="2" name="標題 1">
             <a:extLst>
               <a:ext uri="{FF2B5EF4-FFF2-40B4-BE49-F238E27FC236}">
-                <a16:creationId xmlns:a16="http://schemas.microsoft.com/office/drawing/2014/main" id="{2DB00714-1B56-4A68-BF83-CC48F46D67DE}"/>
+                <a16:creationId xmlns:a16="http://schemas.microsoft.com/office/drawing/2014/main" id="{F770325D-53C9-4D9F-A206-39E38281C875}"/>
               </a:ext>
             </a:extLst>
           </p:cNvPr>
@@ -7390,15 +11321,11 @@
           <a:p>
             <a:r>
               <a:rPr lang="en-US" altLang="zh-TW" dirty="0"/>
-              <a:t>Functional requirements</a:t>
-            </a:r>
-            <a:r>
-              <a:rPr lang="zh-TW" altLang="en-US" dirty="0"/>
-              <a:t> </a:t>
-            </a:r>
-            <a:r>
-              <a:rPr lang="en-US" altLang="zh-TW" dirty="0"/>
-              <a:t>(1/2)</a:t>
+              <a:t>Why choose </a:t>
+            </a:r>
+            <a:r>
+              <a:rPr lang="en-US" altLang="zh-TW" dirty="0" err="1"/>
+              <a:t>BookSystem</a:t>
             </a:r>
             <a:endParaRPr lang="zh-TW" altLang="en-US" dirty="0"/>
           </a:p>
@@ -7406,10 +11333,10 @@
       </p:sp>
       <p:sp>
         <p:nvSpPr>
-          <p:cNvPr id="7" name="內容版面配置區 6">
+          <p:cNvPr id="3" name="內容版面配置區 2">
             <a:extLst>
               <a:ext uri="{FF2B5EF4-FFF2-40B4-BE49-F238E27FC236}">
-                <a16:creationId xmlns:a16="http://schemas.microsoft.com/office/drawing/2014/main" id="{D3E015DE-03F4-46E2-9DEE-53CC3D8B1EBA}"/>
+                <a16:creationId xmlns:a16="http://schemas.microsoft.com/office/drawing/2014/main" id="{FDA9B053-5AF8-476A-8671-083F235E050C}"/>
               </a:ext>
             </a:extLst>
           </p:cNvPr>
@@ -7422,208 +11349,41 @@
         </p:nvSpPr>
         <p:spPr/>
         <p:txBody>
-          <a:bodyPr>
-            <a:normAutofit fontScale="92500" lnSpcReduction="10000"/>
-          </a:bodyPr>
+          <a:bodyPr/>
           <a:lstStyle/>
           <a:p>
             <a:r>
               <a:rPr lang="en-US" altLang="zh-TW" dirty="0"/>
-              <a:t>Create meeting room</a:t>
-            </a:r>
-            <a:r>
-              <a:rPr lang="zh-TW" altLang="en-US" dirty="0"/>
-              <a:t>：</a:t>
-            </a:r>
+              <a:t>Stable and reliable system</a:t>
+            </a:r>
+          </a:p>
+          <a:p>
             <a:r>
               <a:rPr lang="en-US" altLang="zh-TW" dirty="0"/>
-              <a:t>Create a meeting room in database</a:t>
+              <a:t>User friendly UI</a:t>
             </a:r>
           </a:p>
           <a:p>
             <a:r>
               <a:rPr lang="en-US" altLang="zh-TW" dirty="0"/>
-              <a:t>Create Meeting</a:t>
-            </a:r>
-            <a:r>
-              <a:rPr lang="zh-TW" altLang="en-US" dirty="0"/>
-              <a:t>：</a:t>
-            </a:r>
+              <a:t>Allow multiple people to edit information at the same time</a:t>
+            </a:r>
+          </a:p>
+          <a:p>
             <a:r>
               <a:rPr lang="en-US" altLang="zh-TW" dirty="0"/>
-              <a:t>create a upcoming meeting in the meeting room</a:t>
-            </a:r>
-          </a:p>
-          <a:p>
-            <a:r>
-              <a:rPr lang="en-US" altLang="zh-TW" dirty="0"/>
-              <a:t>Update Meeting Title</a:t>
-            </a:r>
-            <a:r>
-              <a:rPr lang="zh-TW" altLang="en-US" dirty="0"/>
-              <a:t>：</a:t>
-            </a:r>
-            <a:r>
-              <a:rPr lang="en-US" altLang="zh-TW" dirty="0"/>
-              <a:t>modify the title of the meeting that already existed in meeting room</a:t>
-            </a:r>
-          </a:p>
-          <a:p>
-            <a:r>
-              <a:rPr lang="en-US" altLang="zh-TW" dirty="0"/>
-              <a:t>Update Meeting Description</a:t>
-            </a:r>
-            <a:r>
-              <a:rPr lang="zh-TW" altLang="en-US" dirty="0"/>
-              <a:t>：</a:t>
-            </a:r>
-            <a:r>
-              <a:rPr lang="en-US" altLang="zh-TW" dirty="0"/>
-              <a:t>modify the description of the meeting that already existed in meeting room</a:t>
-            </a:r>
-          </a:p>
-          <a:p>
-            <a:r>
-              <a:rPr lang="en-US" altLang="zh-TW" dirty="0"/>
-              <a:t>Update Meeting Time</a:t>
-            </a:r>
-            <a:r>
-              <a:rPr lang="zh-TW" altLang="en-US" dirty="0"/>
-              <a:t>：</a:t>
-            </a:r>
-            <a:r>
-              <a:rPr lang="en-US" altLang="zh-TW" dirty="0"/>
-              <a:t>modify the time of the meeting that already existed in meeting room</a:t>
-            </a:r>
-          </a:p>
-        </p:txBody>
-      </p:sp>
-      <p:sp>
-        <p:nvSpPr>
-          <p:cNvPr id="5" name="Rectangle 1">
-            <a:extLst>
-              <a:ext uri="{FF2B5EF4-FFF2-40B4-BE49-F238E27FC236}">
-                <a16:creationId xmlns:a16="http://schemas.microsoft.com/office/drawing/2014/main" id="{807DF678-7EBA-4B2B-A0C4-FDC7E6CBED5A}"/>
-              </a:ext>
-            </a:extLst>
-          </p:cNvPr>
-          <p:cNvSpPr>
-            <a:spLocks noChangeArrowheads="1"/>
-          </p:cNvSpPr>
-          <p:nvPr/>
-        </p:nvSpPr>
-        <p:spPr bwMode="auto">
-          <a:xfrm>
-            <a:off x="-95294915" y="-48399"/>
-            <a:ext cx="228654125" cy="553998"/>
-          </a:xfrm>
-          <a:prstGeom prst="rect">
-            <a:avLst/>
-          </a:prstGeom>
-          <a:noFill/>
-          <a:ln>
-            <a:noFill/>
-          </a:ln>
-          <a:effectLst/>
-          <a:extLst>
-            <a:ext uri="{909E8E84-426E-40DD-AFC4-6F175D3DCCD1}">
-              <a14:hiddenFill xmlns:a14="http://schemas.microsoft.com/office/drawing/2010/main">
-                <a:solidFill>
-                  <a:schemeClr val="accent1"/>
-                </a:solidFill>
-              </a14:hiddenFill>
-            </a:ext>
-            <a:ext uri="{91240B29-F687-4F45-9708-019B960494DF}">
-              <a14:hiddenLine xmlns:a14="http://schemas.microsoft.com/office/drawing/2010/main" w="9525">
-                <a:solidFill>
-                  <a:schemeClr val="tx1"/>
-                </a:solidFill>
-                <a:miter lim="800000"/>
-                <a:headEnd/>
-                <a:tailEnd/>
-              </a14:hiddenLine>
-            </a:ext>
-            <a:ext uri="{AF507438-7753-43E0-B8FC-AC1667EBCBE1}">
-              <a14:hiddenEffects xmlns:a14="http://schemas.microsoft.com/office/drawing/2010/main">
-                <a:effectLst>
-                  <a:outerShdw dist="35921" dir="2700000" algn="ctr" rotWithShape="0">
-                    <a:schemeClr val="bg2"/>
-                  </a:outerShdw>
-                </a:effectLst>
-              </a14:hiddenEffects>
-            </a:ext>
-          </a:extLst>
-        </p:spPr>
-        <p:txBody>
-          <a:bodyPr vert="horz" wrap="square" lIns="91440" tIns="0" rIns="91440" bIns="0" numCol="1" anchor="ctr" anchorCtr="0" compatLnSpc="1">
-            <a:prstTxWarp prst="textNoShape">
-              <a:avLst/>
-            </a:prstTxWarp>
-            <a:spAutoFit/>
-          </a:bodyPr>
-          <a:lstStyle/>
-          <a:p>
-            <a:pPr marL="0" marR="0" lvl="0" indent="0" algn="l" defTabSz="914400" rtl="0" eaLnBrk="0" fontAlgn="base" latinLnBrk="0" hangingPunct="0">
-              <a:lnSpc>
-                <a:spcPct val="100000"/>
-              </a:lnSpc>
-              <a:spcBef>
-                <a:spcPct val="0"/>
-              </a:spcBef>
-              <a:spcAft>
-                <a:spcPct val="0"/>
-              </a:spcAft>
-              <a:buClrTx/>
-              <a:buSzTx/>
-              <a:buFontTx/>
-              <a:buNone/>
-              <a:tabLst/>
-            </a:pPr>
-            <a:endParaRPr kumimoji="0" lang="zh-TW" altLang="zh-TW" sz="1800" b="0" i="0" u="none" strike="noStrike" cap="none" normalizeH="0" baseline="0">
-              <a:ln>
-                <a:noFill/>
-              </a:ln>
-              <a:solidFill>
-                <a:schemeClr val="tx1"/>
-              </a:solidFill>
-              <a:effectLst/>
-              <a:latin typeface="Arial" panose="020B0604020202020204" pitchFamily="34" charset="0"/>
-            </a:endParaRPr>
-          </a:p>
-          <a:p>
-            <a:pPr marL="0" marR="0" lvl="0" indent="0" algn="l" defTabSz="914400" rtl="0" eaLnBrk="0" fontAlgn="base" latinLnBrk="0" hangingPunct="0">
-              <a:lnSpc>
-                <a:spcPct val="100000"/>
-              </a:lnSpc>
-              <a:spcBef>
-                <a:spcPct val="0"/>
-              </a:spcBef>
-              <a:spcAft>
-                <a:spcPct val="0"/>
-              </a:spcAft>
-              <a:buClrTx/>
-              <a:buSzTx/>
-              <a:buFontTx/>
-              <a:buNone/>
-              <a:tabLst/>
-            </a:pPr>
-            <a:endParaRPr kumimoji="0" lang="zh-TW" altLang="zh-TW" sz="1800" b="0" i="0" u="none" strike="noStrike" cap="none" normalizeH="0" baseline="0">
-              <a:ln>
-                <a:noFill/>
-              </a:ln>
-              <a:solidFill>
-                <a:schemeClr val="tx1"/>
-              </a:solidFill>
-              <a:effectLst/>
-              <a:latin typeface="Arial" panose="020B0604020202020204" pitchFamily="34" charset="0"/>
-            </a:endParaRPr>
+              <a:t>Not limited to local area network</a:t>
+            </a:r>
+          </a:p>
+          <a:p>
+            <a:endParaRPr lang="zh-TW" altLang="en-US" dirty="0"/>
           </a:p>
         </p:txBody>
       </p:sp>
     </p:spTree>
     <p:extLst>
       <p:ext uri="{BB962C8B-B14F-4D97-AF65-F5344CB8AC3E}">
-        <p14:creationId xmlns:p14="http://schemas.microsoft.com/office/powerpoint/2010/main" val="973064247"/>
+        <p14:creationId xmlns:p14="http://schemas.microsoft.com/office/powerpoint/2010/main" val="2661755586"/>
       </p:ext>
     </p:extLst>
   </p:cSld>
@@ -7655,7 +11415,7 @@
           <p:cNvPr id="2" name="標題 1">
             <a:extLst>
               <a:ext uri="{FF2B5EF4-FFF2-40B4-BE49-F238E27FC236}">
-                <a16:creationId xmlns:a16="http://schemas.microsoft.com/office/drawing/2014/main" id="{7EDF6EA5-975D-4E1F-8014-BED636D5D1EF}"/>
+                <a16:creationId xmlns:a16="http://schemas.microsoft.com/office/drawing/2014/main" id="{A9E29E13-78AC-43B4-B1B7-B04542968B55}"/>
               </a:ext>
             </a:extLst>
           </p:cNvPr>
@@ -7672,16 +11432,12 @@
           <a:lstStyle/>
           <a:p>
             <a:r>
+              <a:rPr lang="en-US" altLang="zh-TW" dirty="0" err="1"/>
+              <a:t>BookSystem</a:t>
+            </a:r>
+            <a:r>
               <a:rPr lang="en-US" altLang="zh-TW" dirty="0"/>
-              <a:t>Functional requirements</a:t>
-            </a:r>
-            <a:r>
-              <a:rPr lang="zh-TW" altLang="en-US" dirty="0"/>
-              <a:t> </a:t>
-            </a:r>
-            <a:r>
-              <a:rPr lang="en-US" altLang="zh-TW" dirty="0"/>
-              <a:t>(2/2)</a:t>
+              <a:t> Structure</a:t>
             </a:r>
             <a:endParaRPr lang="zh-TW" altLang="en-US" dirty="0"/>
           </a:p>
@@ -7692,7 +11448,7 @@
           <p:cNvPr id="3" name="內容版面配置區 2">
             <a:extLst>
               <a:ext uri="{FF2B5EF4-FFF2-40B4-BE49-F238E27FC236}">
-                <a16:creationId xmlns:a16="http://schemas.microsoft.com/office/drawing/2014/main" id="{C57AD1F0-2D09-49A6-8F49-220727036D92}"/>
+                <a16:creationId xmlns:a16="http://schemas.microsoft.com/office/drawing/2014/main" id="{6701B6C6-1322-42DA-A2F7-703A2B86FBE5}"/>
               </a:ext>
             </a:extLst>
           </p:cNvPr>
@@ -7703,120 +11459,96 @@
             <p:ph idx="1"/>
           </p:nvPr>
         </p:nvSpPr>
-        <p:spPr/>
+        <p:spPr>
+          <a:xfrm>
+            <a:off x="677334" y="1728310"/>
+            <a:ext cx="8596668" cy="3880773"/>
+          </a:xfrm>
+        </p:spPr>
         <p:txBody>
           <a:bodyPr/>
           <a:lstStyle/>
           <a:p>
-            <a:pPr>
-              <a:lnSpc>
-                <a:spcPct val="90000"/>
-              </a:lnSpc>
-            </a:pPr>
-            <a:r>
-              <a:rPr lang="en-US" altLang="zh-TW" sz="2200" dirty="0"/>
-              <a:t>Add Attendee</a:t>
-            </a:r>
-            <a:r>
-              <a:rPr lang="zh-TW" altLang="en-US" sz="2200" dirty="0"/>
-              <a:t>：</a:t>
-            </a:r>
-            <a:r>
-              <a:rPr lang="en-US" altLang="zh-TW" sz="2200" dirty="0"/>
-              <a:t>Add participant into the meeting that already existed in meeting room</a:t>
-            </a:r>
-          </a:p>
-          <a:p>
-            <a:pPr>
-              <a:lnSpc>
-                <a:spcPct val="90000"/>
-              </a:lnSpc>
-            </a:pPr>
-            <a:r>
-              <a:rPr lang="en-US" altLang="zh-TW" sz="2200" dirty="0"/>
-              <a:t>Remove Attendee</a:t>
-            </a:r>
-            <a:r>
-              <a:rPr lang="zh-TW" altLang="en-US" sz="2200" dirty="0"/>
-              <a:t>：</a:t>
-            </a:r>
-            <a:r>
-              <a:rPr lang="en-US" altLang="zh-TW" sz="2200" dirty="0"/>
-              <a:t>Remove the participant from the meeting that already existed in meeting room</a:t>
-            </a:r>
-          </a:p>
-          <a:p>
-            <a:pPr>
-              <a:lnSpc>
-                <a:spcPct val="90000"/>
-              </a:lnSpc>
-            </a:pPr>
-            <a:r>
-              <a:rPr lang="en-US" altLang="zh-TW" sz="2200" dirty="0"/>
-              <a:t>Delete Meeting</a:t>
-            </a:r>
-            <a:r>
-              <a:rPr lang="zh-TW" altLang="en-US" sz="2200" dirty="0"/>
-              <a:t>：</a:t>
-            </a:r>
-            <a:r>
-              <a:rPr lang="en-US" altLang="zh-TW" sz="2200" dirty="0"/>
-              <a:t>Remove the meeting that already existed in meeting room</a:t>
-            </a:r>
-          </a:p>
-          <a:p>
-            <a:pPr>
-              <a:lnSpc>
-                <a:spcPct val="90000"/>
-              </a:lnSpc>
-            </a:pPr>
-            <a:r>
-              <a:rPr lang="en-US" altLang="zh-TW" sz="2200" dirty="0"/>
-              <a:t>Delete Meeting Room</a:t>
-            </a:r>
-            <a:r>
-              <a:rPr lang="zh-TW" altLang="en-US" sz="2200" dirty="0"/>
-              <a:t>：</a:t>
-            </a:r>
-            <a:r>
-              <a:rPr lang="en-US" altLang="zh-TW" sz="2200" dirty="0"/>
-              <a:t>Delete the Meeting Room</a:t>
-            </a:r>
-          </a:p>
-          <a:p>
-            <a:pPr>
-              <a:lnSpc>
-                <a:spcPct val="90000"/>
-              </a:lnSpc>
-            </a:pPr>
-            <a:r>
-              <a:rPr lang="en-US" altLang="zh-TW" sz="2200" dirty="0"/>
-              <a:t>Update meeting room name</a:t>
-            </a:r>
-            <a:r>
-              <a:rPr lang="zh-TW" altLang="en-US" sz="2200" dirty="0"/>
-              <a:t>：</a:t>
-            </a:r>
-            <a:r>
-              <a:rPr lang="en-US" altLang="zh-TW" sz="2200" dirty="0"/>
-              <a:t>modify the name of the meeting room that already existed</a:t>
-            </a:r>
-            <a:endParaRPr lang="zh-TW" altLang="en-US" sz="2200" dirty="0"/>
-          </a:p>
-          <a:p>
-            <a:pPr>
-              <a:lnSpc>
-                <a:spcPct val="90000"/>
-              </a:lnSpc>
-            </a:pPr>
-            <a:endParaRPr lang="zh-TW" altLang="en-US" sz="2200" dirty="0"/>
-          </a:p>
-        </p:txBody>
-      </p:sp>
+            <a:r>
+              <a:rPr lang="en-US" altLang="zh-TW" dirty="0" err="1"/>
+              <a:t>BookSystem</a:t>
+            </a:r>
+            <a:r>
+              <a:rPr lang="en-US" altLang="zh-TW" dirty="0"/>
+              <a:t> can be roughly divided into four subsystems</a:t>
+            </a:r>
+          </a:p>
+          <a:p>
+            <a:pPr lvl="1"/>
+            <a:r>
+              <a:rPr lang="en-US" altLang="zh-TW" dirty="0"/>
+              <a:t>Core</a:t>
+            </a:r>
+          </a:p>
+          <a:p>
+            <a:pPr lvl="1"/>
+            <a:r>
+              <a:rPr lang="en-US" altLang="zh-TW" dirty="0"/>
+              <a:t>Database</a:t>
+            </a:r>
+          </a:p>
+          <a:p>
+            <a:pPr lvl="1"/>
+            <a:r>
+              <a:rPr lang="en-US" altLang="zh-TW" dirty="0"/>
+              <a:t>User interface</a:t>
+            </a:r>
+          </a:p>
+          <a:p>
+            <a:pPr lvl="1"/>
+            <a:r>
+              <a:rPr lang="en-US" altLang="zh-TW" dirty="0"/>
+              <a:t>Google calendar</a:t>
+            </a:r>
+          </a:p>
+          <a:p>
+            <a:endParaRPr lang="en-US" altLang="zh-TW" dirty="0"/>
+          </a:p>
+          <a:p>
+            <a:pPr lvl="1"/>
+            <a:endParaRPr lang="zh-TW" altLang="en-US" dirty="0"/>
+          </a:p>
+        </p:txBody>
+      </p:sp>
+      <p:pic>
+        <p:nvPicPr>
+          <p:cNvPr id="4" name="圖片 3">
+            <a:extLst>
+              <a:ext uri="{FF2B5EF4-FFF2-40B4-BE49-F238E27FC236}">
+                <a16:creationId xmlns:a16="http://schemas.microsoft.com/office/drawing/2014/main" id="{5F01A2DA-C7C2-424F-98F2-7C4CA85003A6}"/>
+              </a:ext>
+            </a:extLst>
+          </p:cNvPr>
+          <p:cNvPicPr>
+            <a:picLocks noChangeAspect="1"/>
+          </p:cNvPicPr>
+          <p:nvPr/>
+        </p:nvPicPr>
+        <p:blipFill>
+          <a:blip r:embed="rId2"/>
+          <a:stretch>
+            <a:fillRect/>
+          </a:stretch>
+        </p:blipFill>
+        <p:spPr>
+          <a:xfrm>
+            <a:off x="4785412" y="3118828"/>
+            <a:ext cx="4858348" cy="1808773"/>
+          </a:xfrm>
+          <a:prstGeom prst="rect">
+            <a:avLst/>
+          </a:prstGeom>
+        </p:spPr>
+      </p:pic>
     </p:spTree>
     <p:extLst>
       <p:ext uri="{BB962C8B-B14F-4D97-AF65-F5344CB8AC3E}">
-        <p14:creationId xmlns:p14="http://schemas.microsoft.com/office/powerpoint/2010/main" val="828046341"/>
+        <p14:creationId xmlns:p14="http://schemas.microsoft.com/office/powerpoint/2010/main" val="3068382558"/>
       </p:ext>
     </p:extLst>
   </p:cSld>
@@ -7848,7 +11580,7 @@
           <p:cNvPr id="2" name="標題 1">
             <a:extLst>
               <a:ext uri="{FF2B5EF4-FFF2-40B4-BE49-F238E27FC236}">
-                <a16:creationId xmlns:a16="http://schemas.microsoft.com/office/drawing/2014/main" id="{E112733D-26DC-4D02-8ED1-F86B3D762BC4}"/>
+                <a16:creationId xmlns:a16="http://schemas.microsoft.com/office/drawing/2014/main" id="{A9E29E13-78AC-43B4-B1B7-B04542968B55}"/>
               </a:ext>
             </a:extLst>
           </p:cNvPr>
@@ -7866,7 +11598,15 @@
           <a:p>
             <a:r>
               <a:rPr lang="en-US" altLang="zh-TW" dirty="0"/>
-              <a:t>Non-Functional requirement</a:t>
+              <a:t>How </a:t>
+            </a:r>
+            <a:r>
+              <a:rPr lang="en-US" altLang="zh-TW" dirty="0" err="1"/>
+              <a:t>BookSystem</a:t>
+            </a:r>
+            <a:r>
+              <a:rPr lang="en-US" altLang="zh-TW" dirty="0"/>
+              <a:t> work</a:t>
             </a:r>
             <a:endParaRPr lang="zh-TW" altLang="en-US" dirty="0"/>
           </a:p>
@@ -7877,7 +11617,7 @@
           <p:cNvPr id="3" name="內容版面配置區 2">
             <a:extLst>
               <a:ext uri="{FF2B5EF4-FFF2-40B4-BE49-F238E27FC236}">
-                <a16:creationId xmlns:a16="http://schemas.microsoft.com/office/drawing/2014/main" id="{F14701C1-F252-4D93-BF3E-36308B4E9771}"/>
+                <a16:creationId xmlns:a16="http://schemas.microsoft.com/office/drawing/2014/main" id="{6701B6C6-1322-42DA-A2F7-703A2B86FBE5}"/>
               </a:ext>
             </a:extLst>
           </p:cNvPr>
@@ -7895,48 +11635,374 @@
           <a:p>
             <a:r>
               <a:rPr lang="en-US" altLang="zh-TW" dirty="0"/>
-              <a:t>Performance requirement</a:t>
+              <a:t>The user issues an operation request through the UI</a:t>
+            </a:r>
+          </a:p>
+          <a:p>
+            <a:r>
+              <a:rPr lang="en-US" altLang="zh-TW" dirty="0"/>
+              <a:t>The request will be sent to the core subsystem</a:t>
+            </a:r>
+          </a:p>
+          <a:p>
+            <a:r>
+              <a:rPr lang="en-US" altLang="zh-TW" dirty="0"/>
+              <a:t>Then send operation requests to the database and google calendar</a:t>
+            </a:r>
+          </a:p>
+          <a:p>
+            <a:r>
+              <a:rPr lang="en-US" altLang="zh-TW" dirty="0"/>
+              <a:t>If the database is updated by others, the core subsystem will reflect the new state to other subsystems</a:t>
+            </a:r>
+          </a:p>
+          <a:p>
+            <a:r>
+              <a:rPr lang="en-US" altLang="zh-TW" dirty="0"/>
+              <a:t>Present the feedback results to the UI</a:t>
             </a:r>
           </a:p>
           <a:p>
             <a:pPr lvl="1"/>
-            <a:r>
-              <a:rPr lang="en-US" altLang="zh-TW" dirty="0"/>
-              <a:t>Use load balance to handle if too many users access the database at the same time.</a:t>
-            </a:r>
-          </a:p>
-          <a:p>
-            <a:r>
-              <a:rPr lang="en-US" altLang="zh-TW" dirty="0"/>
-              <a:t>Safety requirement</a:t>
-            </a:r>
-          </a:p>
-          <a:p>
-            <a:pPr lvl="1"/>
-            <a:r>
-              <a:rPr lang="en-US" altLang="zh-TW" dirty="0"/>
-              <a:t>Backup database to prevent users from doing irreversible or illegal operations.</a:t>
-            </a:r>
-          </a:p>
-          <a:p>
-            <a:r>
-              <a:rPr lang="en-US" altLang="zh-TW" dirty="0"/>
-              <a:t>Security requirement</a:t>
-            </a:r>
-          </a:p>
-          <a:p>
-            <a:pPr lvl="1"/>
-            <a:r>
-              <a:rPr lang="en-US" altLang="zh-TW" dirty="0"/>
-              <a:t>Verify the user’s identity before user access to database.</a:t>
-            </a:r>
+            <a:endParaRPr lang="zh-TW" altLang="en-US" dirty="0"/>
           </a:p>
         </p:txBody>
       </p:sp>
     </p:spTree>
     <p:extLst>
       <p:ext uri="{BB962C8B-B14F-4D97-AF65-F5344CB8AC3E}">
-        <p14:creationId xmlns:p14="http://schemas.microsoft.com/office/powerpoint/2010/main" val="3515769912"/>
+        <p14:creationId xmlns:p14="http://schemas.microsoft.com/office/powerpoint/2010/main" val="68826168"/>
+      </p:ext>
+    </p:extLst>
+  </p:cSld>
+  <p:clrMapOvr>
+    <a:masterClrMapping/>
+  </p:clrMapOvr>
+</p:sld>
+</file>
+
+<file path=ppt/slides/slide8.xml><?xml version="1.0" encoding="utf-8"?>
+<p:sld xmlns:a="http://schemas.openxmlformats.org/drawingml/2006/main" xmlns:r="http://schemas.openxmlformats.org/officeDocument/2006/relationships" xmlns:p="http://schemas.openxmlformats.org/presentationml/2006/main">
+  <p:cSld>
+    <p:spTree>
+      <p:nvGrpSpPr>
+        <p:cNvPr id="1" name=""/>
+        <p:cNvGrpSpPr/>
+        <p:nvPr/>
+      </p:nvGrpSpPr>
+      <p:grpSpPr>
+        <a:xfrm>
+          <a:off x="0" y="0"/>
+          <a:ext cx="0" cy="0"/>
+          <a:chOff x="0" y="0"/>
+          <a:chExt cx="0" cy="0"/>
+        </a:xfrm>
+      </p:grpSpPr>
+      <p:sp>
+        <p:nvSpPr>
+          <p:cNvPr id="2" name="標題 1">
+            <a:extLst>
+              <a:ext uri="{FF2B5EF4-FFF2-40B4-BE49-F238E27FC236}">
+                <a16:creationId xmlns:a16="http://schemas.microsoft.com/office/drawing/2014/main" id="{7C6F1542-D507-4120-9231-34E6DA04F87B}"/>
+              </a:ext>
+            </a:extLst>
+          </p:cNvPr>
+          <p:cNvSpPr>
+            <a:spLocks noGrp="1"/>
+          </p:cNvSpPr>
+          <p:nvPr>
+            <p:ph type="title"/>
+          </p:nvPr>
+        </p:nvSpPr>
+        <p:spPr/>
+        <p:txBody>
+          <a:bodyPr/>
+          <a:lstStyle/>
+          <a:p>
+            <a:r>
+              <a:rPr lang="en-US" altLang="zh-TW" dirty="0"/>
+              <a:t>How the details are implemented</a:t>
+            </a:r>
+            <a:endParaRPr lang="zh-TW" altLang="en-US" dirty="0"/>
+          </a:p>
+        </p:txBody>
+      </p:sp>
+      <p:sp>
+        <p:nvSpPr>
+          <p:cNvPr id="3" name="內容版面配置區 2">
+            <a:extLst>
+              <a:ext uri="{FF2B5EF4-FFF2-40B4-BE49-F238E27FC236}">
+                <a16:creationId xmlns:a16="http://schemas.microsoft.com/office/drawing/2014/main" id="{AC938E96-908D-404B-8EF3-CD9393C9D66C}"/>
+              </a:ext>
+            </a:extLst>
+          </p:cNvPr>
+          <p:cNvSpPr>
+            <a:spLocks noGrp="1"/>
+          </p:cNvSpPr>
+          <p:nvPr>
+            <p:ph idx="1"/>
+          </p:nvPr>
+        </p:nvSpPr>
+        <p:spPr>
+          <a:xfrm>
+            <a:off x="677334" y="1841623"/>
+            <a:ext cx="8596668" cy="3880773"/>
+          </a:xfrm>
+        </p:spPr>
+        <p:txBody>
+          <a:bodyPr/>
+          <a:lstStyle/>
+          <a:p>
+            <a:r>
+              <a:rPr lang="en-US" altLang="zh-TW" dirty="0"/>
+              <a:t>When a new meeting is being added</a:t>
+            </a:r>
+            <a:r>
+              <a:rPr lang="zh-TW" altLang="en-US" dirty="0"/>
+              <a:t> </a:t>
+            </a:r>
+            <a:r>
+              <a:rPr lang="en-US" altLang="zh-TW" dirty="0"/>
+              <a:t>:</a:t>
+            </a:r>
+          </a:p>
+          <a:p>
+            <a:pPr lvl="1"/>
+            <a:r>
+              <a:rPr lang="en-US" altLang="zh-TW" dirty="0"/>
+              <a:t>Check if time conflicts with other meetings in the same room</a:t>
+            </a:r>
+          </a:p>
+          <a:p>
+            <a:pPr marL="457200" lvl="1" indent="0">
+              <a:buNone/>
+            </a:pPr>
+            <a:endParaRPr lang="en-US" altLang="zh-TW" dirty="0"/>
+          </a:p>
+          <a:p>
+            <a:r>
+              <a:rPr lang="en-US" altLang="zh-TW" dirty="0"/>
+              <a:t>When a new meeting is </a:t>
+            </a:r>
+            <a:r>
+              <a:rPr lang="en-US" altLang="zh-TW" dirty="0">
+                <a:solidFill>
+                  <a:srgbClr val="C00000"/>
+                </a:solidFill>
+              </a:rPr>
+              <a:t>successfully</a:t>
+            </a:r>
+            <a:r>
+              <a:rPr lang="en-US" altLang="zh-TW" dirty="0"/>
+              <a:t> added</a:t>
+            </a:r>
+            <a:r>
+              <a:rPr lang="zh-TW" altLang="en-US" dirty="0"/>
+              <a:t> </a:t>
+            </a:r>
+            <a:r>
+              <a:rPr lang="en-US" altLang="zh-TW" dirty="0"/>
+              <a:t>:</a:t>
+            </a:r>
+          </a:p>
+          <a:p>
+            <a:pPr lvl="1"/>
+            <a:r>
+              <a:rPr lang="en-US" altLang="zh-TW" dirty="0"/>
+              <a:t>Add meeting to attendee’s calendar using google calendar </a:t>
+            </a:r>
+            <a:r>
+              <a:rPr lang="en-US" altLang="zh-TW" dirty="0" err="1"/>
+              <a:t>api</a:t>
+            </a:r>
+            <a:endParaRPr lang="en-US" altLang="zh-TW" dirty="0"/>
+          </a:p>
+          <a:p>
+            <a:pPr lvl="1"/>
+            <a:r>
+              <a:rPr lang="en-US" altLang="zh-TW" dirty="0"/>
+              <a:t>Send mail reminders to attendee’s email</a:t>
+            </a:r>
+          </a:p>
+          <a:p>
+            <a:pPr lvl="1"/>
+            <a:r>
+              <a:rPr lang="en-US" altLang="zh-TW" dirty="0"/>
+              <a:t>Store new meeting to database</a:t>
+            </a:r>
+          </a:p>
+          <a:p>
+            <a:pPr lvl="1"/>
+            <a:r>
+              <a:rPr lang="en-US" altLang="zh-TW" dirty="0"/>
+              <a:t>Change shows on the UI</a:t>
+            </a:r>
+          </a:p>
+          <a:p>
+            <a:endParaRPr lang="zh-TW" altLang="en-US" dirty="0"/>
+          </a:p>
+        </p:txBody>
+      </p:sp>
+    </p:spTree>
+    <p:extLst>
+      <p:ext uri="{BB962C8B-B14F-4D97-AF65-F5344CB8AC3E}">
+        <p14:creationId xmlns:p14="http://schemas.microsoft.com/office/powerpoint/2010/main" val="3743888269"/>
+      </p:ext>
+    </p:extLst>
+  </p:cSld>
+  <p:clrMapOvr>
+    <a:masterClrMapping/>
+  </p:clrMapOvr>
+</p:sld>
+</file>
+
+<file path=ppt/slides/slide9.xml><?xml version="1.0" encoding="utf-8"?>
+<p:sld xmlns:a="http://schemas.openxmlformats.org/drawingml/2006/main" xmlns:r="http://schemas.openxmlformats.org/officeDocument/2006/relationships" xmlns:p="http://schemas.openxmlformats.org/presentationml/2006/main">
+  <p:cSld>
+    <p:spTree>
+      <p:nvGrpSpPr>
+        <p:cNvPr id="1" name=""/>
+        <p:cNvGrpSpPr/>
+        <p:nvPr/>
+      </p:nvGrpSpPr>
+      <p:grpSpPr>
+        <a:xfrm>
+          <a:off x="0" y="0"/>
+          <a:ext cx="0" cy="0"/>
+          <a:chOff x="0" y="0"/>
+          <a:chExt cx="0" cy="0"/>
+        </a:xfrm>
+      </p:grpSpPr>
+      <p:sp>
+        <p:nvSpPr>
+          <p:cNvPr id="2" name="標題 1">
+            <a:extLst>
+              <a:ext uri="{FF2B5EF4-FFF2-40B4-BE49-F238E27FC236}">
+                <a16:creationId xmlns:a16="http://schemas.microsoft.com/office/drawing/2014/main" id="{7C6F1542-D507-4120-9231-34E6DA04F87B}"/>
+              </a:ext>
+            </a:extLst>
+          </p:cNvPr>
+          <p:cNvSpPr>
+            <a:spLocks noGrp="1"/>
+          </p:cNvSpPr>
+          <p:nvPr>
+            <p:ph type="title"/>
+          </p:nvPr>
+        </p:nvSpPr>
+        <p:spPr/>
+        <p:txBody>
+          <a:bodyPr/>
+          <a:lstStyle/>
+          <a:p>
+            <a:r>
+              <a:rPr lang="en-US" altLang="zh-TW" dirty="0"/>
+              <a:t>How the details are implemented</a:t>
+            </a:r>
+            <a:endParaRPr lang="zh-TW" altLang="en-US" dirty="0"/>
+          </a:p>
+        </p:txBody>
+      </p:sp>
+      <p:sp>
+        <p:nvSpPr>
+          <p:cNvPr id="3" name="內容版面配置區 2">
+            <a:extLst>
+              <a:ext uri="{FF2B5EF4-FFF2-40B4-BE49-F238E27FC236}">
+                <a16:creationId xmlns:a16="http://schemas.microsoft.com/office/drawing/2014/main" id="{AC938E96-908D-404B-8EF3-CD9393C9D66C}"/>
+              </a:ext>
+            </a:extLst>
+          </p:cNvPr>
+          <p:cNvSpPr>
+            <a:spLocks noGrp="1"/>
+          </p:cNvSpPr>
+          <p:nvPr>
+            <p:ph idx="1"/>
+          </p:nvPr>
+        </p:nvSpPr>
+        <p:spPr/>
+        <p:txBody>
+          <a:bodyPr/>
+          <a:lstStyle/>
+          <a:p>
+            <a:r>
+              <a:rPr lang="en-US" altLang="zh-TW" dirty="0"/>
+              <a:t>When the room is being used</a:t>
+            </a:r>
+          </a:p>
+          <a:p>
+            <a:pPr lvl="1"/>
+            <a:r>
+              <a:rPr lang="en-US" altLang="zh-TW" dirty="0"/>
+              <a:t>Show "in use" on UI</a:t>
+            </a:r>
+          </a:p>
+          <a:p>
+            <a:r>
+              <a:rPr lang="en-US" altLang="zh-TW" dirty="0"/>
+              <a:t>The "My meeting" interface will display all the meetings of the user</a:t>
+            </a:r>
+          </a:p>
+          <a:p>
+            <a:pPr lvl="1"/>
+            <a:r>
+              <a:rPr lang="en-US" altLang="zh-TW" dirty="0"/>
+              <a:t>Most recent to oldest</a:t>
+            </a:r>
+          </a:p>
+          <a:p>
+            <a:pPr lvl="1"/>
+            <a:r>
+              <a:rPr lang="en-US" altLang="zh-TW" dirty="0"/>
+              <a:t>Display meeting name, room name, time period</a:t>
+            </a:r>
+          </a:p>
+          <a:p>
+            <a:r>
+              <a:rPr lang="en-US" altLang="zh-TW" dirty="0"/>
+              <a:t>When the meeting is deleted :</a:t>
+            </a:r>
+          </a:p>
+          <a:p>
+            <a:pPr lvl="1"/>
+            <a:r>
+              <a:rPr lang="en-US" altLang="zh-TW" dirty="0"/>
+              <a:t>Delete meeting from attendee’s calendar using google calendar </a:t>
+            </a:r>
+            <a:r>
+              <a:rPr lang="en-US" altLang="zh-TW" dirty="0" err="1"/>
+              <a:t>api</a:t>
+            </a:r>
+            <a:endParaRPr lang="en-US" altLang="zh-TW" dirty="0"/>
+          </a:p>
+          <a:p>
+            <a:pPr lvl="1"/>
+            <a:r>
+              <a:rPr lang="en-US" altLang="zh-TW" dirty="0"/>
+              <a:t>Google calendar will send email to participants</a:t>
+            </a:r>
+          </a:p>
+          <a:p>
+            <a:pPr lvl="1"/>
+            <a:r>
+              <a:rPr lang="en-US" altLang="zh-TW" dirty="0"/>
+              <a:t>Delete meeting from database</a:t>
+            </a:r>
+          </a:p>
+          <a:p>
+            <a:pPr lvl="1"/>
+            <a:r>
+              <a:rPr lang="en-US" altLang="zh-TW" dirty="0"/>
+              <a:t>Delete new meeting from timeline</a:t>
+            </a:r>
+          </a:p>
+          <a:p>
+            <a:endParaRPr lang="en-US" altLang="zh-TW" dirty="0"/>
+          </a:p>
+        </p:txBody>
+      </p:sp>
+    </p:spTree>
+    <p:extLst>
+      <p:ext uri="{BB962C8B-B14F-4D97-AF65-F5344CB8AC3E}">
+        <p14:creationId xmlns:p14="http://schemas.microsoft.com/office/powerpoint/2010/main" val="3448764007"/>
       </p:ext>
     </p:extLst>
   </p:cSld>
@@ -7947,9 +12013,9 @@
 </file>
 
 <file path=ppt/theme/theme1.xml><?xml version="1.0" encoding="utf-8"?>
-<a:theme xmlns:a="http://schemas.openxmlformats.org/drawingml/2006/main" name="有機">
+<a:theme xmlns:a="http://schemas.openxmlformats.org/drawingml/2006/main" name="多面向">
   <a:themeElements>
-    <a:clrScheme name="有機">
+    <a:clrScheme name="多面向">
       <a:dk1>
         <a:sysClr val="windowText" lastClr="000000"/>
       </a:dk1>
@@ -7957,48 +12023,83 @@
         <a:sysClr val="window" lastClr="FFFFFF"/>
       </a:lt1>
       <a:dk2>
-        <a:srgbClr val="212121"/>
+        <a:srgbClr val="2C3C43"/>
       </a:dk2>
       <a:lt2>
-        <a:srgbClr val="DADADA"/>
+        <a:srgbClr val="EBEBEB"/>
       </a:lt2>
       <a:accent1>
-        <a:srgbClr val="83992A"/>
+        <a:srgbClr val="90C226"/>
       </a:accent1>
       <a:accent2>
-        <a:srgbClr val="3C9770"/>
+        <a:srgbClr val="54A021"/>
       </a:accent2>
       <a:accent3>
-        <a:srgbClr val="44709D"/>
+        <a:srgbClr val="E6B91E"/>
       </a:accent3>
       <a:accent4>
-        <a:srgbClr val="A23C33"/>
+        <a:srgbClr val="E76618"/>
       </a:accent4>
       <a:accent5>
-        <a:srgbClr val="D97828"/>
+        <a:srgbClr val="C42F1A"/>
       </a:accent5>
       <a:accent6>
-        <a:srgbClr val="DEB340"/>
+        <a:srgbClr val="918655"/>
       </a:accent6>
       <a:hlink>
-        <a:srgbClr val="A8BF4D"/>
+        <a:srgbClr val="99CA3C"/>
       </a:hlink>
       <a:folHlink>
-        <a:srgbClr val="B4CA80"/>
+        <a:srgbClr val="B9D181"/>
       </a:folHlink>
     </a:clrScheme>
-    <a:fontScheme name="有機">
+    <a:fontScheme name="多面向">
       <a:majorFont>
-        <a:latin typeface="Garamond" panose="02020404030301010803"/>
+        <a:latin typeface="Trebuchet MS" panose="020B0603020202020204"/>
         <a:ea typeface=""/>
         <a:cs typeface=""/>
-        <a:font script="Jpan" typeface="ＭＳ Ｐゴシック"/>
-        <a:font script="Hang" typeface="돋움"/>
-        <a:font script="Hans" typeface="方正舒体"/>
+        <a:font script="Jpan" typeface="メイリオ"/>
+        <a:font script="Hang" typeface="맑은 고딕"/>
+        <a:font script="Hans" typeface="方正姚体"/>
         <a:font script="Hant" typeface="微軟正黑體"/>
-        <a:font script="Arab" typeface="Arial"/>
+        <a:font script="Arab" typeface="Tahoma"/>
         <a:font script="Hebr" typeface="Arial"/>
         <a:font script="Thai" typeface="Cordia New"/>
+        <a:font script="Ethi" typeface="Nyala"/>
+        <a:font script="Beng" typeface="Vrinda"/>
+        <a:font script="Gujr" typeface="Shruti"/>
+        <a:font script="Khmr" typeface="DaunPenh"/>
+        <a:font script="Knda" typeface="Tunga"/>
+        <a:font script="Guru" typeface="Raavi"/>
+        <a:font script="Cans" typeface="Euphemia"/>
+        <a:font script="Cher" typeface="Plantagenet Cherokee"/>
+        <a:font script="Yiii" typeface="Microsoft Yi Baiti"/>
+        <a:font script="Tibt" typeface="Microsoft Himalaya"/>
+        <a:font script="Thaa" typeface="MV Boli"/>
+        <a:font script="Deva" typeface="Mangal"/>
+        <a:font script="Telu" typeface="Gautami"/>
+        <a:font script="Taml" typeface="Latha"/>
+        <a:font script="Syrc" typeface="Estrangelo Edessa"/>
+        <a:font script="Orya" typeface="Kalinga"/>
+        <a:font script="Mlym" typeface="Kartika"/>
+        <a:font script="Laoo" typeface="DokChampa"/>
+        <a:font script="Sinh" typeface="Iskoola Pota"/>
+        <a:font script="Mong" typeface="Mongolian Baiti"/>
+        <a:font script="Viet" typeface="Tahoma"/>
+        <a:font script="Uigh" typeface="Microsoft Uighur"/>
+        <a:font script="Geor" typeface="Sylfaen"/>
+      </a:majorFont>
+      <a:minorFont>
+        <a:latin typeface="Trebuchet MS" panose="020B0603020202020204"/>
+        <a:ea typeface=""/>
+        <a:cs typeface=""/>
+        <a:font script="Jpan" typeface="メイリオ"/>
+        <a:font script="Hang" typeface="HY그래픽M"/>
+        <a:font script="Hans" typeface="华文新魏"/>
+        <a:font script="Hant" typeface="微軟正黑體"/>
+        <a:font script="Arab" typeface="Tahoma"/>
+        <a:font script="Hebr" typeface="Gisha"/>
+        <a:font script="Thai" typeface="IrisUPC"/>
         <a:font script="Ethi" typeface="Nyala"/>
         <a:font script="Beng" typeface="Vrinda"/>
         <a:font script="Gujr" typeface="Shruti"/>
@@ -8022,44 +12123,9 @@
         <a:font script="Viet" typeface="Arial"/>
         <a:font script="Uigh" typeface="Microsoft Uighur"/>
         <a:font script="Geor" typeface="Sylfaen"/>
-      </a:majorFont>
-      <a:minorFont>
-        <a:latin typeface="Garamond" panose="02020404030301010803"/>
-        <a:ea typeface=""/>
-        <a:cs typeface=""/>
-        <a:font script="Jpan" typeface="ＭＳ Ｐ明朝"/>
-        <a:font script="Hang" typeface="바탕"/>
-        <a:font script="Hans" typeface="方正舒体"/>
-        <a:font script="Hant" typeface="新細明體"/>
-        <a:font script="Arab" typeface="Times New Roman"/>
-        <a:font script="Hebr" typeface="Times New Roman"/>
-        <a:font script="Thai" typeface="Angsana New"/>
-        <a:font script="Ethi" typeface="Nyala"/>
-        <a:font script="Beng" typeface="Vrinda"/>
-        <a:font script="Gujr" typeface="Shruti"/>
-        <a:font script="Khmr" typeface="MoolBoran"/>
-        <a:font script="Knda" typeface="Tunga"/>
-        <a:font script="Guru" typeface="Raavi"/>
-        <a:font script="Cans" typeface="Euphemia"/>
-        <a:font script="Cher" typeface="Plantagenet Cherokee"/>
-        <a:font script="Yiii" typeface="Microsoft Yi Baiti"/>
-        <a:font script="Tibt" typeface="Microsoft Himalaya"/>
-        <a:font script="Thaa" typeface="MV Boli"/>
-        <a:font script="Deva" typeface="Mangal"/>
-        <a:font script="Telu" typeface="Gautami"/>
-        <a:font script="Taml" typeface="Latha"/>
-        <a:font script="Syrc" typeface="Estrangelo Edessa"/>
-        <a:font script="Orya" typeface="Kalinga"/>
-        <a:font script="Mlym" typeface="Kartika"/>
-        <a:font script="Laoo" typeface="DokChampa"/>
-        <a:font script="Sinh" typeface="Iskoola Pota"/>
-        <a:font script="Mong" typeface="Mongolian Baiti"/>
-        <a:font script="Viet" typeface="Times New Roman"/>
-        <a:font script="Uigh" typeface="Microsoft Uighur"/>
-        <a:font script="Geor" typeface="Sylfaen"/>
       </a:minorFont>
     </a:fontScheme>
-    <a:fmtScheme name="有機">
+    <a:fmtScheme name="多面向">
       <a:fillStyleLst>
         <a:solidFill>
           <a:schemeClr val="phClr"/>
@@ -8068,50 +12134,50 @@
           <a:gsLst>
             <a:gs pos="0">
               <a:schemeClr val="phClr">
-                <a:tint val="60000"/>
+                <a:tint val="65000"/>
                 <a:lumMod val="110000"/>
               </a:schemeClr>
             </a:gs>
-            <a:gs pos="100000">
+            <a:gs pos="88000">
               <a:schemeClr val="phClr">
-                <a:tint val="82000"/>
+                <a:tint val="90000"/>
               </a:schemeClr>
             </a:gs>
           </a:gsLst>
           <a:lin ang="5400000" scaled="0"/>
         </a:gradFill>
-        <a:blipFill>
-          <a:blip xmlns:r="http://schemas.openxmlformats.org/officeDocument/2006/relationships" r:embed="rId1">
-            <a:duotone>
+        <a:gradFill rotWithShape="1">
+          <a:gsLst>
+            <a:gs pos="0">
               <a:schemeClr val="phClr">
-                <a:shade val="74000"/>
-                <a:satMod val="130000"/>
-                <a:lumMod val="90000"/>
+                <a:tint val="96000"/>
+                <a:lumMod val="100000"/>
               </a:schemeClr>
+            </a:gs>
+            <a:gs pos="78000">
               <a:schemeClr val="phClr">
-                <a:tint val="94000"/>
-                <a:satMod val="120000"/>
-                <a:lumMod val="104000"/>
+                <a:shade val="94000"/>
+                <a:lumMod val="94000"/>
               </a:schemeClr>
-            </a:duotone>
-          </a:blip>
-          <a:tile tx="0" ty="0" sx="100000" sy="100000" flip="none" algn="tl"/>
-        </a:blipFill>
+            </a:gs>
+          </a:gsLst>
+          <a:lin ang="5400000" scaled="0"/>
+        </a:gradFill>
       </a:fillStyleLst>
       <a:lnStyleLst>
-        <a:ln w="9525" cap="flat" cmpd="sng" algn="ctr">
+        <a:ln w="12700" cap="rnd" cmpd="sng" algn="ctr">
           <a:solidFill>
             <a:schemeClr val="phClr"/>
           </a:solidFill>
           <a:prstDash val="solid"/>
         </a:ln>
-        <a:ln w="15875" cap="flat" cmpd="sng" algn="ctr">
+        <a:ln w="19050" cap="rnd" cmpd="sng" algn="ctr">
           <a:solidFill>
             <a:schemeClr val="phClr"/>
           </a:solidFill>
           <a:prstDash val="solid"/>
         </a:ln>
-        <a:ln w="25400" cap="flat" cmpd="sng" algn="ctr">
+        <a:ln w="25400" cap="rnd" cmpd="sng" algn="ctr">
           <a:solidFill>
             <a:schemeClr val="phClr"/>
           </a:solidFill>
@@ -8124,21 +12190,30 @@
         </a:effectStyle>
         <a:effectStyle>
           <a:effectLst>
-            <a:innerShdw blurRad="25400" dist="12700" dir="13500000">
+            <a:outerShdw blurRad="38100" dist="25400" dir="5400000" rotWithShape="0">
               <a:srgbClr val="000000">
-                <a:alpha val="45000"/>
+                <a:alpha val="35000"/>
               </a:srgbClr>
-            </a:innerShdw>
+            </a:outerShdw>
           </a:effectLst>
         </a:effectStyle>
         <a:effectStyle>
           <a:effectLst>
-            <a:outerShdw blurRad="38100" dist="25400" dir="5400000" rotWithShape="0">
+            <a:outerShdw blurRad="50800" dist="38100" dir="5400000" rotWithShape="0">
               <a:srgbClr val="000000">
-                <a:alpha val="60000"/>
+                <a:alpha val="35000"/>
               </a:srgbClr>
             </a:outerShdw>
           </a:effectLst>
+          <a:scene3d>
+            <a:camera prst="orthographicFront">
+              <a:rot lat="0" lon="0" rev="0"/>
+            </a:camera>
+            <a:lightRig rig="threePt" dir="tl"/>
+          </a:scene3d>
+          <a:sp3d prstMaterial="plastic">
+            <a:bevelT w="0" h="0"/>
+          </a:sp3d>
         </a:effectStyle>
       </a:effectStyleLst>
       <a:bgFillStyleLst>
@@ -8150,22 +12225,37 @@
             <a:gs pos="0">
               <a:schemeClr val="phClr">
                 <a:tint val="90000"/>
+                <a:lumMod val="104000"/>
+              </a:schemeClr>
+            </a:gs>
+            <a:gs pos="94000">
+              <a:schemeClr val="phClr">
+                <a:shade val="96000"/>
+                <a:lumMod val="82000"/>
+              </a:schemeClr>
+            </a:gs>
+          </a:gsLst>
+          <a:lin ang="5400000" scaled="0"/>
+        </a:gradFill>
+        <a:gradFill rotWithShape="1">
+          <a:gsLst>
+            <a:gs pos="0">
+              <a:schemeClr val="phClr">
+                <a:tint val="90000"/>
                 <a:lumMod val="110000"/>
               </a:schemeClr>
             </a:gs>
             <a:gs pos="100000">
               <a:schemeClr val="phClr">
-                <a:shade val="88000"/>
-                <a:lumMod val="98000"/>
+                <a:shade val="94000"/>
+                <a:lumMod val="96000"/>
               </a:schemeClr>
             </a:gs>
           </a:gsLst>
-          <a:lin ang="5400000" scaled="0"/>
+          <a:path path="circle">
+            <a:fillToRect l="50000" t="50000" r="100000" b="100000"/>
+          </a:path>
         </a:gradFill>
-        <a:blipFill>
-          <a:blip xmlns:r="http://schemas.openxmlformats.org/officeDocument/2006/relationships" r:embed="rId2"/>
-          <a:stretch/>
-        </a:blipFill>
       </a:bgFillStyleLst>
     </a:fmtScheme>
   </a:themeElements>
@@ -8173,7 +12263,7 @@
   <a:extraClrSchemeLst/>
   <a:extLst>
     <a:ext uri="{05A4C25C-085E-4340-85A3-A5531E510DB2}">
-      <thm15:themeFamily xmlns:thm15="http://schemas.microsoft.com/office/thememl/2012/main" name="Organic" id="{28CDC826-8792-45C0-861B-85EB3ADEDA33}" vid="{7DAC20F1-423D-49E2-BD0B-50532748BAD0}"/>
+      <thm15:themeFamily xmlns:thm15="http://schemas.microsoft.com/office/thememl/2012/main" name="Facet" id="{C0C680CD-088A-49FC-A102-D699147F32B2}" vid="{CFBC31BA-B70F-4F30-BCAA-4F3011E16C4D}"/>
     </a:ext>
   </a:extLst>
 </a:theme>
